--- a/基础/008-鸟瞰kubernetes.pptx
+++ b/基础/008-鸟瞰kubernetes.pptx
@@ -15,6 +15,7 @@
     <p:sldId id="261" r:id="rId7"/>
     <p:sldId id="262" r:id="rId8"/>
     <p:sldId id="263" r:id="rId9"/>
+    <p:sldId id="264" r:id="rId11"/>
   </p:sldIdLst>
   <p:sldSz cx="12192000" cy="6858000"/>
   <p:notesSz cx="6858000" cy="9144000"/>
@@ -470,6 +471,50 @@
 </file>
 
 <file path=ppt/notesSlides/notesSlide1.xml><?xml version="1.0" encoding="utf-8"?>
+<p:notes xmlns:a="http://schemas.openxmlformats.org/drawingml/2006/main" xmlns:r="http://schemas.openxmlformats.org/officeDocument/2006/relationships" xmlns:p="http://schemas.openxmlformats.org/presentationml/2006/main">
+  <p:cSld>
+    <p:spTree>
+      <p:nvGrpSpPr>
+        <p:cNvPr id="1" name=""/>
+        <p:cNvGrpSpPr/>
+        <p:nvPr/>
+      </p:nvGrpSpPr>
+      <p:grpSpPr/>
+      <p:sp>
+        <p:nvSpPr>
+          <p:cNvPr id="2" name="幻灯片图像占位符 1"/>
+          <p:cNvSpPr/>
+          <p:nvPr>
+            <p:ph type="sldImg" idx="2"/>
+          </p:nvPr>
+        </p:nvSpPr>
+        <p:spPr/>
+      </p:sp>
+      <p:sp>
+        <p:nvSpPr>
+          <p:cNvPr id="3" name="文本占位符 2"/>
+          <p:cNvSpPr/>
+          <p:nvPr>
+            <p:ph type="body" idx="3"/>
+          </p:nvPr>
+        </p:nvSpPr>
+        <p:spPr/>
+        <p:txBody>
+          <a:bodyPr/>
+          <a:p>
+            <a:endParaRPr lang="zh-CN" altLang="en-US"/>
+          </a:p>
+        </p:txBody>
+      </p:sp>
+    </p:spTree>
+  </p:cSld>
+  <p:clrMapOvr>
+    <a:masterClrMapping/>
+  </p:clrMapOvr>
+</p:notes>
+</file>
+
+<file path=ppt/notesSlides/notesSlide2.xml><?xml version="1.0" encoding="utf-8"?>
 <p:notes xmlns:a="http://schemas.openxmlformats.org/drawingml/2006/main" xmlns:r="http://schemas.openxmlformats.org/officeDocument/2006/relationships" xmlns:p="http://schemas.openxmlformats.org/presentationml/2006/main">
   <p:cSld>
     <p:spTree>
@@ -14363,6 +14408,684 @@
     </p:spTree>
     <p:custDataLst>
       <p:tags r:id="rId2"/>
+    </p:custDataLst>
+  </p:cSld>
+  <p:clrMapOvr>
+    <a:masterClrMapping/>
+  </p:clrMapOvr>
+</p:sld>
+</file>
+
+<file path=ppt/slides/slide8.xml><?xml version="1.0" encoding="utf-8"?>
+<p:sld xmlns:a="http://schemas.openxmlformats.org/drawingml/2006/main" xmlns:r="http://schemas.openxmlformats.org/officeDocument/2006/relationships" xmlns:p="http://schemas.openxmlformats.org/presentationml/2006/main">
+  <p:cSld>
+    <p:spTree>
+      <p:nvGrpSpPr>
+        <p:cNvPr id="1" name=""/>
+        <p:cNvGrpSpPr/>
+        <p:nvPr/>
+      </p:nvGrpSpPr>
+      <p:grpSpPr/>
+      <p:sp>
+        <p:nvSpPr>
+          <p:cNvPr id="2" name="文本框 1"/>
+          <p:cNvSpPr txBox="1"/>
+          <p:nvPr/>
+        </p:nvSpPr>
+        <p:spPr>
+          <a:xfrm>
+            <a:off x="1937385" y="1757045"/>
+            <a:ext cx="4598035" cy="521970"/>
+          </a:xfrm>
+          <a:prstGeom prst="rect">
+            <a:avLst/>
+          </a:prstGeom>
+          <a:noFill/>
+        </p:spPr>
+        <p:txBody>
+          <a:bodyPr wrap="square" rtlCol="0">
+            <a:spAutoFit/>
+          </a:bodyPr>
+          <a:p>
+            <a:r>
+              <a:rPr lang="en-US" altLang="zh-CN" sz="1400" b="1">
+                <a:latin typeface="Times New Roman" panose="02020603050405020304" charset="0"/>
+                <a:ea typeface="楷体" panose="02010609060101010101" charset="-122"/>
+                <a:cs typeface="Times New Roman" panose="02020603050405020304" charset="0"/>
+              </a:rPr>
+              <a:t>API SERVER</a:t>
+            </a:r>
+            <a:r>
+              <a:rPr lang="zh-CN" altLang="en-US" sz="1400" b="1">
+                <a:latin typeface="Times New Roman" panose="02020603050405020304" charset="0"/>
+                <a:ea typeface="楷体" panose="02010609060101010101" charset="-122"/>
+                <a:cs typeface="Times New Roman" panose="02020603050405020304" charset="0"/>
+              </a:rPr>
+              <a:t>：</a:t>
+            </a:r>
+            <a:endParaRPr lang="zh-CN" altLang="en-US" sz="1400" b="1">
+              <a:latin typeface="Times New Roman" panose="02020603050405020304" charset="0"/>
+              <a:ea typeface="楷体" panose="02010609060101010101" charset="-122"/>
+              <a:cs typeface="Times New Roman" panose="02020603050405020304" charset="0"/>
+            </a:endParaRPr>
+          </a:p>
+          <a:p>
+            <a:pPr indent="0">
+              <a:buFont typeface="Arial" panose="020B0604020202020204" pitchFamily="34" charset="0"/>
+              <a:buNone/>
+            </a:pPr>
+            <a:r>
+              <a:rPr lang="zh-CN" altLang="en-US" sz="1400">
+                <a:latin typeface="Times New Roman" panose="02020603050405020304" charset="0"/>
+                <a:ea typeface="楷体" panose="02010609060101010101" charset="-122"/>
+                <a:cs typeface="Times New Roman" panose="02020603050405020304" charset="0"/>
+              </a:rPr>
+              <a:t>提供集群控制平面的</a:t>
+            </a:r>
+            <a:r>
+              <a:rPr lang="en-US" altLang="zh-CN" sz="1400">
+                <a:latin typeface="Times New Roman" panose="02020603050405020304" charset="0"/>
+                <a:ea typeface="楷体" panose="02010609060101010101" charset="-122"/>
+                <a:cs typeface="Times New Roman" panose="02020603050405020304" charset="0"/>
+              </a:rPr>
+              <a:t>API</a:t>
+            </a:r>
+            <a:endParaRPr lang="en-US" altLang="zh-CN" sz="1400">
+              <a:latin typeface="Times New Roman" panose="02020603050405020304" charset="0"/>
+              <a:ea typeface="楷体" panose="02010609060101010101" charset="-122"/>
+              <a:cs typeface="Times New Roman" panose="02020603050405020304" charset="0"/>
+            </a:endParaRPr>
+          </a:p>
+        </p:txBody>
+      </p:sp>
+      <p:sp>
+        <p:nvSpPr>
+          <p:cNvPr id="4" name="文本框 3"/>
+          <p:cNvSpPr txBox="1"/>
+          <p:nvPr/>
+        </p:nvSpPr>
+        <p:spPr>
+          <a:xfrm>
+            <a:off x="1937385" y="2665095"/>
+            <a:ext cx="4598035" cy="1168400"/>
+          </a:xfrm>
+          <a:prstGeom prst="rect">
+            <a:avLst/>
+          </a:prstGeom>
+          <a:noFill/>
+        </p:spPr>
+        <p:txBody>
+          <a:bodyPr wrap="square" rtlCol="0">
+            <a:spAutoFit/>
+          </a:bodyPr>
+          <a:p>
+            <a:r>
+              <a:rPr lang="en-US" altLang="zh-CN" sz="1400" b="1">
+                <a:latin typeface="Times New Roman" panose="02020603050405020304" charset="0"/>
+                <a:ea typeface="楷体" panose="02010609060101010101" charset="-122"/>
+                <a:cs typeface="Times New Roman" panose="02020603050405020304" charset="0"/>
+              </a:rPr>
+              <a:t>CONTROLLER MANAGER</a:t>
+            </a:r>
+            <a:r>
+              <a:rPr lang="zh-CN" altLang="en-US" sz="1400" b="1">
+                <a:latin typeface="Times New Roman" panose="02020603050405020304" charset="0"/>
+                <a:ea typeface="楷体" panose="02010609060101010101" charset="-122"/>
+                <a:cs typeface="Times New Roman" panose="02020603050405020304" charset="0"/>
+              </a:rPr>
+              <a:t>：</a:t>
+            </a:r>
+            <a:endParaRPr lang="zh-CN" altLang="en-US" sz="1400" b="1">
+              <a:latin typeface="Times New Roman" panose="02020603050405020304" charset="0"/>
+              <a:ea typeface="楷体" panose="02010609060101010101" charset="-122"/>
+              <a:cs typeface="Times New Roman" panose="02020603050405020304" charset="0"/>
+            </a:endParaRPr>
+          </a:p>
+          <a:p>
+            <a:pPr marL="285750" indent="-285750">
+              <a:buFont typeface="Arial" panose="020B0604020202020204" pitchFamily="34" charset="0"/>
+              <a:buChar char="•"/>
+            </a:pPr>
+            <a:r>
+              <a:rPr lang="en-US" altLang="zh-CN" sz="1400">
+                <a:latin typeface="Times New Roman" panose="02020603050405020304" charset="0"/>
+                <a:ea typeface="楷体" panose="02010609060101010101" charset="-122"/>
+                <a:cs typeface="Times New Roman" panose="02020603050405020304" charset="0"/>
+              </a:rPr>
+              <a:t>node controller</a:t>
+            </a:r>
+            <a:endParaRPr lang="en-US" altLang="zh-CN" sz="1400">
+              <a:latin typeface="Times New Roman" panose="02020603050405020304" charset="0"/>
+              <a:ea typeface="楷体" panose="02010609060101010101" charset="-122"/>
+              <a:cs typeface="Times New Roman" panose="02020603050405020304" charset="0"/>
+            </a:endParaRPr>
+          </a:p>
+          <a:p>
+            <a:pPr marL="285750" indent="-285750">
+              <a:buFont typeface="Arial" panose="020B0604020202020204" pitchFamily="34" charset="0"/>
+              <a:buChar char="•"/>
+            </a:pPr>
+            <a:r>
+              <a:rPr lang="en-US" altLang="zh-CN" sz="1400">
+                <a:latin typeface="Times New Roman" panose="02020603050405020304" charset="0"/>
+                <a:ea typeface="楷体" panose="02010609060101010101" charset="-122"/>
+                <a:cs typeface="Times New Roman" panose="02020603050405020304" charset="0"/>
+              </a:rPr>
+              <a:t>replicaton controller</a:t>
+            </a:r>
+            <a:endParaRPr lang="en-US" altLang="zh-CN" sz="1400">
+              <a:latin typeface="Times New Roman" panose="02020603050405020304" charset="0"/>
+              <a:ea typeface="楷体" panose="02010609060101010101" charset="-122"/>
+              <a:cs typeface="Times New Roman" panose="02020603050405020304" charset="0"/>
+            </a:endParaRPr>
+          </a:p>
+          <a:p>
+            <a:pPr marL="285750" indent="-285750">
+              <a:buFont typeface="Arial" panose="020B0604020202020204" pitchFamily="34" charset="0"/>
+              <a:buChar char="•"/>
+            </a:pPr>
+            <a:r>
+              <a:rPr lang="en-US" altLang="zh-CN" sz="1400">
+                <a:latin typeface="Times New Roman" panose="02020603050405020304" charset="0"/>
+                <a:ea typeface="楷体" panose="02010609060101010101" charset="-122"/>
+                <a:cs typeface="Times New Roman" panose="02020603050405020304" charset="0"/>
+              </a:rPr>
+              <a:t>endpoints  controller</a:t>
+            </a:r>
+            <a:endParaRPr lang="en-US" altLang="zh-CN" sz="1400">
+              <a:latin typeface="Times New Roman" panose="02020603050405020304" charset="0"/>
+              <a:ea typeface="楷体" panose="02010609060101010101" charset="-122"/>
+              <a:cs typeface="Times New Roman" panose="02020603050405020304" charset="0"/>
+            </a:endParaRPr>
+          </a:p>
+          <a:p>
+            <a:pPr marL="285750" indent="-285750">
+              <a:buFont typeface="Arial" panose="020B0604020202020204" pitchFamily="34" charset="0"/>
+              <a:buChar char="•"/>
+            </a:pPr>
+            <a:r>
+              <a:rPr lang="en-US" altLang="zh-CN" sz="1400">
+                <a:latin typeface="Times New Roman" panose="02020603050405020304" charset="0"/>
+                <a:ea typeface="楷体" panose="02010609060101010101" charset="-122"/>
+                <a:cs typeface="Times New Roman" panose="02020603050405020304" charset="0"/>
+              </a:rPr>
+              <a:t>service account &amp; token controller</a:t>
+            </a:r>
+            <a:endParaRPr lang="en-US" altLang="zh-CN" sz="1400">
+              <a:latin typeface="Times New Roman" panose="02020603050405020304" charset="0"/>
+              <a:ea typeface="楷体" panose="02010609060101010101" charset="-122"/>
+              <a:cs typeface="Times New Roman" panose="02020603050405020304" charset="0"/>
+            </a:endParaRPr>
+          </a:p>
+        </p:txBody>
+      </p:sp>
+      <p:sp>
+        <p:nvSpPr>
+          <p:cNvPr id="5" name="文本框 4"/>
+          <p:cNvSpPr txBox="1"/>
+          <p:nvPr/>
+        </p:nvSpPr>
+        <p:spPr>
+          <a:xfrm>
+            <a:off x="1937385" y="4344035"/>
+            <a:ext cx="4598035" cy="521970"/>
+          </a:xfrm>
+          <a:prstGeom prst="rect">
+            <a:avLst/>
+          </a:prstGeom>
+          <a:noFill/>
+        </p:spPr>
+        <p:txBody>
+          <a:bodyPr wrap="square" rtlCol="0">
+            <a:spAutoFit/>
+          </a:bodyPr>
+          <a:p>
+            <a:r>
+              <a:rPr lang="en-US" altLang="zh-CN" sz="1400" b="1">
+                <a:latin typeface="Times New Roman" panose="02020603050405020304" charset="0"/>
+                <a:ea typeface="楷体" panose="02010609060101010101" charset="-122"/>
+                <a:cs typeface="Times New Roman" panose="02020603050405020304" charset="0"/>
+              </a:rPr>
+              <a:t>ETCD</a:t>
+            </a:r>
+            <a:r>
+              <a:rPr lang="zh-CN" altLang="en-US" sz="1400" b="1">
+                <a:latin typeface="Times New Roman" panose="02020603050405020304" charset="0"/>
+                <a:ea typeface="楷体" panose="02010609060101010101" charset="-122"/>
+                <a:cs typeface="Times New Roman" panose="02020603050405020304" charset="0"/>
+              </a:rPr>
+              <a:t>：</a:t>
+            </a:r>
+            <a:endParaRPr lang="zh-CN" altLang="en-US" sz="1400" b="1">
+              <a:latin typeface="Times New Roman" panose="02020603050405020304" charset="0"/>
+              <a:ea typeface="楷体" panose="02010609060101010101" charset="-122"/>
+              <a:cs typeface="Times New Roman" panose="02020603050405020304" charset="0"/>
+            </a:endParaRPr>
+          </a:p>
+          <a:p>
+            <a:r>
+              <a:rPr lang="zh-CN" altLang="en-US" sz="1400">
+                <a:latin typeface="Times New Roman" panose="02020603050405020304" charset="0"/>
+                <a:ea typeface="楷体" panose="02010609060101010101" charset="-122"/>
+                <a:cs typeface="Times New Roman" panose="02020603050405020304" charset="0"/>
+              </a:rPr>
+              <a:t>持久化存储，用以记录</a:t>
+            </a:r>
+            <a:r>
+              <a:rPr lang="en-US" altLang="zh-CN" sz="1400">
+                <a:latin typeface="Times New Roman" panose="02020603050405020304" charset="0"/>
+                <a:ea typeface="楷体" panose="02010609060101010101" charset="-122"/>
+                <a:cs typeface="Times New Roman" panose="02020603050405020304" charset="0"/>
+              </a:rPr>
+              <a:t>cluster</a:t>
+            </a:r>
+            <a:r>
+              <a:rPr lang="zh-CN" altLang="en-US" sz="1400">
+                <a:latin typeface="Times New Roman" panose="02020603050405020304" charset="0"/>
+                <a:ea typeface="楷体" panose="02010609060101010101" charset="-122"/>
+                <a:cs typeface="Times New Roman" panose="02020603050405020304" charset="0"/>
+              </a:rPr>
+              <a:t>状态</a:t>
+            </a:r>
+            <a:endParaRPr lang="zh-CN" altLang="en-US" sz="1400">
+              <a:latin typeface="Times New Roman" panose="02020603050405020304" charset="0"/>
+              <a:ea typeface="楷体" panose="02010609060101010101" charset="-122"/>
+              <a:cs typeface="Times New Roman" panose="02020603050405020304" charset="0"/>
+            </a:endParaRPr>
+          </a:p>
+        </p:txBody>
+      </p:sp>
+      <p:sp>
+        <p:nvSpPr>
+          <p:cNvPr id="7" name="文本框 6"/>
+          <p:cNvSpPr txBox="1"/>
+          <p:nvPr/>
+        </p:nvSpPr>
+        <p:spPr>
+          <a:xfrm>
+            <a:off x="6345555" y="2689860"/>
+            <a:ext cx="4598035" cy="521970"/>
+          </a:xfrm>
+          <a:prstGeom prst="rect">
+            <a:avLst/>
+          </a:prstGeom>
+          <a:noFill/>
+        </p:spPr>
+        <p:txBody>
+          <a:bodyPr wrap="square" rtlCol="0">
+            <a:spAutoFit/>
+          </a:bodyPr>
+          <a:p>
+            <a:r>
+              <a:rPr lang="en-US" altLang="zh-CN" sz="1400" b="1">
+                <a:latin typeface="Times New Roman" panose="02020603050405020304" charset="0"/>
+                <a:ea typeface="楷体" panose="02010609060101010101" charset="-122"/>
+                <a:cs typeface="Times New Roman" panose="02020603050405020304" charset="0"/>
+              </a:rPr>
+              <a:t>KUBE-PROXY</a:t>
+            </a:r>
+            <a:r>
+              <a:rPr lang="zh-CN" altLang="en-US" sz="1400" b="1">
+                <a:latin typeface="Times New Roman" panose="02020603050405020304" charset="0"/>
+                <a:ea typeface="楷体" panose="02010609060101010101" charset="-122"/>
+                <a:cs typeface="Times New Roman" panose="02020603050405020304" charset="0"/>
+              </a:rPr>
+              <a:t>：</a:t>
+            </a:r>
+            <a:endParaRPr lang="zh-CN" altLang="en-US" sz="1400" b="1">
+              <a:latin typeface="Times New Roman" panose="02020603050405020304" charset="0"/>
+              <a:ea typeface="楷体" panose="02010609060101010101" charset="-122"/>
+              <a:cs typeface="Times New Roman" panose="02020603050405020304" charset="0"/>
+            </a:endParaRPr>
+          </a:p>
+          <a:p>
+            <a:r>
+              <a:rPr lang="zh-CN" altLang="en-US" sz="1400">
+                <a:latin typeface="Times New Roman" panose="02020603050405020304" charset="0"/>
+                <a:ea typeface="楷体" panose="02010609060101010101" charset="-122"/>
+                <a:cs typeface="Times New Roman" panose="02020603050405020304" charset="0"/>
+              </a:rPr>
+              <a:t>分布式负载均衡，服务发现</a:t>
+            </a:r>
+            <a:endParaRPr lang="zh-CN" altLang="en-US" sz="1400">
+              <a:latin typeface="Times New Roman" panose="02020603050405020304" charset="0"/>
+              <a:ea typeface="楷体" panose="02010609060101010101" charset="-122"/>
+              <a:cs typeface="Times New Roman" panose="02020603050405020304" charset="0"/>
+            </a:endParaRPr>
+          </a:p>
+        </p:txBody>
+      </p:sp>
+      <p:sp>
+        <p:nvSpPr>
+          <p:cNvPr id="8" name="文本框 7"/>
+          <p:cNvSpPr txBox="1"/>
+          <p:nvPr/>
+        </p:nvSpPr>
+        <p:spPr>
+          <a:xfrm>
+            <a:off x="6345555" y="3622675"/>
+            <a:ext cx="4598035" cy="521970"/>
+          </a:xfrm>
+          <a:prstGeom prst="rect">
+            <a:avLst/>
+          </a:prstGeom>
+          <a:noFill/>
+        </p:spPr>
+        <p:txBody>
+          <a:bodyPr wrap="square" rtlCol="0">
+            <a:spAutoFit/>
+          </a:bodyPr>
+          <a:p>
+            <a:r>
+              <a:rPr lang="en-US" altLang="zh-CN" sz="1400" b="1">
+                <a:latin typeface="Times New Roman" panose="02020603050405020304" charset="0"/>
+                <a:ea typeface="楷体" panose="02010609060101010101" charset="-122"/>
+                <a:cs typeface="Times New Roman" panose="02020603050405020304" charset="0"/>
+              </a:rPr>
+              <a:t>SCHEDULER</a:t>
+            </a:r>
+            <a:r>
+              <a:rPr lang="zh-CN" altLang="en-US" sz="1400" b="1">
+                <a:latin typeface="Times New Roman" panose="02020603050405020304" charset="0"/>
+                <a:ea typeface="楷体" panose="02010609060101010101" charset="-122"/>
+                <a:cs typeface="Times New Roman" panose="02020603050405020304" charset="0"/>
+              </a:rPr>
+              <a:t>：</a:t>
+            </a:r>
+            <a:endParaRPr lang="zh-CN" altLang="en-US" sz="1400" b="1">
+              <a:latin typeface="Times New Roman" panose="02020603050405020304" charset="0"/>
+              <a:ea typeface="楷体" panose="02010609060101010101" charset="-122"/>
+              <a:cs typeface="Times New Roman" panose="02020603050405020304" charset="0"/>
+            </a:endParaRPr>
+          </a:p>
+          <a:p>
+            <a:r>
+              <a:rPr lang="zh-CN" altLang="en-US" sz="1400">
+                <a:latin typeface="Times New Roman" panose="02020603050405020304" charset="0"/>
+                <a:ea typeface="楷体" panose="02010609060101010101" charset="-122"/>
+                <a:cs typeface="Times New Roman" panose="02020603050405020304" charset="0"/>
+              </a:rPr>
+              <a:t>服务调度</a:t>
+            </a:r>
+            <a:endParaRPr lang="zh-CN" altLang="en-US" sz="1400">
+              <a:latin typeface="Times New Roman" panose="02020603050405020304" charset="0"/>
+              <a:ea typeface="楷体" panose="02010609060101010101" charset="-122"/>
+              <a:cs typeface="Times New Roman" panose="02020603050405020304" charset="0"/>
+            </a:endParaRPr>
+          </a:p>
+        </p:txBody>
+      </p:sp>
+      <p:sp>
+        <p:nvSpPr>
+          <p:cNvPr id="9" name="矩形 8"/>
+          <p:cNvSpPr/>
+          <p:nvPr/>
+        </p:nvSpPr>
+        <p:spPr>
+          <a:xfrm>
+            <a:off x="1656080" y="1132840"/>
+            <a:ext cx="8879840" cy="4232910"/>
+          </a:xfrm>
+          <a:prstGeom prst="rect">
+            <a:avLst/>
+          </a:prstGeom>
+          <a:noFill/>
+          <a:ln>
+            <a:solidFill>
+              <a:srgbClr val="FF0000"/>
+            </a:solidFill>
+            <a:prstDash val="dash"/>
+          </a:ln>
+          <a:extLst>
+            <a:ext uri="{909E8E84-426E-40DD-AFC4-6F175D3DCCD1}">
+              <a14:hiddenFill xmlns:a14="http://schemas.microsoft.com/office/drawing/2010/main">
+                <a:solidFill>
+                  <a:schemeClr val="accent1"/>
+                </a:solidFill>
+              </a14:hiddenFill>
+            </a:ext>
+          </a:extLst>
+        </p:spPr>
+        <p:style>
+          <a:lnRef idx="2">
+            <a:schemeClr val="accent1">
+              <a:shade val="50000"/>
+            </a:schemeClr>
+          </a:lnRef>
+          <a:fillRef idx="1">
+            <a:schemeClr val="accent1"/>
+          </a:fillRef>
+          <a:effectRef idx="0">
+            <a:schemeClr val="accent1"/>
+          </a:effectRef>
+          <a:fontRef idx="minor">
+            <a:schemeClr val="lt1"/>
+          </a:fontRef>
+        </p:style>
+        <p:txBody>
+          <a:bodyPr rtlCol="0" anchor="ctr"/>
+          <a:p>
+            <a:pPr algn="ctr"/>
+            <a:endParaRPr lang="zh-CN" altLang="en-US"/>
+          </a:p>
+        </p:txBody>
+      </p:sp>
+      <p:sp>
+        <p:nvSpPr>
+          <p:cNvPr id="10" name="文本框 9"/>
+          <p:cNvSpPr txBox="1"/>
+          <p:nvPr/>
+        </p:nvSpPr>
+        <p:spPr>
+          <a:xfrm>
+            <a:off x="6345555" y="1757045"/>
+            <a:ext cx="4598035" cy="521970"/>
+          </a:xfrm>
+          <a:prstGeom prst="rect">
+            <a:avLst/>
+          </a:prstGeom>
+          <a:noFill/>
+        </p:spPr>
+        <p:txBody>
+          <a:bodyPr wrap="square" rtlCol="0">
+            <a:spAutoFit/>
+          </a:bodyPr>
+          <a:p>
+            <a:r>
+              <a:rPr lang="en-US" altLang="zh-CN" sz="1400" b="1">
+                <a:latin typeface="Times New Roman" panose="02020603050405020304" charset="0"/>
+                <a:ea typeface="楷体" panose="02010609060101010101" charset="-122"/>
+                <a:cs typeface="Times New Roman" panose="02020603050405020304" charset="0"/>
+              </a:rPr>
+              <a:t>KUBELET</a:t>
+            </a:r>
+            <a:r>
+              <a:rPr lang="zh-CN" altLang="en-US" sz="1400" b="1">
+                <a:latin typeface="Times New Roman" panose="02020603050405020304" charset="0"/>
+                <a:ea typeface="楷体" panose="02010609060101010101" charset="-122"/>
+                <a:cs typeface="Times New Roman" panose="02020603050405020304" charset="0"/>
+              </a:rPr>
+              <a:t>：</a:t>
+            </a:r>
+            <a:endParaRPr lang="zh-CN" altLang="en-US" sz="1400" b="1">
+              <a:latin typeface="Times New Roman" panose="02020603050405020304" charset="0"/>
+              <a:ea typeface="楷体" panose="02010609060101010101" charset="-122"/>
+              <a:cs typeface="Times New Roman" panose="02020603050405020304" charset="0"/>
+            </a:endParaRPr>
+          </a:p>
+          <a:p>
+            <a:r>
+              <a:rPr lang="zh-CN" altLang="en-US" sz="1400">
+                <a:latin typeface="Times New Roman" panose="02020603050405020304" charset="0"/>
+                <a:ea typeface="楷体" panose="02010609060101010101" charset="-122"/>
+                <a:cs typeface="Times New Roman" panose="02020603050405020304" charset="0"/>
+              </a:rPr>
+              <a:t>控制</a:t>
+            </a:r>
+            <a:r>
+              <a:rPr lang="en-US" altLang="zh-CN" sz="1400">
+                <a:latin typeface="Times New Roman" panose="02020603050405020304" charset="0"/>
+                <a:ea typeface="楷体" panose="02010609060101010101" charset="-122"/>
+                <a:cs typeface="Times New Roman" panose="02020603050405020304" charset="0"/>
+              </a:rPr>
+              <a:t>node</a:t>
+            </a:r>
+            <a:r>
+              <a:rPr lang="zh-CN" altLang="en-US" sz="1400">
+                <a:latin typeface="Times New Roman" panose="02020603050405020304" charset="0"/>
+                <a:ea typeface="楷体" panose="02010609060101010101" charset="-122"/>
+                <a:cs typeface="Times New Roman" panose="02020603050405020304" charset="0"/>
+              </a:rPr>
+              <a:t>节点的</a:t>
+            </a:r>
+            <a:r>
+              <a:rPr lang="en-US" altLang="zh-CN" sz="1400">
+                <a:latin typeface="Times New Roman" panose="02020603050405020304" charset="0"/>
+                <a:ea typeface="楷体" panose="02010609060101010101" charset="-122"/>
+                <a:cs typeface="Times New Roman" panose="02020603050405020304" charset="0"/>
+              </a:rPr>
+              <a:t>CRI</a:t>
+            </a:r>
+            <a:endParaRPr lang="en-US" altLang="zh-CN" sz="1400">
+              <a:latin typeface="Times New Roman" panose="02020603050405020304" charset="0"/>
+              <a:ea typeface="楷体" panose="02010609060101010101" charset="-122"/>
+              <a:cs typeface="Times New Roman" panose="02020603050405020304" charset="0"/>
+            </a:endParaRPr>
+          </a:p>
+        </p:txBody>
+      </p:sp>
+      <p:sp>
+        <p:nvSpPr>
+          <p:cNvPr id="11" name="文本框 10"/>
+          <p:cNvSpPr txBox="1"/>
+          <p:nvPr/>
+        </p:nvSpPr>
+        <p:spPr>
+          <a:xfrm>
+            <a:off x="9259570" y="5059045"/>
+            <a:ext cx="1276350" cy="306705"/>
+          </a:xfrm>
+          <a:prstGeom prst="rect">
+            <a:avLst/>
+          </a:prstGeom>
+          <a:noFill/>
+        </p:spPr>
+        <p:txBody>
+          <a:bodyPr wrap="square" rtlCol="0">
+            <a:spAutoFit/>
+          </a:bodyPr>
+          <a:p>
+            <a:r>
+              <a:rPr lang="en-US" sz="1400" b="1">
+                <a:latin typeface="Times New Roman" panose="02020603050405020304" charset="0"/>
+                <a:ea typeface="楷体" panose="02010609060101010101" charset="-122"/>
+                <a:cs typeface="Times New Roman" panose="02020603050405020304" charset="0"/>
+              </a:rPr>
+              <a:t>Control Panel</a:t>
+            </a:r>
+            <a:endParaRPr lang="en-US" sz="1400">
+              <a:latin typeface="Times New Roman" panose="02020603050405020304" charset="0"/>
+              <a:ea typeface="楷体" panose="02010609060101010101" charset="-122"/>
+              <a:cs typeface="Times New Roman" panose="02020603050405020304" charset="0"/>
+            </a:endParaRPr>
+          </a:p>
+        </p:txBody>
+      </p:sp>
+      <p:sp>
+        <p:nvSpPr>
+          <p:cNvPr id="12" name="矩形 11"/>
+          <p:cNvSpPr/>
+          <p:nvPr/>
+        </p:nvSpPr>
+        <p:spPr>
+          <a:xfrm>
+            <a:off x="6075045" y="1470660"/>
+            <a:ext cx="4093845" cy="1964055"/>
+          </a:xfrm>
+          <a:prstGeom prst="rect">
+            <a:avLst/>
+          </a:prstGeom>
+          <a:noFill/>
+          <a:ln>
+            <a:solidFill>
+              <a:schemeClr val="accent5"/>
+            </a:solidFill>
+            <a:prstDash val="dash"/>
+          </a:ln>
+          <a:extLst>
+            <a:ext uri="{909E8E84-426E-40DD-AFC4-6F175D3DCCD1}">
+              <a14:hiddenFill xmlns:a14="http://schemas.microsoft.com/office/drawing/2010/main">
+                <a:solidFill>
+                  <a:schemeClr val="accent1"/>
+                </a:solidFill>
+              </a14:hiddenFill>
+            </a:ext>
+          </a:extLst>
+        </p:spPr>
+        <p:style>
+          <a:lnRef idx="2">
+            <a:schemeClr val="accent1">
+              <a:shade val="50000"/>
+            </a:schemeClr>
+          </a:lnRef>
+          <a:fillRef idx="1">
+            <a:schemeClr val="accent1"/>
+          </a:fillRef>
+          <a:effectRef idx="0">
+            <a:schemeClr val="accent1"/>
+          </a:effectRef>
+          <a:fontRef idx="minor">
+            <a:schemeClr val="lt1"/>
+          </a:fontRef>
+        </p:style>
+        <p:txBody>
+          <a:bodyPr rtlCol="0" anchor="ctr"/>
+          <a:p>
+            <a:pPr algn="ctr"/>
+            <a:endParaRPr lang="zh-CN" altLang="en-US"/>
+          </a:p>
+        </p:txBody>
+      </p:sp>
+      <p:sp>
+        <p:nvSpPr>
+          <p:cNvPr id="13" name="文本框 12"/>
+          <p:cNvSpPr txBox="1"/>
+          <p:nvPr/>
+        </p:nvSpPr>
+        <p:spPr>
+          <a:xfrm>
+            <a:off x="9545320" y="3128010"/>
+            <a:ext cx="623570" cy="306705"/>
+          </a:xfrm>
+          <a:prstGeom prst="rect">
+            <a:avLst/>
+          </a:prstGeom>
+          <a:noFill/>
+        </p:spPr>
+        <p:txBody>
+          <a:bodyPr wrap="square" rtlCol="0">
+            <a:spAutoFit/>
+          </a:bodyPr>
+          <a:p>
+            <a:r>
+              <a:rPr lang="en-US" sz="1400" b="1">
+                <a:latin typeface="Times New Roman" panose="02020603050405020304" charset="0"/>
+                <a:ea typeface="楷体" panose="02010609060101010101" charset="-122"/>
+                <a:cs typeface="Times New Roman" panose="02020603050405020304" charset="0"/>
+              </a:rPr>
+              <a:t>Node</a:t>
+            </a:r>
+            <a:endParaRPr lang="en-US" sz="1400">
+              <a:latin typeface="Times New Roman" panose="02020603050405020304" charset="0"/>
+              <a:ea typeface="楷体" panose="02010609060101010101" charset="-122"/>
+              <a:cs typeface="Times New Roman" panose="02020603050405020304" charset="0"/>
+            </a:endParaRPr>
+          </a:p>
+        </p:txBody>
+      </p:sp>
+    </p:spTree>
+    <p:custDataLst>
+      <p:tags r:id="rId1"/>
     </p:custDataLst>
   </p:cSld>
   <p:clrMapOvr>
@@ -15185,6 +15908,14 @@
 </p:tagLst>
 </file>
 
+<file path=ppt/tags/tag38.xml><?xml version="1.0" encoding="utf-8"?>
+<p:tagLst xmlns:p="http://schemas.openxmlformats.org/presentationml/2006/main">
+  <p:tag name="KSO_WM_BEAUTIFY_FLAG" val="#wm#"/>
+  <p:tag name="KSO_WM_TEMPLATE_CATEGORY" val="diagram"/>
+  <p:tag name="KSO_WM_TEMPLATE_INDEX" val="20214755"/>
+</p:tagLst>
+</file>
+
 <file path=ppt/tags/tag4.xml><?xml version="1.0" encoding="utf-8"?>
 <p:tagLst xmlns:p="http://schemas.openxmlformats.org/presentationml/2006/main">
   <p:tag name="KSO_WM_UNIT_HIGHLIGHT" val="0"/>

--- a/基础/008-鸟瞰kubernetes.pptx
+++ b/基础/008-鸟瞰kubernetes.pptx
@@ -16,6 +16,10 @@
     <p:sldId id="262" r:id="rId8"/>
     <p:sldId id="263" r:id="rId9"/>
     <p:sldId id="264" r:id="rId11"/>
+    <p:sldId id="265" r:id="rId12"/>
+    <p:sldId id="266" r:id="rId13"/>
+    <p:sldId id="267" r:id="rId14"/>
+    <p:sldId id="268" r:id="rId15"/>
   </p:sldIdLst>
   <p:sldSz cx="12192000" cy="6858000"/>
   <p:notesSz cx="6858000" cy="9144000"/>
@@ -8267,6 +8271,1118 @@
 </p:sld>
 </file>
 
+<file path=ppt/slides/slide10.xml><?xml version="1.0" encoding="utf-8"?>
+<p:sld xmlns:a="http://schemas.openxmlformats.org/drawingml/2006/main" xmlns:r="http://schemas.openxmlformats.org/officeDocument/2006/relationships" xmlns:p="http://schemas.openxmlformats.org/presentationml/2006/main">
+  <p:cSld>
+    <p:spTree>
+      <p:nvGrpSpPr>
+        <p:cNvPr id="1" name=""/>
+        <p:cNvGrpSpPr/>
+        <p:nvPr/>
+      </p:nvGrpSpPr>
+      <p:grpSpPr/>
+      <p:sp>
+        <p:nvSpPr>
+          <p:cNvPr id="2" name="圆角矩形 1"/>
+          <p:cNvSpPr/>
+          <p:nvPr/>
+        </p:nvSpPr>
+        <p:spPr>
+          <a:xfrm>
+            <a:off x="1507490" y="1365250"/>
+            <a:ext cx="2622550" cy="3963670"/>
+          </a:xfrm>
+          <a:prstGeom prst="roundRect">
+            <a:avLst/>
+          </a:prstGeom>
+        </p:spPr>
+        <p:style>
+          <a:lnRef idx="2">
+            <a:schemeClr val="dk1"/>
+          </a:lnRef>
+          <a:fillRef idx="1">
+            <a:schemeClr val="lt1"/>
+          </a:fillRef>
+          <a:effectRef idx="0">
+            <a:schemeClr val="dk1"/>
+          </a:effectRef>
+          <a:fontRef idx="minor">
+            <a:schemeClr val="dk1"/>
+          </a:fontRef>
+        </p:style>
+        <p:txBody>
+          <a:bodyPr rtlCol="0" anchor="ctr"/>
+          <a:p>
+            <a:pPr algn="ctr"/>
+            <a:endParaRPr lang="zh-CN" altLang="en-US"/>
+          </a:p>
+        </p:txBody>
+      </p:sp>
+      <p:sp>
+        <p:nvSpPr>
+          <p:cNvPr id="3" name="圆角矩形 2"/>
+          <p:cNvSpPr/>
+          <p:nvPr/>
+        </p:nvSpPr>
+        <p:spPr>
+          <a:xfrm>
+            <a:off x="1804035" y="1849120"/>
+            <a:ext cx="2029460" cy="1332230"/>
+          </a:xfrm>
+          <a:prstGeom prst="roundRect">
+            <a:avLst/>
+          </a:prstGeom>
+        </p:spPr>
+        <p:style>
+          <a:lnRef idx="2">
+            <a:schemeClr val="dk1"/>
+          </a:lnRef>
+          <a:fillRef idx="1">
+            <a:schemeClr val="lt1"/>
+          </a:fillRef>
+          <a:effectRef idx="0">
+            <a:schemeClr val="dk1"/>
+          </a:effectRef>
+          <a:fontRef idx="minor">
+            <a:schemeClr val="dk1"/>
+          </a:fontRef>
+        </p:style>
+        <p:txBody>
+          <a:bodyPr rtlCol="0" anchor="ctr"/>
+          <a:p>
+            <a:pPr algn="ctr"/>
+            <a:r>
+              <a:rPr lang="en-US" altLang="zh-CN"/>
+              <a:t>spec</a:t>
+            </a:r>
+            <a:endParaRPr lang="en-US" altLang="zh-CN"/>
+          </a:p>
+        </p:txBody>
+      </p:sp>
+      <p:sp>
+        <p:nvSpPr>
+          <p:cNvPr id="4" name="圆角矩形 3"/>
+          <p:cNvSpPr/>
+          <p:nvPr/>
+        </p:nvSpPr>
+        <p:spPr>
+          <a:xfrm>
+            <a:off x="1804035" y="3597275"/>
+            <a:ext cx="2029460" cy="1332230"/>
+          </a:xfrm>
+          <a:prstGeom prst="roundRect">
+            <a:avLst/>
+          </a:prstGeom>
+        </p:spPr>
+        <p:style>
+          <a:lnRef idx="2">
+            <a:schemeClr val="dk1"/>
+          </a:lnRef>
+          <a:fillRef idx="1">
+            <a:schemeClr val="lt1"/>
+          </a:fillRef>
+          <a:effectRef idx="0">
+            <a:schemeClr val="dk1"/>
+          </a:effectRef>
+          <a:fontRef idx="minor">
+            <a:schemeClr val="dk1"/>
+          </a:fontRef>
+        </p:style>
+        <p:txBody>
+          <a:bodyPr rtlCol="0" anchor="ctr"/>
+          <a:p>
+            <a:pPr algn="ctr"/>
+            <a:r>
+              <a:rPr lang="en-US" altLang="zh-CN"/>
+              <a:t>status</a:t>
+            </a:r>
+            <a:endParaRPr lang="en-US" altLang="zh-CN"/>
+          </a:p>
+        </p:txBody>
+      </p:sp>
+      <p:sp>
+        <p:nvSpPr>
+          <p:cNvPr id="5" name="文本框 4"/>
+          <p:cNvSpPr txBox="1"/>
+          <p:nvPr/>
+        </p:nvSpPr>
+        <p:spPr>
+          <a:xfrm>
+            <a:off x="1704975" y="1365250"/>
+            <a:ext cx="765175" cy="368300"/>
+          </a:xfrm>
+          <a:prstGeom prst="rect">
+            <a:avLst/>
+          </a:prstGeom>
+          <a:noFill/>
+        </p:spPr>
+        <p:txBody>
+          <a:bodyPr wrap="none" rtlCol="0">
+            <a:spAutoFit/>
+          </a:bodyPr>
+          <a:p>
+            <a:r>
+              <a:rPr lang="en-US" altLang="zh-CN"/>
+              <a:t>object</a:t>
+            </a:r>
+            <a:endParaRPr lang="en-US" altLang="zh-CN"/>
+          </a:p>
+        </p:txBody>
+      </p:sp>
+      <p:sp>
+        <p:nvSpPr>
+          <p:cNvPr id="6" name="文本框 5"/>
+          <p:cNvSpPr txBox="1"/>
+          <p:nvPr/>
+        </p:nvSpPr>
+        <p:spPr>
+          <a:xfrm>
+            <a:off x="5713730" y="1365250"/>
+            <a:ext cx="3508375" cy="3163570"/>
+          </a:xfrm>
+          <a:prstGeom prst="rect">
+            <a:avLst/>
+          </a:prstGeom>
+          <a:noFill/>
+        </p:spPr>
+        <p:txBody>
+          <a:bodyPr wrap="none" rtlCol="0">
+            <a:spAutoFit/>
+          </a:bodyPr>
+          <a:p>
+            <a:r>
+              <a:rPr lang="en-US" altLang="zh-CN"/>
+              <a:t>object</a:t>
+            </a:r>
+            <a:r>
+              <a:rPr lang="zh-CN" altLang="en-US"/>
+              <a:t>的集合，表示了集群的状态</a:t>
+            </a:r>
+            <a:endParaRPr lang="zh-CN" altLang="en-US"/>
+          </a:p>
+          <a:p>
+            <a:pPr>
+              <a:lnSpc>
+                <a:spcPct val="130000"/>
+              </a:lnSpc>
+            </a:pPr>
+            <a:endParaRPr lang="zh-CN" altLang="en-US" sz="1400"/>
+          </a:p>
+          <a:p>
+            <a:pPr marL="285750" indent="-285750">
+              <a:lnSpc>
+                <a:spcPct val="130000"/>
+              </a:lnSpc>
+              <a:buFont typeface="Arial" panose="020B0604020202020204" pitchFamily="34" charset="0"/>
+              <a:buChar char="•"/>
+            </a:pPr>
+            <a:r>
+              <a:rPr lang="zh-CN" altLang="en-US" sz="1400"/>
+              <a:t>容器运行的应用</a:t>
+            </a:r>
+            <a:endParaRPr lang="zh-CN" altLang="en-US" sz="1400"/>
+          </a:p>
+          <a:p>
+            <a:pPr marL="285750" indent="-285750">
+              <a:lnSpc>
+                <a:spcPct val="130000"/>
+              </a:lnSpc>
+              <a:buFont typeface="Arial" panose="020B0604020202020204" pitchFamily="34" charset="0"/>
+              <a:buChar char="•"/>
+            </a:pPr>
+            <a:r>
+              <a:rPr lang="zh-CN" altLang="en-US" sz="1400"/>
+              <a:t>应用可用的资源</a:t>
+            </a:r>
+            <a:endParaRPr lang="zh-CN" altLang="en-US" sz="1400"/>
+          </a:p>
+          <a:p>
+            <a:pPr marL="285750" indent="-285750">
+              <a:lnSpc>
+                <a:spcPct val="130000"/>
+              </a:lnSpc>
+              <a:buFont typeface="Arial" panose="020B0604020202020204" pitchFamily="34" charset="0"/>
+              <a:buChar char="•"/>
+            </a:pPr>
+            <a:r>
+              <a:rPr lang="zh-CN" altLang="en-US" sz="1400"/>
+              <a:t>应用运行的行为、策略</a:t>
+            </a:r>
+            <a:endParaRPr lang="zh-CN" altLang="en-US" sz="1400"/>
+          </a:p>
+          <a:p>
+            <a:pPr marL="285750" indent="-285750">
+              <a:lnSpc>
+                <a:spcPct val="130000"/>
+              </a:lnSpc>
+              <a:buFont typeface="Arial" panose="020B0604020202020204" pitchFamily="34" charset="0"/>
+              <a:buChar char="•"/>
+            </a:pPr>
+            <a:endParaRPr lang="zh-CN" altLang="en-US" sz="1400"/>
+          </a:p>
+          <a:p>
+            <a:pPr marL="285750" indent="-285750">
+              <a:lnSpc>
+                <a:spcPct val="130000"/>
+              </a:lnSpc>
+              <a:buFont typeface="Arial" panose="020B0604020202020204" pitchFamily="34" charset="0"/>
+              <a:buChar char="•"/>
+            </a:pPr>
+            <a:endParaRPr lang="zh-CN" altLang="en-US" sz="1400"/>
+          </a:p>
+          <a:p>
+            <a:pPr indent="0">
+              <a:lnSpc>
+                <a:spcPct val="130000"/>
+              </a:lnSpc>
+              <a:buFont typeface="Arial" panose="020B0604020202020204" pitchFamily="34" charset="0"/>
+              <a:buNone/>
+            </a:pPr>
+            <a:r>
+              <a:rPr lang="en-US" altLang="zh-CN" sz="1400"/>
+              <a:t>spec</a:t>
+            </a:r>
+            <a:r>
+              <a:rPr lang="zh-CN" altLang="en-US" sz="1400"/>
+              <a:t>：定义了用户对</a:t>
+            </a:r>
+            <a:r>
+              <a:rPr lang="en-US" altLang="zh-CN" sz="1400"/>
+              <a:t>object</a:t>
+            </a:r>
+            <a:r>
+              <a:rPr lang="zh-CN" altLang="en-US" sz="1400"/>
+              <a:t>的期望状态</a:t>
+            </a:r>
+            <a:endParaRPr lang="zh-CN" altLang="en-US" sz="1400"/>
+          </a:p>
+          <a:p>
+            <a:pPr indent="0">
+              <a:lnSpc>
+                <a:spcPct val="130000"/>
+              </a:lnSpc>
+              <a:buFont typeface="Arial" panose="020B0604020202020204" pitchFamily="34" charset="0"/>
+              <a:buNone/>
+            </a:pPr>
+            <a:r>
+              <a:rPr lang="en-US" altLang="zh-CN" sz="1400"/>
+              <a:t>status</a:t>
+            </a:r>
+            <a:r>
+              <a:rPr lang="zh-CN" altLang="en-US" sz="1400"/>
+              <a:t>：描述了</a:t>
+            </a:r>
+            <a:r>
+              <a:rPr lang="en-US" altLang="zh-CN" sz="1400"/>
+              <a:t>object</a:t>
+            </a:r>
+            <a:r>
+              <a:rPr lang="zh-CN" altLang="en-US" sz="1400"/>
+              <a:t>的当前状态</a:t>
+            </a:r>
+            <a:endParaRPr lang="zh-CN" altLang="en-US" sz="1400"/>
+          </a:p>
+          <a:p>
+            <a:pPr indent="0">
+              <a:lnSpc>
+                <a:spcPct val="130000"/>
+              </a:lnSpc>
+              <a:buFont typeface="Arial" panose="020B0604020202020204" pitchFamily="34" charset="0"/>
+              <a:buNone/>
+            </a:pPr>
+            <a:endParaRPr lang="zh-CN" altLang="en-US" sz="1400"/>
+          </a:p>
+          <a:p>
+            <a:pPr indent="0">
+              <a:lnSpc>
+                <a:spcPct val="130000"/>
+              </a:lnSpc>
+              <a:buFont typeface="Arial" panose="020B0604020202020204" pitchFamily="34" charset="0"/>
+              <a:buNone/>
+            </a:pPr>
+            <a:r>
+              <a:rPr lang="zh-CN" altLang="en-US" sz="1400"/>
+              <a:t>多数情况卡使用</a:t>
+            </a:r>
+            <a:r>
+              <a:rPr lang="en-US" altLang="zh-CN" sz="1400"/>
+              <a:t>.yaml</a:t>
+            </a:r>
+            <a:r>
+              <a:rPr lang="zh-CN" altLang="en-US" sz="1400"/>
+              <a:t>文件描述一个</a:t>
+            </a:r>
+            <a:r>
+              <a:rPr lang="en-US" altLang="zh-CN" sz="1400"/>
+              <a:t>object</a:t>
+            </a:r>
+            <a:endParaRPr lang="en-US" altLang="zh-CN" sz="1400"/>
+          </a:p>
+        </p:txBody>
+      </p:sp>
+    </p:spTree>
+    <p:custDataLst>
+      <p:tags r:id="rId1"/>
+    </p:custDataLst>
+  </p:cSld>
+  <p:clrMapOvr>
+    <a:masterClrMapping/>
+  </p:clrMapOvr>
+</p:sld>
+</file>
+
+<file path=ppt/slides/slide11.xml><?xml version="1.0" encoding="utf-8"?>
+<p:sld xmlns:a="http://schemas.openxmlformats.org/drawingml/2006/main" xmlns:r="http://schemas.openxmlformats.org/officeDocument/2006/relationships" xmlns:p="http://schemas.openxmlformats.org/presentationml/2006/main">
+  <p:cSld>
+    <p:spTree>
+      <p:nvGrpSpPr>
+        <p:cNvPr id="1" name=""/>
+        <p:cNvGrpSpPr/>
+        <p:nvPr/>
+      </p:nvGrpSpPr>
+      <p:grpSpPr/>
+      <p:sp>
+        <p:nvSpPr>
+          <p:cNvPr id="2" name="文本框 1"/>
+          <p:cNvSpPr txBox="1"/>
+          <p:nvPr/>
+        </p:nvSpPr>
+        <p:spPr>
+          <a:xfrm>
+            <a:off x="311785" y="890270"/>
+            <a:ext cx="5184140" cy="5077460"/>
+          </a:xfrm>
+          <a:prstGeom prst="rect">
+            <a:avLst/>
+          </a:prstGeom>
+          <a:noFill/>
+        </p:spPr>
+        <p:txBody>
+          <a:bodyPr wrap="square" rtlCol="0" anchor="t">
+            <a:spAutoFit/>
+          </a:bodyPr>
+          <a:p>
+            <a:r>
+              <a:rPr lang="zh-CN" altLang="en-US"/>
+              <a:t>apiVersion: apps/v1 kind: Deployment</a:t>
+            </a:r>
+            <a:endParaRPr lang="zh-CN" altLang="en-US"/>
+          </a:p>
+          <a:p>
+            <a:r>
+              <a:rPr lang="zh-CN" altLang="en-US"/>
+              <a:t>metadata:</a:t>
+            </a:r>
+            <a:endParaRPr lang="zh-CN" altLang="en-US"/>
+          </a:p>
+          <a:p>
+            <a:r>
+              <a:rPr lang="zh-CN" altLang="en-US"/>
+              <a:t>  name: nginx-deployment</a:t>
+            </a:r>
+            <a:endParaRPr lang="zh-CN" altLang="en-US"/>
+          </a:p>
+          <a:p>
+            <a:r>
+              <a:rPr lang="zh-CN" altLang="en-US"/>
+              <a:t>spec:</a:t>
+            </a:r>
+            <a:endParaRPr lang="zh-CN" altLang="en-US"/>
+          </a:p>
+          <a:p>
+            <a:r>
+              <a:rPr lang="zh-CN" altLang="en-US"/>
+              <a:t>  selector:</a:t>
+            </a:r>
+            <a:endParaRPr lang="zh-CN" altLang="en-US"/>
+          </a:p>
+          <a:p>
+            <a:r>
+              <a:rPr lang="zh-CN" altLang="en-US"/>
+              <a:t>    matchLabels:</a:t>
+            </a:r>
+            <a:endParaRPr lang="zh-CN" altLang="en-US"/>
+          </a:p>
+          <a:p>
+            <a:r>
+              <a:rPr lang="zh-CN" altLang="en-US"/>
+              <a:t>      app: nginx</a:t>
+            </a:r>
+            <a:endParaRPr lang="zh-CN" altLang="en-US"/>
+          </a:p>
+          <a:p>
+            <a:r>
+              <a:rPr lang="zh-CN" altLang="en-US"/>
+              <a:t>  replicas: 2 </a:t>
+            </a:r>
+            <a:endParaRPr lang="zh-CN" altLang="en-US"/>
+          </a:p>
+          <a:p>
+            <a:r>
+              <a:rPr lang="zh-CN" altLang="en-US"/>
+              <a:t>  template:</a:t>
+            </a:r>
+            <a:endParaRPr lang="zh-CN" altLang="en-US"/>
+          </a:p>
+          <a:p>
+            <a:r>
+              <a:rPr lang="zh-CN" altLang="en-US"/>
+              <a:t>    metadata:</a:t>
+            </a:r>
+            <a:endParaRPr lang="zh-CN" altLang="en-US"/>
+          </a:p>
+          <a:p>
+            <a:r>
+              <a:rPr lang="zh-CN" altLang="en-US"/>
+              <a:t>      labels:</a:t>
+            </a:r>
+            <a:endParaRPr lang="zh-CN" altLang="en-US"/>
+          </a:p>
+          <a:p>
+            <a:r>
+              <a:rPr lang="zh-CN" altLang="en-US"/>
+              <a:t>        app: nginx</a:t>
+            </a:r>
+            <a:endParaRPr lang="zh-CN" altLang="en-US"/>
+          </a:p>
+          <a:p>
+            <a:r>
+              <a:rPr lang="zh-CN" altLang="en-US"/>
+              <a:t>    spec:</a:t>
+            </a:r>
+            <a:endParaRPr lang="zh-CN" altLang="en-US"/>
+          </a:p>
+          <a:p>
+            <a:r>
+              <a:rPr lang="zh-CN" altLang="en-US"/>
+              <a:t>      containers:</a:t>
+            </a:r>
+            <a:endParaRPr lang="zh-CN" altLang="en-US"/>
+          </a:p>
+          <a:p>
+            <a:r>
+              <a:rPr lang="zh-CN" altLang="en-US"/>
+              <a:t>      - name: nginx</a:t>
+            </a:r>
+            <a:endParaRPr lang="zh-CN" altLang="en-US"/>
+          </a:p>
+          <a:p>
+            <a:r>
+              <a:rPr lang="zh-CN" altLang="en-US"/>
+              <a:t>        image: nginx:1.14.2</a:t>
+            </a:r>
+            <a:endParaRPr lang="zh-CN" altLang="en-US"/>
+          </a:p>
+          <a:p>
+            <a:r>
+              <a:rPr lang="zh-CN" altLang="en-US"/>
+              <a:t>        ports:</a:t>
+            </a:r>
+            <a:endParaRPr lang="zh-CN" altLang="en-US"/>
+          </a:p>
+          <a:p>
+            <a:r>
+              <a:rPr lang="zh-CN" altLang="en-US"/>
+              <a:t>        - containerPort: 80</a:t>
+            </a:r>
+            <a:endParaRPr lang="zh-CN" altLang="en-US"/>
+          </a:p>
+        </p:txBody>
+      </p:sp>
+      <p:sp>
+        <p:nvSpPr>
+          <p:cNvPr id="3" name="文本框 2"/>
+          <p:cNvSpPr txBox="1"/>
+          <p:nvPr/>
+        </p:nvSpPr>
+        <p:spPr>
+          <a:xfrm>
+            <a:off x="6077585" y="890270"/>
+            <a:ext cx="2656205" cy="1706880"/>
+          </a:xfrm>
+          <a:prstGeom prst="rect">
+            <a:avLst/>
+          </a:prstGeom>
+          <a:noFill/>
+        </p:spPr>
+        <p:txBody>
+          <a:bodyPr wrap="square" rtlCol="0">
+            <a:spAutoFit/>
+          </a:bodyPr>
+          <a:p>
+            <a:pPr>
+              <a:lnSpc>
+                <a:spcPct val="150000"/>
+              </a:lnSpc>
+            </a:pPr>
+            <a:r>
+              <a:rPr lang="zh-CN" altLang="en-US" sz="1400">
+                <a:latin typeface="Times New Roman" panose="02020603050405020304" charset="0"/>
+                <a:ea typeface="楷体" panose="02010609060101010101" charset="-122"/>
+                <a:cs typeface="Times New Roman" panose="02020603050405020304" charset="0"/>
+              </a:rPr>
+              <a:t>资源对象必要域：</a:t>
+            </a:r>
+            <a:endParaRPr lang="zh-CN" altLang="en-US" sz="1400">
+              <a:latin typeface="Times New Roman" panose="02020603050405020304" charset="0"/>
+              <a:ea typeface="楷体" panose="02010609060101010101" charset="-122"/>
+              <a:cs typeface="Times New Roman" panose="02020603050405020304" charset="0"/>
+            </a:endParaRPr>
+          </a:p>
+          <a:p>
+            <a:pPr marL="285750" indent="-285750">
+              <a:lnSpc>
+                <a:spcPct val="150000"/>
+              </a:lnSpc>
+              <a:buFont typeface="Arial" panose="020B0604020202020204" pitchFamily="34" charset="0"/>
+              <a:buChar char="•"/>
+            </a:pPr>
+            <a:r>
+              <a:rPr lang="en-US" altLang="zh-CN" sz="1400">
+                <a:latin typeface="Times New Roman" panose="02020603050405020304" charset="0"/>
+                <a:ea typeface="楷体" panose="02010609060101010101" charset="-122"/>
+                <a:cs typeface="Times New Roman" panose="02020603050405020304" charset="0"/>
+              </a:rPr>
+              <a:t>apiVersion</a:t>
+            </a:r>
+            <a:endParaRPr lang="en-US" altLang="zh-CN" sz="1400">
+              <a:latin typeface="Times New Roman" panose="02020603050405020304" charset="0"/>
+              <a:ea typeface="楷体" panose="02010609060101010101" charset="-122"/>
+              <a:cs typeface="Times New Roman" panose="02020603050405020304" charset="0"/>
+            </a:endParaRPr>
+          </a:p>
+          <a:p>
+            <a:pPr marL="285750" indent="-285750">
+              <a:lnSpc>
+                <a:spcPct val="150000"/>
+              </a:lnSpc>
+              <a:buFont typeface="Arial" panose="020B0604020202020204" pitchFamily="34" charset="0"/>
+              <a:buChar char="•"/>
+            </a:pPr>
+            <a:r>
+              <a:rPr lang="en-US" altLang="zh-CN" sz="1400">
+                <a:latin typeface="Times New Roman" panose="02020603050405020304" charset="0"/>
+                <a:ea typeface="楷体" panose="02010609060101010101" charset="-122"/>
+                <a:cs typeface="Times New Roman" panose="02020603050405020304" charset="0"/>
+              </a:rPr>
+              <a:t>kind</a:t>
+            </a:r>
+            <a:endParaRPr lang="en-US" altLang="zh-CN" sz="1400">
+              <a:latin typeface="Times New Roman" panose="02020603050405020304" charset="0"/>
+              <a:ea typeface="楷体" panose="02010609060101010101" charset="-122"/>
+              <a:cs typeface="Times New Roman" panose="02020603050405020304" charset="0"/>
+            </a:endParaRPr>
+          </a:p>
+          <a:p>
+            <a:pPr marL="285750" indent="-285750">
+              <a:lnSpc>
+                <a:spcPct val="150000"/>
+              </a:lnSpc>
+              <a:buFont typeface="Arial" panose="020B0604020202020204" pitchFamily="34" charset="0"/>
+              <a:buChar char="•"/>
+            </a:pPr>
+            <a:r>
+              <a:rPr lang="en-US" altLang="zh-CN" sz="1400">
+                <a:latin typeface="Times New Roman" panose="02020603050405020304" charset="0"/>
+                <a:ea typeface="楷体" panose="02010609060101010101" charset="-122"/>
+                <a:cs typeface="Times New Roman" panose="02020603050405020304" charset="0"/>
+              </a:rPr>
+              <a:t>metadata</a:t>
+            </a:r>
+            <a:endParaRPr lang="en-US" altLang="zh-CN" sz="1400">
+              <a:latin typeface="Times New Roman" panose="02020603050405020304" charset="0"/>
+              <a:ea typeface="楷体" panose="02010609060101010101" charset="-122"/>
+              <a:cs typeface="Times New Roman" panose="02020603050405020304" charset="0"/>
+            </a:endParaRPr>
+          </a:p>
+          <a:p>
+            <a:pPr marL="285750" indent="-285750">
+              <a:lnSpc>
+                <a:spcPct val="150000"/>
+              </a:lnSpc>
+              <a:buFont typeface="Arial" panose="020B0604020202020204" pitchFamily="34" charset="0"/>
+              <a:buChar char="•"/>
+            </a:pPr>
+            <a:r>
+              <a:rPr lang="en-US" altLang="zh-CN" sz="1400">
+                <a:latin typeface="Times New Roman" panose="02020603050405020304" charset="0"/>
+                <a:ea typeface="楷体" panose="02010609060101010101" charset="-122"/>
+                <a:cs typeface="Times New Roman" panose="02020603050405020304" charset="0"/>
+              </a:rPr>
+              <a:t>spec</a:t>
+            </a:r>
+            <a:endParaRPr lang="en-US" altLang="zh-CN" sz="1400">
+              <a:latin typeface="Times New Roman" panose="02020603050405020304" charset="0"/>
+              <a:ea typeface="楷体" panose="02010609060101010101" charset="-122"/>
+              <a:cs typeface="Times New Roman" panose="02020603050405020304" charset="0"/>
+            </a:endParaRPr>
+          </a:p>
+        </p:txBody>
+      </p:sp>
+    </p:spTree>
+    <p:custDataLst>
+      <p:tags r:id="rId1"/>
+    </p:custDataLst>
+  </p:cSld>
+  <p:clrMapOvr>
+    <a:masterClrMapping/>
+  </p:clrMapOvr>
+</p:sld>
+</file>
+
+<file path=ppt/slides/slide12.xml><?xml version="1.0" encoding="utf-8"?>
+<p:sld xmlns:a="http://schemas.openxmlformats.org/drawingml/2006/main" xmlns:r="http://schemas.openxmlformats.org/officeDocument/2006/relationships" xmlns:p="http://schemas.openxmlformats.org/presentationml/2006/main">
+  <p:cSld>
+    <p:spTree>
+      <p:nvGrpSpPr>
+        <p:cNvPr id="1" name=""/>
+        <p:cNvGrpSpPr/>
+        <p:nvPr/>
+      </p:nvGrpSpPr>
+      <p:grpSpPr/>
+      <p:sp>
+        <p:nvSpPr>
+          <p:cNvPr id="3" name="文本框 2"/>
+          <p:cNvSpPr txBox="1"/>
+          <p:nvPr/>
+        </p:nvSpPr>
+        <p:spPr>
+          <a:xfrm>
+            <a:off x="508635" y="1282700"/>
+            <a:ext cx="6231255" cy="4292600"/>
+          </a:xfrm>
+          <a:prstGeom prst="rect">
+            <a:avLst/>
+          </a:prstGeom>
+          <a:noFill/>
+        </p:spPr>
+        <p:txBody>
+          <a:bodyPr wrap="square" rtlCol="0">
+            <a:spAutoFit/>
+          </a:bodyPr>
+          <a:p>
+            <a:pPr>
+              <a:lnSpc>
+                <a:spcPct val="150000"/>
+              </a:lnSpc>
+            </a:pPr>
+            <a:r>
+              <a:rPr lang="en-US" altLang="zh-CN" sz="1400" b="1">
+                <a:latin typeface="Times New Roman" panose="02020603050405020304" charset="0"/>
+                <a:ea typeface="楷体" panose="02010609060101010101" charset="-122"/>
+                <a:cs typeface="Times New Roman" panose="02020603050405020304" charset="0"/>
+              </a:rPr>
+              <a:t>PODS</a:t>
+            </a:r>
+            <a:r>
+              <a:rPr lang="zh-CN" altLang="en-US" sz="1400" b="1">
+                <a:latin typeface="Times New Roman" panose="02020603050405020304" charset="0"/>
+                <a:ea typeface="楷体" panose="02010609060101010101" charset="-122"/>
+                <a:cs typeface="Times New Roman" panose="02020603050405020304" charset="0"/>
+              </a:rPr>
+              <a:t>：</a:t>
+            </a:r>
+            <a:endParaRPr lang="zh-CN" altLang="en-US" sz="1400" b="1">
+              <a:latin typeface="Times New Roman" panose="02020603050405020304" charset="0"/>
+              <a:ea typeface="楷体" panose="02010609060101010101" charset="-122"/>
+              <a:cs typeface="Times New Roman" panose="02020603050405020304" charset="0"/>
+            </a:endParaRPr>
+          </a:p>
+          <a:p>
+            <a:pPr indent="0">
+              <a:lnSpc>
+                <a:spcPct val="150000"/>
+              </a:lnSpc>
+              <a:buFont typeface="Arial" panose="020B0604020202020204" pitchFamily="34" charset="0"/>
+              <a:buNone/>
+            </a:pPr>
+            <a:r>
+              <a:rPr lang="en-US" altLang="zh-CN" sz="1400">
+                <a:latin typeface="Times New Roman" panose="02020603050405020304" charset="0"/>
+                <a:ea typeface="楷体" panose="02010609060101010101" charset="-122"/>
+                <a:cs typeface="Times New Roman" panose="02020603050405020304" charset="0"/>
+              </a:rPr>
+              <a:t>pods</a:t>
+            </a:r>
+            <a:r>
+              <a:rPr lang="zh-CN" altLang="en-US" sz="1400">
+                <a:latin typeface="Times New Roman" panose="02020603050405020304" charset="0"/>
+                <a:ea typeface="楷体" panose="02010609060101010101" charset="-122"/>
+                <a:cs typeface="Times New Roman" panose="02020603050405020304" charset="0"/>
+              </a:rPr>
+              <a:t>是可以创建管理的最小的可部署单元，</a:t>
+            </a:r>
+            <a:r>
+              <a:rPr lang="en-US" altLang="zh-CN" sz="1400">
+                <a:latin typeface="Times New Roman" panose="02020603050405020304" charset="0"/>
+                <a:ea typeface="楷体" panose="02010609060101010101" charset="-122"/>
+                <a:cs typeface="Times New Roman" panose="02020603050405020304" charset="0"/>
+              </a:rPr>
+              <a:t>Pod</a:t>
+            </a:r>
+            <a:r>
+              <a:rPr lang="zh-CN" altLang="en-US" sz="1400">
+                <a:latin typeface="Times New Roman" panose="02020603050405020304" charset="0"/>
+                <a:ea typeface="楷体" panose="02010609060101010101" charset="-122"/>
+                <a:cs typeface="Times New Roman" panose="02020603050405020304" charset="0"/>
+              </a:rPr>
+              <a:t>是一个或多个</a:t>
+            </a:r>
+            <a:r>
+              <a:rPr lang="en-US" altLang="zh-CN" sz="1400">
+                <a:latin typeface="Times New Roman" panose="02020603050405020304" charset="0"/>
+                <a:ea typeface="楷体" panose="02010609060101010101" charset="-122"/>
+                <a:cs typeface="Times New Roman" panose="02020603050405020304" charset="0"/>
+              </a:rPr>
+              <a:t>container</a:t>
+            </a:r>
+            <a:r>
+              <a:rPr lang="zh-CN" altLang="en-US" sz="1400">
+                <a:latin typeface="Times New Roman" panose="02020603050405020304" charset="0"/>
+                <a:ea typeface="楷体" panose="02010609060101010101" charset="-122"/>
+                <a:cs typeface="Times New Roman" panose="02020603050405020304" charset="0"/>
+              </a:rPr>
+              <a:t>的组合，共享</a:t>
+            </a:r>
+            <a:r>
+              <a:rPr lang="en-US" altLang="zh-CN" sz="1400">
+                <a:latin typeface="Times New Roman" panose="02020603050405020304" charset="0"/>
+                <a:ea typeface="楷体" panose="02010609060101010101" charset="-122"/>
+                <a:cs typeface="Times New Roman" panose="02020603050405020304" charset="0"/>
+              </a:rPr>
+              <a:t>storage/network</a:t>
+            </a:r>
+            <a:r>
+              <a:rPr lang="zh-CN" altLang="en-US" sz="1400">
+                <a:latin typeface="Times New Roman" panose="02020603050405020304" charset="0"/>
+                <a:ea typeface="楷体" panose="02010609060101010101" charset="-122"/>
+                <a:cs typeface="Times New Roman" panose="02020603050405020304" charset="0"/>
+              </a:rPr>
+              <a:t>，指定</a:t>
+            </a:r>
+            <a:r>
+              <a:rPr lang="en-US" altLang="zh-CN" sz="1400">
+                <a:latin typeface="Times New Roman" panose="02020603050405020304" charset="0"/>
+                <a:ea typeface="楷体" panose="02010609060101010101" charset="-122"/>
+                <a:cs typeface="Times New Roman" panose="02020603050405020304" charset="0"/>
+              </a:rPr>
+              <a:t>container</a:t>
+            </a:r>
+            <a:r>
+              <a:rPr lang="zh-CN" altLang="en-US" sz="1400">
+                <a:latin typeface="Times New Roman" panose="02020603050405020304" charset="0"/>
+                <a:ea typeface="楷体" panose="02010609060101010101" charset="-122"/>
+                <a:cs typeface="Times New Roman" panose="02020603050405020304" charset="0"/>
+              </a:rPr>
+              <a:t>如何运行。</a:t>
+            </a:r>
+            <a:endParaRPr lang="zh-CN" altLang="en-US" sz="1400">
+              <a:latin typeface="Times New Roman" panose="02020603050405020304" charset="0"/>
+              <a:ea typeface="楷体" panose="02010609060101010101" charset="-122"/>
+              <a:cs typeface="Times New Roman" panose="02020603050405020304" charset="0"/>
+            </a:endParaRPr>
+          </a:p>
+          <a:p>
+            <a:pPr indent="0">
+              <a:lnSpc>
+                <a:spcPct val="150000"/>
+              </a:lnSpc>
+              <a:buFont typeface="Arial" panose="020B0604020202020204" pitchFamily="34" charset="0"/>
+              <a:buNone/>
+            </a:pPr>
+            <a:endParaRPr lang="zh-CN" altLang="en-US" sz="1400">
+              <a:latin typeface="Times New Roman" panose="02020603050405020304" charset="0"/>
+              <a:ea typeface="楷体" panose="02010609060101010101" charset="-122"/>
+              <a:cs typeface="Times New Roman" panose="02020603050405020304" charset="0"/>
+            </a:endParaRPr>
+          </a:p>
+          <a:p>
+            <a:pPr indent="0">
+              <a:lnSpc>
+                <a:spcPct val="150000"/>
+              </a:lnSpc>
+              <a:buFont typeface="Arial" panose="020B0604020202020204" pitchFamily="34" charset="0"/>
+              <a:buNone/>
+            </a:pPr>
+            <a:r>
+              <a:rPr lang="zh-CN" altLang="en-US" sz="1400" b="1">
+                <a:latin typeface="Times New Roman" panose="02020603050405020304" charset="0"/>
+                <a:ea typeface="楷体" panose="02010609060101010101" charset="-122"/>
+                <a:cs typeface="Times New Roman" panose="02020603050405020304" charset="0"/>
+              </a:rPr>
+              <a:t>使用</a:t>
+            </a:r>
+            <a:r>
+              <a:rPr lang="en-US" altLang="zh-CN" sz="1400" b="1">
+                <a:latin typeface="Times New Roman" panose="02020603050405020304" charset="0"/>
+                <a:ea typeface="楷体" panose="02010609060101010101" charset="-122"/>
+                <a:cs typeface="Times New Roman" panose="02020603050405020304" charset="0"/>
+              </a:rPr>
+              <a:t>Pods</a:t>
+            </a:r>
+            <a:r>
+              <a:rPr lang="zh-CN" altLang="en-US" sz="1400" b="1">
+                <a:latin typeface="Times New Roman" panose="02020603050405020304" charset="0"/>
+                <a:ea typeface="楷体" panose="02010609060101010101" charset="-122"/>
+                <a:cs typeface="Times New Roman" panose="02020603050405020304" charset="0"/>
+              </a:rPr>
+              <a:t>：</a:t>
+            </a:r>
+            <a:endParaRPr lang="zh-CN" altLang="en-US" sz="1400" b="1">
+              <a:latin typeface="Times New Roman" panose="02020603050405020304" charset="0"/>
+              <a:ea typeface="楷体" panose="02010609060101010101" charset="-122"/>
+              <a:cs typeface="Times New Roman" panose="02020603050405020304" charset="0"/>
+            </a:endParaRPr>
+          </a:p>
+          <a:p>
+            <a:pPr indent="0">
+              <a:lnSpc>
+                <a:spcPct val="150000"/>
+              </a:lnSpc>
+              <a:buFont typeface="Arial" panose="020B0604020202020204" pitchFamily="34" charset="0"/>
+              <a:buNone/>
+            </a:pPr>
+            <a:r>
+              <a:rPr lang="zh-CN" altLang="en-US" sz="1400">
+                <a:latin typeface="Times New Roman" panose="02020603050405020304" charset="0"/>
+                <a:ea typeface="楷体" panose="02010609060101010101" charset="-122"/>
+                <a:cs typeface="Times New Roman" panose="02020603050405020304" charset="0"/>
+              </a:rPr>
+              <a:t>一般情况下不会直接定义</a:t>
+            </a:r>
+            <a:r>
+              <a:rPr lang="en-US" altLang="zh-CN" sz="1400">
+                <a:latin typeface="Times New Roman" panose="02020603050405020304" charset="0"/>
+                <a:ea typeface="楷体" panose="02010609060101010101" charset="-122"/>
+                <a:cs typeface="Times New Roman" panose="02020603050405020304" charset="0"/>
+              </a:rPr>
+              <a:t>Pods</a:t>
+            </a:r>
+            <a:r>
+              <a:rPr lang="zh-CN" altLang="en-US" sz="1400">
+                <a:latin typeface="Times New Roman" panose="02020603050405020304" charset="0"/>
+                <a:ea typeface="楷体" panose="02010609060101010101" charset="-122"/>
+                <a:cs typeface="Times New Roman" panose="02020603050405020304" charset="0"/>
+              </a:rPr>
+              <a:t>，而是通过工作负载对象来管理</a:t>
+            </a:r>
+            <a:r>
+              <a:rPr lang="en-US" altLang="zh-CN" sz="1400">
+                <a:latin typeface="Times New Roman" panose="02020603050405020304" charset="0"/>
+                <a:ea typeface="楷体" panose="02010609060101010101" charset="-122"/>
+                <a:cs typeface="Times New Roman" panose="02020603050405020304" charset="0"/>
+              </a:rPr>
+              <a:t>Pods</a:t>
+            </a:r>
+            <a:r>
+              <a:rPr lang="zh-CN" altLang="en-US" sz="1400">
+                <a:latin typeface="Times New Roman" panose="02020603050405020304" charset="0"/>
+                <a:ea typeface="楷体" panose="02010609060101010101" charset="-122"/>
+                <a:cs typeface="Times New Roman" panose="02020603050405020304" charset="0"/>
+              </a:rPr>
+              <a:t>：</a:t>
+            </a:r>
+            <a:endParaRPr lang="zh-CN" altLang="en-US" sz="1400">
+              <a:latin typeface="Times New Roman" panose="02020603050405020304" charset="0"/>
+              <a:ea typeface="楷体" panose="02010609060101010101" charset="-122"/>
+              <a:cs typeface="Times New Roman" panose="02020603050405020304" charset="0"/>
+            </a:endParaRPr>
+          </a:p>
+          <a:p>
+            <a:pPr marL="285750" indent="-285750">
+              <a:lnSpc>
+                <a:spcPct val="150000"/>
+              </a:lnSpc>
+              <a:buFont typeface="Wingdings" panose="05000000000000000000" charset="0"/>
+              <a:buChar char="l"/>
+            </a:pPr>
+            <a:r>
+              <a:rPr lang="en-US" altLang="zh-CN" sz="1400">
+                <a:latin typeface="Times New Roman" panose="02020603050405020304" charset="0"/>
+                <a:ea typeface="楷体" panose="02010609060101010101" charset="-122"/>
+                <a:cs typeface="Times New Roman" panose="02020603050405020304" charset="0"/>
+              </a:rPr>
+              <a:t>Pods that run a single container</a:t>
+            </a:r>
+            <a:endParaRPr lang="en-US" altLang="zh-CN" sz="1400">
+              <a:latin typeface="Times New Roman" panose="02020603050405020304" charset="0"/>
+              <a:ea typeface="楷体" panose="02010609060101010101" charset="-122"/>
+              <a:cs typeface="Times New Roman" panose="02020603050405020304" charset="0"/>
+            </a:endParaRPr>
+          </a:p>
+          <a:p>
+            <a:pPr marL="285750" indent="-285750">
+              <a:lnSpc>
+                <a:spcPct val="150000"/>
+              </a:lnSpc>
+              <a:buFont typeface="Wingdings" panose="05000000000000000000" charset="0"/>
+              <a:buChar char="l"/>
+            </a:pPr>
+            <a:r>
+              <a:rPr lang="en-US" altLang="zh-CN" sz="1400">
+                <a:latin typeface="Times New Roman" panose="02020603050405020304" charset="0"/>
+                <a:ea typeface="楷体" panose="02010609060101010101" charset="-122"/>
+                <a:cs typeface="Times New Roman" panose="02020603050405020304" charset="0"/>
+              </a:rPr>
+              <a:t>Pods that run multiple containers that need to work together</a:t>
+            </a:r>
+            <a:endParaRPr lang="en-US" altLang="zh-CN" sz="1400">
+              <a:latin typeface="Times New Roman" panose="02020603050405020304" charset="0"/>
+              <a:ea typeface="楷体" panose="02010609060101010101" charset="-122"/>
+              <a:cs typeface="Times New Roman" panose="02020603050405020304" charset="0"/>
+            </a:endParaRPr>
+          </a:p>
+          <a:p>
+            <a:pPr marL="285750" indent="-285750">
+              <a:lnSpc>
+                <a:spcPct val="150000"/>
+              </a:lnSpc>
+              <a:buFont typeface="Wingdings" panose="05000000000000000000" charset="0"/>
+              <a:buChar char="l"/>
+            </a:pPr>
+            <a:endParaRPr lang="en-US" altLang="zh-CN" sz="1400">
+              <a:latin typeface="Times New Roman" panose="02020603050405020304" charset="0"/>
+              <a:ea typeface="楷体" panose="02010609060101010101" charset="-122"/>
+              <a:cs typeface="Times New Roman" panose="02020603050405020304" charset="0"/>
+            </a:endParaRPr>
+          </a:p>
+          <a:p>
+            <a:pPr indent="0">
+              <a:lnSpc>
+                <a:spcPct val="150000"/>
+              </a:lnSpc>
+              <a:buFont typeface="Wingdings" panose="05000000000000000000" charset="0"/>
+              <a:buNone/>
+            </a:pPr>
+            <a:r>
+              <a:rPr lang="zh-CN" altLang="en-US" sz="1400">
+                <a:latin typeface="Times New Roman" panose="02020603050405020304" charset="0"/>
+                <a:ea typeface="楷体" panose="02010609060101010101" charset="-122"/>
+                <a:cs typeface="Times New Roman" panose="02020603050405020304" charset="0"/>
+              </a:rPr>
+              <a:t>当应用需要横向扩展应用程序，应该使用多个副本（</a:t>
+            </a:r>
+            <a:r>
+              <a:rPr lang="en-US" altLang="zh-CN" sz="1400">
+                <a:latin typeface="Times New Roman" panose="02020603050405020304" charset="0"/>
+                <a:ea typeface="楷体" panose="02010609060101010101" charset="-122"/>
+                <a:cs typeface="Times New Roman" panose="02020603050405020304" charset="0"/>
+              </a:rPr>
+              <a:t>replication</a:t>
+            </a:r>
+            <a:r>
+              <a:rPr lang="zh-CN" altLang="en-US" sz="1400">
+                <a:latin typeface="Times New Roman" panose="02020603050405020304" charset="0"/>
+                <a:ea typeface="楷体" panose="02010609060101010101" charset="-122"/>
+                <a:cs typeface="Times New Roman" panose="02020603050405020304" charset="0"/>
+              </a:rPr>
+              <a:t>），通常使用一种工作负载来创建和管理一组</a:t>
+            </a:r>
+            <a:r>
+              <a:rPr lang="en-US" altLang="zh-CN" sz="1400">
+                <a:latin typeface="Times New Roman" panose="02020603050405020304" charset="0"/>
+                <a:ea typeface="楷体" panose="02010609060101010101" charset="-122"/>
+                <a:cs typeface="Times New Roman" panose="02020603050405020304" charset="0"/>
+              </a:rPr>
+              <a:t>Pod</a:t>
+            </a:r>
+            <a:r>
+              <a:rPr lang="zh-CN" altLang="en-US" sz="1400">
+                <a:latin typeface="Times New Roman" panose="02020603050405020304" charset="0"/>
+                <a:ea typeface="楷体" panose="02010609060101010101" charset="-122"/>
+                <a:cs typeface="Times New Roman" panose="02020603050405020304" charset="0"/>
+              </a:rPr>
+              <a:t>副本</a:t>
+            </a:r>
+            <a:endParaRPr lang="zh-CN" altLang="en-US" sz="1400">
+              <a:latin typeface="Times New Roman" panose="02020603050405020304" charset="0"/>
+              <a:ea typeface="楷体" panose="02010609060101010101" charset="-122"/>
+              <a:cs typeface="Times New Roman" panose="02020603050405020304" charset="0"/>
+            </a:endParaRPr>
+          </a:p>
+          <a:p>
+            <a:pPr indent="0">
+              <a:lnSpc>
+                <a:spcPct val="150000"/>
+              </a:lnSpc>
+              <a:buFont typeface="Wingdings" panose="05000000000000000000" charset="0"/>
+              <a:buNone/>
+            </a:pPr>
+            <a:r>
+              <a:rPr lang="en-US" altLang="zh-CN" sz="1400">
+                <a:latin typeface="Times New Roman" panose="02020603050405020304" charset="0"/>
+                <a:ea typeface="楷体" panose="02010609060101010101" charset="-122"/>
+                <a:cs typeface="Times New Roman" panose="02020603050405020304" charset="0"/>
+              </a:rPr>
+              <a:t>Pod</a:t>
+            </a:r>
+            <a:r>
+              <a:rPr lang="zh-CN" altLang="en-US" sz="1400">
+                <a:latin typeface="Times New Roman" panose="02020603050405020304" charset="0"/>
+                <a:ea typeface="楷体" panose="02010609060101010101" charset="-122"/>
+                <a:cs typeface="Times New Roman" panose="02020603050405020304" charset="0"/>
+              </a:rPr>
+              <a:t>中的容器被同步调动，拥有相同的生命周期，本地通信，可通过</a:t>
+            </a:r>
+            <a:r>
+              <a:rPr lang="en-US" altLang="zh-CN" sz="1400">
+                <a:latin typeface="Times New Roman" panose="02020603050405020304" charset="0"/>
+                <a:ea typeface="楷体" panose="02010609060101010101" charset="-122"/>
+                <a:cs typeface="Times New Roman" panose="02020603050405020304" charset="0"/>
+              </a:rPr>
+              <a:t>volme</a:t>
+            </a:r>
+            <a:r>
+              <a:rPr lang="zh-CN" altLang="en-US" sz="1400">
+                <a:latin typeface="Times New Roman" panose="02020603050405020304" charset="0"/>
+                <a:ea typeface="楷体" panose="02010609060101010101" charset="-122"/>
+                <a:cs typeface="Times New Roman" panose="02020603050405020304" charset="0"/>
+              </a:rPr>
+              <a:t>进行资源共享</a:t>
+            </a:r>
+            <a:endParaRPr lang="zh-CN" altLang="en-US" sz="1400">
+              <a:latin typeface="Times New Roman" panose="02020603050405020304" charset="0"/>
+              <a:ea typeface="楷体" panose="02010609060101010101" charset="-122"/>
+              <a:cs typeface="Times New Roman" panose="02020603050405020304" charset="0"/>
+            </a:endParaRPr>
+          </a:p>
+        </p:txBody>
+      </p:sp>
+      <p:pic>
+        <p:nvPicPr>
+          <p:cNvPr id="4" name="图片 3"/>
+          <p:cNvPicPr>
+            <a:picLocks noChangeAspect="1"/>
+          </p:cNvPicPr>
+          <p:nvPr/>
+        </p:nvPicPr>
+        <p:blipFill>
+          <a:blip r:embed="rId1"/>
+          <a:stretch>
+            <a:fillRect/>
+          </a:stretch>
+        </p:blipFill>
+        <p:spPr>
+          <a:xfrm>
+            <a:off x="7530465" y="1443355"/>
+            <a:ext cx="3724275" cy="3971925"/>
+          </a:xfrm>
+          <a:prstGeom prst="rect">
+            <a:avLst/>
+          </a:prstGeom>
+        </p:spPr>
+      </p:pic>
+    </p:spTree>
+    <p:custDataLst>
+      <p:tags r:id="rId2"/>
+    </p:custDataLst>
+  </p:cSld>
+  <p:clrMapOvr>
+    <a:masterClrMapping/>
+  </p:clrMapOvr>
+</p:sld>
+</file>
+
 <file path=ppt/slides/slide2.xml><?xml version="1.0" encoding="utf-8"?>
 <p:sld xmlns:a="http://schemas.openxmlformats.org/drawingml/2006/main" xmlns:r="http://schemas.openxmlformats.org/officeDocument/2006/relationships" xmlns:p="http://schemas.openxmlformats.org/presentationml/2006/main">
   <p:cSld>
@@ -15076,6 +16192,449 @@
               <a:t>Node</a:t>
             </a:r>
             <a:endParaRPr lang="en-US" sz="1400">
+              <a:latin typeface="Times New Roman" panose="02020603050405020304" charset="0"/>
+              <a:ea typeface="楷体" panose="02010609060101010101" charset="-122"/>
+              <a:cs typeface="Times New Roman" panose="02020603050405020304" charset="0"/>
+            </a:endParaRPr>
+          </a:p>
+        </p:txBody>
+      </p:sp>
+    </p:spTree>
+    <p:custDataLst>
+      <p:tags r:id="rId1"/>
+    </p:custDataLst>
+  </p:cSld>
+  <p:clrMapOvr>
+    <a:masterClrMapping/>
+  </p:clrMapOvr>
+</p:sld>
+</file>
+
+<file path=ppt/slides/slide9.xml><?xml version="1.0" encoding="utf-8"?>
+<p:sld xmlns:a="http://schemas.openxmlformats.org/drawingml/2006/main" xmlns:r="http://schemas.openxmlformats.org/officeDocument/2006/relationships" xmlns:p="http://schemas.openxmlformats.org/presentationml/2006/main">
+  <p:cSld>
+    <p:spTree>
+      <p:nvGrpSpPr>
+        <p:cNvPr id="1" name=""/>
+        <p:cNvGrpSpPr/>
+        <p:nvPr/>
+      </p:nvGrpSpPr>
+      <p:grpSpPr/>
+      <p:sp>
+        <p:nvSpPr>
+          <p:cNvPr id="2" name="文本框 1"/>
+          <p:cNvSpPr txBox="1"/>
+          <p:nvPr/>
+        </p:nvSpPr>
+        <p:spPr>
+          <a:xfrm>
+            <a:off x="681355" y="830580"/>
+            <a:ext cx="10055225" cy="4939030"/>
+          </a:xfrm>
+          <a:prstGeom prst="rect">
+            <a:avLst/>
+          </a:prstGeom>
+          <a:noFill/>
+        </p:spPr>
+        <p:txBody>
+          <a:bodyPr wrap="square" rtlCol="0">
+            <a:spAutoFit/>
+          </a:bodyPr>
+          <a:p>
+            <a:pPr>
+              <a:lnSpc>
+                <a:spcPct val="150000"/>
+              </a:lnSpc>
+            </a:pPr>
+            <a:r>
+              <a:rPr lang="en-US" altLang="zh-CN" sz="1400" b="1">
+                <a:latin typeface="Times New Roman" panose="02020603050405020304" charset="0"/>
+                <a:ea typeface="楷体" panose="02010609060101010101" charset="-122"/>
+                <a:cs typeface="Times New Roman" panose="02020603050405020304" charset="0"/>
+              </a:rPr>
+              <a:t>API SERVER</a:t>
+            </a:r>
+            <a:r>
+              <a:rPr lang="zh-CN" altLang="en-US" sz="1400" b="1">
+                <a:latin typeface="Times New Roman" panose="02020603050405020304" charset="0"/>
+                <a:ea typeface="楷体" panose="02010609060101010101" charset="-122"/>
+                <a:cs typeface="Times New Roman" panose="02020603050405020304" charset="0"/>
+              </a:rPr>
+              <a:t>：</a:t>
+            </a:r>
+            <a:endParaRPr lang="zh-CN" altLang="en-US" sz="1400" b="1">
+              <a:latin typeface="Times New Roman" panose="02020603050405020304" charset="0"/>
+              <a:ea typeface="楷体" panose="02010609060101010101" charset="-122"/>
+              <a:cs typeface="Times New Roman" panose="02020603050405020304" charset="0"/>
+            </a:endParaRPr>
+          </a:p>
+          <a:p>
+            <a:pPr indent="0">
+              <a:lnSpc>
+                <a:spcPct val="150000"/>
+              </a:lnSpc>
+              <a:buFont typeface="Arial" panose="020B0604020202020204" pitchFamily="34" charset="0"/>
+              <a:buNone/>
+            </a:pPr>
+            <a:r>
+              <a:rPr lang="zh-CN" altLang="en-US" sz="1400">
+                <a:latin typeface="Times New Roman" panose="02020603050405020304" charset="0"/>
+                <a:ea typeface="楷体" panose="02010609060101010101" charset="-122"/>
+                <a:cs typeface="Times New Roman" panose="02020603050405020304" charset="0"/>
+              </a:rPr>
+              <a:t>控制平面核心，使用</a:t>
+            </a:r>
+            <a:r>
+              <a:rPr lang="en-US" altLang="zh-CN" sz="1400">
+                <a:latin typeface="Times New Roman" panose="02020603050405020304" charset="0"/>
+                <a:ea typeface="楷体" panose="02010609060101010101" charset="-122"/>
+                <a:cs typeface="Times New Roman" panose="02020603050405020304" charset="0"/>
+              </a:rPr>
+              <a:t>http API</a:t>
+            </a:r>
+            <a:r>
+              <a:rPr lang="zh-CN" altLang="en-US" sz="1400">
+                <a:latin typeface="Times New Roman" panose="02020603050405020304" charset="0"/>
+                <a:ea typeface="楷体" panose="02010609060101010101" charset="-122"/>
+                <a:cs typeface="Times New Roman" panose="02020603050405020304" charset="0"/>
+              </a:rPr>
+              <a:t>让终端用户、集群组件和扩展组件之间可以互相通信</a:t>
+            </a:r>
+            <a:endParaRPr lang="zh-CN" altLang="en-US" sz="1400">
+              <a:latin typeface="Times New Roman" panose="02020603050405020304" charset="0"/>
+              <a:ea typeface="楷体" panose="02010609060101010101" charset="-122"/>
+              <a:cs typeface="Times New Roman" panose="02020603050405020304" charset="0"/>
+            </a:endParaRPr>
+          </a:p>
+          <a:p>
+            <a:pPr indent="0">
+              <a:lnSpc>
+                <a:spcPct val="150000"/>
+              </a:lnSpc>
+              <a:buFont typeface="Arial" panose="020B0604020202020204" pitchFamily="34" charset="0"/>
+              <a:buNone/>
+            </a:pPr>
+            <a:endParaRPr lang="zh-CN" altLang="en-US" sz="1400">
+              <a:latin typeface="Times New Roman" panose="02020603050405020304" charset="0"/>
+              <a:ea typeface="楷体" panose="02010609060101010101" charset="-122"/>
+              <a:cs typeface="Times New Roman" panose="02020603050405020304" charset="0"/>
+            </a:endParaRPr>
+          </a:p>
+          <a:p>
+            <a:pPr indent="0">
+              <a:lnSpc>
+                <a:spcPct val="150000"/>
+              </a:lnSpc>
+              <a:buFont typeface="Arial" panose="020B0604020202020204" pitchFamily="34" charset="0"/>
+              <a:buNone/>
+            </a:pPr>
+            <a:r>
+              <a:rPr lang="en-US" altLang="zh-CN" sz="1400">
+                <a:latin typeface="Times New Roman" panose="02020603050405020304" charset="0"/>
+                <a:ea typeface="楷体" panose="02010609060101010101" charset="-122"/>
+                <a:cs typeface="Times New Roman" panose="02020603050405020304" charset="0"/>
+              </a:rPr>
+              <a:t>Api Server</a:t>
+            </a:r>
+            <a:r>
+              <a:rPr lang="zh-CN" altLang="en-US" sz="1400">
+                <a:latin typeface="Times New Roman" panose="02020603050405020304" charset="0"/>
+                <a:ea typeface="楷体" panose="02010609060101010101" charset="-122"/>
+                <a:cs typeface="Times New Roman" panose="02020603050405020304" charset="0"/>
+              </a:rPr>
+              <a:t>用以查询和管理</a:t>
+            </a:r>
+            <a:r>
+              <a:rPr lang="en-US" altLang="zh-CN" sz="1400">
+                <a:latin typeface="Times New Roman" panose="02020603050405020304" charset="0"/>
+                <a:ea typeface="楷体" panose="02010609060101010101" charset="-122"/>
+                <a:cs typeface="Times New Roman" panose="02020603050405020304" charset="0"/>
+              </a:rPr>
+              <a:t>Kubernetes</a:t>
+            </a:r>
+            <a:r>
+              <a:rPr lang="zh-CN" altLang="en-US" sz="1400">
+                <a:latin typeface="Times New Roman" panose="02020603050405020304" charset="0"/>
+                <a:ea typeface="楷体" panose="02010609060101010101" charset="-122"/>
+                <a:cs typeface="Times New Roman" panose="02020603050405020304" charset="0"/>
+              </a:rPr>
+              <a:t>中的对象（</a:t>
+            </a:r>
+            <a:r>
+              <a:rPr lang="en-US" altLang="zh-CN" sz="1400">
+                <a:latin typeface="Times New Roman" panose="02020603050405020304" charset="0"/>
+                <a:ea typeface="楷体" panose="02010609060101010101" charset="-122"/>
+                <a:cs typeface="Times New Roman" panose="02020603050405020304" charset="0"/>
+              </a:rPr>
+              <a:t>object</a:t>
+            </a:r>
+            <a:r>
+              <a:rPr lang="zh-CN" altLang="en-US" sz="1400">
+                <a:latin typeface="Times New Roman" panose="02020603050405020304" charset="0"/>
+                <a:ea typeface="楷体" panose="02010609060101010101" charset="-122"/>
+                <a:cs typeface="Times New Roman" panose="02020603050405020304" charset="0"/>
+              </a:rPr>
+              <a:t>）状态</a:t>
+            </a:r>
+            <a:endParaRPr lang="zh-CN" altLang="en-US" sz="1400">
+              <a:latin typeface="Times New Roman" panose="02020603050405020304" charset="0"/>
+              <a:ea typeface="楷体" panose="02010609060101010101" charset="-122"/>
+              <a:cs typeface="Times New Roman" panose="02020603050405020304" charset="0"/>
+            </a:endParaRPr>
+          </a:p>
+          <a:p>
+            <a:pPr indent="0">
+              <a:lnSpc>
+                <a:spcPct val="150000"/>
+              </a:lnSpc>
+              <a:buFont typeface="Arial" panose="020B0604020202020204" pitchFamily="34" charset="0"/>
+              <a:buNone/>
+            </a:pPr>
+            <a:endParaRPr lang="zh-CN" altLang="en-US" sz="1400">
+              <a:latin typeface="Times New Roman" panose="02020603050405020304" charset="0"/>
+              <a:ea typeface="楷体" panose="02010609060101010101" charset="-122"/>
+              <a:cs typeface="Times New Roman" panose="02020603050405020304" charset="0"/>
+            </a:endParaRPr>
+          </a:p>
+          <a:p>
+            <a:pPr indent="0">
+              <a:lnSpc>
+                <a:spcPct val="150000"/>
+              </a:lnSpc>
+              <a:buFont typeface="Arial" panose="020B0604020202020204" pitchFamily="34" charset="0"/>
+              <a:buNone/>
+            </a:pPr>
+            <a:r>
+              <a:rPr lang="en-US" altLang="zh-CN" sz="1400">
+                <a:latin typeface="Times New Roman" panose="02020603050405020304" charset="0"/>
+                <a:ea typeface="楷体" panose="02010609060101010101" charset="-122"/>
+                <a:cs typeface="Times New Roman" panose="02020603050405020304" charset="0"/>
+              </a:rPr>
+              <a:t>Api groups</a:t>
+            </a:r>
+            <a:r>
+              <a:rPr lang="zh-CN" altLang="en-US" sz="1400">
+                <a:latin typeface="Times New Roman" panose="02020603050405020304" charset="0"/>
+                <a:ea typeface="楷体" panose="02010609060101010101" charset="-122"/>
+                <a:cs typeface="Times New Roman" panose="02020603050405020304" charset="0"/>
+              </a:rPr>
+              <a:t>定义了当前组下所能管理资源对象</a:t>
+            </a:r>
+            <a:endParaRPr lang="zh-CN" altLang="en-US" sz="1400">
+              <a:latin typeface="Times New Roman" panose="02020603050405020304" charset="0"/>
+              <a:ea typeface="楷体" panose="02010609060101010101" charset="-122"/>
+              <a:cs typeface="Times New Roman" panose="02020603050405020304" charset="0"/>
+            </a:endParaRPr>
+          </a:p>
+          <a:p>
+            <a:pPr marL="285750" indent="-285750">
+              <a:lnSpc>
+                <a:spcPct val="150000"/>
+              </a:lnSpc>
+              <a:buFont typeface="Arial" panose="020B0604020202020204" pitchFamily="34" charset="0"/>
+              <a:buChar char="•"/>
+            </a:pPr>
+            <a:r>
+              <a:rPr lang="en-US" altLang="zh-CN" sz="1400">
+                <a:latin typeface="Times New Roman" panose="02020603050405020304" charset="0"/>
+                <a:ea typeface="楷体" panose="02010609060101010101" charset="-122"/>
+                <a:cs typeface="Times New Roman" panose="02020603050405020304" charset="0"/>
+              </a:rPr>
+              <a:t>vX		</a:t>
+            </a:r>
+            <a:r>
+              <a:rPr lang="zh-CN" altLang="en-US" sz="1400">
+                <a:latin typeface="Times New Roman" panose="02020603050405020304" charset="0"/>
+                <a:ea typeface="楷体" panose="02010609060101010101" charset="-122"/>
+                <a:cs typeface="Times New Roman" panose="02020603050405020304" charset="0"/>
+              </a:rPr>
+              <a:t>可用，稳定版本</a:t>
+            </a:r>
+            <a:endParaRPr lang="zh-CN" altLang="en-US" sz="1400">
+              <a:latin typeface="Times New Roman" panose="02020603050405020304" charset="0"/>
+              <a:ea typeface="楷体" panose="02010609060101010101" charset="-122"/>
+              <a:cs typeface="Times New Roman" panose="02020603050405020304" charset="0"/>
+            </a:endParaRPr>
+          </a:p>
+          <a:p>
+            <a:pPr marL="285750" indent="-285750">
+              <a:lnSpc>
+                <a:spcPct val="150000"/>
+              </a:lnSpc>
+              <a:buFont typeface="Arial" panose="020B0604020202020204" pitchFamily="34" charset="0"/>
+              <a:buChar char="•"/>
+            </a:pPr>
+            <a:r>
+              <a:rPr lang="en-US" altLang="zh-CN" sz="1400">
+                <a:latin typeface="Times New Roman" panose="02020603050405020304" charset="0"/>
+                <a:ea typeface="楷体" panose="02010609060101010101" charset="-122"/>
+                <a:cs typeface="Times New Roman" panose="02020603050405020304" charset="0"/>
+              </a:rPr>
+              <a:t>v1beta1		</a:t>
+            </a:r>
+            <a:r>
+              <a:rPr lang="zh-CN" altLang="en-US" sz="1400">
+                <a:latin typeface="Times New Roman" panose="02020603050405020304" charset="0"/>
+                <a:ea typeface="楷体" panose="02010609060101010101" charset="-122"/>
+                <a:cs typeface="Times New Roman" panose="02020603050405020304" charset="0"/>
+              </a:rPr>
+              <a:t>预发布版本</a:t>
+            </a:r>
+            <a:endParaRPr lang="zh-CN" altLang="en-US" sz="1400">
+              <a:latin typeface="Times New Roman" panose="02020603050405020304" charset="0"/>
+              <a:ea typeface="楷体" panose="02010609060101010101" charset="-122"/>
+              <a:cs typeface="Times New Roman" panose="02020603050405020304" charset="0"/>
+            </a:endParaRPr>
+          </a:p>
+          <a:p>
+            <a:pPr marL="285750" indent="-285750">
+              <a:lnSpc>
+                <a:spcPct val="150000"/>
+              </a:lnSpc>
+              <a:buFont typeface="Arial" panose="020B0604020202020204" pitchFamily="34" charset="0"/>
+              <a:buChar char="•"/>
+            </a:pPr>
+            <a:r>
+              <a:rPr lang="en-US" altLang="zh-CN" sz="1400">
+                <a:latin typeface="Times New Roman" panose="02020603050405020304" charset="0"/>
+                <a:ea typeface="楷体" panose="02010609060101010101" charset="-122"/>
+                <a:cs typeface="Times New Roman" panose="02020603050405020304" charset="0"/>
+              </a:rPr>
+              <a:t>v1alpha1	</a:t>
+            </a:r>
+            <a:r>
+              <a:rPr lang="zh-CN" altLang="en-US" sz="1400">
+                <a:latin typeface="Times New Roman" panose="02020603050405020304" charset="0"/>
+                <a:ea typeface="楷体" panose="02010609060101010101" charset="-122"/>
+                <a:cs typeface="Times New Roman" panose="02020603050405020304" charset="0"/>
+              </a:rPr>
+              <a:t>实验性版本</a:t>
+            </a:r>
+            <a:endParaRPr lang="zh-CN" altLang="en-US" sz="1400">
+              <a:latin typeface="Times New Roman" panose="02020603050405020304" charset="0"/>
+              <a:ea typeface="楷体" panose="02010609060101010101" charset="-122"/>
+              <a:cs typeface="Times New Roman" panose="02020603050405020304" charset="0"/>
+            </a:endParaRPr>
+          </a:p>
+          <a:p>
+            <a:pPr marL="285750" indent="-285750">
+              <a:lnSpc>
+                <a:spcPct val="150000"/>
+              </a:lnSpc>
+              <a:buFont typeface="Arial" panose="020B0604020202020204" pitchFamily="34" charset="0"/>
+              <a:buChar char="•"/>
+            </a:pPr>
+            <a:endParaRPr lang="zh-CN" altLang="en-US" sz="1400">
+              <a:latin typeface="Times New Roman" panose="02020603050405020304" charset="0"/>
+              <a:ea typeface="楷体" panose="02010609060101010101" charset="-122"/>
+              <a:cs typeface="Times New Roman" panose="02020603050405020304" charset="0"/>
+            </a:endParaRPr>
+          </a:p>
+          <a:p>
+            <a:pPr indent="0">
+              <a:lnSpc>
+                <a:spcPct val="150000"/>
+              </a:lnSpc>
+              <a:buFont typeface="Arial" panose="020B0604020202020204" pitchFamily="34" charset="0"/>
+              <a:buNone/>
+            </a:pPr>
+            <a:r>
+              <a:rPr lang="en-US" altLang="zh-CN" sz="1400">
+                <a:latin typeface="Times New Roman" panose="02020603050405020304" charset="0"/>
+                <a:ea typeface="楷体" panose="02010609060101010101" charset="-122"/>
+                <a:cs typeface="Times New Roman" panose="02020603050405020304" charset="0"/>
+              </a:rPr>
+              <a:t>API Server</a:t>
+            </a:r>
+            <a:r>
+              <a:rPr lang="zh-CN" altLang="en-US" sz="1400">
+                <a:latin typeface="Times New Roman" panose="02020603050405020304" charset="0"/>
+                <a:ea typeface="楷体" panose="02010609060101010101" charset="-122"/>
+                <a:cs typeface="Times New Roman" panose="02020603050405020304" charset="0"/>
+              </a:rPr>
+              <a:t>健康检查点：</a:t>
+            </a:r>
+            <a:endParaRPr lang="zh-CN" altLang="en-US" sz="1400">
+              <a:latin typeface="Times New Roman" panose="02020603050405020304" charset="0"/>
+              <a:ea typeface="楷体" panose="02010609060101010101" charset="-122"/>
+              <a:cs typeface="Times New Roman" panose="02020603050405020304" charset="0"/>
+            </a:endParaRPr>
+          </a:p>
+          <a:p>
+            <a:pPr indent="0">
+              <a:lnSpc>
+                <a:spcPct val="150000"/>
+              </a:lnSpc>
+              <a:buFont typeface="Arial" panose="020B0604020202020204" pitchFamily="34" charset="0"/>
+              <a:buNone/>
+            </a:pPr>
+            <a:endParaRPr lang="zh-CN" altLang="en-US" sz="1400">
+              <a:latin typeface="Times New Roman" panose="02020603050405020304" charset="0"/>
+              <a:ea typeface="楷体" panose="02010609060101010101" charset="-122"/>
+              <a:cs typeface="Times New Roman" panose="02020603050405020304" charset="0"/>
+            </a:endParaRPr>
+          </a:p>
+          <a:p>
+            <a:pPr indent="0">
+              <a:lnSpc>
+                <a:spcPct val="150000"/>
+              </a:lnSpc>
+              <a:buFont typeface="Arial" panose="020B0604020202020204" pitchFamily="34" charset="0"/>
+              <a:buNone/>
+            </a:pPr>
+            <a:r>
+              <a:rPr lang="zh-CN" altLang="en-US" sz="1400">
+                <a:latin typeface="Times New Roman" panose="02020603050405020304" charset="0"/>
+                <a:ea typeface="楷体" panose="02010609060101010101" charset="-122"/>
+                <a:cs typeface="Times New Roman" panose="02020603050405020304" charset="0"/>
+              </a:rPr>
+              <a:t>curl -k https://localhost:6443/livez?verbose</a:t>
+            </a:r>
+            <a:endParaRPr lang="zh-CN" altLang="en-US" sz="1400">
+              <a:latin typeface="Times New Roman" panose="02020603050405020304" charset="0"/>
+              <a:ea typeface="楷体" panose="02010609060101010101" charset="-122"/>
+              <a:cs typeface="Times New Roman" panose="02020603050405020304" charset="0"/>
+            </a:endParaRPr>
+          </a:p>
+          <a:p>
+            <a:pPr indent="0">
+              <a:lnSpc>
+                <a:spcPct val="150000"/>
+              </a:lnSpc>
+              <a:buFont typeface="Arial" panose="020B0604020202020204" pitchFamily="34" charset="0"/>
+              <a:buNone/>
+            </a:pPr>
+            <a:r>
+              <a:rPr lang="en-US" altLang="zh-CN" sz="1400">
+                <a:latin typeface="Times New Roman" panose="02020603050405020304" charset="0"/>
+                <a:ea typeface="楷体" panose="02010609060101010101" charset="-122"/>
+                <a:cs typeface="Times New Roman" panose="02020603050405020304" charset="0"/>
+              </a:rPr>
+              <a:t>or</a:t>
+            </a:r>
+            <a:endParaRPr lang="en-US" altLang="zh-CN" sz="1400">
+              <a:latin typeface="Times New Roman" panose="02020603050405020304" charset="0"/>
+              <a:ea typeface="楷体" panose="02010609060101010101" charset="-122"/>
+              <a:cs typeface="Times New Roman" panose="02020603050405020304" charset="0"/>
+            </a:endParaRPr>
+          </a:p>
+          <a:p>
+            <a:pPr indent="0">
+              <a:lnSpc>
+                <a:spcPct val="150000"/>
+              </a:lnSpc>
+              <a:buFont typeface="Arial" panose="020B0604020202020204" pitchFamily="34" charset="0"/>
+              <a:buNone/>
+            </a:pPr>
+            <a:r>
+              <a:rPr lang="en-US" altLang="zh-CN" sz="1400">
+                <a:latin typeface="Times New Roman" panose="02020603050405020304" charset="0"/>
+                <a:ea typeface="楷体" panose="02010609060101010101" charset="-122"/>
+                <a:cs typeface="Times New Roman" panose="02020603050405020304" charset="0"/>
+              </a:rPr>
+              <a:t>kubectl get --raw='/readyz?verbose'</a:t>
+            </a:r>
+            <a:endParaRPr lang="en-US" altLang="zh-CN" sz="1400">
               <a:latin typeface="Times New Roman" panose="02020603050405020304" charset="0"/>
               <a:ea typeface="楷体" panose="02010609060101010101" charset="-122"/>
               <a:cs typeface="Times New Roman" panose="02020603050405020304" charset="0"/>
@@ -15916,6 +17475,14 @@
 </p:tagLst>
 </file>
 
+<file path=ppt/tags/tag39.xml><?xml version="1.0" encoding="utf-8"?>
+<p:tagLst xmlns:p="http://schemas.openxmlformats.org/presentationml/2006/main">
+  <p:tag name="KSO_WM_BEAUTIFY_FLAG" val="#wm#"/>
+  <p:tag name="KSO_WM_TEMPLATE_CATEGORY" val="diagram"/>
+  <p:tag name="KSO_WM_TEMPLATE_INDEX" val="20214755"/>
+</p:tagLst>
+</file>
+
 <file path=ppt/tags/tag4.xml><?xml version="1.0" encoding="utf-8"?>
 <p:tagLst xmlns:p="http://schemas.openxmlformats.org/presentationml/2006/main">
   <p:tag name="KSO_WM_UNIT_HIGHLIGHT" val="0"/>
@@ -15935,6 +17502,30 @@
   <p:tag name="KSO_WM_UNIT_FILL_TYPE" val="1"/>
   <p:tag name="KSO_WM_UNIT_TEXT_FILL_FORE_SCHEMECOLOR_INDEX" val="13"/>
   <p:tag name="KSO_WM_UNIT_TEXT_FILL_TYPE" val="1"/>
+</p:tagLst>
+</file>
+
+<file path=ppt/tags/tag40.xml><?xml version="1.0" encoding="utf-8"?>
+<p:tagLst xmlns:p="http://schemas.openxmlformats.org/presentationml/2006/main">
+  <p:tag name="KSO_WM_BEAUTIFY_FLAG" val="#wm#"/>
+  <p:tag name="KSO_WM_TEMPLATE_CATEGORY" val="diagram"/>
+  <p:tag name="KSO_WM_TEMPLATE_INDEX" val="20214755"/>
+</p:tagLst>
+</file>
+
+<file path=ppt/tags/tag41.xml><?xml version="1.0" encoding="utf-8"?>
+<p:tagLst xmlns:p="http://schemas.openxmlformats.org/presentationml/2006/main">
+  <p:tag name="KSO_WM_BEAUTIFY_FLAG" val="#wm#"/>
+  <p:tag name="KSO_WM_TEMPLATE_CATEGORY" val="diagram"/>
+  <p:tag name="KSO_WM_TEMPLATE_INDEX" val="20214755"/>
+</p:tagLst>
+</file>
+
+<file path=ppt/tags/tag42.xml><?xml version="1.0" encoding="utf-8"?>
+<p:tagLst xmlns:p="http://schemas.openxmlformats.org/presentationml/2006/main">
+  <p:tag name="KSO_WM_BEAUTIFY_FLAG" val="#wm#"/>
+  <p:tag name="KSO_WM_TEMPLATE_CATEGORY" val="diagram"/>
+  <p:tag name="KSO_WM_TEMPLATE_INDEX" val="20214755"/>
 </p:tagLst>
 </file>
 

--- a/基础/008-鸟瞰kubernetes.pptx
+++ b/基础/008-鸟瞰kubernetes.pptx
@@ -20,6 +20,7 @@
     <p:sldId id="266" r:id="rId13"/>
     <p:sldId id="267" r:id="rId14"/>
     <p:sldId id="268" r:id="rId15"/>
+    <p:sldId id="269" r:id="rId16"/>
   </p:sldIdLst>
   <p:sldSz cx="12192000" cy="6858000"/>
   <p:notesSz cx="6858000" cy="9144000"/>
@@ -9375,6 +9376,1091 @@
     </p:spTree>
     <p:custDataLst>
       <p:tags r:id="rId2"/>
+    </p:custDataLst>
+  </p:cSld>
+  <p:clrMapOvr>
+    <a:masterClrMapping/>
+  </p:clrMapOvr>
+</p:sld>
+</file>
+
+<file path=ppt/slides/slide13.xml><?xml version="1.0" encoding="utf-8"?>
+<p:sld xmlns:a="http://schemas.openxmlformats.org/drawingml/2006/main" xmlns:r="http://schemas.openxmlformats.org/officeDocument/2006/relationships" xmlns:p="http://schemas.openxmlformats.org/presentationml/2006/main">
+  <p:cSld>
+    <p:spTree>
+      <p:nvGrpSpPr>
+        <p:cNvPr id="1" name=""/>
+        <p:cNvGrpSpPr/>
+        <p:nvPr/>
+      </p:nvGrpSpPr>
+      <p:grpSpPr/>
+      <p:sp>
+        <p:nvSpPr>
+          <p:cNvPr id="2" name="文本框 1"/>
+          <p:cNvSpPr txBox="1"/>
+          <p:nvPr/>
+        </p:nvSpPr>
+        <p:spPr>
+          <a:xfrm>
+            <a:off x="0" y="0"/>
+            <a:ext cx="10055225" cy="414020"/>
+          </a:xfrm>
+          <a:prstGeom prst="rect">
+            <a:avLst/>
+          </a:prstGeom>
+          <a:noFill/>
+        </p:spPr>
+        <p:txBody>
+          <a:bodyPr wrap="square" rtlCol="0">
+            <a:spAutoFit/>
+          </a:bodyPr>
+          <a:p>
+            <a:pPr>
+              <a:lnSpc>
+                <a:spcPct val="150000"/>
+              </a:lnSpc>
+            </a:pPr>
+            <a:r>
+              <a:rPr lang="zh-CN" altLang="en-US" sz="1400" b="1">
+                <a:latin typeface="Times New Roman" panose="02020603050405020304" charset="0"/>
+                <a:ea typeface="楷体" panose="02010609060101010101" charset="-122"/>
+                <a:cs typeface="Times New Roman" panose="02020603050405020304" charset="0"/>
+              </a:rPr>
+              <a:t>工作流概览</a:t>
+            </a:r>
+            <a:endParaRPr lang="zh-CN" altLang="en-US" sz="1400" b="1">
+              <a:latin typeface="Times New Roman" panose="02020603050405020304" charset="0"/>
+              <a:ea typeface="楷体" panose="02010609060101010101" charset="-122"/>
+              <a:cs typeface="Times New Roman" panose="02020603050405020304" charset="0"/>
+            </a:endParaRPr>
+          </a:p>
+        </p:txBody>
+      </p:sp>
+      <p:sp>
+        <p:nvSpPr>
+          <p:cNvPr id="3" name="矩形 2"/>
+          <p:cNvSpPr/>
+          <p:nvPr/>
+        </p:nvSpPr>
+        <p:spPr>
+          <a:xfrm>
+            <a:off x="1216025" y="1971040"/>
+            <a:ext cx="4035425" cy="4237355"/>
+          </a:xfrm>
+          <a:prstGeom prst="rect">
+            <a:avLst/>
+          </a:prstGeom>
+          <a:noFill/>
+          <a:extLst>
+            <a:ext uri="{909E8E84-426E-40DD-AFC4-6F175D3DCCD1}">
+              <a14:hiddenFill xmlns:a14="http://schemas.microsoft.com/office/drawing/2010/main">
+                <a:solidFill>
+                  <a:schemeClr val="lt1"/>
+                </a:solidFill>
+              </a14:hiddenFill>
+            </a:ext>
+          </a:extLst>
+        </p:spPr>
+        <p:style>
+          <a:lnRef idx="2">
+            <a:schemeClr val="accent1"/>
+          </a:lnRef>
+          <a:fillRef idx="1">
+            <a:schemeClr val="lt1"/>
+          </a:fillRef>
+          <a:effectRef idx="0">
+            <a:schemeClr val="accent1"/>
+          </a:effectRef>
+          <a:fontRef idx="minor">
+            <a:schemeClr val="dk1"/>
+          </a:fontRef>
+        </p:style>
+        <p:txBody>
+          <a:bodyPr rtlCol="0" anchor="ctr"/>
+          <a:p>
+            <a:pPr algn="ctr"/>
+            <a:endParaRPr lang="zh-CN" altLang="en-US"/>
+          </a:p>
+        </p:txBody>
+      </p:sp>
+      <p:sp>
+        <p:nvSpPr>
+          <p:cNvPr id="4" name="矩形 3"/>
+          <p:cNvSpPr/>
+          <p:nvPr/>
+        </p:nvSpPr>
+        <p:spPr>
+          <a:xfrm>
+            <a:off x="6106795" y="1971040"/>
+            <a:ext cx="4035425" cy="4237990"/>
+          </a:xfrm>
+          <a:prstGeom prst="rect">
+            <a:avLst/>
+          </a:prstGeom>
+        </p:spPr>
+        <p:style>
+          <a:lnRef idx="2">
+            <a:schemeClr val="accent1"/>
+          </a:lnRef>
+          <a:fillRef idx="1">
+            <a:schemeClr val="lt1"/>
+          </a:fillRef>
+          <a:effectRef idx="0">
+            <a:schemeClr val="accent1"/>
+          </a:effectRef>
+          <a:fontRef idx="minor">
+            <a:schemeClr val="dk1"/>
+          </a:fontRef>
+        </p:style>
+        <p:txBody>
+          <a:bodyPr rtlCol="0" anchor="ctr"/>
+          <a:p>
+            <a:pPr algn="ctr"/>
+            <a:endParaRPr lang="zh-CN" altLang="en-US"/>
+          </a:p>
+        </p:txBody>
+      </p:sp>
+      <p:sp>
+        <p:nvSpPr>
+          <p:cNvPr id="5" name="文本框 4"/>
+          <p:cNvSpPr txBox="1"/>
+          <p:nvPr/>
+        </p:nvSpPr>
+        <p:spPr>
+          <a:xfrm>
+            <a:off x="1216025" y="1971040"/>
+            <a:ext cx="732155" cy="306705"/>
+          </a:xfrm>
+          <a:prstGeom prst="rect">
+            <a:avLst/>
+          </a:prstGeom>
+          <a:noFill/>
+        </p:spPr>
+        <p:txBody>
+          <a:bodyPr wrap="none" rtlCol="0">
+            <a:spAutoFit/>
+          </a:bodyPr>
+          <a:p>
+            <a:r>
+              <a:rPr lang="en-US" altLang="zh-CN" sz="1400"/>
+              <a:t>node01</a:t>
+            </a:r>
+            <a:endParaRPr lang="en-US" altLang="zh-CN" sz="1400"/>
+          </a:p>
+        </p:txBody>
+      </p:sp>
+      <p:sp>
+        <p:nvSpPr>
+          <p:cNvPr id="6" name="文本框 5"/>
+          <p:cNvSpPr txBox="1"/>
+          <p:nvPr/>
+        </p:nvSpPr>
+        <p:spPr>
+          <a:xfrm>
+            <a:off x="6106795" y="1971040"/>
+            <a:ext cx="732155" cy="306705"/>
+          </a:xfrm>
+          <a:prstGeom prst="rect">
+            <a:avLst/>
+          </a:prstGeom>
+          <a:noFill/>
+        </p:spPr>
+        <p:txBody>
+          <a:bodyPr wrap="none" rtlCol="0">
+            <a:spAutoFit/>
+          </a:bodyPr>
+          <a:p>
+            <a:r>
+              <a:rPr lang="en-US" altLang="zh-CN" sz="1400"/>
+              <a:t>node02</a:t>
+            </a:r>
+            <a:endParaRPr lang="en-US" altLang="zh-CN" sz="1400"/>
+          </a:p>
+        </p:txBody>
+      </p:sp>
+      <p:sp>
+        <p:nvSpPr>
+          <p:cNvPr id="7" name="六边形 6"/>
+          <p:cNvSpPr/>
+          <p:nvPr/>
+        </p:nvSpPr>
+        <p:spPr>
+          <a:xfrm>
+            <a:off x="4110355" y="4631690"/>
+            <a:ext cx="1016000" cy="832485"/>
+          </a:xfrm>
+          <a:prstGeom prst="hexagon">
+            <a:avLst/>
+          </a:prstGeom>
+        </p:spPr>
+        <p:style>
+          <a:lnRef idx="2">
+            <a:schemeClr val="accent1">
+              <a:shade val="50000"/>
+            </a:schemeClr>
+          </a:lnRef>
+          <a:fillRef idx="1">
+            <a:schemeClr val="accent1"/>
+          </a:fillRef>
+          <a:effectRef idx="0">
+            <a:schemeClr val="accent1"/>
+          </a:effectRef>
+          <a:fontRef idx="minor">
+            <a:schemeClr val="lt1"/>
+          </a:fontRef>
+        </p:style>
+        <p:txBody>
+          <a:bodyPr rtlCol="0" anchor="ctr"/>
+          <a:p>
+            <a:pPr algn="ctr"/>
+            <a:r>
+              <a:rPr lang="en-US" altLang="zh-CN" sz="1000"/>
+              <a:t>Pod-xx1</a:t>
+            </a:r>
+            <a:endParaRPr lang="zh-CN" altLang="en-US" sz="1000"/>
+          </a:p>
+        </p:txBody>
+      </p:sp>
+      <p:sp>
+        <p:nvSpPr>
+          <p:cNvPr id="8" name="六边形 7"/>
+          <p:cNvSpPr/>
+          <p:nvPr/>
+        </p:nvSpPr>
+        <p:spPr>
+          <a:xfrm>
+            <a:off x="6336665" y="4631690"/>
+            <a:ext cx="1016000" cy="832485"/>
+          </a:xfrm>
+          <a:prstGeom prst="hexagon">
+            <a:avLst/>
+          </a:prstGeom>
+        </p:spPr>
+        <p:style>
+          <a:lnRef idx="2">
+            <a:schemeClr val="accent1">
+              <a:shade val="50000"/>
+            </a:schemeClr>
+          </a:lnRef>
+          <a:fillRef idx="1">
+            <a:schemeClr val="accent1"/>
+          </a:fillRef>
+          <a:effectRef idx="0">
+            <a:schemeClr val="accent1"/>
+          </a:effectRef>
+          <a:fontRef idx="minor">
+            <a:schemeClr val="lt1"/>
+          </a:fontRef>
+        </p:style>
+        <p:txBody>
+          <a:bodyPr rtlCol="0" anchor="ctr"/>
+          <a:p>
+            <a:pPr algn="ctr"/>
+            <a:r>
+              <a:rPr lang="en-US" altLang="zh-CN" sz="1000"/>
+              <a:t>Pod-xx</a:t>
+            </a:r>
+            <a:r>
+              <a:rPr lang="en-US" sz="1000"/>
+              <a:t>2</a:t>
+            </a:r>
+            <a:endParaRPr lang="en-US" sz="1000"/>
+          </a:p>
+        </p:txBody>
+      </p:sp>
+      <p:sp>
+        <p:nvSpPr>
+          <p:cNvPr id="9" name="矩形 8"/>
+          <p:cNvSpPr/>
+          <p:nvPr/>
+        </p:nvSpPr>
+        <p:spPr>
+          <a:xfrm>
+            <a:off x="3478530" y="4209415"/>
+            <a:ext cx="4504690" cy="1677670"/>
+          </a:xfrm>
+          <a:prstGeom prst="rect">
+            <a:avLst/>
+          </a:prstGeom>
+          <a:noFill/>
+          <a:ln>
+            <a:solidFill>
+              <a:schemeClr val="accent2"/>
+            </a:solidFill>
+            <a:prstDash val="lgDash"/>
+          </a:ln>
+          <a:extLst>
+            <a:ext uri="{909E8E84-426E-40DD-AFC4-6F175D3DCCD1}">
+              <a14:hiddenFill xmlns:a14="http://schemas.microsoft.com/office/drawing/2010/main">
+                <a:solidFill>
+                  <a:schemeClr val="lt1"/>
+                </a:solidFill>
+              </a14:hiddenFill>
+            </a:ext>
+          </a:extLst>
+        </p:spPr>
+        <p:style>
+          <a:lnRef idx="2">
+            <a:schemeClr val="accent2"/>
+          </a:lnRef>
+          <a:fillRef idx="1">
+            <a:schemeClr val="lt1"/>
+          </a:fillRef>
+          <a:effectRef idx="0">
+            <a:schemeClr val="accent2"/>
+          </a:effectRef>
+          <a:fontRef idx="minor">
+            <a:schemeClr val="dk1"/>
+          </a:fontRef>
+        </p:style>
+        <p:txBody>
+          <a:bodyPr rtlCol="0" anchor="ctr"/>
+          <a:p>
+            <a:pPr algn="ctr"/>
+            <a:endParaRPr lang="zh-CN" altLang="en-US"/>
+          </a:p>
+        </p:txBody>
+      </p:sp>
+      <p:sp>
+        <p:nvSpPr>
+          <p:cNvPr id="10" name="文本框 9"/>
+          <p:cNvSpPr txBox="1"/>
+          <p:nvPr/>
+        </p:nvSpPr>
+        <p:spPr>
+          <a:xfrm>
+            <a:off x="3478530" y="4209415"/>
+            <a:ext cx="1053465" cy="306705"/>
+          </a:xfrm>
+          <a:prstGeom prst="rect">
+            <a:avLst/>
+          </a:prstGeom>
+          <a:noFill/>
+        </p:spPr>
+        <p:txBody>
+          <a:bodyPr wrap="none" rtlCol="0">
+            <a:spAutoFit/>
+          </a:bodyPr>
+          <a:p>
+            <a:r>
+              <a:rPr lang="en-US" altLang="zh-CN" sz="1400"/>
+              <a:t>deployment</a:t>
+            </a:r>
+            <a:endParaRPr lang="en-US" altLang="zh-CN" sz="1400"/>
+          </a:p>
+        </p:txBody>
+      </p:sp>
+      <p:sp>
+        <p:nvSpPr>
+          <p:cNvPr id="11" name="矩形 10"/>
+          <p:cNvSpPr/>
+          <p:nvPr/>
+        </p:nvSpPr>
+        <p:spPr>
+          <a:xfrm>
+            <a:off x="2601595" y="1971040"/>
+            <a:ext cx="1264920" cy="393065"/>
+          </a:xfrm>
+          <a:prstGeom prst="rect">
+            <a:avLst/>
+          </a:prstGeom>
+        </p:spPr>
+        <p:style>
+          <a:lnRef idx="2">
+            <a:schemeClr val="accent6">
+              <a:shade val="50000"/>
+            </a:schemeClr>
+          </a:lnRef>
+          <a:fillRef idx="1">
+            <a:schemeClr val="accent6"/>
+          </a:fillRef>
+          <a:effectRef idx="0">
+            <a:schemeClr val="accent6"/>
+          </a:effectRef>
+          <a:fontRef idx="minor">
+            <a:schemeClr val="lt1"/>
+          </a:fontRef>
+        </p:style>
+        <p:txBody>
+          <a:bodyPr rtlCol="0" anchor="ctr"/>
+          <a:p>
+            <a:pPr algn="ctr"/>
+            <a:r>
+              <a:rPr lang="en-US" altLang="zh-CN" sz="1400"/>
+              <a:t>kube-proxy</a:t>
+            </a:r>
+            <a:endParaRPr lang="en-US" altLang="zh-CN" sz="1400"/>
+          </a:p>
+        </p:txBody>
+      </p:sp>
+      <p:sp>
+        <p:nvSpPr>
+          <p:cNvPr id="12" name="矩形 11"/>
+          <p:cNvSpPr/>
+          <p:nvPr/>
+        </p:nvSpPr>
+        <p:spPr>
+          <a:xfrm>
+            <a:off x="8383905" y="1971040"/>
+            <a:ext cx="1264920" cy="393065"/>
+          </a:xfrm>
+          <a:prstGeom prst="rect">
+            <a:avLst/>
+          </a:prstGeom>
+        </p:spPr>
+        <p:style>
+          <a:lnRef idx="2">
+            <a:schemeClr val="accent6">
+              <a:shade val="50000"/>
+            </a:schemeClr>
+          </a:lnRef>
+          <a:fillRef idx="1">
+            <a:schemeClr val="accent6"/>
+          </a:fillRef>
+          <a:effectRef idx="0">
+            <a:schemeClr val="accent6"/>
+          </a:effectRef>
+          <a:fontRef idx="minor">
+            <a:schemeClr val="lt1"/>
+          </a:fontRef>
+        </p:style>
+        <p:txBody>
+          <a:bodyPr rtlCol="0" anchor="ctr"/>
+          <a:p>
+            <a:pPr algn="ctr"/>
+            <a:r>
+              <a:rPr lang="en-US" altLang="zh-CN" sz="1400">
+                <a:sym typeface="+mn-ea"/>
+              </a:rPr>
+              <a:t>kube-proxy</a:t>
+            </a:r>
+            <a:endParaRPr lang="en-US" altLang="zh-CN" sz="1400">
+              <a:sym typeface="+mn-ea"/>
+            </a:endParaRPr>
+          </a:p>
+        </p:txBody>
+      </p:sp>
+      <p:sp>
+        <p:nvSpPr>
+          <p:cNvPr id="13" name="矩形 12"/>
+          <p:cNvSpPr/>
+          <p:nvPr/>
+        </p:nvSpPr>
+        <p:spPr>
+          <a:xfrm>
+            <a:off x="3478530" y="3549650"/>
+            <a:ext cx="4504055" cy="520065"/>
+          </a:xfrm>
+          <a:prstGeom prst="rect">
+            <a:avLst/>
+          </a:prstGeom>
+          <a:ln>
+            <a:prstDash val="dash"/>
+          </a:ln>
+          <a:extLst>
+            <a:ext uri="{909E8E84-426E-40DD-AFC4-6F175D3DCCD1}">
+              <a14:hiddenFill xmlns:a14="http://schemas.microsoft.com/office/drawing/2010/main">
+                <a:solidFill>
+                  <a:schemeClr val="lt1"/>
+                </a:solidFill>
+              </a14:hiddenFill>
+            </a:ext>
+          </a:extLst>
+        </p:spPr>
+        <p:style>
+          <a:lnRef idx="2">
+            <a:schemeClr val="accent5"/>
+          </a:lnRef>
+          <a:fillRef idx="1">
+            <a:schemeClr val="lt1"/>
+          </a:fillRef>
+          <a:effectRef idx="0">
+            <a:schemeClr val="accent5"/>
+          </a:effectRef>
+          <a:fontRef idx="minor">
+            <a:schemeClr val="dk1"/>
+          </a:fontRef>
+        </p:style>
+        <p:txBody>
+          <a:bodyPr rtlCol="0" anchor="ctr"/>
+          <a:p>
+            <a:pPr algn="ctr"/>
+            <a:r>
+              <a:rPr lang="en-US" altLang="zh-CN"/>
+              <a:t>service</a:t>
+            </a:r>
+            <a:endParaRPr lang="en-US" altLang="zh-CN"/>
+          </a:p>
+          <a:p>
+            <a:pPr algn="ctr"/>
+            <a:r>
+              <a:rPr lang="en-US" altLang="zh-CN"/>
+              <a:t>endpoint</a:t>
+            </a:r>
+            <a:endParaRPr lang="en-US" altLang="zh-CN"/>
+          </a:p>
+        </p:txBody>
+      </p:sp>
+      <p:cxnSp>
+        <p:nvCxnSpPr>
+          <p:cNvPr id="14" name="直接箭头连接符 13"/>
+          <p:cNvCxnSpPr>
+            <a:stCxn id="11" idx="2"/>
+            <a:endCxn id="13" idx="1"/>
+          </p:cNvCxnSpPr>
+          <p:nvPr/>
+        </p:nvCxnSpPr>
+        <p:spPr>
+          <a:xfrm>
+            <a:off x="3234055" y="2364105"/>
+            <a:ext cx="244475" cy="1445895"/>
+          </a:xfrm>
+          <a:prstGeom prst="straightConnector1">
+            <a:avLst/>
+          </a:prstGeom>
+          <a:ln>
+            <a:solidFill>
+              <a:srgbClr val="FF0000"/>
+            </a:solidFill>
+            <a:tailEnd type="arrow"/>
+          </a:ln>
+        </p:spPr>
+        <p:style>
+          <a:lnRef idx="1">
+            <a:schemeClr val="accent1"/>
+          </a:lnRef>
+          <a:fillRef idx="0">
+            <a:schemeClr val="accent1"/>
+          </a:fillRef>
+          <a:effectRef idx="0">
+            <a:schemeClr val="accent1"/>
+          </a:effectRef>
+          <a:fontRef idx="minor">
+            <a:schemeClr val="tx1"/>
+          </a:fontRef>
+        </p:style>
+      </p:cxnSp>
+      <p:cxnSp>
+        <p:nvCxnSpPr>
+          <p:cNvPr id="15" name="直接箭头连接符 14"/>
+          <p:cNvCxnSpPr>
+            <a:stCxn id="12" idx="2"/>
+            <a:endCxn id="13" idx="3"/>
+          </p:cNvCxnSpPr>
+          <p:nvPr/>
+        </p:nvCxnSpPr>
+        <p:spPr>
+          <a:xfrm flipH="1">
+            <a:off x="7982585" y="2364105"/>
+            <a:ext cx="1033780" cy="1445895"/>
+          </a:xfrm>
+          <a:prstGeom prst="straightConnector1">
+            <a:avLst/>
+          </a:prstGeom>
+          <a:ln>
+            <a:solidFill>
+              <a:srgbClr val="FF0000"/>
+            </a:solidFill>
+            <a:tailEnd type="arrow"/>
+          </a:ln>
+        </p:spPr>
+        <p:style>
+          <a:lnRef idx="1">
+            <a:schemeClr val="accent1"/>
+          </a:lnRef>
+          <a:fillRef idx="0">
+            <a:schemeClr val="accent1"/>
+          </a:fillRef>
+          <a:effectRef idx="0">
+            <a:schemeClr val="accent1"/>
+          </a:effectRef>
+          <a:fontRef idx="minor">
+            <a:schemeClr val="tx1"/>
+          </a:fontRef>
+        </p:style>
+      </p:cxnSp>
+      <p:cxnSp>
+        <p:nvCxnSpPr>
+          <p:cNvPr id="16" name="直接箭头连接符 15"/>
+          <p:cNvCxnSpPr>
+            <a:stCxn id="13" idx="2"/>
+            <a:endCxn id="7" idx="5"/>
+          </p:cNvCxnSpPr>
+          <p:nvPr/>
+        </p:nvCxnSpPr>
+        <p:spPr>
+          <a:xfrm flipH="1">
+            <a:off x="4918075" y="4069715"/>
+            <a:ext cx="812800" cy="561975"/>
+          </a:xfrm>
+          <a:prstGeom prst="straightConnector1">
+            <a:avLst/>
+          </a:prstGeom>
+          <a:ln>
+            <a:solidFill>
+              <a:srgbClr val="FF0000"/>
+            </a:solidFill>
+            <a:tailEnd type="arrow"/>
+          </a:ln>
+        </p:spPr>
+        <p:style>
+          <a:lnRef idx="1">
+            <a:schemeClr val="accent1"/>
+          </a:lnRef>
+          <a:fillRef idx="0">
+            <a:schemeClr val="accent1"/>
+          </a:fillRef>
+          <a:effectRef idx="0">
+            <a:schemeClr val="accent1"/>
+          </a:effectRef>
+          <a:fontRef idx="minor">
+            <a:schemeClr val="tx1"/>
+          </a:fontRef>
+        </p:style>
+      </p:cxnSp>
+      <p:cxnSp>
+        <p:nvCxnSpPr>
+          <p:cNvPr id="17" name="直接箭头连接符 16"/>
+          <p:cNvCxnSpPr>
+            <a:stCxn id="13" idx="2"/>
+            <a:endCxn id="8" idx="4"/>
+          </p:cNvCxnSpPr>
+          <p:nvPr/>
+        </p:nvCxnSpPr>
+        <p:spPr>
+          <a:xfrm>
+            <a:off x="5730875" y="4069715"/>
+            <a:ext cx="814070" cy="561975"/>
+          </a:xfrm>
+          <a:prstGeom prst="straightConnector1">
+            <a:avLst/>
+          </a:prstGeom>
+          <a:ln>
+            <a:solidFill>
+              <a:srgbClr val="FF0000"/>
+            </a:solidFill>
+            <a:tailEnd type="arrow"/>
+          </a:ln>
+        </p:spPr>
+        <p:style>
+          <a:lnRef idx="1">
+            <a:schemeClr val="accent1"/>
+          </a:lnRef>
+          <a:fillRef idx="0">
+            <a:schemeClr val="accent1"/>
+          </a:fillRef>
+          <a:effectRef idx="0">
+            <a:schemeClr val="accent1"/>
+          </a:effectRef>
+          <a:fontRef idx="minor">
+            <a:schemeClr val="tx1"/>
+          </a:fontRef>
+        </p:style>
+      </p:cxnSp>
+      <p:sp>
+        <p:nvSpPr>
+          <p:cNvPr id="18" name="矩形 17"/>
+          <p:cNvSpPr/>
+          <p:nvPr/>
+        </p:nvSpPr>
+        <p:spPr>
+          <a:xfrm>
+            <a:off x="3986530" y="1971040"/>
+            <a:ext cx="1264920" cy="393065"/>
+          </a:xfrm>
+          <a:prstGeom prst="rect">
+            <a:avLst/>
+          </a:prstGeom>
+        </p:spPr>
+        <p:style>
+          <a:lnRef idx="2">
+            <a:schemeClr val="accent6">
+              <a:shade val="50000"/>
+            </a:schemeClr>
+          </a:lnRef>
+          <a:fillRef idx="1">
+            <a:schemeClr val="accent6"/>
+          </a:fillRef>
+          <a:effectRef idx="0">
+            <a:schemeClr val="accent6"/>
+          </a:effectRef>
+          <a:fontRef idx="minor">
+            <a:schemeClr val="lt1"/>
+          </a:fontRef>
+        </p:style>
+        <p:txBody>
+          <a:bodyPr rtlCol="0" anchor="ctr"/>
+          <a:p>
+            <a:pPr algn="ctr"/>
+            <a:r>
+              <a:rPr lang="en-US" altLang="zh-CN" sz="1400"/>
+              <a:t>ingress</a:t>
+            </a:r>
+            <a:endParaRPr lang="en-US" altLang="zh-CN" sz="1400"/>
+          </a:p>
+          <a:p>
+            <a:pPr algn="ctr"/>
+            <a:r>
+              <a:rPr lang="en-US" altLang="zh-CN" sz="1400"/>
+              <a:t>controller</a:t>
+            </a:r>
+            <a:endParaRPr lang="en-US" altLang="zh-CN" sz="1400"/>
+          </a:p>
+        </p:txBody>
+      </p:sp>
+      <p:sp>
+        <p:nvSpPr>
+          <p:cNvPr id="19" name="矩形 18"/>
+          <p:cNvSpPr/>
+          <p:nvPr/>
+        </p:nvSpPr>
+        <p:spPr>
+          <a:xfrm>
+            <a:off x="6936740" y="1971040"/>
+            <a:ext cx="1264920" cy="393065"/>
+          </a:xfrm>
+          <a:prstGeom prst="rect">
+            <a:avLst/>
+          </a:prstGeom>
+        </p:spPr>
+        <p:style>
+          <a:lnRef idx="2">
+            <a:schemeClr val="accent6">
+              <a:shade val="50000"/>
+            </a:schemeClr>
+          </a:lnRef>
+          <a:fillRef idx="1">
+            <a:schemeClr val="accent6"/>
+          </a:fillRef>
+          <a:effectRef idx="0">
+            <a:schemeClr val="accent6"/>
+          </a:effectRef>
+          <a:fontRef idx="minor">
+            <a:schemeClr val="lt1"/>
+          </a:fontRef>
+        </p:style>
+        <p:txBody>
+          <a:bodyPr rtlCol="0" anchor="ctr"/>
+          <a:p>
+            <a:pPr algn="ctr"/>
+            <a:r>
+              <a:rPr lang="en-US" altLang="zh-CN" sz="1400"/>
+              <a:t>ingress</a:t>
+            </a:r>
+            <a:endParaRPr lang="en-US" altLang="zh-CN" sz="1400"/>
+          </a:p>
+          <a:p>
+            <a:pPr algn="ctr"/>
+            <a:r>
+              <a:rPr lang="en-US" altLang="zh-CN" sz="1400"/>
+              <a:t>controller</a:t>
+            </a:r>
+            <a:endParaRPr lang="en-US" altLang="zh-CN" sz="1400"/>
+          </a:p>
+        </p:txBody>
+      </p:sp>
+      <p:sp>
+        <p:nvSpPr>
+          <p:cNvPr id="20" name="矩形 19"/>
+          <p:cNvSpPr/>
+          <p:nvPr/>
+        </p:nvSpPr>
+        <p:spPr>
+          <a:xfrm>
+            <a:off x="3479165" y="2956560"/>
+            <a:ext cx="4504055" cy="520065"/>
+          </a:xfrm>
+          <a:prstGeom prst="rect">
+            <a:avLst/>
+          </a:prstGeom>
+          <a:ln>
+            <a:prstDash val="dash"/>
+          </a:ln>
+          <a:extLst>
+            <a:ext uri="{909E8E84-426E-40DD-AFC4-6F175D3DCCD1}">
+              <a14:hiddenFill xmlns:a14="http://schemas.microsoft.com/office/drawing/2010/main">
+                <a:solidFill>
+                  <a:schemeClr val="lt1"/>
+                </a:solidFill>
+              </a14:hiddenFill>
+            </a:ext>
+          </a:extLst>
+        </p:spPr>
+        <p:style>
+          <a:lnRef idx="2">
+            <a:schemeClr val="accent5"/>
+          </a:lnRef>
+          <a:fillRef idx="1">
+            <a:schemeClr val="lt1"/>
+          </a:fillRef>
+          <a:effectRef idx="0">
+            <a:schemeClr val="accent5"/>
+          </a:effectRef>
+          <a:fontRef idx="minor">
+            <a:schemeClr val="dk1"/>
+          </a:fontRef>
+        </p:style>
+        <p:txBody>
+          <a:bodyPr rtlCol="0" anchor="ctr"/>
+          <a:p>
+            <a:pPr algn="ctr"/>
+            <a:r>
+              <a:rPr lang="en-US" altLang="zh-CN"/>
+              <a:t>ingress</a:t>
+            </a:r>
+            <a:endParaRPr lang="en-US" altLang="zh-CN"/>
+          </a:p>
+        </p:txBody>
+      </p:sp>
+      <p:cxnSp>
+        <p:nvCxnSpPr>
+          <p:cNvPr id="21" name="直接箭头连接符 20"/>
+          <p:cNvCxnSpPr>
+            <a:stCxn id="18" idx="2"/>
+            <a:endCxn id="20" idx="0"/>
+          </p:cNvCxnSpPr>
+          <p:nvPr/>
+        </p:nvCxnSpPr>
+        <p:spPr>
+          <a:xfrm>
+            <a:off x="4618990" y="2364105"/>
+            <a:ext cx="1112520" cy="592455"/>
+          </a:xfrm>
+          <a:prstGeom prst="straightConnector1">
+            <a:avLst/>
+          </a:prstGeom>
+          <a:ln>
+            <a:solidFill>
+              <a:srgbClr val="FF0000"/>
+            </a:solidFill>
+            <a:tailEnd type="arrow"/>
+          </a:ln>
+        </p:spPr>
+        <p:style>
+          <a:lnRef idx="1">
+            <a:schemeClr val="accent1"/>
+          </a:lnRef>
+          <a:fillRef idx="0">
+            <a:schemeClr val="accent1"/>
+          </a:fillRef>
+          <a:effectRef idx="0">
+            <a:schemeClr val="accent1"/>
+          </a:effectRef>
+          <a:fontRef idx="minor">
+            <a:schemeClr val="tx1"/>
+          </a:fontRef>
+        </p:style>
+      </p:cxnSp>
+      <p:cxnSp>
+        <p:nvCxnSpPr>
+          <p:cNvPr id="22" name="直接箭头连接符 21"/>
+          <p:cNvCxnSpPr>
+            <a:stCxn id="19" idx="2"/>
+            <a:endCxn id="20" idx="0"/>
+          </p:cNvCxnSpPr>
+          <p:nvPr/>
+        </p:nvCxnSpPr>
+        <p:spPr>
+          <a:xfrm flipH="1">
+            <a:off x="5731510" y="2364105"/>
+            <a:ext cx="1837690" cy="592455"/>
+          </a:xfrm>
+          <a:prstGeom prst="straightConnector1">
+            <a:avLst/>
+          </a:prstGeom>
+          <a:ln>
+            <a:solidFill>
+              <a:srgbClr val="FF0000"/>
+            </a:solidFill>
+            <a:tailEnd type="arrow"/>
+          </a:ln>
+        </p:spPr>
+        <p:style>
+          <a:lnRef idx="1">
+            <a:schemeClr val="accent1"/>
+          </a:lnRef>
+          <a:fillRef idx="0">
+            <a:schemeClr val="accent1"/>
+          </a:fillRef>
+          <a:effectRef idx="0">
+            <a:schemeClr val="accent1"/>
+          </a:effectRef>
+          <a:fontRef idx="minor">
+            <a:schemeClr val="tx1"/>
+          </a:fontRef>
+        </p:style>
+      </p:cxnSp>
+      <p:sp>
+        <p:nvSpPr>
+          <p:cNvPr id="23" name="笑脸 22"/>
+          <p:cNvSpPr/>
+          <p:nvPr/>
+        </p:nvSpPr>
+        <p:spPr>
+          <a:xfrm>
+            <a:off x="3234055" y="734695"/>
+            <a:ext cx="469900" cy="478790"/>
+          </a:xfrm>
+          <a:prstGeom prst="smileyFace">
+            <a:avLst/>
+          </a:prstGeom>
+        </p:spPr>
+        <p:style>
+          <a:lnRef idx="2">
+            <a:schemeClr val="accent1">
+              <a:shade val="50000"/>
+            </a:schemeClr>
+          </a:lnRef>
+          <a:fillRef idx="1">
+            <a:schemeClr val="accent1"/>
+          </a:fillRef>
+          <a:effectRef idx="0">
+            <a:schemeClr val="accent1"/>
+          </a:effectRef>
+          <a:fontRef idx="minor">
+            <a:schemeClr val="lt1"/>
+          </a:fontRef>
+        </p:style>
+        <p:txBody>
+          <a:bodyPr rtlCol="0" anchor="ctr"/>
+          <a:p>
+            <a:pPr algn="ctr"/>
+            <a:endParaRPr lang="zh-CN" altLang="en-US"/>
+          </a:p>
+        </p:txBody>
+      </p:sp>
+      <p:cxnSp>
+        <p:nvCxnSpPr>
+          <p:cNvPr id="24" name="直接箭头连接符 23"/>
+          <p:cNvCxnSpPr>
+            <a:stCxn id="23" idx="5"/>
+            <a:endCxn id="18" idx="0"/>
+          </p:cNvCxnSpPr>
+          <p:nvPr/>
+        </p:nvCxnSpPr>
+        <p:spPr>
+          <a:xfrm>
+            <a:off x="3635375" y="1143635"/>
+            <a:ext cx="983615" cy="827405"/>
+          </a:xfrm>
+          <a:prstGeom prst="straightConnector1">
+            <a:avLst/>
+          </a:prstGeom>
+          <a:ln>
+            <a:tailEnd type="arrow"/>
+          </a:ln>
+        </p:spPr>
+        <p:style>
+          <a:lnRef idx="1">
+            <a:schemeClr val="accent1"/>
+          </a:lnRef>
+          <a:fillRef idx="0">
+            <a:schemeClr val="accent1"/>
+          </a:fillRef>
+          <a:effectRef idx="0">
+            <a:schemeClr val="accent1"/>
+          </a:effectRef>
+          <a:fontRef idx="minor">
+            <a:schemeClr val="tx1"/>
+          </a:fontRef>
+        </p:style>
+      </p:cxnSp>
+      <p:sp>
+        <p:nvSpPr>
+          <p:cNvPr id="25" name="文本框 24"/>
+          <p:cNvSpPr txBox="1"/>
+          <p:nvPr/>
+        </p:nvSpPr>
+        <p:spPr>
+          <a:xfrm>
+            <a:off x="4142105" y="1338580"/>
+            <a:ext cx="476885" cy="245110"/>
+          </a:xfrm>
+          <a:prstGeom prst="rect">
+            <a:avLst/>
+          </a:prstGeom>
+          <a:noFill/>
+        </p:spPr>
+        <p:txBody>
+          <a:bodyPr wrap="none" rtlCol="0">
+            <a:spAutoFit/>
+          </a:bodyPr>
+          <a:p>
+            <a:r>
+              <a:rPr lang="en-US" altLang="zh-CN" sz="1000"/>
+              <a:t>4-7</a:t>
+            </a:r>
+            <a:r>
+              <a:rPr lang="zh-CN" altLang="en-US" sz="1000"/>
+              <a:t>层</a:t>
+            </a:r>
+            <a:endParaRPr lang="zh-CN" altLang="en-US" sz="1000"/>
+          </a:p>
+        </p:txBody>
+      </p:sp>
+      <p:sp>
+        <p:nvSpPr>
+          <p:cNvPr id="27" name="文本框 26"/>
+          <p:cNvSpPr txBox="1"/>
+          <p:nvPr/>
+        </p:nvSpPr>
+        <p:spPr>
+          <a:xfrm>
+            <a:off x="1216025" y="3549650"/>
+            <a:ext cx="509905" cy="368300"/>
+          </a:xfrm>
+          <a:prstGeom prst="rect">
+            <a:avLst/>
+          </a:prstGeom>
+          <a:noFill/>
+        </p:spPr>
+        <p:txBody>
+          <a:bodyPr wrap="none" rtlCol="0" anchor="t">
+            <a:spAutoFit/>
+          </a:bodyPr>
+          <a:p>
+            <a:pPr algn="ctr"/>
+            <a:r>
+              <a:rPr lang="en-US" altLang="zh-CN"/>
+              <a:t>CNI</a:t>
+            </a:r>
+            <a:endParaRPr lang="en-US" altLang="zh-CN"/>
+          </a:p>
+        </p:txBody>
+      </p:sp>
+      <p:sp>
+        <p:nvSpPr>
+          <p:cNvPr id="28" name="文本框 27"/>
+          <p:cNvSpPr txBox="1"/>
+          <p:nvPr/>
+        </p:nvSpPr>
+        <p:spPr>
+          <a:xfrm>
+            <a:off x="9648825" y="3625850"/>
+            <a:ext cx="509905" cy="368300"/>
+          </a:xfrm>
+          <a:prstGeom prst="rect">
+            <a:avLst/>
+          </a:prstGeom>
+          <a:noFill/>
+        </p:spPr>
+        <p:txBody>
+          <a:bodyPr wrap="none" rtlCol="0" anchor="t">
+            <a:spAutoFit/>
+          </a:bodyPr>
+          <a:p>
+            <a:pPr algn="ctr"/>
+            <a:r>
+              <a:rPr lang="en-US" altLang="zh-CN"/>
+              <a:t>CNI</a:t>
+            </a:r>
+            <a:endParaRPr lang="en-US" altLang="zh-CN"/>
+          </a:p>
+        </p:txBody>
+      </p:sp>
+    </p:spTree>
+    <p:custDataLst>
+      <p:tags r:id="rId1"/>
     </p:custDataLst>
   </p:cSld>
   <p:clrMapOvr>
@@ -17529,6 +18615,14 @@
 </p:tagLst>
 </file>
 
+<file path=ppt/tags/tag43.xml><?xml version="1.0" encoding="utf-8"?>
+<p:tagLst xmlns:p="http://schemas.openxmlformats.org/presentationml/2006/main">
+  <p:tag name="KSO_WM_BEAUTIFY_FLAG" val="#wm#"/>
+  <p:tag name="KSO_WM_TEMPLATE_CATEGORY" val="diagram"/>
+  <p:tag name="KSO_WM_TEMPLATE_INDEX" val="20214755"/>
+</p:tagLst>
+</file>
+
 <file path=ppt/tags/tag5.xml><?xml version="1.0" encoding="utf-8"?>
 <p:tagLst xmlns:p="http://schemas.openxmlformats.org/presentationml/2006/main">
   <p:tag name="KSO_WM_UNIT_HIGHLIGHT" val="0"/>

--- a/基础/008-鸟瞰kubernetes.pptx
+++ b/基础/008-鸟瞰kubernetes.pptx
@@ -16,11 +16,17 @@
     <p:sldId id="262" r:id="rId8"/>
     <p:sldId id="263" r:id="rId9"/>
     <p:sldId id="264" r:id="rId11"/>
-    <p:sldId id="265" r:id="rId12"/>
-    <p:sldId id="266" r:id="rId13"/>
-    <p:sldId id="267" r:id="rId14"/>
-    <p:sldId id="268" r:id="rId15"/>
-    <p:sldId id="269" r:id="rId16"/>
+    <p:sldId id="271" r:id="rId12"/>
+    <p:sldId id="265" r:id="rId13"/>
+    <p:sldId id="266" r:id="rId14"/>
+    <p:sldId id="267" r:id="rId15"/>
+    <p:sldId id="268" r:id="rId16"/>
+    <p:sldId id="270" r:id="rId17"/>
+    <p:sldId id="272" r:id="rId18"/>
+    <p:sldId id="273" r:id="rId19"/>
+    <p:sldId id="274" r:id="rId20"/>
+    <p:sldId id="275" r:id="rId21"/>
+    <p:sldId id="269" r:id="rId22"/>
   </p:sldIdLst>
   <p:sldSz cx="12192000" cy="6858000"/>
   <p:notesSz cx="6858000" cy="9144000"/>
@@ -8284,133 +8290,14 @@
       <p:grpSpPr/>
       <p:sp>
         <p:nvSpPr>
-          <p:cNvPr id="2" name="圆角矩形 1"/>
-          <p:cNvSpPr/>
-          <p:nvPr/>
-        </p:nvSpPr>
-        <p:spPr>
-          <a:xfrm>
-            <a:off x="1507490" y="1365250"/>
-            <a:ext cx="2622550" cy="3963670"/>
-          </a:xfrm>
-          <a:prstGeom prst="roundRect">
-            <a:avLst/>
-          </a:prstGeom>
-        </p:spPr>
-        <p:style>
-          <a:lnRef idx="2">
-            <a:schemeClr val="dk1"/>
-          </a:lnRef>
-          <a:fillRef idx="1">
-            <a:schemeClr val="lt1"/>
-          </a:fillRef>
-          <a:effectRef idx="0">
-            <a:schemeClr val="dk1"/>
-          </a:effectRef>
-          <a:fontRef idx="minor">
-            <a:schemeClr val="dk1"/>
-          </a:fontRef>
-        </p:style>
-        <p:txBody>
-          <a:bodyPr rtlCol="0" anchor="ctr"/>
-          <a:p>
-            <a:pPr algn="ctr"/>
-            <a:endParaRPr lang="zh-CN" altLang="en-US"/>
-          </a:p>
-        </p:txBody>
-      </p:sp>
-      <p:sp>
-        <p:nvSpPr>
-          <p:cNvPr id="3" name="圆角矩形 2"/>
-          <p:cNvSpPr/>
-          <p:nvPr/>
-        </p:nvSpPr>
-        <p:spPr>
-          <a:xfrm>
-            <a:off x="1804035" y="1849120"/>
-            <a:ext cx="2029460" cy="1332230"/>
-          </a:xfrm>
-          <a:prstGeom prst="roundRect">
-            <a:avLst/>
-          </a:prstGeom>
-        </p:spPr>
-        <p:style>
-          <a:lnRef idx="2">
-            <a:schemeClr val="dk1"/>
-          </a:lnRef>
-          <a:fillRef idx="1">
-            <a:schemeClr val="lt1"/>
-          </a:fillRef>
-          <a:effectRef idx="0">
-            <a:schemeClr val="dk1"/>
-          </a:effectRef>
-          <a:fontRef idx="minor">
-            <a:schemeClr val="dk1"/>
-          </a:fontRef>
-        </p:style>
-        <p:txBody>
-          <a:bodyPr rtlCol="0" anchor="ctr"/>
-          <a:p>
-            <a:pPr algn="ctr"/>
-            <a:r>
-              <a:rPr lang="en-US" altLang="zh-CN"/>
-              <a:t>spec</a:t>
-            </a:r>
-            <a:endParaRPr lang="en-US" altLang="zh-CN"/>
-          </a:p>
-        </p:txBody>
-      </p:sp>
-      <p:sp>
-        <p:nvSpPr>
-          <p:cNvPr id="4" name="圆角矩形 3"/>
-          <p:cNvSpPr/>
-          <p:nvPr/>
-        </p:nvSpPr>
-        <p:spPr>
-          <a:xfrm>
-            <a:off x="1804035" y="3597275"/>
-            <a:ext cx="2029460" cy="1332230"/>
-          </a:xfrm>
-          <a:prstGeom prst="roundRect">
-            <a:avLst/>
-          </a:prstGeom>
-        </p:spPr>
-        <p:style>
-          <a:lnRef idx="2">
-            <a:schemeClr val="dk1"/>
-          </a:lnRef>
-          <a:fillRef idx="1">
-            <a:schemeClr val="lt1"/>
-          </a:fillRef>
-          <a:effectRef idx="0">
-            <a:schemeClr val="dk1"/>
-          </a:effectRef>
-          <a:fontRef idx="minor">
-            <a:schemeClr val="dk1"/>
-          </a:fontRef>
-        </p:style>
-        <p:txBody>
-          <a:bodyPr rtlCol="0" anchor="ctr"/>
-          <a:p>
-            <a:pPr algn="ctr"/>
-            <a:r>
-              <a:rPr lang="en-US" altLang="zh-CN"/>
-              <a:t>status</a:t>
-            </a:r>
-            <a:endParaRPr lang="en-US" altLang="zh-CN"/>
-          </a:p>
-        </p:txBody>
-      </p:sp>
-      <p:sp>
-        <p:nvSpPr>
-          <p:cNvPr id="5" name="文本框 4"/>
+          <p:cNvPr id="2" name="文本框 1"/>
           <p:cNvSpPr txBox="1"/>
           <p:nvPr/>
         </p:nvSpPr>
         <p:spPr>
           <a:xfrm>
-            <a:off x="1704975" y="1365250"/>
-            <a:ext cx="765175" cy="368300"/>
+            <a:off x="681355" y="830580"/>
+            <a:ext cx="10055225" cy="4939030"/>
           </a:xfrm>
           <a:prstGeom prst="rect">
             <a:avLst/>
@@ -8418,206 +8305,408 @@
           <a:noFill/>
         </p:spPr>
         <p:txBody>
-          <a:bodyPr wrap="none" rtlCol="0">
+          <a:bodyPr wrap="square" rtlCol="0">
             <a:spAutoFit/>
           </a:bodyPr>
           <a:p>
-            <a:r>
-              <a:rPr lang="en-US" altLang="zh-CN"/>
-              <a:t>object</a:t>
-            </a:r>
-            <a:endParaRPr lang="en-US" altLang="zh-CN"/>
-          </a:p>
-        </p:txBody>
-      </p:sp>
-      <p:sp>
-        <p:nvSpPr>
-          <p:cNvPr id="6" name="文本框 5"/>
-          <p:cNvSpPr txBox="1"/>
-          <p:nvPr/>
-        </p:nvSpPr>
-        <p:spPr>
-          <a:xfrm>
-            <a:off x="5713730" y="1365250"/>
-            <a:ext cx="3508375" cy="3163570"/>
-          </a:xfrm>
-          <a:prstGeom prst="rect">
-            <a:avLst/>
-          </a:prstGeom>
-          <a:noFill/>
-        </p:spPr>
-        <p:txBody>
-          <a:bodyPr wrap="none" rtlCol="0">
-            <a:spAutoFit/>
-          </a:bodyPr>
-          <a:p>
-            <a:r>
-              <a:rPr lang="en-US" altLang="zh-CN"/>
-              <a:t>object</a:t>
-            </a:r>
-            <a:r>
-              <a:rPr lang="zh-CN" altLang="en-US"/>
-              <a:t>的集合，表示了集群的状态</a:t>
-            </a:r>
-            <a:endParaRPr lang="zh-CN" altLang="en-US"/>
-          </a:p>
-          <a:p>
             <a:pPr>
               <a:lnSpc>
-                <a:spcPct val="130000"/>
+                <a:spcPct val="150000"/>
               </a:lnSpc>
             </a:pPr>
-            <a:endParaRPr lang="zh-CN" altLang="en-US" sz="1400"/>
+            <a:r>
+              <a:rPr lang="en-US" altLang="zh-CN" sz="1400" b="1">
+                <a:latin typeface="Times New Roman" panose="02020603050405020304" charset="0"/>
+                <a:ea typeface="楷体" panose="02010609060101010101" charset="-122"/>
+                <a:cs typeface="Times New Roman" panose="02020603050405020304" charset="0"/>
+              </a:rPr>
+              <a:t>API SERVER</a:t>
+            </a:r>
+            <a:r>
+              <a:rPr lang="zh-CN" altLang="en-US" sz="1400" b="1">
+                <a:latin typeface="Times New Roman" panose="02020603050405020304" charset="0"/>
+                <a:ea typeface="楷体" panose="02010609060101010101" charset="-122"/>
+                <a:cs typeface="Times New Roman" panose="02020603050405020304" charset="0"/>
+              </a:rPr>
+              <a:t>：</a:t>
+            </a:r>
+            <a:endParaRPr lang="zh-CN" altLang="en-US" sz="1400" b="1">
+              <a:latin typeface="Times New Roman" panose="02020603050405020304" charset="0"/>
+              <a:ea typeface="楷体" panose="02010609060101010101" charset="-122"/>
+              <a:cs typeface="Times New Roman" panose="02020603050405020304" charset="0"/>
+            </a:endParaRPr>
+          </a:p>
+          <a:p>
+            <a:pPr indent="0">
+              <a:lnSpc>
+                <a:spcPct val="150000"/>
+              </a:lnSpc>
+              <a:buFont typeface="Arial" panose="020B0604020202020204" pitchFamily="34" charset="0"/>
+              <a:buNone/>
+            </a:pPr>
+            <a:r>
+              <a:rPr lang="zh-CN" altLang="en-US" sz="1400">
+                <a:latin typeface="Times New Roman" panose="02020603050405020304" charset="0"/>
+                <a:ea typeface="楷体" panose="02010609060101010101" charset="-122"/>
+                <a:cs typeface="Times New Roman" panose="02020603050405020304" charset="0"/>
+              </a:rPr>
+              <a:t>控制平面核心，使用</a:t>
+            </a:r>
+            <a:r>
+              <a:rPr lang="en-US" altLang="zh-CN" sz="1400">
+                <a:latin typeface="Times New Roman" panose="02020603050405020304" charset="0"/>
+                <a:ea typeface="楷体" panose="02010609060101010101" charset="-122"/>
+                <a:cs typeface="Times New Roman" panose="02020603050405020304" charset="0"/>
+              </a:rPr>
+              <a:t>http API</a:t>
+            </a:r>
+            <a:r>
+              <a:rPr lang="zh-CN" altLang="en-US" sz="1400">
+                <a:latin typeface="Times New Roman" panose="02020603050405020304" charset="0"/>
+                <a:ea typeface="楷体" panose="02010609060101010101" charset="-122"/>
+                <a:cs typeface="Times New Roman" panose="02020603050405020304" charset="0"/>
+              </a:rPr>
+              <a:t>让终端用户、集群组件和扩展组件之间可以互相通信</a:t>
+            </a:r>
+            <a:endParaRPr lang="zh-CN" altLang="en-US" sz="1400">
+              <a:latin typeface="Times New Roman" panose="02020603050405020304" charset="0"/>
+              <a:ea typeface="楷体" panose="02010609060101010101" charset="-122"/>
+              <a:cs typeface="Times New Roman" panose="02020603050405020304" charset="0"/>
+            </a:endParaRPr>
+          </a:p>
+          <a:p>
+            <a:pPr indent="0">
+              <a:lnSpc>
+                <a:spcPct val="150000"/>
+              </a:lnSpc>
+              <a:buFont typeface="Arial" panose="020B0604020202020204" pitchFamily="34" charset="0"/>
+              <a:buNone/>
+            </a:pPr>
+            <a:endParaRPr lang="zh-CN" altLang="en-US" sz="1400">
+              <a:latin typeface="Times New Roman" panose="02020603050405020304" charset="0"/>
+              <a:ea typeface="楷体" panose="02010609060101010101" charset="-122"/>
+              <a:cs typeface="Times New Roman" panose="02020603050405020304" charset="0"/>
+            </a:endParaRPr>
+          </a:p>
+          <a:p>
+            <a:pPr indent="0">
+              <a:lnSpc>
+                <a:spcPct val="150000"/>
+              </a:lnSpc>
+              <a:buFont typeface="Arial" panose="020B0604020202020204" pitchFamily="34" charset="0"/>
+              <a:buNone/>
+            </a:pPr>
+            <a:r>
+              <a:rPr lang="en-US" altLang="zh-CN" sz="1400">
+                <a:latin typeface="Times New Roman" panose="02020603050405020304" charset="0"/>
+                <a:ea typeface="楷体" panose="02010609060101010101" charset="-122"/>
+                <a:cs typeface="Times New Roman" panose="02020603050405020304" charset="0"/>
+              </a:rPr>
+              <a:t>Api Server</a:t>
+            </a:r>
+            <a:r>
+              <a:rPr lang="zh-CN" altLang="en-US" sz="1400">
+                <a:latin typeface="Times New Roman" panose="02020603050405020304" charset="0"/>
+                <a:ea typeface="楷体" panose="02010609060101010101" charset="-122"/>
+                <a:cs typeface="Times New Roman" panose="02020603050405020304" charset="0"/>
+              </a:rPr>
+              <a:t>用以查询和管理</a:t>
+            </a:r>
+            <a:r>
+              <a:rPr lang="en-US" altLang="zh-CN" sz="1400">
+                <a:latin typeface="Times New Roman" panose="02020603050405020304" charset="0"/>
+                <a:ea typeface="楷体" panose="02010609060101010101" charset="-122"/>
+                <a:cs typeface="Times New Roman" panose="02020603050405020304" charset="0"/>
+              </a:rPr>
+              <a:t>Kubernetes</a:t>
+            </a:r>
+            <a:r>
+              <a:rPr lang="zh-CN" altLang="en-US" sz="1400">
+                <a:latin typeface="Times New Roman" panose="02020603050405020304" charset="0"/>
+                <a:ea typeface="楷体" panose="02010609060101010101" charset="-122"/>
+                <a:cs typeface="Times New Roman" panose="02020603050405020304" charset="0"/>
+              </a:rPr>
+              <a:t>中的对象（</a:t>
+            </a:r>
+            <a:r>
+              <a:rPr lang="en-US" altLang="zh-CN" sz="1400">
+                <a:latin typeface="Times New Roman" panose="02020603050405020304" charset="0"/>
+                <a:ea typeface="楷体" panose="02010609060101010101" charset="-122"/>
+                <a:cs typeface="Times New Roman" panose="02020603050405020304" charset="0"/>
+              </a:rPr>
+              <a:t>object</a:t>
+            </a:r>
+            <a:r>
+              <a:rPr lang="zh-CN" altLang="en-US" sz="1400">
+                <a:latin typeface="Times New Roman" panose="02020603050405020304" charset="0"/>
+                <a:ea typeface="楷体" panose="02010609060101010101" charset="-122"/>
+                <a:cs typeface="Times New Roman" panose="02020603050405020304" charset="0"/>
+              </a:rPr>
+              <a:t>）状态</a:t>
+            </a:r>
+            <a:endParaRPr lang="zh-CN" altLang="en-US" sz="1400">
+              <a:latin typeface="Times New Roman" panose="02020603050405020304" charset="0"/>
+              <a:ea typeface="楷体" panose="02010609060101010101" charset="-122"/>
+              <a:cs typeface="Times New Roman" panose="02020603050405020304" charset="0"/>
+            </a:endParaRPr>
+          </a:p>
+          <a:p>
+            <a:pPr indent="0">
+              <a:lnSpc>
+                <a:spcPct val="150000"/>
+              </a:lnSpc>
+              <a:buFont typeface="Arial" panose="020B0604020202020204" pitchFamily="34" charset="0"/>
+              <a:buNone/>
+            </a:pPr>
+            <a:endParaRPr lang="zh-CN" altLang="en-US" sz="1400">
+              <a:latin typeface="Times New Roman" panose="02020603050405020304" charset="0"/>
+              <a:ea typeface="楷体" panose="02010609060101010101" charset="-122"/>
+              <a:cs typeface="Times New Roman" panose="02020603050405020304" charset="0"/>
+            </a:endParaRPr>
+          </a:p>
+          <a:p>
+            <a:pPr indent="0">
+              <a:lnSpc>
+                <a:spcPct val="150000"/>
+              </a:lnSpc>
+              <a:buFont typeface="Arial" panose="020B0604020202020204" pitchFamily="34" charset="0"/>
+              <a:buNone/>
+            </a:pPr>
+            <a:r>
+              <a:rPr lang="en-US" altLang="zh-CN" sz="1400">
+                <a:latin typeface="Times New Roman" panose="02020603050405020304" charset="0"/>
+                <a:ea typeface="楷体" panose="02010609060101010101" charset="-122"/>
+                <a:cs typeface="Times New Roman" panose="02020603050405020304" charset="0"/>
+              </a:rPr>
+              <a:t>Api groups</a:t>
+            </a:r>
+            <a:r>
+              <a:rPr lang="zh-CN" altLang="en-US" sz="1400">
+                <a:latin typeface="Times New Roman" panose="02020603050405020304" charset="0"/>
+                <a:ea typeface="楷体" panose="02010609060101010101" charset="-122"/>
+                <a:cs typeface="Times New Roman" panose="02020603050405020304" charset="0"/>
+              </a:rPr>
+              <a:t>定义了当前组下所能管理资源对象</a:t>
+            </a:r>
+            <a:endParaRPr lang="zh-CN" altLang="en-US" sz="1400">
+              <a:latin typeface="Times New Roman" panose="02020603050405020304" charset="0"/>
+              <a:ea typeface="楷体" panose="02010609060101010101" charset="-122"/>
+              <a:cs typeface="Times New Roman" panose="02020603050405020304" charset="0"/>
+            </a:endParaRPr>
           </a:p>
           <a:p>
             <a:pPr marL="285750" indent="-285750">
               <a:lnSpc>
-                <a:spcPct val="130000"/>
+                <a:spcPct val="150000"/>
               </a:lnSpc>
               <a:buFont typeface="Arial" panose="020B0604020202020204" pitchFamily="34" charset="0"/>
               <a:buChar char="•"/>
             </a:pPr>
             <a:r>
-              <a:rPr lang="zh-CN" altLang="en-US" sz="1400"/>
-              <a:t>容器运行的应用</a:t>
-            </a:r>
-            <a:endParaRPr lang="zh-CN" altLang="en-US" sz="1400"/>
+              <a:rPr lang="en-US" altLang="zh-CN" sz="1400">
+                <a:latin typeface="Times New Roman" panose="02020603050405020304" charset="0"/>
+                <a:ea typeface="楷体" panose="02010609060101010101" charset="-122"/>
+                <a:cs typeface="Times New Roman" panose="02020603050405020304" charset="0"/>
+              </a:rPr>
+              <a:t>vX		</a:t>
+            </a:r>
+            <a:r>
+              <a:rPr lang="zh-CN" altLang="en-US" sz="1400">
+                <a:latin typeface="Times New Roman" panose="02020603050405020304" charset="0"/>
+                <a:ea typeface="楷体" panose="02010609060101010101" charset="-122"/>
+                <a:cs typeface="Times New Roman" panose="02020603050405020304" charset="0"/>
+              </a:rPr>
+              <a:t>可用，稳定版本</a:t>
+            </a:r>
+            <a:endParaRPr lang="zh-CN" altLang="en-US" sz="1400">
+              <a:latin typeface="Times New Roman" panose="02020603050405020304" charset="0"/>
+              <a:ea typeface="楷体" panose="02010609060101010101" charset="-122"/>
+              <a:cs typeface="Times New Roman" panose="02020603050405020304" charset="0"/>
+            </a:endParaRPr>
           </a:p>
           <a:p>
             <a:pPr marL="285750" indent="-285750">
               <a:lnSpc>
-                <a:spcPct val="130000"/>
+                <a:spcPct val="150000"/>
               </a:lnSpc>
               <a:buFont typeface="Arial" panose="020B0604020202020204" pitchFamily="34" charset="0"/>
               <a:buChar char="•"/>
             </a:pPr>
             <a:r>
-              <a:rPr lang="zh-CN" altLang="en-US" sz="1400"/>
-              <a:t>应用可用的资源</a:t>
-            </a:r>
-            <a:endParaRPr lang="zh-CN" altLang="en-US" sz="1400"/>
+              <a:rPr lang="en-US" altLang="zh-CN" sz="1400">
+                <a:latin typeface="Times New Roman" panose="02020603050405020304" charset="0"/>
+                <a:ea typeface="楷体" panose="02010609060101010101" charset="-122"/>
+                <a:cs typeface="Times New Roman" panose="02020603050405020304" charset="0"/>
+              </a:rPr>
+              <a:t>v1beta1		</a:t>
+            </a:r>
+            <a:r>
+              <a:rPr lang="zh-CN" altLang="en-US" sz="1400">
+                <a:latin typeface="Times New Roman" panose="02020603050405020304" charset="0"/>
+                <a:ea typeface="楷体" panose="02010609060101010101" charset="-122"/>
+                <a:cs typeface="Times New Roman" panose="02020603050405020304" charset="0"/>
+              </a:rPr>
+              <a:t>预发布版本</a:t>
+            </a:r>
+            <a:endParaRPr lang="zh-CN" altLang="en-US" sz="1400">
+              <a:latin typeface="Times New Roman" panose="02020603050405020304" charset="0"/>
+              <a:ea typeface="楷体" panose="02010609060101010101" charset="-122"/>
+              <a:cs typeface="Times New Roman" panose="02020603050405020304" charset="0"/>
+            </a:endParaRPr>
           </a:p>
           <a:p>
             <a:pPr marL="285750" indent="-285750">
               <a:lnSpc>
-                <a:spcPct val="130000"/>
+                <a:spcPct val="150000"/>
               </a:lnSpc>
               <a:buFont typeface="Arial" panose="020B0604020202020204" pitchFamily="34" charset="0"/>
               <a:buChar char="•"/>
             </a:pPr>
             <a:r>
-              <a:rPr lang="zh-CN" altLang="en-US" sz="1400"/>
-              <a:t>应用运行的行为、策略</a:t>
-            </a:r>
-            <a:endParaRPr lang="zh-CN" altLang="en-US" sz="1400"/>
+              <a:rPr lang="en-US" altLang="zh-CN" sz="1400">
+                <a:latin typeface="Times New Roman" panose="02020603050405020304" charset="0"/>
+                <a:ea typeface="楷体" panose="02010609060101010101" charset="-122"/>
+                <a:cs typeface="Times New Roman" panose="02020603050405020304" charset="0"/>
+              </a:rPr>
+              <a:t>v1alpha1	</a:t>
+            </a:r>
+            <a:r>
+              <a:rPr lang="zh-CN" altLang="en-US" sz="1400">
+                <a:latin typeface="Times New Roman" panose="02020603050405020304" charset="0"/>
+                <a:ea typeface="楷体" panose="02010609060101010101" charset="-122"/>
+                <a:cs typeface="Times New Roman" panose="02020603050405020304" charset="0"/>
+              </a:rPr>
+              <a:t>实验性版本</a:t>
+            </a:r>
+            <a:endParaRPr lang="zh-CN" altLang="en-US" sz="1400">
+              <a:latin typeface="Times New Roman" panose="02020603050405020304" charset="0"/>
+              <a:ea typeface="楷体" panose="02010609060101010101" charset="-122"/>
+              <a:cs typeface="Times New Roman" panose="02020603050405020304" charset="0"/>
+            </a:endParaRPr>
           </a:p>
           <a:p>
             <a:pPr marL="285750" indent="-285750">
               <a:lnSpc>
-                <a:spcPct val="130000"/>
+                <a:spcPct val="150000"/>
               </a:lnSpc>
               <a:buFont typeface="Arial" panose="020B0604020202020204" pitchFamily="34" charset="0"/>
               <a:buChar char="•"/>
             </a:pPr>
-            <a:endParaRPr lang="zh-CN" altLang="en-US" sz="1400"/>
-          </a:p>
-          <a:p>
-            <a:pPr marL="285750" indent="-285750">
-              <a:lnSpc>
-                <a:spcPct val="130000"/>
-              </a:lnSpc>
-              <a:buFont typeface="Arial" panose="020B0604020202020204" pitchFamily="34" charset="0"/>
-              <a:buChar char="•"/>
-            </a:pPr>
-            <a:endParaRPr lang="zh-CN" altLang="en-US" sz="1400"/>
+            <a:endParaRPr lang="zh-CN" altLang="en-US" sz="1400">
+              <a:latin typeface="Times New Roman" panose="02020603050405020304" charset="0"/>
+              <a:ea typeface="楷体" panose="02010609060101010101" charset="-122"/>
+              <a:cs typeface="Times New Roman" panose="02020603050405020304" charset="0"/>
+            </a:endParaRPr>
           </a:p>
           <a:p>
             <a:pPr indent="0">
               <a:lnSpc>
-                <a:spcPct val="130000"/>
+                <a:spcPct val="150000"/>
               </a:lnSpc>
               <a:buFont typeface="Arial" panose="020B0604020202020204" pitchFamily="34" charset="0"/>
               <a:buNone/>
             </a:pPr>
             <a:r>
-              <a:rPr lang="en-US" altLang="zh-CN" sz="1400"/>
-              <a:t>spec</a:t>
-            </a:r>
-            <a:r>
-              <a:rPr lang="zh-CN" altLang="en-US" sz="1400"/>
-              <a:t>：定义了用户对</a:t>
-            </a:r>
-            <a:r>
-              <a:rPr lang="en-US" altLang="zh-CN" sz="1400"/>
-              <a:t>object</a:t>
-            </a:r>
-            <a:r>
-              <a:rPr lang="zh-CN" altLang="en-US" sz="1400"/>
-              <a:t>的期望状态</a:t>
-            </a:r>
-            <a:endParaRPr lang="zh-CN" altLang="en-US" sz="1400"/>
+              <a:rPr lang="en-US" altLang="zh-CN" sz="1400">
+                <a:latin typeface="Times New Roman" panose="02020603050405020304" charset="0"/>
+                <a:ea typeface="楷体" panose="02010609060101010101" charset="-122"/>
+                <a:cs typeface="Times New Roman" panose="02020603050405020304" charset="0"/>
+              </a:rPr>
+              <a:t>API Server</a:t>
+            </a:r>
+            <a:r>
+              <a:rPr lang="zh-CN" altLang="en-US" sz="1400">
+                <a:latin typeface="Times New Roman" panose="02020603050405020304" charset="0"/>
+                <a:ea typeface="楷体" panose="02010609060101010101" charset="-122"/>
+                <a:cs typeface="Times New Roman" panose="02020603050405020304" charset="0"/>
+              </a:rPr>
+              <a:t>健康检查点：</a:t>
+            </a:r>
+            <a:endParaRPr lang="zh-CN" altLang="en-US" sz="1400">
+              <a:latin typeface="Times New Roman" panose="02020603050405020304" charset="0"/>
+              <a:ea typeface="楷体" panose="02010609060101010101" charset="-122"/>
+              <a:cs typeface="Times New Roman" panose="02020603050405020304" charset="0"/>
+            </a:endParaRPr>
           </a:p>
           <a:p>
             <a:pPr indent="0">
               <a:lnSpc>
-                <a:spcPct val="130000"/>
+                <a:spcPct val="150000"/>
               </a:lnSpc>
               <a:buFont typeface="Arial" panose="020B0604020202020204" pitchFamily="34" charset="0"/>
               <a:buNone/>
             </a:pPr>
-            <a:r>
-              <a:rPr lang="en-US" altLang="zh-CN" sz="1400"/>
-              <a:t>status</a:t>
-            </a:r>
-            <a:r>
-              <a:rPr lang="zh-CN" altLang="en-US" sz="1400"/>
-              <a:t>：描述了</a:t>
-            </a:r>
-            <a:r>
-              <a:rPr lang="en-US" altLang="zh-CN" sz="1400"/>
-              <a:t>object</a:t>
-            </a:r>
-            <a:r>
-              <a:rPr lang="zh-CN" altLang="en-US" sz="1400"/>
-              <a:t>的当前状态</a:t>
-            </a:r>
-            <a:endParaRPr lang="zh-CN" altLang="en-US" sz="1400"/>
+            <a:endParaRPr lang="zh-CN" altLang="en-US" sz="1400">
+              <a:latin typeface="Times New Roman" panose="02020603050405020304" charset="0"/>
+              <a:ea typeface="楷体" panose="02010609060101010101" charset="-122"/>
+              <a:cs typeface="Times New Roman" panose="02020603050405020304" charset="0"/>
+            </a:endParaRPr>
           </a:p>
           <a:p>
             <a:pPr indent="0">
               <a:lnSpc>
-                <a:spcPct val="130000"/>
+                <a:spcPct val="150000"/>
               </a:lnSpc>
               <a:buFont typeface="Arial" panose="020B0604020202020204" pitchFamily="34" charset="0"/>
               <a:buNone/>
             </a:pPr>
-            <a:endParaRPr lang="zh-CN" altLang="en-US" sz="1400"/>
+            <a:r>
+              <a:rPr lang="zh-CN" altLang="en-US" sz="1400">
+                <a:latin typeface="Times New Roman" panose="02020603050405020304" charset="0"/>
+                <a:ea typeface="楷体" panose="02010609060101010101" charset="-122"/>
+                <a:cs typeface="Times New Roman" panose="02020603050405020304" charset="0"/>
+              </a:rPr>
+              <a:t>curl -k https://localhost:6443/livez?verbose</a:t>
+            </a:r>
+            <a:endParaRPr lang="zh-CN" altLang="en-US" sz="1400">
+              <a:latin typeface="Times New Roman" panose="02020603050405020304" charset="0"/>
+              <a:ea typeface="楷体" panose="02010609060101010101" charset="-122"/>
+              <a:cs typeface="Times New Roman" panose="02020603050405020304" charset="0"/>
+            </a:endParaRPr>
           </a:p>
           <a:p>
             <a:pPr indent="0">
               <a:lnSpc>
-                <a:spcPct val="130000"/>
+                <a:spcPct val="150000"/>
               </a:lnSpc>
               <a:buFont typeface="Arial" panose="020B0604020202020204" pitchFamily="34" charset="0"/>
               <a:buNone/>
             </a:pPr>
             <a:r>
-              <a:rPr lang="zh-CN" altLang="en-US" sz="1400"/>
-              <a:t>多数情况卡使用</a:t>
-            </a:r>
-            <a:r>
-              <a:rPr lang="en-US" altLang="zh-CN" sz="1400"/>
-              <a:t>.yaml</a:t>
-            </a:r>
-            <a:r>
-              <a:rPr lang="zh-CN" altLang="en-US" sz="1400"/>
-              <a:t>文件描述一个</a:t>
-            </a:r>
-            <a:r>
-              <a:rPr lang="en-US" altLang="zh-CN" sz="1400"/>
-              <a:t>object</a:t>
-            </a:r>
-            <a:endParaRPr lang="en-US" altLang="zh-CN" sz="1400"/>
+              <a:rPr lang="en-US" altLang="zh-CN" sz="1400">
+                <a:latin typeface="Times New Roman" panose="02020603050405020304" charset="0"/>
+                <a:ea typeface="楷体" panose="02010609060101010101" charset="-122"/>
+                <a:cs typeface="Times New Roman" panose="02020603050405020304" charset="0"/>
+              </a:rPr>
+              <a:t>or</a:t>
+            </a:r>
+            <a:endParaRPr lang="en-US" altLang="zh-CN" sz="1400">
+              <a:latin typeface="Times New Roman" panose="02020603050405020304" charset="0"/>
+              <a:ea typeface="楷体" panose="02010609060101010101" charset="-122"/>
+              <a:cs typeface="Times New Roman" panose="02020603050405020304" charset="0"/>
+            </a:endParaRPr>
+          </a:p>
+          <a:p>
+            <a:pPr indent="0">
+              <a:lnSpc>
+                <a:spcPct val="150000"/>
+              </a:lnSpc>
+              <a:buFont typeface="Arial" panose="020B0604020202020204" pitchFamily="34" charset="0"/>
+              <a:buNone/>
+            </a:pPr>
+            <a:r>
+              <a:rPr lang="en-US" altLang="zh-CN" sz="1400">
+                <a:latin typeface="Times New Roman" panose="02020603050405020304" charset="0"/>
+                <a:ea typeface="楷体" panose="02010609060101010101" charset="-122"/>
+                <a:cs typeface="Times New Roman" panose="02020603050405020304" charset="0"/>
+              </a:rPr>
+              <a:t>kubectl get --raw='/readyz?verbose'</a:t>
+            </a:r>
+            <a:endParaRPr lang="en-US" altLang="zh-CN" sz="1400">
+              <a:latin typeface="Times New Roman" panose="02020603050405020304" charset="0"/>
+              <a:ea typeface="楷体" panose="02010609060101010101" charset="-122"/>
+              <a:cs typeface="Times New Roman" panose="02020603050405020304" charset="0"/>
+            </a:endParaRPr>
           </a:p>
         </p:txBody>
       </p:sp>
@@ -8644,14 +8733,133 @@
       <p:grpSpPr/>
       <p:sp>
         <p:nvSpPr>
-          <p:cNvPr id="2" name="文本框 1"/>
+          <p:cNvPr id="2" name="圆角矩形 1"/>
+          <p:cNvSpPr/>
+          <p:nvPr/>
+        </p:nvSpPr>
+        <p:spPr>
+          <a:xfrm>
+            <a:off x="1507490" y="1365250"/>
+            <a:ext cx="2622550" cy="3963670"/>
+          </a:xfrm>
+          <a:prstGeom prst="roundRect">
+            <a:avLst/>
+          </a:prstGeom>
+        </p:spPr>
+        <p:style>
+          <a:lnRef idx="2">
+            <a:schemeClr val="dk1"/>
+          </a:lnRef>
+          <a:fillRef idx="1">
+            <a:schemeClr val="lt1"/>
+          </a:fillRef>
+          <a:effectRef idx="0">
+            <a:schemeClr val="dk1"/>
+          </a:effectRef>
+          <a:fontRef idx="minor">
+            <a:schemeClr val="dk1"/>
+          </a:fontRef>
+        </p:style>
+        <p:txBody>
+          <a:bodyPr rtlCol="0" anchor="ctr"/>
+          <a:p>
+            <a:pPr algn="ctr"/>
+            <a:endParaRPr lang="zh-CN" altLang="en-US"/>
+          </a:p>
+        </p:txBody>
+      </p:sp>
+      <p:sp>
+        <p:nvSpPr>
+          <p:cNvPr id="3" name="圆角矩形 2"/>
+          <p:cNvSpPr/>
+          <p:nvPr/>
+        </p:nvSpPr>
+        <p:spPr>
+          <a:xfrm>
+            <a:off x="1804035" y="1849120"/>
+            <a:ext cx="2029460" cy="1332230"/>
+          </a:xfrm>
+          <a:prstGeom prst="roundRect">
+            <a:avLst/>
+          </a:prstGeom>
+        </p:spPr>
+        <p:style>
+          <a:lnRef idx="2">
+            <a:schemeClr val="dk1"/>
+          </a:lnRef>
+          <a:fillRef idx="1">
+            <a:schemeClr val="lt1"/>
+          </a:fillRef>
+          <a:effectRef idx="0">
+            <a:schemeClr val="dk1"/>
+          </a:effectRef>
+          <a:fontRef idx="minor">
+            <a:schemeClr val="dk1"/>
+          </a:fontRef>
+        </p:style>
+        <p:txBody>
+          <a:bodyPr rtlCol="0" anchor="ctr"/>
+          <a:p>
+            <a:pPr algn="ctr"/>
+            <a:r>
+              <a:rPr lang="en-US" altLang="zh-CN"/>
+              <a:t>spec</a:t>
+            </a:r>
+            <a:endParaRPr lang="en-US" altLang="zh-CN"/>
+          </a:p>
+        </p:txBody>
+      </p:sp>
+      <p:sp>
+        <p:nvSpPr>
+          <p:cNvPr id="4" name="圆角矩形 3"/>
+          <p:cNvSpPr/>
+          <p:nvPr/>
+        </p:nvSpPr>
+        <p:spPr>
+          <a:xfrm>
+            <a:off x="1804035" y="3597275"/>
+            <a:ext cx="2029460" cy="1332230"/>
+          </a:xfrm>
+          <a:prstGeom prst="roundRect">
+            <a:avLst/>
+          </a:prstGeom>
+        </p:spPr>
+        <p:style>
+          <a:lnRef idx="2">
+            <a:schemeClr val="dk1"/>
+          </a:lnRef>
+          <a:fillRef idx="1">
+            <a:schemeClr val="lt1"/>
+          </a:fillRef>
+          <a:effectRef idx="0">
+            <a:schemeClr val="dk1"/>
+          </a:effectRef>
+          <a:fontRef idx="minor">
+            <a:schemeClr val="dk1"/>
+          </a:fontRef>
+        </p:style>
+        <p:txBody>
+          <a:bodyPr rtlCol="0" anchor="ctr"/>
+          <a:p>
+            <a:pPr algn="ctr"/>
+            <a:r>
+              <a:rPr lang="en-US" altLang="zh-CN"/>
+              <a:t>status</a:t>
+            </a:r>
+            <a:endParaRPr lang="en-US" altLang="zh-CN"/>
+          </a:p>
+        </p:txBody>
+      </p:sp>
+      <p:sp>
+        <p:nvSpPr>
+          <p:cNvPr id="5" name="文本框 4"/>
           <p:cNvSpPr txBox="1"/>
           <p:nvPr/>
         </p:nvSpPr>
         <p:spPr>
           <a:xfrm>
-            <a:off x="311785" y="890270"/>
-            <a:ext cx="5184140" cy="5077460"/>
+            <a:off x="1704975" y="1365250"/>
+            <a:ext cx="765175" cy="368300"/>
           </a:xfrm>
           <a:prstGeom prst="rect">
             <a:avLst/>
@@ -8659,147 +8867,28 @@
           <a:noFill/>
         </p:spPr>
         <p:txBody>
-          <a:bodyPr wrap="square" rtlCol="0" anchor="t">
+          <a:bodyPr wrap="none" rtlCol="0">
             <a:spAutoFit/>
           </a:bodyPr>
           <a:p>
             <a:r>
-              <a:rPr lang="zh-CN" altLang="en-US"/>
-              <a:t>apiVersion: apps/v1 kind: Deployment</a:t>
-            </a:r>
-            <a:endParaRPr lang="zh-CN" altLang="en-US"/>
-          </a:p>
-          <a:p>
-            <a:r>
-              <a:rPr lang="zh-CN" altLang="en-US"/>
-              <a:t>metadata:</a:t>
-            </a:r>
-            <a:endParaRPr lang="zh-CN" altLang="en-US"/>
-          </a:p>
-          <a:p>
-            <a:r>
-              <a:rPr lang="zh-CN" altLang="en-US"/>
-              <a:t>  name: nginx-deployment</a:t>
-            </a:r>
-            <a:endParaRPr lang="zh-CN" altLang="en-US"/>
-          </a:p>
-          <a:p>
-            <a:r>
-              <a:rPr lang="zh-CN" altLang="en-US"/>
-              <a:t>spec:</a:t>
-            </a:r>
-            <a:endParaRPr lang="zh-CN" altLang="en-US"/>
-          </a:p>
-          <a:p>
-            <a:r>
-              <a:rPr lang="zh-CN" altLang="en-US"/>
-              <a:t>  selector:</a:t>
-            </a:r>
-            <a:endParaRPr lang="zh-CN" altLang="en-US"/>
-          </a:p>
-          <a:p>
-            <a:r>
-              <a:rPr lang="zh-CN" altLang="en-US"/>
-              <a:t>    matchLabels:</a:t>
-            </a:r>
-            <a:endParaRPr lang="zh-CN" altLang="en-US"/>
-          </a:p>
-          <a:p>
-            <a:r>
-              <a:rPr lang="zh-CN" altLang="en-US"/>
-              <a:t>      app: nginx</a:t>
-            </a:r>
-            <a:endParaRPr lang="zh-CN" altLang="en-US"/>
-          </a:p>
-          <a:p>
-            <a:r>
-              <a:rPr lang="zh-CN" altLang="en-US"/>
-              <a:t>  replicas: 2 </a:t>
-            </a:r>
-            <a:endParaRPr lang="zh-CN" altLang="en-US"/>
-          </a:p>
-          <a:p>
-            <a:r>
-              <a:rPr lang="zh-CN" altLang="en-US"/>
-              <a:t>  template:</a:t>
-            </a:r>
-            <a:endParaRPr lang="zh-CN" altLang="en-US"/>
-          </a:p>
-          <a:p>
-            <a:r>
-              <a:rPr lang="zh-CN" altLang="en-US"/>
-              <a:t>    metadata:</a:t>
-            </a:r>
-            <a:endParaRPr lang="zh-CN" altLang="en-US"/>
-          </a:p>
-          <a:p>
-            <a:r>
-              <a:rPr lang="zh-CN" altLang="en-US"/>
-              <a:t>      labels:</a:t>
-            </a:r>
-            <a:endParaRPr lang="zh-CN" altLang="en-US"/>
-          </a:p>
-          <a:p>
-            <a:r>
-              <a:rPr lang="zh-CN" altLang="en-US"/>
-              <a:t>        app: nginx</a:t>
-            </a:r>
-            <a:endParaRPr lang="zh-CN" altLang="en-US"/>
-          </a:p>
-          <a:p>
-            <a:r>
-              <a:rPr lang="zh-CN" altLang="en-US"/>
-              <a:t>    spec:</a:t>
-            </a:r>
-            <a:endParaRPr lang="zh-CN" altLang="en-US"/>
-          </a:p>
-          <a:p>
-            <a:r>
-              <a:rPr lang="zh-CN" altLang="en-US"/>
-              <a:t>      containers:</a:t>
-            </a:r>
-            <a:endParaRPr lang="zh-CN" altLang="en-US"/>
-          </a:p>
-          <a:p>
-            <a:r>
-              <a:rPr lang="zh-CN" altLang="en-US"/>
-              <a:t>      - name: nginx</a:t>
-            </a:r>
-            <a:endParaRPr lang="zh-CN" altLang="en-US"/>
-          </a:p>
-          <a:p>
-            <a:r>
-              <a:rPr lang="zh-CN" altLang="en-US"/>
-              <a:t>        image: nginx:1.14.2</a:t>
-            </a:r>
-            <a:endParaRPr lang="zh-CN" altLang="en-US"/>
-          </a:p>
-          <a:p>
-            <a:r>
-              <a:rPr lang="zh-CN" altLang="en-US"/>
-              <a:t>        ports:</a:t>
-            </a:r>
-            <a:endParaRPr lang="zh-CN" altLang="en-US"/>
-          </a:p>
-          <a:p>
-            <a:r>
-              <a:rPr lang="zh-CN" altLang="en-US"/>
-              <a:t>        - containerPort: 80</a:t>
-            </a:r>
-            <a:endParaRPr lang="zh-CN" altLang="en-US"/>
-          </a:p>
-        </p:txBody>
-      </p:sp>
-      <p:sp>
-        <p:nvSpPr>
-          <p:cNvPr id="3" name="文本框 2"/>
+              <a:rPr lang="en-US" altLang="zh-CN"/>
+              <a:t>object</a:t>
+            </a:r>
+            <a:endParaRPr lang="en-US" altLang="zh-CN"/>
+          </a:p>
+        </p:txBody>
+      </p:sp>
+      <p:sp>
+        <p:nvSpPr>
+          <p:cNvPr id="6" name="文本框 5"/>
           <p:cNvSpPr txBox="1"/>
           <p:nvPr/>
         </p:nvSpPr>
         <p:spPr>
           <a:xfrm>
-            <a:off x="6077585" y="890270"/>
-            <a:ext cx="2656205" cy="1706880"/>
+            <a:off x="5713730" y="1365250"/>
+            <a:ext cx="3508375" cy="3163570"/>
           </a:xfrm>
           <a:prstGeom prst="rect">
             <a:avLst/>
@@ -8807,116 +8896,177 @@
           <a:noFill/>
         </p:spPr>
         <p:txBody>
-          <a:bodyPr wrap="square" rtlCol="0">
+          <a:bodyPr wrap="none" rtlCol="0">
             <a:spAutoFit/>
           </a:bodyPr>
           <a:p>
+            <a:r>
+              <a:rPr lang="en-US" altLang="zh-CN"/>
+              <a:t>object</a:t>
+            </a:r>
+            <a:r>
+              <a:rPr lang="zh-CN" altLang="en-US"/>
+              <a:t>的集合，表示了集群的状态</a:t>
+            </a:r>
+            <a:endParaRPr lang="zh-CN" altLang="en-US"/>
+          </a:p>
+          <a:p>
             <a:pPr>
               <a:lnSpc>
-                <a:spcPct val="150000"/>
+                <a:spcPct val="130000"/>
               </a:lnSpc>
             </a:pPr>
-            <a:r>
-              <a:rPr lang="zh-CN" altLang="en-US" sz="1400">
-                <a:latin typeface="Times New Roman" panose="02020603050405020304" charset="0"/>
-                <a:ea typeface="楷体" panose="02010609060101010101" charset="-122"/>
-                <a:cs typeface="Times New Roman" panose="02020603050405020304" charset="0"/>
-              </a:rPr>
-              <a:t>资源对象必要域：</a:t>
-            </a:r>
-            <a:endParaRPr lang="zh-CN" altLang="en-US" sz="1400">
-              <a:latin typeface="Times New Roman" panose="02020603050405020304" charset="0"/>
-              <a:ea typeface="楷体" panose="02010609060101010101" charset="-122"/>
-              <a:cs typeface="Times New Roman" panose="02020603050405020304" charset="0"/>
-            </a:endParaRPr>
+            <a:endParaRPr lang="zh-CN" altLang="en-US" sz="1400"/>
           </a:p>
           <a:p>
             <a:pPr marL="285750" indent="-285750">
               <a:lnSpc>
-                <a:spcPct val="150000"/>
+                <a:spcPct val="130000"/>
               </a:lnSpc>
               <a:buFont typeface="Arial" panose="020B0604020202020204" pitchFamily="34" charset="0"/>
               <a:buChar char="•"/>
             </a:pPr>
             <a:r>
-              <a:rPr lang="en-US" altLang="zh-CN" sz="1400">
-                <a:latin typeface="Times New Roman" panose="02020603050405020304" charset="0"/>
-                <a:ea typeface="楷体" panose="02010609060101010101" charset="-122"/>
-                <a:cs typeface="Times New Roman" panose="02020603050405020304" charset="0"/>
-              </a:rPr>
-              <a:t>apiVersion</a:t>
-            </a:r>
-            <a:endParaRPr lang="en-US" altLang="zh-CN" sz="1400">
-              <a:latin typeface="Times New Roman" panose="02020603050405020304" charset="0"/>
-              <a:ea typeface="楷体" panose="02010609060101010101" charset="-122"/>
-              <a:cs typeface="Times New Roman" panose="02020603050405020304" charset="0"/>
-            </a:endParaRPr>
+              <a:rPr lang="zh-CN" altLang="en-US" sz="1400"/>
+              <a:t>容器运行的应用</a:t>
+            </a:r>
+            <a:endParaRPr lang="zh-CN" altLang="en-US" sz="1400"/>
           </a:p>
           <a:p>
             <a:pPr marL="285750" indent="-285750">
               <a:lnSpc>
-                <a:spcPct val="150000"/>
+                <a:spcPct val="130000"/>
               </a:lnSpc>
               <a:buFont typeface="Arial" panose="020B0604020202020204" pitchFamily="34" charset="0"/>
               <a:buChar char="•"/>
             </a:pPr>
             <a:r>
-              <a:rPr lang="en-US" altLang="zh-CN" sz="1400">
-                <a:latin typeface="Times New Roman" panose="02020603050405020304" charset="0"/>
-                <a:ea typeface="楷体" panose="02010609060101010101" charset="-122"/>
-                <a:cs typeface="Times New Roman" panose="02020603050405020304" charset="0"/>
-              </a:rPr>
-              <a:t>kind</a:t>
-            </a:r>
-            <a:endParaRPr lang="en-US" altLang="zh-CN" sz="1400">
-              <a:latin typeface="Times New Roman" panose="02020603050405020304" charset="0"/>
-              <a:ea typeface="楷体" panose="02010609060101010101" charset="-122"/>
-              <a:cs typeface="Times New Roman" panose="02020603050405020304" charset="0"/>
-            </a:endParaRPr>
+              <a:rPr lang="zh-CN" altLang="en-US" sz="1400"/>
+              <a:t>应用可用的资源</a:t>
+            </a:r>
+            <a:endParaRPr lang="zh-CN" altLang="en-US" sz="1400"/>
           </a:p>
           <a:p>
             <a:pPr marL="285750" indent="-285750">
               <a:lnSpc>
-                <a:spcPct val="150000"/>
+                <a:spcPct val="130000"/>
               </a:lnSpc>
               <a:buFont typeface="Arial" panose="020B0604020202020204" pitchFamily="34" charset="0"/>
               <a:buChar char="•"/>
             </a:pPr>
             <a:r>
-              <a:rPr lang="en-US" altLang="zh-CN" sz="1400">
-                <a:latin typeface="Times New Roman" panose="02020603050405020304" charset="0"/>
-                <a:ea typeface="楷体" panose="02010609060101010101" charset="-122"/>
-                <a:cs typeface="Times New Roman" panose="02020603050405020304" charset="0"/>
-              </a:rPr>
-              <a:t>metadata</a:t>
-            </a:r>
-            <a:endParaRPr lang="en-US" altLang="zh-CN" sz="1400">
-              <a:latin typeface="Times New Roman" panose="02020603050405020304" charset="0"/>
-              <a:ea typeface="楷体" panose="02010609060101010101" charset="-122"/>
-              <a:cs typeface="Times New Roman" panose="02020603050405020304" charset="0"/>
-            </a:endParaRPr>
+              <a:rPr lang="zh-CN" altLang="en-US" sz="1400"/>
+              <a:t>应用运行的行为、策略</a:t>
+            </a:r>
+            <a:endParaRPr lang="zh-CN" altLang="en-US" sz="1400"/>
           </a:p>
           <a:p>
             <a:pPr marL="285750" indent="-285750">
               <a:lnSpc>
-                <a:spcPct val="150000"/>
+                <a:spcPct val="130000"/>
               </a:lnSpc>
               <a:buFont typeface="Arial" panose="020B0604020202020204" pitchFamily="34" charset="0"/>
               <a:buChar char="•"/>
             </a:pPr>
-            <a:r>
-              <a:rPr lang="en-US" altLang="zh-CN" sz="1400">
-                <a:latin typeface="Times New Roman" panose="02020603050405020304" charset="0"/>
-                <a:ea typeface="楷体" panose="02010609060101010101" charset="-122"/>
-                <a:cs typeface="Times New Roman" panose="02020603050405020304" charset="0"/>
-              </a:rPr>
+            <a:endParaRPr lang="zh-CN" altLang="en-US" sz="1400"/>
+          </a:p>
+          <a:p>
+            <a:pPr marL="285750" indent="-285750">
+              <a:lnSpc>
+                <a:spcPct val="130000"/>
+              </a:lnSpc>
+              <a:buFont typeface="Arial" panose="020B0604020202020204" pitchFamily="34" charset="0"/>
+              <a:buChar char="•"/>
+            </a:pPr>
+            <a:endParaRPr lang="zh-CN" altLang="en-US" sz="1400"/>
+          </a:p>
+          <a:p>
+            <a:pPr indent="0">
+              <a:lnSpc>
+                <a:spcPct val="130000"/>
+              </a:lnSpc>
+              <a:buFont typeface="Arial" panose="020B0604020202020204" pitchFamily="34" charset="0"/>
+              <a:buNone/>
+            </a:pPr>
+            <a:r>
+              <a:rPr lang="en-US" altLang="zh-CN" sz="1400"/>
               <a:t>spec</a:t>
             </a:r>
-            <a:endParaRPr lang="en-US" altLang="zh-CN" sz="1400">
-              <a:latin typeface="Times New Roman" panose="02020603050405020304" charset="0"/>
-              <a:ea typeface="楷体" panose="02010609060101010101" charset="-122"/>
-              <a:cs typeface="Times New Roman" panose="02020603050405020304" charset="0"/>
-            </a:endParaRPr>
+            <a:r>
+              <a:rPr lang="zh-CN" altLang="en-US" sz="1400"/>
+              <a:t>：定义了用户对</a:t>
+            </a:r>
+            <a:r>
+              <a:rPr lang="en-US" altLang="zh-CN" sz="1400"/>
+              <a:t>object</a:t>
+            </a:r>
+            <a:r>
+              <a:rPr lang="zh-CN" altLang="en-US" sz="1400"/>
+              <a:t>的期望状态</a:t>
+            </a:r>
+            <a:endParaRPr lang="zh-CN" altLang="en-US" sz="1400"/>
+          </a:p>
+          <a:p>
+            <a:pPr indent="0">
+              <a:lnSpc>
+                <a:spcPct val="130000"/>
+              </a:lnSpc>
+              <a:buFont typeface="Arial" panose="020B0604020202020204" pitchFamily="34" charset="0"/>
+              <a:buNone/>
+            </a:pPr>
+            <a:r>
+              <a:rPr lang="en-US" altLang="zh-CN" sz="1400"/>
+              <a:t>status</a:t>
+            </a:r>
+            <a:r>
+              <a:rPr lang="zh-CN" altLang="en-US" sz="1400"/>
+              <a:t>：描述了</a:t>
+            </a:r>
+            <a:r>
+              <a:rPr lang="en-US" altLang="zh-CN" sz="1400"/>
+              <a:t>object</a:t>
+            </a:r>
+            <a:r>
+              <a:rPr lang="zh-CN" altLang="en-US" sz="1400"/>
+              <a:t>的当前状态</a:t>
+            </a:r>
+            <a:endParaRPr lang="zh-CN" altLang="en-US" sz="1400"/>
+          </a:p>
+          <a:p>
+            <a:pPr indent="0">
+              <a:lnSpc>
+                <a:spcPct val="130000"/>
+              </a:lnSpc>
+              <a:buFont typeface="Arial" panose="020B0604020202020204" pitchFamily="34" charset="0"/>
+              <a:buNone/>
+            </a:pPr>
+            <a:endParaRPr lang="zh-CN" altLang="en-US" sz="1400"/>
+          </a:p>
+          <a:p>
+            <a:pPr indent="0">
+              <a:lnSpc>
+                <a:spcPct val="130000"/>
+              </a:lnSpc>
+              <a:buFont typeface="Arial" panose="020B0604020202020204" pitchFamily="34" charset="0"/>
+              <a:buNone/>
+            </a:pPr>
+            <a:r>
+              <a:rPr lang="zh-CN" altLang="en-US" sz="1400"/>
+              <a:t>多数情况卡使用</a:t>
+            </a:r>
+            <a:r>
+              <a:rPr lang="en-US" altLang="zh-CN" sz="1400"/>
+              <a:t>.yaml</a:t>
+            </a:r>
+            <a:r>
+              <a:rPr lang="zh-CN" altLang="en-US" sz="1400"/>
+              <a:t>文件描述一个</a:t>
+            </a:r>
+            <a:r>
+              <a:rPr lang="en-US" altLang="zh-CN" sz="1400"/>
+              <a:t>object</a:t>
+            </a:r>
+            <a:endParaRPr lang="en-US" altLang="zh-CN" sz="1400"/>
           </a:p>
         </p:txBody>
       </p:sp>
@@ -8943,6 +9093,305 @@
       <p:grpSpPr/>
       <p:sp>
         <p:nvSpPr>
+          <p:cNvPr id="2" name="文本框 1"/>
+          <p:cNvSpPr txBox="1"/>
+          <p:nvPr/>
+        </p:nvSpPr>
+        <p:spPr>
+          <a:xfrm>
+            <a:off x="311785" y="890270"/>
+            <a:ext cx="5184140" cy="5077460"/>
+          </a:xfrm>
+          <a:prstGeom prst="rect">
+            <a:avLst/>
+          </a:prstGeom>
+          <a:noFill/>
+        </p:spPr>
+        <p:txBody>
+          <a:bodyPr wrap="square" rtlCol="0" anchor="t">
+            <a:spAutoFit/>
+          </a:bodyPr>
+          <a:p>
+            <a:r>
+              <a:rPr lang="zh-CN" altLang="en-US"/>
+              <a:t>apiVersion: apps/v1 kind: Deployment</a:t>
+            </a:r>
+            <a:endParaRPr lang="zh-CN" altLang="en-US"/>
+          </a:p>
+          <a:p>
+            <a:r>
+              <a:rPr lang="zh-CN" altLang="en-US"/>
+              <a:t>metadata:</a:t>
+            </a:r>
+            <a:endParaRPr lang="zh-CN" altLang="en-US"/>
+          </a:p>
+          <a:p>
+            <a:r>
+              <a:rPr lang="zh-CN" altLang="en-US"/>
+              <a:t>  name: nginx-deployment</a:t>
+            </a:r>
+            <a:endParaRPr lang="zh-CN" altLang="en-US"/>
+          </a:p>
+          <a:p>
+            <a:r>
+              <a:rPr lang="zh-CN" altLang="en-US"/>
+              <a:t>spec:</a:t>
+            </a:r>
+            <a:endParaRPr lang="zh-CN" altLang="en-US"/>
+          </a:p>
+          <a:p>
+            <a:r>
+              <a:rPr lang="zh-CN" altLang="en-US"/>
+              <a:t>  selector:</a:t>
+            </a:r>
+            <a:endParaRPr lang="zh-CN" altLang="en-US"/>
+          </a:p>
+          <a:p>
+            <a:r>
+              <a:rPr lang="zh-CN" altLang="en-US"/>
+              <a:t>    matchLabels:</a:t>
+            </a:r>
+            <a:endParaRPr lang="zh-CN" altLang="en-US"/>
+          </a:p>
+          <a:p>
+            <a:r>
+              <a:rPr lang="zh-CN" altLang="en-US"/>
+              <a:t>      app: nginx</a:t>
+            </a:r>
+            <a:endParaRPr lang="zh-CN" altLang="en-US"/>
+          </a:p>
+          <a:p>
+            <a:r>
+              <a:rPr lang="zh-CN" altLang="en-US"/>
+              <a:t>  replicas: 2 </a:t>
+            </a:r>
+            <a:endParaRPr lang="zh-CN" altLang="en-US"/>
+          </a:p>
+          <a:p>
+            <a:r>
+              <a:rPr lang="zh-CN" altLang="en-US"/>
+              <a:t>  template:</a:t>
+            </a:r>
+            <a:endParaRPr lang="zh-CN" altLang="en-US"/>
+          </a:p>
+          <a:p>
+            <a:r>
+              <a:rPr lang="zh-CN" altLang="en-US"/>
+              <a:t>    metadata:</a:t>
+            </a:r>
+            <a:endParaRPr lang="zh-CN" altLang="en-US"/>
+          </a:p>
+          <a:p>
+            <a:r>
+              <a:rPr lang="zh-CN" altLang="en-US"/>
+              <a:t>      labels:</a:t>
+            </a:r>
+            <a:endParaRPr lang="zh-CN" altLang="en-US"/>
+          </a:p>
+          <a:p>
+            <a:r>
+              <a:rPr lang="zh-CN" altLang="en-US"/>
+              <a:t>        app: nginx</a:t>
+            </a:r>
+            <a:endParaRPr lang="zh-CN" altLang="en-US"/>
+          </a:p>
+          <a:p>
+            <a:r>
+              <a:rPr lang="zh-CN" altLang="en-US"/>
+              <a:t>    spec:</a:t>
+            </a:r>
+            <a:endParaRPr lang="zh-CN" altLang="en-US"/>
+          </a:p>
+          <a:p>
+            <a:r>
+              <a:rPr lang="zh-CN" altLang="en-US"/>
+              <a:t>      containers:</a:t>
+            </a:r>
+            <a:endParaRPr lang="zh-CN" altLang="en-US"/>
+          </a:p>
+          <a:p>
+            <a:r>
+              <a:rPr lang="zh-CN" altLang="en-US"/>
+              <a:t>      - name: nginx</a:t>
+            </a:r>
+            <a:endParaRPr lang="zh-CN" altLang="en-US"/>
+          </a:p>
+          <a:p>
+            <a:r>
+              <a:rPr lang="zh-CN" altLang="en-US"/>
+              <a:t>        image: nginx:1.14.2</a:t>
+            </a:r>
+            <a:endParaRPr lang="zh-CN" altLang="en-US"/>
+          </a:p>
+          <a:p>
+            <a:r>
+              <a:rPr lang="zh-CN" altLang="en-US"/>
+              <a:t>        ports:</a:t>
+            </a:r>
+            <a:endParaRPr lang="zh-CN" altLang="en-US"/>
+          </a:p>
+          <a:p>
+            <a:r>
+              <a:rPr lang="zh-CN" altLang="en-US"/>
+              <a:t>        - containerPort: 80</a:t>
+            </a:r>
+            <a:endParaRPr lang="zh-CN" altLang="en-US"/>
+          </a:p>
+        </p:txBody>
+      </p:sp>
+      <p:sp>
+        <p:nvSpPr>
+          <p:cNvPr id="3" name="文本框 2"/>
+          <p:cNvSpPr txBox="1"/>
+          <p:nvPr/>
+        </p:nvSpPr>
+        <p:spPr>
+          <a:xfrm>
+            <a:off x="6077585" y="890270"/>
+            <a:ext cx="2656205" cy="1706880"/>
+          </a:xfrm>
+          <a:prstGeom prst="rect">
+            <a:avLst/>
+          </a:prstGeom>
+          <a:noFill/>
+        </p:spPr>
+        <p:txBody>
+          <a:bodyPr wrap="square" rtlCol="0">
+            <a:spAutoFit/>
+          </a:bodyPr>
+          <a:p>
+            <a:pPr>
+              <a:lnSpc>
+                <a:spcPct val="150000"/>
+              </a:lnSpc>
+            </a:pPr>
+            <a:r>
+              <a:rPr lang="zh-CN" altLang="en-US" sz="1400">
+                <a:latin typeface="Times New Roman" panose="02020603050405020304" charset="0"/>
+                <a:ea typeface="楷体" panose="02010609060101010101" charset="-122"/>
+                <a:cs typeface="Times New Roman" panose="02020603050405020304" charset="0"/>
+              </a:rPr>
+              <a:t>资源对象必要域：</a:t>
+            </a:r>
+            <a:endParaRPr lang="zh-CN" altLang="en-US" sz="1400">
+              <a:latin typeface="Times New Roman" panose="02020603050405020304" charset="0"/>
+              <a:ea typeface="楷体" panose="02010609060101010101" charset="-122"/>
+              <a:cs typeface="Times New Roman" panose="02020603050405020304" charset="0"/>
+            </a:endParaRPr>
+          </a:p>
+          <a:p>
+            <a:pPr marL="285750" indent="-285750">
+              <a:lnSpc>
+                <a:spcPct val="150000"/>
+              </a:lnSpc>
+              <a:buFont typeface="Arial" panose="020B0604020202020204" pitchFamily="34" charset="0"/>
+              <a:buChar char="•"/>
+            </a:pPr>
+            <a:r>
+              <a:rPr lang="en-US" altLang="zh-CN" sz="1400">
+                <a:latin typeface="Times New Roman" panose="02020603050405020304" charset="0"/>
+                <a:ea typeface="楷体" panose="02010609060101010101" charset="-122"/>
+                <a:cs typeface="Times New Roman" panose="02020603050405020304" charset="0"/>
+              </a:rPr>
+              <a:t>apiVersion</a:t>
+            </a:r>
+            <a:endParaRPr lang="en-US" altLang="zh-CN" sz="1400">
+              <a:latin typeface="Times New Roman" panose="02020603050405020304" charset="0"/>
+              <a:ea typeface="楷体" panose="02010609060101010101" charset="-122"/>
+              <a:cs typeface="Times New Roman" panose="02020603050405020304" charset="0"/>
+            </a:endParaRPr>
+          </a:p>
+          <a:p>
+            <a:pPr marL="285750" indent="-285750">
+              <a:lnSpc>
+                <a:spcPct val="150000"/>
+              </a:lnSpc>
+              <a:buFont typeface="Arial" panose="020B0604020202020204" pitchFamily="34" charset="0"/>
+              <a:buChar char="•"/>
+            </a:pPr>
+            <a:r>
+              <a:rPr lang="en-US" altLang="zh-CN" sz="1400">
+                <a:latin typeface="Times New Roman" panose="02020603050405020304" charset="0"/>
+                <a:ea typeface="楷体" panose="02010609060101010101" charset="-122"/>
+                <a:cs typeface="Times New Roman" panose="02020603050405020304" charset="0"/>
+              </a:rPr>
+              <a:t>kind</a:t>
+            </a:r>
+            <a:endParaRPr lang="en-US" altLang="zh-CN" sz="1400">
+              <a:latin typeface="Times New Roman" panose="02020603050405020304" charset="0"/>
+              <a:ea typeface="楷体" panose="02010609060101010101" charset="-122"/>
+              <a:cs typeface="Times New Roman" panose="02020603050405020304" charset="0"/>
+            </a:endParaRPr>
+          </a:p>
+          <a:p>
+            <a:pPr marL="285750" indent="-285750">
+              <a:lnSpc>
+                <a:spcPct val="150000"/>
+              </a:lnSpc>
+              <a:buFont typeface="Arial" panose="020B0604020202020204" pitchFamily="34" charset="0"/>
+              <a:buChar char="•"/>
+            </a:pPr>
+            <a:r>
+              <a:rPr lang="en-US" altLang="zh-CN" sz="1400">
+                <a:latin typeface="Times New Roman" panose="02020603050405020304" charset="0"/>
+                <a:ea typeface="楷体" panose="02010609060101010101" charset="-122"/>
+                <a:cs typeface="Times New Roman" panose="02020603050405020304" charset="0"/>
+              </a:rPr>
+              <a:t>metadata</a:t>
+            </a:r>
+            <a:endParaRPr lang="en-US" altLang="zh-CN" sz="1400">
+              <a:latin typeface="Times New Roman" panose="02020603050405020304" charset="0"/>
+              <a:ea typeface="楷体" panose="02010609060101010101" charset="-122"/>
+              <a:cs typeface="Times New Roman" panose="02020603050405020304" charset="0"/>
+            </a:endParaRPr>
+          </a:p>
+          <a:p>
+            <a:pPr marL="285750" indent="-285750">
+              <a:lnSpc>
+                <a:spcPct val="150000"/>
+              </a:lnSpc>
+              <a:buFont typeface="Arial" panose="020B0604020202020204" pitchFamily="34" charset="0"/>
+              <a:buChar char="•"/>
+            </a:pPr>
+            <a:r>
+              <a:rPr lang="en-US" altLang="zh-CN" sz="1400">
+                <a:latin typeface="Times New Roman" panose="02020603050405020304" charset="0"/>
+                <a:ea typeface="楷体" panose="02010609060101010101" charset="-122"/>
+                <a:cs typeface="Times New Roman" panose="02020603050405020304" charset="0"/>
+              </a:rPr>
+              <a:t>spec</a:t>
+            </a:r>
+            <a:endParaRPr lang="en-US" altLang="zh-CN" sz="1400">
+              <a:latin typeface="Times New Roman" panose="02020603050405020304" charset="0"/>
+              <a:ea typeface="楷体" panose="02010609060101010101" charset="-122"/>
+              <a:cs typeface="Times New Roman" panose="02020603050405020304" charset="0"/>
+            </a:endParaRPr>
+          </a:p>
+        </p:txBody>
+      </p:sp>
+    </p:spTree>
+    <p:custDataLst>
+      <p:tags r:id="rId1"/>
+    </p:custDataLst>
+  </p:cSld>
+  <p:clrMapOvr>
+    <a:masterClrMapping/>
+  </p:clrMapOvr>
+</p:sld>
+</file>
+
+<file path=ppt/slides/slide13.xml><?xml version="1.0" encoding="utf-8"?>
+<p:sld xmlns:a="http://schemas.openxmlformats.org/drawingml/2006/main" xmlns:r="http://schemas.openxmlformats.org/officeDocument/2006/relationships" xmlns:p="http://schemas.openxmlformats.org/presentationml/2006/main">
+  <p:cSld>
+    <p:spTree>
+      <p:nvGrpSpPr>
+        <p:cNvPr id="1" name=""/>
+        <p:cNvGrpSpPr/>
+        <p:nvPr/>
+      </p:nvGrpSpPr>
+      <p:grpSpPr/>
+      <p:sp>
+        <p:nvSpPr>
           <p:cNvPr id="3" name="文本框 2"/>
           <p:cNvSpPr txBox="1"/>
           <p:nvPr/>
@@ -9384,7 +9833,2103 @@
 </p:sld>
 </file>
 
-<file path=ppt/slides/slide13.xml><?xml version="1.0" encoding="utf-8"?>
+<file path=ppt/slides/slide14.xml><?xml version="1.0" encoding="utf-8"?>
+<p:sld xmlns:a="http://schemas.openxmlformats.org/drawingml/2006/main" xmlns:r="http://schemas.openxmlformats.org/officeDocument/2006/relationships" xmlns:p="http://schemas.openxmlformats.org/presentationml/2006/main">
+  <p:cSld>
+    <p:spTree>
+      <p:nvGrpSpPr>
+        <p:cNvPr id="1" name=""/>
+        <p:cNvGrpSpPr/>
+        <p:nvPr/>
+      </p:nvGrpSpPr>
+      <p:grpSpPr/>
+      <p:sp>
+        <p:nvSpPr>
+          <p:cNvPr id="3" name="文本框 2"/>
+          <p:cNvSpPr txBox="1"/>
+          <p:nvPr/>
+        </p:nvSpPr>
+        <p:spPr>
+          <a:xfrm>
+            <a:off x="508635" y="1282700"/>
+            <a:ext cx="10908665" cy="3646170"/>
+          </a:xfrm>
+          <a:prstGeom prst="rect">
+            <a:avLst/>
+          </a:prstGeom>
+          <a:noFill/>
+        </p:spPr>
+        <p:txBody>
+          <a:bodyPr wrap="square" rtlCol="0">
+            <a:spAutoFit/>
+          </a:bodyPr>
+          <a:p>
+            <a:pPr>
+              <a:lnSpc>
+                <a:spcPct val="150000"/>
+              </a:lnSpc>
+            </a:pPr>
+            <a:r>
+              <a:rPr lang="zh-CN" altLang="en-US" sz="1400" b="1">
+                <a:latin typeface="Times New Roman" panose="02020603050405020304" charset="0"/>
+                <a:ea typeface="楷体" panose="02010609060101010101" charset="-122"/>
+                <a:cs typeface="Times New Roman" panose="02020603050405020304" charset="0"/>
+              </a:rPr>
+              <a:t>服务的有状态与无状态：</a:t>
+            </a:r>
+            <a:endParaRPr lang="zh-CN" altLang="en-US" sz="1400" b="1">
+              <a:latin typeface="Times New Roman" panose="02020603050405020304" charset="0"/>
+              <a:ea typeface="楷体" panose="02010609060101010101" charset="-122"/>
+              <a:cs typeface="Times New Roman" panose="02020603050405020304" charset="0"/>
+            </a:endParaRPr>
+          </a:p>
+          <a:p>
+            <a:pPr indent="0">
+              <a:lnSpc>
+                <a:spcPct val="150000"/>
+              </a:lnSpc>
+              <a:buFont typeface="Arial" panose="020B0604020202020204" pitchFamily="34" charset="0"/>
+              <a:buNone/>
+            </a:pPr>
+            <a:r>
+              <a:rPr lang="en-US" sz="1400">
+                <a:latin typeface="Times New Roman" panose="02020603050405020304" charset="0"/>
+                <a:ea typeface="楷体" panose="02010609060101010101" charset="-122"/>
+                <a:cs typeface="Times New Roman" panose="02020603050405020304" charset="0"/>
+              </a:rPr>
+              <a:t>对服务器程序来说，究竟是有状态服务，还是无状态服务，其判断依旧——两个来自相同发起者的请求在服务器端是否具备上下文关系。</a:t>
+            </a:r>
+            <a:endParaRPr lang="en-US" sz="1400">
+              <a:latin typeface="Times New Roman" panose="02020603050405020304" charset="0"/>
+              <a:ea typeface="楷体" panose="02010609060101010101" charset="-122"/>
+              <a:cs typeface="Times New Roman" panose="02020603050405020304" charset="0"/>
+            </a:endParaRPr>
+          </a:p>
+          <a:p>
+            <a:pPr marL="285750" indent="-285750">
+              <a:lnSpc>
+                <a:spcPct val="150000"/>
+              </a:lnSpc>
+              <a:buFont typeface="Arial" panose="020B0604020202020204" pitchFamily="34" charset="0"/>
+              <a:buChar char="•"/>
+            </a:pPr>
+            <a:r>
+              <a:rPr sz="1400" b="1">
+                <a:latin typeface="Times New Roman" panose="02020603050405020304" charset="0"/>
+                <a:ea typeface="楷体" panose="02010609060101010101" charset="-122"/>
+                <a:cs typeface="Times New Roman" panose="02020603050405020304" charset="0"/>
+              </a:rPr>
+              <a:t>状态化请求，服务器端一般都要保存请求的相关信息，每个请求可以默认地使用以前的请求信息。</a:t>
+            </a:r>
+            <a:endParaRPr sz="1400" b="1">
+              <a:latin typeface="Times New Roman" panose="02020603050405020304" charset="0"/>
+              <a:ea typeface="楷体" panose="02010609060101010101" charset="-122"/>
+              <a:cs typeface="Times New Roman" panose="02020603050405020304" charset="0"/>
+            </a:endParaRPr>
+          </a:p>
+          <a:p>
+            <a:pPr marL="285750" indent="-285750">
+              <a:lnSpc>
+                <a:spcPct val="150000"/>
+              </a:lnSpc>
+              <a:buFont typeface="Arial" panose="020B0604020202020204" pitchFamily="34" charset="0"/>
+              <a:buChar char="•"/>
+            </a:pPr>
+            <a:r>
+              <a:rPr sz="1400" b="1">
+                <a:latin typeface="Times New Roman" panose="02020603050405020304" charset="0"/>
+                <a:ea typeface="楷体" panose="02010609060101010101" charset="-122"/>
+                <a:cs typeface="Times New Roman" panose="02020603050405020304" charset="0"/>
+              </a:rPr>
+              <a:t>无状态请求，服务器端所能够处理的过程必须全部来自于请求所携带的信息，以及其他服务器端自身所保存的、并且可以被所有请求所使用的公共信息。</a:t>
+            </a:r>
+            <a:endParaRPr sz="1400" b="1">
+              <a:latin typeface="Times New Roman" panose="02020603050405020304" charset="0"/>
+              <a:ea typeface="楷体" panose="02010609060101010101" charset="-122"/>
+              <a:cs typeface="Times New Roman" panose="02020603050405020304" charset="0"/>
+            </a:endParaRPr>
+          </a:p>
+          <a:p>
+            <a:pPr marL="285750" indent="-285750">
+              <a:lnSpc>
+                <a:spcPct val="150000"/>
+              </a:lnSpc>
+              <a:buFont typeface="Wingdings" panose="05000000000000000000" charset="0"/>
+              <a:buNone/>
+            </a:pPr>
+            <a:endParaRPr lang="zh-CN" altLang="en-US" sz="1400">
+              <a:latin typeface="Times New Roman" panose="02020603050405020304" charset="0"/>
+              <a:ea typeface="楷体" panose="02010609060101010101" charset="-122"/>
+              <a:cs typeface="Times New Roman" panose="02020603050405020304" charset="0"/>
+            </a:endParaRPr>
+          </a:p>
+          <a:p>
+            <a:pPr marL="285750" indent="-285750">
+              <a:lnSpc>
+                <a:spcPct val="150000"/>
+              </a:lnSpc>
+              <a:buFont typeface="Wingdings" panose="05000000000000000000" charset="0"/>
+              <a:buNone/>
+            </a:pPr>
+            <a:r>
+              <a:rPr lang="zh-CN" altLang="en-US" sz="1400">
+                <a:latin typeface="Times New Roman" panose="02020603050405020304" charset="0"/>
+                <a:ea typeface="楷体" panose="02010609060101010101" charset="-122"/>
+                <a:cs typeface="Times New Roman" panose="02020603050405020304" charset="0"/>
+              </a:rPr>
+              <a:t>有状态重</a:t>
+            </a:r>
+            <a:r>
+              <a:rPr lang="zh-CN" altLang="en-US" sz="1400" b="1">
+                <a:latin typeface="Times New Roman" panose="02020603050405020304" charset="0"/>
+                <a:ea typeface="楷体" panose="02010609060101010101" charset="-122"/>
+                <a:cs typeface="Times New Roman" panose="02020603050405020304" charset="0"/>
+              </a:rPr>
+              <a:t>事务，</a:t>
+            </a:r>
+            <a:r>
+              <a:rPr lang="zh-CN" altLang="en-US" sz="1400">
+                <a:latin typeface="Times New Roman" panose="02020603050405020304" charset="0"/>
+                <a:ea typeface="楷体" panose="02010609060101010101" charset="-122"/>
+                <a:cs typeface="Times New Roman" panose="02020603050405020304" charset="0"/>
+              </a:rPr>
+              <a:t>无状态重</a:t>
+            </a:r>
+            <a:r>
+              <a:rPr lang="zh-CN" altLang="en-US" sz="1400" b="1">
+                <a:latin typeface="Times New Roman" panose="02020603050405020304" charset="0"/>
+                <a:ea typeface="楷体" panose="02010609060101010101" charset="-122"/>
+                <a:cs typeface="Times New Roman" panose="02020603050405020304" charset="0"/>
+              </a:rPr>
+              <a:t>伸缩</a:t>
+            </a:r>
+            <a:endParaRPr lang="zh-CN" altLang="en-US" sz="1400" b="1">
+              <a:latin typeface="Times New Roman" panose="02020603050405020304" charset="0"/>
+              <a:ea typeface="楷体" panose="02010609060101010101" charset="-122"/>
+              <a:cs typeface="Times New Roman" panose="02020603050405020304" charset="0"/>
+            </a:endParaRPr>
+          </a:p>
+          <a:p>
+            <a:pPr marL="285750" indent="-285750">
+              <a:lnSpc>
+                <a:spcPct val="150000"/>
+              </a:lnSpc>
+              <a:buFont typeface="Wingdings" panose="05000000000000000000" charset="0"/>
+              <a:buNone/>
+            </a:pPr>
+            <a:endParaRPr lang="zh-CN" altLang="en-US" sz="1400" b="1">
+              <a:latin typeface="Times New Roman" panose="02020603050405020304" charset="0"/>
+              <a:ea typeface="楷体" panose="02010609060101010101" charset="-122"/>
+              <a:cs typeface="Times New Roman" panose="02020603050405020304" charset="0"/>
+            </a:endParaRPr>
+          </a:p>
+          <a:p>
+            <a:pPr marL="285750" indent="-285750">
+              <a:lnSpc>
+                <a:spcPct val="150000"/>
+              </a:lnSpc>
+              <a:buFont typeface="Wingdings" panose="05000000000000000000" charset="0"/>
+              <a:buNone/>
+            </a:pPr>
+            <a:r>
+              <a:rPr lang="zh-CN" altLang="en-US" sz="1400" b="1">
+                <a:latin typeface="Times New Roman" panose="02020603050405020304" charset="0"/>
+                <a:ea typeface="楷体" panose="02010609060101010101" charset="-122"/>
+                <a:cs typeface="Times New Roman" panose="02020603050405020304" charset="0"/>
+              </a:rPr>
+              <a:t>有状态：</a:t>
+            </a:r>
+            <a:r>
+              <a:rPr lang="en-US" altLang="zh-CN" sz="1400" b="1">
+                <a:latin typeface="Times New Roman" panose="02020603050405020304" charset="0"/>
+                <a:ea typeface="楷体" panose="02010609060101010101" charset="-122"/>
+                <a:cs typeface="Times New Roman" panose="02020603050405020304" charset="0"/>
+              </a:rPr>
+              <a:t>statfullSet</a:t>
+            </a:r>
+            <a:endParaRPr lang="zh-CN" altLang="en-US" sz="1400">
+              <a:latin typeface="Times New Roman" panose="02020603050405020304" charset="0"/>
+              <a:ea typeface="楷体" panose="02010609060101010101" charset="-122"/>
+              <a:cs typeface="Times New Roman" panose="02020603050405020304" charset="0"/>
+            </a:endParaRPr>
+          </a:p>
+          <a:p>
+            <a:pPr marL="285750" indent="-285750">
+              <a:lnSpc>
+                <a:spcPct val="150000"/>
+              </a:lnSpc>
+              <a:buFont typeface="Wingdings" panose="05000000000000000000" charset="0"/>
+              <a:buNone/>
+            </a:pPr>
+            <a:r>
+              <a:rPr lang="zh-CN" altLang="en-US" sz="1400" b="1">
+                <a:latin typeface="Times New Roman" panose="02020603050405020304" charset="0"/>
+                <a:ea typeface="楷体" panose="02010609060101010101" charset="-122"/>
+                <a:cs typeface="Times New Roman" panose="02020603050405020304" charset="0"/>
+                <a:sym typeface="+mn-ea"/>
+              </a:rPr>
+              <a:t>无状态：</a:t>
+            </a:r>
+            <a:r>
+              <a:rPr lang="en-US" altLang="zh-CN" sz="1400" b="1">
+                <a:latin typeface="Times New Roman" panose="02020603050405020304" charset="0"/>
+                <a:ea typeface="楷体" panose="02010609060101010101" charset="-122"/>
+                <a:cs typeface="Times New Roman" panose="02020603050405020304" charset="0"/>
+                <a:sym typeface="+mn-ea"/>
+              </a:rPr>
+              <a:t>deployment</a:t>
+            </a:r>
+            <a:endParaRPr lang="zh-CN" altLang="en-US" sz="1400">
+              <a:latin typeface="Times New Roman" panose="02020603050405020304" charset="0"/>
+              <a:ea typeface="楷体" panose="02010609060101010101" charset="-122"/>
+              <a:cs typeface="Times New Roman" panose="02020603050405020304" charset="0"/>
+            </a:endParaRPr>
+          </a:p>
+          <a:p>
+            <a:pPr marL="285750" indent="-285750">
+              <a:lnSpc>
+                <a:spcPct val="150000"/>
+              </a:lnSpc>
+              <a:buFont typeface="Wingdings" panose="05000000000000000000" charset="0"/>
+              <a:buNone/>
+            </a:pPr>
+            <a:endParaRPr lang="zh-CN" altLang="en-US" sz="1400">
+              <a:latin typeface="Times New Roman" panose="02020603050405020304" charset="0"/>
+              <a:ea typeface="楷体" panose="02010609060101010101" charset="-122"/>
+              <a:cs typeface="Times New Roman" panose="02020603050405020304" charset="0"/>
+            </a:endParaRPr>
+          </a:p>
+        </p:txBody>
+      </p:sp>
+    </p:spTree>
+    <p:custDataLst>
+      <p:tags r:id="rId1"/>
+    </p:custDataLst>
+  </p:cSld>
+  <p:clrMapOvr>
+    <a:masterClrMapping/>
+  </p:clrMapOvr>
+</p:sld>
+</file>
+
+<file path=ppt/slides/slide15.xml><?xml version="1.0" encoding="utf-8"?>
+<p:sld xmlns:a="http://schemas.openxmlformats.org/drawingml/2006/main" xmlns:r="http://schemas.openxmlformats.org/officeDocument/2006/relationships" xmlns:p="http://schemas.openxmlformats.org/presentationml/2006/main">
+  <p:cSld>
+    <p:spTree>
+      <p:nvGrpSpPr>
+        <p:cNvPr id="1" name=""/>
+        <p:cNvGrpSpPr/>
+        <p:nvPr/>
+      </p:nvGrpSpPr>
+      <p:grpSpPr/>
+      <p:sp>
+        <p:nvSpPr>
+          <p:cNvPr id="2" name="矩形 1"/>
+          <p:cNvSpPr/>
+          <p:nvPr/>
+        </p:nvSpPr>
+        <p:spPr>
+          <a:xfrm>
+            <a:off x="7024370" y="906780"/>
+            <a:ext cx="1753870" cy="479425"/>
+          </a:xfrm>
+          <a:prstGeom prst="rect">
+            <a:avLst/>
+          </a:prstGeom>
+        </p:spPr>
+        <p:style>
+          <a:lnRef idx="2">
+            <a:schemeClr val="accent3">
+              <a:shade val="50000"/>
+            </a:schemeClr>
+          </a:lnRef>
+          <a:fillRef idx="1">
+            <a:schemeClr val="accent3"/>
+          </a:fillRef>
+          <a:effectRef idx="0">
+            <a:schemeClr val="accent3"/>
+          </a:effectRef>
+          <a:fontRef idx="minor">
+            <a:schemeClr val="lt1"/>
+          </a:fontRef>
+        </p:style>
+        <p:txBody>
+          <a:bodyPr rtlCol="0" anchor="ctr"/>
+          <a:p>
+            <a:pPr algn="ctr"/>
+            <a:r>
+              <a:rPr lang="en-US" altLang="zh-CN"/>
+              <a:t>kubectl</a:t>
+            </a:r>
+            <a:endParaRPr lang="en-US" altLang="zh-CN"/>
+          </a:p>
+        </p:txBody>
+      </p:sp>
+      <p:sp>
+        <p:nvSpPr>
+          <p:cNvPr id="3" name="椭圆 2"/>
+          <p:cNvSpPr/>
+          <p:nvPr/>
+        </p:nvSpPr>
+        <p:spPr>
+          <a:xfrm>
+            <a:off x="6928485" y="1884045"/>
+            <a:ext cx="1945005" cy="854710"/>
+          </a:xfrm>
+          <a:prstGeom prst="ellipse">
+            <a:avLst/>
+          </a:prstGeom>
+        </p:spPr>
+        <p:style>
+          <a:lnRef idx="2">
+            <a:schemeClr val="accent1">
+              <a:shade val="50000"/>
+            </a:schemeClr>
+          </a:lnRef>
+          <a:fillRef idx="1">
+            <a:schemeClr val="accent1"/>
+          </a:fillRef>
+          <a:effectRef idx="0">
+            <a:schemeClr val="accent1"/>
+          </a:effectRef>
+          <a:fontRef idx="minor">
+            <a:schemeClr val="lt1"/>
+          </a:fontRef>
+        </p:style>
+        <p:txBody>
+          <a:bodyPr rtlCol="0" anchor="ctr"/>
+          <a:p>
+            <a:pPr algn="ctr"/>
+            <a:r>
+              <a:rPr lang="en-US" altLang="zh-CN"/>
+              <a:t>deployment</a:t>
+            </a:r>
+            <a:endParaRPr lang="en-US" altLang="zh-CN"/>
+          </a:p>
+        </p:txBody>
+      </p:sp>
+      <p:sp>
+        <p:nvSpPr>
+          <p:cNvPr id="4" name="椭圆 3"/>
+          <p:cNvSpPr/>
+          <p:nvPr/>
+        </p:nvSpPr>
+        <p:spPr>
+          <a:xfrm>
+            <a:off x="6928485" y="2921635"/>
+            <a:ext cx="1945005" cy="854710"/>
+          </a:xfrm>
+          <a:prstGeom prst="ellipse">
+            <a:avLst/>
+          </a:prstGeom>
+        </p:spPr>
+        <p:style>
+          <a:lnRef idx="2">
+            <a:schemeClr val="accent1">
+              <a:shade val="50000"/>
+            </a:schemeClr>
+          </a:lnRef>
+          <a:fillRef idx="1">
+            <a:schemeClr val="accent1"/>
+          </a:fillRef>
+          <a:effectRef idx="0">
+            <a:schemeClr val="accent1"/>
+          </a:effectRef>
+          <a:fontRef idx="minor">
+            <a:schemeClr val="lt1"/>
+          </a:fontRef>
+        </p:style>
+        <p:txBody>
+          <a:bodyPr rtlCol="0" anchor="ctr"/>
+          <a:p>
+            <a:pPr algn="ctr"/>
+            <a:r>
+              <a:rPr lang="en-US" altLang="zh-CN"/>
+              <a:t>generator</a:t>
+            </a:r>
+            <a:endParaRPr lang="en-US" altLang="zh-CN"/>
+          </a:p>
+        </p:txBody>
+      </p:sp>
+      <p:sp>
+        <p:nvSpPr>
+          <p:cNvPr id="5" name="文本框 4"/>
+          <p:cNvSpPr txBox="1"/>
+          <p:nvPr/>
+        </p:nvSpPr>
+        <p:spPr>
+          <a:xfrm>
+            <a:off x="9641205" y="2127250"/>
+            <a:ext cx="679450" cy="368300"/>
+          </a:xfrm>
+          <a:prstGeom prst="rect">
+            <a:avLst/>
+          </a:prstGeom>
+          <a:noFill/>
+        </p:spPr>
+        <p:txBody>
+          <a:bodyPr wrap="none" rtlCol="0">
+            <a:spAutoFit/>
+          </a:bodyPr>
+          <a:p>
+            <a:r>
+              <a:rPr lang="en-US" altLang="zh-CN"/>
+              <a:t>nginx</a:t>
+            </a:r>
+            <a:endParaRPr lang="en-US" altLang="zh-CN"/>
+          </a:p>
+        </p:txBody>
+      </p:sp>
+      <p:sp>
+        <p:nvSpPr>
+          <p:cNvPr id="6" name="文本框 5"/>
+          <p:cNvSpPr txBox="1"/>
+          <p:nvPr/>
+        </p:nvSpPr>
+        <p:spPr>
+          <a:xfrm>
+            <a:off x="9641205" y="3164840"/>
+            <a:ext cx="1905000" cy="368300"/>
+          </a:xfrm>
+          <a:prstGeom prst="rect">
+            <a:avLst/>
+          </a:prstGeom>
+          <a:noFill/>
+        </p:spPr>
+        <p:txBody>
+          <a:bodyPr wrap="none" rtlCol="0">
+            <a:spAutoFit/>
+          </a:bodyPr>
+          <a:p>
+            <a:r>
+              <a:rPr lang="en-US" altLang="zh-CN"/>
+              <a:t>nginx-1288857362</a:t>
+            </a:r>
+            <a:endParaRPr lang="en-US" altLang="zh-CN"/>
+          </a:p>
+        </p:txBody>
+      </p:sp>
+      <p:sp>
+        <p:nvSpPr>
+          <p:cNvPr id="8" name="六边形 7"/>
+          <p:cNvSpPr/>
+          <p:nvPr/>
+        </p:nvSpPr>
+        <p:spPr>
+          <a:xfrm>
+            <a:off x="6190615" y="4491355"/>
+            <a:ext cx="833755" cy="748030"/>
+          </a:xfrm>
+          <a:prstGeom prst="hexagon">
+            <a:avLst/>
+          </a:prstGeom>
+        </p:spPr>
+        <p:style>
+          <a:lnRef idx="2">
+            <a:schemeClr val="accent6">
+              <a:shade val="50000"/>
+            </a:schemeClr>
+          </a:lnRef>
+          <a:fillRef idx="1">
+            <a:schemeClr val="accent6"/>
+          </a:fillRef>
+          <a:effectRef idx="0">
+            <a:schemeClr val="accent6"/>
+          </a:effectRef>
+          <a:fontRef idx="minor">
+            <a:schemeClr val="lt1"/>
+          </a:fontRef>
+        </p:style>
+        <p:txBody>
+          <a:bodyPr rtlCol="0" anchor="ctr"/>
+          <a:p>
+            <a:pPr algn="ctr"/>
+            <a:r>
+              <a:rPr lang="en-US" altLang="zh-CN"/>
+              <a:t>pod</a:t>
+            </a:r>
+            <a:endParaRPr lang="en-US" altLang="zh-CN"/>
+          </a:p>
+        </p:txBody>
+      </p:sp>
+      <p:sp>
+        <p:nvSpPr>
+          <p:cNvPr id="10" name="六边形 9"/>
+          <p:cNvSpPr/>
+          <p:nvPr/>
+        </p:nvSpPr>
+        <p:spPr>
+          <a:xfrm>
+            <a:off x="8873490" y="4491355"/>
+            <a:ext cx="833755" cy="748030"/>
+          </a:xfrm>
+          <a:prstGeom prst="hexagon">
+            <a:avLst/>
+          </a:prstGeom>
+        </p:spPr>
+        <p:style>
+          <a:lnRef idx="2">
+            <a:schemeClr val="accent6">
+              <a:shade val="50000"/>
+            </a:schemeClr>
+          </a:lnRef>
+          <a:fillRef idx="1">
+            <a:schemeClr val="accent6"/>
+          </a:fillRef>
+          <a:effectRef idx="0">
+            <a:schemeClr val="accent6"/>
+          </a:effectRef>
+          <a:fontRef idx="minor">
+            <a:schemeClr val="lt1"/>
+          </a:fontRef>
+        </p:style>
+        <p:txBody>
+          <a:bodyPr rtlCol="0" anchor="ctr"/>
+          <a:p>
+            <a:pPr algn="ctr"/>
+            <a:r>
+              <a:rPr lang="en-US" altLang="zh-CN"/>
+              <a:t>pod</a:t>
+            </a:r>
+            <a:endParaRPr lang="en-US" altLang="zh-CN"/>
+          </a:p>
+        </p:txBody>
+      </p:sp>
+      <p:cxnSp>
+        <p:nvCxnSpPr>
+          <p:cNvPr id="11" name="直接箭头连接符 10"/>
+          <p:cNvCxnSpPr>
+            <a:stCxn id="2" idx="2"/>
+            <a:endCxn id="3" idx="0"/>
+          </p:cNvCxnSpPr>
+          <p:nvPr/>
+        </p:nvCxnSpPr>
+        <p:spPr>
+          <a:xfrm>
+            <a:off x="7901305" y="1386205"/>
+            <a:ext cx="0" cy="497840"/>
+          </a:xfrm>
+          <a:prstGeom prst="straightConnector1">
+            <a:avLst/>
+          </a:prstGeom>
+          <a:ln>
+            <a:tailEnd type="arrow"/>
+          </a:ln>
+        </p:spPr>
+        <p:style>
+          <a:lnRef idx="1">
+            <a:schemeClr val="accent1"/>
+          </a:lnRef>
+          <a:fillRef idx="0">
+            <a:schemeClr val="accent1"/>
+          </a:fillRef>
+          <a:effectRef idx="0">
+            <a:schemeClr val="accent1"/>
+          </a:effectRef>
+          <a:fontRef idx="minor">
+            <a:schemeClr val="tx1"/>
+          </a:fontRef>
+        </p:style>
+      </p:cxnSp>
+      <p:cxnSp>
+        <p:nvCxnSpPr>
+          <p:cNvPr id="12" name="直接箭头连接符 11"/>
+          <p:cNvCxnSpPr>
+            <a:stCxn id="3" idx="4"/>
+            <a:endCxn id="4" idx="0"/>
+          </p:cNvCxnSpPr>
+          <p:nvPr/>
+        </p:nvCxnSpPr>
+        <p:spPr>
+          <a:xfrm>
+            <a:off x="7901305" y="2738755"/>
+            <a:ext cx="0" cy="182880"/>
+          </a:xfrm>
+          <a:prstGeom prst="straightConnector1">
+            <a:avLst/>
+          </a:prstGeom>
+          <a:ln>
+            <a:tailEnd type="arrow"/>
+          </a:ln>
+        </p:spPr>
+        <p:style>
+          <a:lnRef idx="1">
+            <a:schemeClr val="accent1"/>
+          </a:lnRef>
+          <a:fillRef idx="0">
+            <a:schemeClr val="accent1"/>
+          </a:fillRef>
+          <a:effectRef idx="0">
+            <a:schemeClr val="accent1"/>
+          </a:effectRef>
+          <a:fontRef idx="minor">
+            <a:schemeClr val="tx1"/>
+          </a:fontRef>
+        </p:style>
+      </p:cxnSp>
+      <p:cxnSp>
+        <p:nvCxnSpPr>
+          <p:cNvPr id="13" name="直接箭头连接符 12"/>
+          <p:cNvCxnSpPr>
+            <a:stCxn id="4" idx="3"/>
+            <a:endCxn id="8" idx="5"/>
+          </p:cNvCxnSpPr>
+          <p:nvPr/>
+        </p:nvCxnSpPr>
+        <p:spPr>
+          <a:xfrm flipH="1">
+            <a:off x="6837680" y="3651250"/>
+            <a:ext cx="375920" cy="840105"/>
+          </a:xfrm>
+          <a:prstGeom prst="straightConnector1">
+            <a:avLst/>
+          </a:prstGeom>
+          <a:ln>
+            <a:tailEnd type="arrow"/>
+          </a:ln>
+        </p:spPr>
+        <p:style>
+          <a:lnRef idx="1">
+            <a:schemeClr val="accent1"/>
+          </a:lnRef>
+          <a:fillRef idx="0">
+            <a:schemeClr val="accent1"/>
+          </a:fillRef>
+          <a:effectRef idx="0">
+            <a:schemeClr val="accent1"/>
+          </a:effectRef>
+          <a:fontRef idx="minor">
+            <a:schemeClr val="tx1"/>
+          </a:fontRef>
+        </p:style>
+      </p:cxnSp>
+      <p:cxnSp>
+        <p:nvCxnSpPr>
+          <p:cNvPr id="14" name="直接箭头连接符 13"/>
+          <p:cNvCxnSpPr>
+            <a:stCxn id="4" idx="5"/>
+            <a:endCxn id="10" idx="4"/>
+          </p:cNvCxnSpPr>
+          <p:nvPr/>
+        </p:nvCxnSpPr>
+        <p:spPr>
+          <a:xfrm>
+            <a:off x="8588375" y="3651250"/>
+            <a:ext cx="472440" cy="840105"/>
+          </a:xfrm>
+          <a:prstGeom prst="straightConnector1">
+            <a:avLst/>
+          </a:prstGeom>
+          <a:ln>
+            <a:tailEnd type="arrow"/>
+          </a:ln>
+        </p:spPr>
+        <p:style>
+          <a:lnRef idx="1">
+            <a:schemeClr val="accent1"/>
+          </a:lnRef>
+          <a:fillRef idx="0">
+            <a:schemeClr val="accent1"/>
+          </a:fillRef>
+          <a:effectRef idx="0">
+            <a:schemeClr val="accent1"/>
+          </a:effectRef>
+          <a:fontRef idx="minor">
+            <a:schemeClr val="tx1"/>
+          </a:fontRef>
+        </p:style>
+      </p:cxnSp>
+      <p:sp>
+        <p:nvSpPr>
+          <p:cNvPr id="15" name="文本框 14"/>
+          <p:cNvSpPr txBox="1"/>
+          <p:nvPr/>
+        </p:nvSpPr>
+        <p:spPr>
+          <a:xfrm>
+            <a:off x="5401310" y="5343525"/>
+            <a:ext cx="2412365" cy="368300"/>
+          </a:xfrm>
+          <a:prstGeom prst="rect">
+            <a:avLst/>
+          </a:prstGeom>
+          <a:noFill/>
+        </p:spPr>
+        <p:txBody>
+          <a:bodyPr wrap="none" rtlCol="0">
+            <a:spAutoFit/>
+          </a:bodyPr>
+          <a:p>
+            <a:r>
+              <a:rPr lang="en-US" altLang="zh-CN"/>
+              <a:t>nginx-1288857362-kskis</a:t>
+            </a:r>
+            <a:endParaRPr lang="en-US" altLang="zh-CN"/>
+          </a:p>
+        </p:txBody>
+      </p:sp>
+      <p:sp>
+        <p:nvSpPr>
+          <p:cNvPr id="16" name="文本框 15"/>
+          <p:cNvSpPr txBox="1"/>
+          <p:nvPr/>
+        </p:nvSpPr>
+        <p:spPr>
+          <a:xfrm>
+            <a:off x="8118475" y="5343525"/>
+            <a:ext cx="2344420" cy="368300"/>
+          </a:xfrm>
+          <a:prstGeom prst="rect">
+            <a:avLst/>
+          </a:prstGeom>
+          <a:noFill/>
+        </p:spPr>
+        <p:txBody>
+          <a:bodyPr wrap="none" rtlCol="0">
+            <a:spAutoFit/>
+          </a:bodyPr>
+          <a:p>
+            <a:r>
+              <a:rPr lang="en-US" altLang="zh-CN"/>
+              <a:t>nginx-1288857362-jsild</a:t>
+            </a:r>
+            <a:endParaRPr lang="en-US" altLang="zh-CN"/>
+          </a:p>
+        </p:txBody>
+      </p:sp>
+      <p:sp>
+        <p:nvSpPr>
+          <p:cNvPr id="17" name="矩形 16"/>
+          <p:cNvSpPr/>
+          <p:nvPr/>
+        </p:nvSpPr>
+        <p:spPr>
+          <a:xfrm>
+            <a:off x="1408430" y="3164840"/>
+            <a:ext cx="2501900" cy="421640"/>
+          </a:xfrm>
+          <a:prstGeom prst="rect">
+            <a:avLst/>
+          </a:prstGeom>
+        </p:spPr>
+        <p:style>
+          <a:lnRef idx="2">
+            <a:schemeClr val="accent2">
+              <a:shade val="50000"/>
+            </a:schemeClr>
+          </a:lnRef>
+          <a:fillRef idx="1">
+            <a:schemeClr val="accent2"/>
+          </a:fillRef>
+          <a:effectRef idx="0">
+            <a:schemeClr val="accent2"/>
+          </a:effectRef>
+          <a:fontRef idx="minor">
+            <a:schemeClr val="lt1"/>
+          </a:fontRef>
+        </p:style>
+        <p:txBody>
+          <a:bodyPr rtlCol="0" anchor="ctr"/>
+          <a:p>
+            <a:pPr algn="ctr"/>
+            <a:r>
+              <a:rPr lang="en-US" altLang="zh-CN"/>
+              <a:t>service</a:t>
+            </a:r>
+            <a:endParaRPr lang="en-US" altLang="zh-CN"/>
+          </a:p>
+        </p:txBody>
+      </p:sp>
+      <p:sp>
+        <p:nvSpPr>
+          <p:cNvPr id="18" name="文本框 17"/>
+          <p:cNvSpPr txBox="1"/>
+          <p:nvPr/>
+        </p:nvSpPr>
+        <p:spPr>
+          <a:xfrm>
+            <a:off x="3910330" y="3218180"/>
+            <a:ext cx="1400810" cy="368300"/>
+          </a:xfrm>
+          <a:prstGeom prst="rect">
+            <a:avLst/>
+          </a:prstGeom>
+          <a:noFill/>
+        </p:spPr>
+        <p:txBody>
+          <a:bodyPr wrap="none" rtlCol="0">
+            <a:spAutoFit/>
+          </a:bodyPr>
+          <a:p>
+            <a:r>
+              <a:rPr lang="en-US" altLang="zh-CN"/>
+              <a:t>nginx-service</a:t>
+            </a:r>
+            <a:endParaRPr lang="en-US" altLang="zh-CN"/>
+          </a:p>
+        </p:txBody>
+      </p:sp>
+      <p:cxnSp>
+        <p:nvCxnSpPr>
+          <p:cNvPr id="19" name="直接箭头连接符 18"/>
+          <p:cNvCxnSpPr>
+            <a:stCxn id="17" idx="2"/>
+            <a:endCxn id="8" idx="3"/>
+          </p:cNvCxnSpPr>
+          <p:nvPr/>
+        </p:nvCxnSpPr>
+        <p:spPr>
+          <a:xfrm>
+            <a:off x="2659380" y="3586480"/>
+            <a:ext cx="3531235" cy="1278890"/>
+          </a:xfrm>
+          <a:prstGeom prst="straightConnector1">
+            <a:avLst/>
+          </a:prstGeom>
+          <a:ln>
+            <a:tailEnd type="arrow"/>
+          </a:ln>
+        </p:spPr>
+        <p:style>
+          <a:lnRef idx="1">
+            <a:schemeClr val="accent1"/>
+          </a:lnRef>
+          <a:fillRef idx="0">
+            <a:schemeClr val="accent1"/>
+          </a:fillRef>
+          <a:effectRef idx="0">
+            <a:schemeClr val="accent1"/>
+          </a:effectRef>
+          <a:fontRef idx="minor">
+            <a:schemeClr val="tx1"/>
+          </a:fontRef>
+        </p:style>
+      </p:cxnSp>
+      <p:cxnSp>
+        <p:nvCxnSpPr>
+          <p:cNvPr id="20" name="直接箭头连接符 19"/>
+          <p:cNvCxnSpPr>
+            <a:endCxn id="10" idx="3"/>
+          </p:cNvCxnSpPr>
+          <p:nvPr/>
+        </p:nvCxnSpPr>
+        <p:spPr>
+          <a:xfrm>
+            <a:off x="2682875" y="3581400"/>
+            <a:ext cx="6190615" cy="1283970"/>
+          </a:xfrm>
+          <a:prstGeom prst="straightConnector1">
+            <a:avLst/>
+          </a:prstGeom>
+          <a:ln>
+            <a:tailEnd type="arrow"/>
+          </a:ln>
+        </p:spPr>
+        <p:style>
+          <a:lnRef idx="1">
+            <a:schemeClr val="accent1"/>
+          </a:lnRef>
+          <a:fillRef idx="0">
+            <a:schemeClr val="accent1"/>
+          </a:fillRef>
+          <a:effectRef idx="0">
+            <a:schemeClr val="accent1"/>
+          </a:effectRef>
+          <a:fontRef idx="minor">
+            <a:schemeClr val="tx1"/>
+          </a:fontRef>
+        </p:style>
+      </p:cxnSp>
+      <p:sp>
+        <p:nvSpPr>
+          <p:cNvPr id="21" name="文本框 20"/>
+          <p:cNvSpPr txBox="1"/>
+          <p:nvPr/>
+        </p:nvSpPr>
+        <p:spPr>
+          <a:xfrm>
+            <a:off x="1956435" y="3886835"/>
+            <a:ext cx="1405890" cy="368300"/>
+          </a:xfrm>
+          <a:prstGeom prst="rect">
+            <a:avLst/>
+          </a:prstGeom>
+          <a:noFill/>
+        </p:spPr>
+        <p:txBody>
+          <a:bodyPr wrap="none" rtlCol="0">
+            <a:spAutoFit/>
+          </a:bodyPr>
+          <a:p>
+            <a:r>
+              <a:rPr lang="en-US" altLang="zh-CN"/>
+              <a:t>Load Balance</a:t>
+            </a:r>
+            <a:endParaRPr lang="en-US" altLang="zh-CN"/>
+          </a:p>
+        </p:txBody>
+      </p:sp>
+    </p:spTree>
+    <p:custDataLst>
+      <p:tags r:id="rId1"/>
+    </p:custDataLst>
+  </p:cSld>
+  <p:clrMapOvr>
+    <a:masterClrMapping/>
+  </p:clrMapOvr>
+</p:sld>
+</file>
+
+<file path=ppt/slides/slide16.xml><?xml version="1.0" encoding="utf-8"?>
+<p:sld xmlns:a="http://schemas.openxmlformats.org/drawingml/2006/main" xmlns:r="http://schemas.openxmlformats.org/officeDocument/2006/relationships" xmlns:p="http://schemas.openxmlformats.org/presentationml/2006/main">
+  <p:cSld>
+    <p:spTree>
+      <p:nvGrpSpPr>
+        <p:cNvPr id="1" name=""/>
+        <p:cNvGrpSpPr/>
+        <p:nvPr/>
+      </p:nvGrpSpPr>
+      <p:grpSpPr/>
+      <p:sp>
+        <p:nvSpPr>
+          <p:cNvPr id="2" name="矩形 1"/>
+          <p:cNvSpPr/>
+          <p:nvPr/>
+        </p:nvSpPr>
+        <p:spPr>
+          <a:xfrm>
+            <a:off x="6458585" y="236220"/>
+            <a:ext cx="1753870" cy="479425"/>
+          </a:xfrm>
+          <a:prstGeom prst="rect">
+            <a:avLst/>
+          </a:prstGeom>
+        </p:spPr>
+        <p:style>
+          <a:lnRef idx="2">
+            <a:schemeClr val="accent3">
+              <a:shade val="50000"/>
+            </a:schemeClr>
+          </a:lnRef>
+          <a:fillRef idx="1">
+            <a:schemeClr val="accent3"/>
+          </a:fillRef>
+          <a:effectRef idx="0">
+            <a:schemeClr val="accent3"/>
+          </a:effectRef>
+          <a:fontRef idx="minor">
+            <a:schemeClr val="lt1"/>
+          </a:fontRef>
+        </p:style>
+        <p:txBody>
+          <a:bodyPr rtlCol="0" anchor="ctr"/>
+          <a:p>
+            <a:pPr algn="ctr"/>
+            <a:r>
+              <a:rPr lang="en-US" altLang="zh-CN"/>
+              <a:t>kubectl</a:t>
+            </a:r>
+            <a:endParaRPr lang="en-US" altLang="zh-CN"/>
+          </a:p>
+        </p:txBody>
+      </p:sp>
+      <p:sp>
+        <p:nvSpPr>
+          <p:cNvPr id="3" name="椭圆 2"/>
+          <p:cNvSpPr/>
+          <p:nvPr/>
+        </p:nvSpPr>
+        <p:spPr>
+          <a:xfrm>
+            <a:off x="6362700" y="1213485"/>
+            <a:ext cx="1945005" cy="854710"/>
+          </a:xfrm>
+          <a:prstGeom prst="ellipse">
+            <a:avLst/>
+          </a:prstGeom>
+        </p:spPr>
+        <p:style>
+          <a:lnRef idx="2">
+            <a:schemeClr val="accent1">
+              <a:shade val="50000"/>
+            </a:schemeClr>
+          </a:lnRef>
+          <a:fillRef idx="1">
+            <a:schemeClr val="accent1"/>
+          </a:fillRef>
+          <a:effectRef idx="0">
+            <a:schemeClr val="accent1"/>
+          </a:effectRef>
+          <a:fontRef idx="minor">
+            <a:schemeClr val="lt1"/>
+          </a:fontRef>
+        </p:style>
+        <p:txBody>
+          <a:bodyPr rtlCol="0" anchor="ctr"/>
+          <a:p>
+            <a:pPr algn="ctr"/>
+            <a:r>
+              <a:rPr lang="en-US" altLang="zh-CN"/>
+              <a:t>statfulSet</a:t>
+            </a:r>
+            <a:endParaRPr lang="en-US" altLang="zh-CN"/>
+          </a:p>
+        </p:txBody>
+      </p:sp>
+      <p:sp>
+        <p:nvSpPr>
+          <p:cNvPr id="5" name="文本框 4"/>
+          <p:cNvSpPr txBox="1"/>
+          <p:nvPr/>
+        </p:nvSpPr>
+        <p:spPr>
+          <a:xfrm>
+            <a:off x="9075420" y="1456690"/>
+            <a:ext cx="724535" cy="368300"/>
+          </a:xfrm>
+          <a:prstGeom prst="rect">
+            <a:avLst/>
+          </a:prstGeom>
+          <a:noFill/>
+        </p:spPr>
+        <p:txBody>
+          <a:bodyPr wrap="none" rtlCol="0">
+            <a:spAutoFit/>
+          </a:bodyPr>
+          <a:p>
+            <a:r>
+              <a:rPr lang="en-US" altLang="zh-CN"/>
+              <a:t>mysql</a:t>
+            </a:r>
+            <a:endParaRPr lang="en-US" altLang="zh-CN"/>
+          </a:p>
+        </p:txBody>
+      </p:sp>
+      <p:sp>
+        <p:nvSpPr>
+          <p:cNvPr id="8" name="六边形 7"/>
+          <p:cNvSpPr/>
+          <p:nvPr/>
+        </p:nvSpPr>
+        <p:spPr>
+          <a:xfrm>
+            <a:off x="5001895" y="2068195"/>
+            <a:ext cx="833755" cy="748030"/>
+          </a:xfrm>
+          <a:prstGeom prst="hexagon">
+            <a:avLst/>
+          </a:prstGeom>
+        </p:spPr>
+        <p:style>
+          <a:lnRef idx="2">
+            <a:schemeClr val="accent6">
+              <a:shade val="50000"/>
+            </a:schemeClr>
+          </a:lnRef>
+          <a:fillRef idx="1">
+            <a:schemeClr val="accent6"/>
+          </a:fillRef>
+          <a:effectRef idx="0">
+            <a:schemeClr val="accent6"/>
+          </a:effectRef>
+          <a:fontRef idx="minor">
+            <a:schemeClr val="lt1"/>
+          </a:fontRef>
+        </p:style>
+        <p:txBody>
+          <a:bodyPr rtlCol="0" anchor="ctr"/>
+          <a:p>
+            <a:pPr algn="ctr"/>
+            <a:r>
+              <a:rPr lang="en-US" altLang="zh-CN"/>
+              <a:t>pod</a:t>
+            </a:r>
+            <a:endParaRPr lang="en-US" altLang="zh-CN"/>
+          </a:p>
+        </p:txBody>
+      </p:sp>
+      <p:sp>
+        <p:nvSpPr>
+          <p:cNvPr id="10" name="六边形 9"/>
+          <p:cNvSpPr/>
+          <p:nvPr/>
+        </p:nvSpPr>
+        <p:spPr>
+          <a:xfrm>
+            <a:off x="8307705" y="3246120"/>
+            <a:ext cx="833755" cy="748030"/>
+          </a:xfrm>
+          <a:prstGeom prst="hexagon">
+            <a:avLst/>
+          </a:prstGeom>
+        </p:spPr>
+        <p:style>
+          <a:lnRef idx="2">
+            <a:schemeClr val="accent6">
+              <a:shade val="50000"/>
+            </a:schemeClr>
+          </a:lnRef>
+          <a:fillRef idx="1">
+            <a:schemeClr val="accent6"/>
+          </a:fillRef>
+          <a:effectRef idx="0">
+            <a:schemeClr val="accent6"/>
+          </a:effectRef>
+          <a:fontRef idx="minor">
+            <a:schemeClr val="lt1"/>
+          </a:fontRef>
+        </p:style>
+        <p:txBody>
+          <a:bodyPr rtlCol="0" anchor="ctr"/>
+          <a:p>
+            <a:pPr algn="ctr"/>
+            <a:r>
+              <a:rPr lang="en-US" altLang="zh-CN"/>
+              <a:t>pod</a:t>
+            </a:r>
+            <a:endParaRPr lang="en-US" altLang="zh-CN"/>
+          </a:p>
+        </p:txBody>
+      </p:sp>
+      <p:cxnSp>
+        <p:nvCxnSpPr>
+          <p:cNvPr id="11" name="直接箭头连接符 10"/>
+          <p:cNvCxnSpPr>
+            <a:stCxn id="2" idx="2"/>
+            <a:endCxn id="3" idx="0"/>
+          </p:cNvCxnSpPr>
+          <p:nvPr/>
+        </p:nvCxnSpPr>
+        <p:spPr>
+          <a:xfrm>
+            <a:off x="7335520" y="715645"/>
+            <a:ext cx="0" cy="497840"/>
+          </a:xfrm>
+          <a:prstGeom prst="straightConnector1">
+            <a:avLst/>
+          </a:prstGeom>
+          <a:ln>
+            <a:tailEnd type="arrow"/>
+          </a:ln>
+        </p:spPr>
+        <p:style>
+          <a:lnRef idx="1">
+            <a:schemeClr val="accent1"/>
+          </a:lnRef>
+          <a:fillRef idx="0">
+            <a:schemeClr val="accent1"/>
+          </a:fillRef>
+          <a:effectRef idx="0">
+            <a:schemeClr val="accent1"/>
+          </a:effectRef>
+          <a:fontRef idx="minor">
+            <a:schemeClr val="tx1"/>
+          </a:fontRef>
+        </p:style>
+      </p:cxnSp>
+      <p:cxnSp>
+        <p:nvCxnSpPr>
+          <p:cNvPr id="13" name="直接箭头连接符 12"/>
+          <p:cNvCxnSpPr>
+            <a:stCxn id="3" idx="3"/>
+            <a:endCxn id="8" idx="5"/>
+          </p:cNvCxnSpPr>
+          <p:nvPr/>
+        </p:nvCxnSpPr>
+        <p:spPr>
+          <a:xfrm flipH="1">
+            <a:off x="5648960" y="1943100"/>
+            <a:ext cx="998855" cy="125095"/>
+          </a:xfrm>
+          <a:prstGeom prst="straightConnector1">
+            <a:avLst/>
+          </a:prstGeom>
+          <a:ln>
+            <a:tailEnd type="arrow"/>
+          </a:ln>
+        </p:spPr>
+        <p:style>
+          <a:lnRef idx="1">
+            <a:schemeClr val="accent1"/>
+          </a:lnRef>
+          <a:fillRef idx="0">
+            <a:schemeClr val="accent1"/>
+          </a:fillRef>
+          <a:effectRef idx="0">
+            <a:schemeClr val="accent1"/>
+          </a:effectRef>
+          <a:fontRef idx="minor">
+            <a:schemeClr val="tx1"/>
+          </a:fontRef>
+        </p:style>
+      </p:cxnSp>
+      <p:cxnSp>
+        <p:nvCxnSpPr>
+          <p:cNvPr id="14" name="直接箭头连接符 13"/>
+          <p:cNvCxnSpPr>
+            <a:stCxn id="3" idx="5"/>
+            <a:endCxn id="10" idx="4"/>
+          </p:cNvCxnSpPr>
+          <p:nvPr/>
+        </p:nvCxnSpPr>
+        <p:spPr>
+          <a:xfrm>
+            <a:off x="8022590" y="1943100"/>
+            <a:ext cx="472440" cy="1303020"/>
+          </a:xfrm>
+          <a:prstGeom prst="straightConnector1">
+            <a:avLst/>
+          </a:prstGeom>
+          <a:ln>
+            <a:tailEnd type="arrow"/>
+          </a:ln>
+        </p:spPr>
+        <p:style>
+          <a:lnRef idx="1">
+            <a:schemeClr val="accent1"/>
+          </a:lnRef>
+          <a:fillRef idx="0">
+            <a:schemeClr val="accent1"/>
+          </a:fillRef>
+          <a:effectRef idx="0">
+            <a:schemeClr val="accent1"/>
+          </a:effectRef>
+          <a:fontRef idx="minor">
+            <a:schemeClr val="tx1"/>
+          </a:fontRef>
+        </p:style>
+      </p:cxnSp>
+      <p:sp>
+        <p:nvSpPr>
+          <p:cNvPr id="15" name="文本框 14"/>
+          <p:cNvSpPr txBox="1"/>
+          <p:nvPr/>
+        </p:nvSpPr>
+        <p:spPr>
+          <a:xfrm>
+            <a:off x="4970145" y="2877820"/>
+            <a:ext cx="897890" cy="368300"/>
+          </a:xfrm>
+          <a:prstGeom prst="rect">
+            <a:avLst/>
+          </a:prstGeom>
+          <a:noFill/>
+        </p:spPr>
+        <p:txBody>
+          <a:bodyPr wrap="none" rtlCol="0">
+            <a:spAutoFit/>
+          </a:bodyPr>
+          <a:p>
+            <a:r>
+              <a:rPr lang="en-US" altLang="zh-CN"/>
+              <a:t>mysql.1</a:t>
+            </a:r>
+            <a:endParaRPr lang="en-US" altLang="zh-CN"/>
+          </a:p>
+        </p:txBody>
+      </p:sp>
+      <p:sp>
+        <p:nvSpPr>
+          <p:cNvPr id="16" name="文本框 15"/>
+          <p:cNvSpPr txBox="1"/>
+          <p:nvPr/>
+        </p:nvSpPr>
+        <p:spPr>
+          <a:xfrm>
+            <a:off x="8307705" y="4098290"/>
+            <a:ext cx="897890" cy="368300"/>
+          </a:xfrm>
+          <a:prstGeom prst="rect">
+            <a:avLst/>
+          </a:prstGeom>
+          <a:noFill/>
+        </p:spPr>
+        <p:txBody>
+          <a:bodyPr wrap="none" rtlCol="0">
+            <a:spAutoFit/>
+          </a:bodyPr>
+          <a:p>
+            <a:r>
+              <a:rPr lang="en-US" altLang="zh-CN"/>
+              <a:t>mysql.2</a:t>
+            </a:r>
+            <a:endParaRPr lang="en-US" altLang="zh-CN"/>
+          </a:p>
+        </p:txBody>
+      </p:sp>
+      <p:sp>
+        <p:nvSpPr>
+          <p:cNvPr id="7" name="圆柱形 6"/>
+          <p:cNvSpPr/>
+          <p:nvPr/>
+        </p:nvSpPr>
+        <p:spPr>
+          <a:xfrm>
+            <a:off x="2854960" y="3053715"/>
+            <a:ext cx="824230" cy="824230"/>
+          </a:xfrm>
+          <a:prstGeom prst="can">
+            <a:avLst/>
+          </a:prstGeom>
+        </p:spPr>
+        <p:style>
+          <a:lnRef idx="2">
+            <a:schemeClr val="accent1">
+              <a:shade val="50000"/>
+            </a:schemeClr>
+          </a:lnRef>
+          <a:fillRef idx="1">
+            <a:schemeClr val="accent1"/>
+          </a:fillRef>
+          <a:effectRef idx="0">
+            <a:schemeClr val="accent1"/>
+          </a:effectRef>
+          <a:fontRef idx="minor">
+            <a:schemeClr val="lt1"/>
+          </a:fontRef>
+        </p:style>
+        <p:txBody>
+          <a:bodyPr rtlCol="0" anchor="ctr"/>
+          <a:p>
+            <a:pPr algn="ctr"/>
+            <a:endParaRPr lang="zh-CN" altLang="en-US"/>
+          </a:p>
+        </p:txBody>
+      </p:sp>
+      <p:sp>
+        <p:nvSpPr>
+          <p:cNvPr id="9" name="圆柱形 8"/>
+          <p:cNvSpPr/>
+          <p:nvPr/>
+        </p:nvSpPr>
+        <p:spPr>
+          <a:xfrm>
+            <a:off x="5823585" y="4638675"/>
+            <a:ext cx="824230" cy="824230"/>
+          </a:xfrm>
+          <a:prstGeom prst="can">
+            <a:avLst/>
+          </a:prstGeom>
+        </p:spPr>
+        <p:style>
+          <a:lnRef idx="2">
+            <a:schemeClr val="accent1">
+              <a:shade val="50000"/>
+            </a:schemeClr>
+          </a:lnRef>
+          <a:fillRef idx="1">
+            <a:schemeClr val="accent1"/>
+          </a:fillRef>
+          <a:effectRef idx="0">
+            <a:schemeClr val="accent1"/>
+          </a:effectRef>
+          <a:fontRef idx="minor">
+            <a:schemeClr val="lt1"/>
+          </a:fontRef>
+        </p:style>
+        <p:txBody>
+          <a:bodyPr rtlCol="0" anchor="ctr"/>
+          <a:p>
+            <a:pPr algn="ctr"/>
+            <a:endParaRPr lang="zh-CN" altLang="en-US"/>
+          </a:p>
+        </p:txBody>
+      </p:sp>
+      <p:cxnSp>
+        <p:nvCxnSpPr>
+          <p:cNvPr id="23" name="直接箭头连接符 22"/>
+          <p:cNvCxnSpPr>
+            <a:stCxn id="8" idx="3"/>
+            <a:endCxn id="7" idx="4"/>
+          </p:cNvCxnSpPr>
+          <p:nvPr/>
+        </p:nvCxnSpPr>
+        <p:spPr>
+          <a:xfrm flipH="1">
+            <a:off x="3679190" y="2442210"/>
+            <a:ext cx="1322705" cy="1023620"/>
+          </a:xfrm>
+          <a:prstGeom prst="straightConnector1">
+            <a:avLst/>
+          </a:prstGeom>
+          <a:ln>
+            <a:tailEnd type="arrow"/>
+          </a:ln>
+        </p:spPr>
+        <p:style>
+          <a:lnRef idx="1">
+            <a:schemeClr val="accent1"/>
+          </a:lnRef>
+          <a:fillRef idx="0">
+            <a:schemeClr val="accent1"/>
+          </a:fillRef>
+          <a:effectRef idx="0">
+            <a:schemeClr val="accent1"/>
+          </a:effectRef>
+          <a:fontRef idx="minor">
+            <a:schemeClr val="tx1"/>
+          </a:fontRef>
+        </p:style>
+      </p:cxnSp>
+      <p:cxnSp>
+        <p:nvCxnSpPr>
+          <p:cNvPr id="24" name="直接箭头连接符 23"/>
+          <p:cNvCxnSpPr>
+            <a:stCxn id="10" idx="3"/>
+            <a:endCxn id="9" idx="4"/>
+          </p:cNvCxnSpPr>
+          <p:nvPr/>
+        </p:nvCxnSpPr>
+        <p:spPr>
+          <a:xfrm flipH="1">
+            <a:off x="6647815" y="3620135"/>
+            <a:ext cx="1659890" cy="1430655"/>
+          </a:xfrm>
+          <a:prstGeom prst="straightConnector1">
+            <a:avLst/>
+          </a:prstGeom>
+          <a:ln>
+            <a:tailEnd type="arrow"/>
+          </a:ln>
+        </p:spPr>
+        <p:style>
+          <a:lnRef idx="1">
+            <a:schemeClr val="accent1"/>
+          </a:lnRef>
+          <a:fillRef idx="0">
+            <a:schemeClr val="accent1"/>
+          </a:fillRef>
+          <a:effectRef idx="0">
+            <a:schemeClr val="accent1"/>
+          </a:effectRef>
+          <a:fontRef idx="minor">
+            <a:schemeClr val="tx1"/>
+          </a:fontRef>
+        </p:style>
+      </p:cxnSp>
+      <p:sp>
+        <p:nvSpPr>
+          <p:cNvPr id="25" name="矩形 24"/>
+          <p:cNvSpPr/>
+          <p:nvPr/>
+        </p:nvSpPr>
+        <p:spPr>
+          <a:xfrm rot="2220000">
+            <a:off x="2337435" y="3430270"/>
+            <a:ext cx="4780280" cy="1883410"/>
+          </a:xfrm>
+          <a:prstGeom prst="rect">
+            <a:avLst/>
+          </a:prstGeom>
+          <a:noFill/>
+          <a:ln>
+            <a:prstDash val="dash"/>
+          </a:ln>
+          <a:extLst>
+            <a:ext uri="{909E8E84-426E-40DD-AFC4-6F175D3DCCD1}">
+              <a14:hiddenFill xmlns:a14="http://schemas.microsoft.com/office/drawing/2010/main">
+                <a:solidFill>
+                  <a:schemeClr val="accent1"/>
+                </a:solidFill>
+              </a14:hiddenFill>
+            </a:ext>
+          </a:extLst>
+        </p:spPr>
+        <p:style>
+          <a:lnRef idx="2">
+            <a:schemeClr val="accent1">
+              <a:shade val="50000"/>
+            </a:schemeClr>
+          </a:lnRef>
+          <a:fillRef idx="1">
+            <a:schemeClr val="accent1"/>
+          </a:fillRef>
+          <a:effectRef idx="0">
+            <a:schemeClr val="accent1"/>
+          </a:effectRef>
+          <a:fontRef idx="minor">
+            <a:schemeClr val="lt1"/>
+          </a:fontRef>
+        </p:style>
+        <p:txBody>
+          <a:bodyPr rtlCol="0" anchor="ctr"/>
+          <a:p>
+            <a:pPr algn="ctr"/>
+            <a:endParaRPr lang="zh-CN" altLang="en-US"/>
+          </a:p>
+        </p:txBody>
+      </p:sp>
+      <p:sp>
+        <p:nvSpPr>
+          <p:cNvPr id="26" name="文本框 25"/>
+          <p:cNvSpPr txBox="1"/>
+          <p:nvPr/>
+        </p:nvSpPr>
+        <p:spPr>
+          <a:xfrm rot="2280000">
+            <a:off x="3638550" y="4685665"/>
+            <a:ext cx="1454785" cy="368300"/>
+          </a:xfrm>
+          <a:prstGeom prst="rect">
+            <a:avLst/>
+          </a:prstGeom>
+          <a:noFill/>
+        </p:spPr>
+        <p:txBody>
+          <a:bodyPr wrap="none" rtlCol="0">
+            <a:spAutoFit/>
+          </a:bodyPr>
+          <a:p>
+            <a:r>
+              <a:rPr lang="en-US" altLang="zh-CN"/>
+              <a:t>PVC Template</a:t>
+            </a:r>
+            <a:endParaRPr lang="en-US" altLang="zh-CN"/>
+          </a:p>
+        </p:txBody>
+      </p:sp>
+    </p:spTree>
+    <p:custDataLst>
+      <p:tags r:id="rId1"/>
+    </p:custDataLst>
+  </p:cSld>
+  <p:clrMapOvr>
+    <a:masterClrMapping/>
+  </p:clrMapOvr>
+</p:sld>
+</file>
+
+<file path=ppt/slides/slide17.xml><?xml version="1.0" encoding="utf-8"?>
+<p:sld xmlns:a="http://schemas.openxmlformats.org/drawingml/2006/main" xmlns:r="http://schemas.openxmlformats.org/officeDocument/2006/relationships" xmlns:p="http://schemas.openxmlformats.org/presentationml/2006/main">
+  <p:cSld>
+    <p:spTree>
+      <p:nvGrpSpPr>
+        <p:cNvPr id="1" name=""/>
+        <p:cNvGrpSpPr/>
+        <p:nvPr/>
+      </p:nvGrpSpPr>
+      <p:grpSpPr/>
+      <p:sp>
+        <p:nvSpPr>
+          <p:cNvPr id="2" name="圆角矩形 1"/>
+          <p:cNvSpPr/>
+          <p:nvPr/>
+        </p:nvSpPr>
+        <p:spPr>
+          <a:xfrm>
+            <a:off x="4149090" y="1827530"/>
+            <a:ext cx="3632835" cy="1265555"/>
+          </a:xfrm>
+          <a:prstGeom prst="roundRect">
+            <a:avLst/>
+          </a:prstGeom>
+        </p:spPr>
+        <p:style>
+          <a:lnRef idx="2">
+            <a:schemeClr val="accent1">
+              <a:shade val="50000"/>
+            </a:schemeClr>
+          </a:lnRef>
+          <a:fillRef idx="1">
+            <a:schemeClr val="accent1"/>
+          </a:fillRef>
+          <a:effectRef idx="0">
+            <a:schemeClr val="accent1"/>
+          </a:effectRef>
+          <a:fontRef idx="minor">
+            <a:schemeClr val="lt1"/>
+          </a:fontRef>
+        </p:style>
+        <p:txBody>
+          <a:bodyPr rtlCol="0" anchor="ctr"/>
+          <a:p>
+            <a:pPr algn="ctr"/>
+            <a:r>
+              <a:rPr lang="en-US" altLang="zh-CN"/>
+              <a:t>JOB/CronJob</a:t>
+            </a:r>
+            <a:endParaRPr lang="en-US" altLang="zh-CN"/>
+          </a:p>
+        </p:txBody>
+      </p:sp>
+      <p:sp>
+        <p:nvSpPr>
+          <p:cNvPr id="3" name="圆角矩形 2"/>
+          <p:cNvSpPr/>
+          <p:nvPr/>
+        </p:nvSpPr>
+        <p:spPr>
+          <a:xfrm>
+            <a:off x="4149090" y="3438525"/>
+            <a:ext cx="3632835" cy="1265555"/>
+          </a:xfrm>
+          <a:prstGeom prst="roundRect">
+            <a:avLst/>
+          </a:prstGeom>
+        </p:spPr>
+        <p:style>
+          <a:lnRef idx="2">
+            <a:schemeClr val="accent1">
+              <a:shade val="50000"/>
+            </a:schemeClr>
+          </a:lnRef>
+          <a:fillRef idx="1">
+            <a:schemeClr val="accent1"/>
+          </a:fillRef>
+          <a:effectRef idx="0">
+            <a:schemeClr val="accent1"/>
+          </a:effectRef>
+          <a:fontRef idx="minor">
+            <a:schemeClr val="lt1"/>
+          </a:fontRef>
+        </p:style>
+        <p:txBody>
+          <a:bodyPr rtlCol="0" anchor="ctr"/>
+          <a:p>
+            <a:pPr algn="ctr"/>
+            <a:r>
+              <a:rPr lang="en-US" altLang="zh-CN"/>
+              <a:t>DeamonSet</a:t>
+            </a:r>
+            <a:endParaRPr lang="en-US" altLang="zh-CN"/>
+          </a:p>
+        </p:txBody>
+      </p:sp>
+    </p:spTree>
+    <p:custDataLst>
+      <p:tags r:id="rId1"/>
+    </p:custDataLst>
+  </p:cSld>
+  <p:clrMapOvr>
+    <a:masterClrMapping/>
+  </p:clrMapOvr>
+</p:sld>
+</file>
+
+<file path=ppt/slides/slide18.xml><?xml version="1.0" encoding="utf-8"?>
+<p:sld xmlns:a="http://schemas.openxmlformats.org/drawingml/2006/main" xmlns:r="http://schemas.openxmlformats.org/officeDocument/2006/relationships" xmlns:p="http://schemas.openxmlformats.org/presentationml/2006/main">
+  <p:cSld>
+    <p:spTree>
+      <p:nvGrpSpPr>
+        <p:cNvPr id="1" name=""/>
+        <p:cNvGrpSpPr/>
+        <p:nvPr/>
+      </p:nvGrpSpPr>
+      <p:grpSpPr/>
+      <p:sp>
+        <p:nvSpPr>
+          <p:cNvPr id="2" name="矩形 1"/>
+          <p:cNvSpPr/>
+          <p:nvPr/>
+        </p:nvSpPr>
+        <p:spPr>
+          <a:xfrm>
+            <a:off x="3420745" y="2824480"/>
+            <a:ext cx="3613785" cy="421640"/>
+          </a:xfrm>
+          <a:prstGeom prst="rect">
+            <a:avLst/>
+          </a:prstGeom>
+        </p:spPr>
+        <p:style>
+          <a:lnRef idx="2">
+            <a:schemeClr val="accent1">
+              <a:shade val="50000"/>
+            </a:schemeClr>
+          </a:lnRef>
+          <a:fillRef idx="1">
+            <a:schemeClr val="accent1"/>
+          </a:fillRef>
+          <a:effectRef idx="0">
+            <a:schemeClr val="accent1"/>
+          </a:effectRef>
+          <a:fontRef idx="minor">
+            <a:schemeClr val="lt1"/>
+          </a:fontRef>
+        </p:style>
+        <p:txBody>
+          <a:bodyPr rtlCol="0" anchor="ctr"/>
+          <a:p>
+            <a:pPr algn="ctr"/>
+            <a:r>
+              <a:rPr lang="en-US" altLang="zh-CN"/>
+              <a:t>service</a:t>
+            </a:r>
+            <a:endParaRPr lang="en-US" altLang="zh-CN"/>
+          </a:p>
+        </p:txBody>
+      </p:sp>
+      <p:sp>
+        <p:nvSpPr>
+          <p:cNvPr id="8" name="六边形 7"/>
+          <p:cNvSpPr/>
+          <p:nvPr/>
+        </p:nvSpPr>
+        <p:spPr>
+          <a:xfrm>
+            <a:off x="3477895" y="3803650"/>
+            <a:ext cx="833755" cy="748030"/>
+          </a:xfrm>
+          <a:prstGeom prst="hexagon">
+            <a:avLst/>
+          </a:prstGeom>
+        </p:spPr>
+        <p:style>
+          <a:lnRef idx="2">
+            <a:schemeClr val="accent6">
+              <a:shade val="50000"/>
+            </a:schemeClr>
+          </a:lnRef>
+          <a:fillRef idx="1">
+            <a:schemeClr val="accent6"/>
+          </a:fillRef>
+          <a:effectRef idx="0">
+            <a:schemeClr val="accent6"/>
+          </a:effectRef>
+          <a:fontRef idx="minor">
+            <a:schemeClr val="lt1"/>
+          </a:fontRef>
+        </p:style>
+        <p:txBody>
+          <a:bodyPr rtlCol="0" anchor="ctr"/>
+          <a:p>
+            <a:pPr algn="ctr"/>
+            <a:r>
+              <a:rPr lang="en-US" altLang="zh-CN"/>
+              <a:t>pod</a:t>
+            </a:r>
+            <a:endParaRPr lang="en-US" altLang="zh-CN"/>
+          </a:p>
+        </p:txBody>
+      </p:sp>
+      <p:sp>
+        <p:nvSpPr>
+          <p:cNvPr id="10" name="六边形 9"/>
+          <p:cNvSpPr/>
+          <p:nvPr/>
+        </p:nvSpPr>
+        <p:spPr>
+          <a:xfrm>
+            <a:off x="4810760" y="3803650"/>
+            <a:ext cx="833755" cy="748030"/>
+          </a:xfrm>
+          <a:prstGeom prst="hexagon">
+            <a:avLst/>
+          </a:prstGeom>
+        </p:spPr>
+        <p:style>
+          <a:lnRef idx="2">
+            <a:schemeClr val="accent6">
+              <a:shade val="50000"/>
+            </a:schemeClr>
+          </a:lnRef>
+          <a:fillRef idx="1">
+            <a:schemeClr val="accent6"/>
+          </a:fillRef>
+          <a:effectRef idx="0">
+            <a:schemeClr val="accent6"/>
+          </a:effectRef>
+          <a:fontRef idx="minor">
+            <a:schemeClr val="lt1"/>
+          </a:fontRef>
+        </p:style>
+        <p:txBody>
+          <a:bodyPr rtlCol="0" anchor="ctr"/>
+          <a:p>
+            <a:pPr algn="ctr"/>
+            <a:r>
+              <a:rPr lang="en-US" altLang="zh-CN"/>
+              <a:t>pod</a:t>
+            </a:r>
+            <a:endParaRPr lang="en-US" altLang="zh-CN"/>
+          </a:p>
+        </p:txBody>
+      </p:sp>
+      <p:sp>
+        <p:nvSpPr>
+          <p:cNvPr id="3" name="六边形 2"/>
+          <p:cNvSpPr/>
+          <p:nvPr/>
+        </p:nvSpPr>
+        <p:spPr>
+          <a:xfrm>
+            <a:off x="6200775" y="3803650"/>
+            <a:ext cx="833755" cy="748030"/>
+          </a:xfrm>
+          <a:prstGeom prst="hexagon">
+            <a:avLst/>
+          </a:prstGeom>
+        </p:spPr>
+        <p:style>
+          <a:lnRef idx="2">
+            <a:schemeClr val="accent6">
+              <a:shade val="50000"/>
+            </a:schemeClr>
+          </a:lnRef>
+          <a:fillRef idx="1">
+            <a:schemeClr val="accent6"/>
+          </a:fillRef>
+          <a:effectRef idx="0">
+            <a:schemeClr val="accent6"/>
+          </a:effectRef>
+          <a:fontRef idx="minor">
+            <a:schemeClr val="lt1"/>
+          </a:fontRef>
+        </p:style>
+        <p:txBody>
+          <a:bodyPr rtlCol="0" anchor="ctr"/>
+          <a:p>
+            <a:pPr algn="ctr"/>
+            <a:r>
+              <a:rPr lang="en-US" altLang="zh-CN"/>
+              <a:t>pod</a:t>
+            </a:r>
+            <a:endParaRPr lang="en-US" altLang="zh-CN"/>
+          </a:p>
+        </p:txBody>
+      </p:sp>
+      <p:sp>
+        <p:nvSpPr>
+          <p:cNvPr id="4" name="矩形 3"/>
+          <p:cNvSpPr/>
+          <p:nvPr/>
+        </p:nvSpPr>
+        <p:spPr>
+          <a:xfrm>
+            <a:off x="3477895" y="4551680"/>
+            <a:ext cx="3613785" cy="421640"/>
+          </a:xfrm>
+          <a:prstGeom prst="rect">
+            <a:avLst/>
+          </a:prstGeom>
+        </p:spPr>
+        <p:style>
+          <a:lnRef idx="2">
+            <a:schemeClr val="accent1">
+              <a:shade val="50000"/>
+            </a:schemeClr>
+          </a:lnRef>
+          <a:fillRef idx="1">
+            <a:schemeClr val="accent1"/>
+          </a:fillRef>
+          <a:effectRef idx="0">
+            <a:schemeClr val="accent1"/>
+          </a:effectRef>
+          <a:fontRef idx="minor">
+            <a:schemeClr val="lt1"/>
+          </a:fontRef>
+        </p:style>
+        <p:txBody>
+          <a:bodyPr rtlCol="0" anchor="ctr"/>
+          <a:p>
+            <a:pPr algn="ctr"/>
+            <a:r>
+              <a:rPr lang="en-US" altLang="zh-CN"/>
+              <a:t>endpoints</a:t>
+            </a:r>
+            <a:endParaRPr lang="en-US" altLang="zh-CN"/>
+          </a:p>
+        </p:txBody>
+      </p:sp>
+      <p:sp>
+        <p:nvSpPr>
+          <p:cNvPr id="6" name="文本框 5"/>
+          <p:cNvSpPr txBox="1"/>
+          <p:nvPr/>
+        </p:nvSpPr>
+        <p:spPr>
+          <a:xfrm>
+            <a:off x="8174990" y="3993515"/>
+            <a:ext cx="1087755" cy="368300"/>
+          </a:xfrm>
+          <a:prstGeom prst="rect">
+            <a:avLst/>
+          </a:prstGeom>
+          <a:noFill/>
+        </p:spPr>
+        <p:txBody>
+          <a:bodyPr wrap="none" rtlCol="0">
+            <a:spAutoFit/>
+          </a:bodyPr>
+          <a:p>
+            <a:r>
+              <a:rPr lang="en-US" altLang="zh-CN"/>
+              <a:t>POD CIDR</a:t>
+            </a:r>
+            <a:endParaRPr lang="en-US" altLang="zh-CN"/>
+          </a:p>
+        </p:txBody>
+      </p:sp>
+      <p:sp>
+        <p:nvSpPr>
+          <p:cNvPr id="7" name="文本框 6"/>
+          <p:cNvSpPr txBox="1"/>
+          <p:nvPr/>
+        </p:nvSpPr>
+        <p:spPr>
+          <a:xfrm>
+            <a:off x="3477895" y="5288915"/>
+            <a:ext cx="6861810" cy="368300"/>
+          </a:xfrm>
+          <a:prstGeom prst="rect">
+            <a:avLst/>
+          </a:prstGeom>
+          <a:noFill/>
+        </p:spPr>
+        <p:txBody>
+          <a:bodyPr wrap="square" rtlCol="0">
+            <a:spAutoFit/>
+          </a:bodyPr>
+          <a:p>
+            <a:r>
+              <a:rPr lang="en-US" altLang="zh-CN"/>
+              <a:t>servicename.namespace.svc.cluster.local</a:t>
+            </a:r>
+            <a:endParaRPr lang="en-US" altLang="zh-CN"/>
+          </a:p>
+        </p:txBody>
+      </p:sp>
+      <p:sp>
+        <p:nvSpPr>
+          <p:cNvPr id="9" name="圆角矩形 8"/>
+          <p:cNvSpPr/>
+          <p:nvPr/>
+        </p:nvSpPr>
+        <p:spPr>
+          <a:xfrm>
+            <a:off x="2011680" y="1454150"/>
+            <a:ext cx="1409065" cy="508000"/>
+          </a:xfrm>
+          <a:prstGeom prst="roundRect">
+            <a:avLst/>
+          </a:prstGeom>
+        </p:spPr>
+        <p:style>
+          <a:lnRef idx="2">
+            <a:schemeClr val="accent2">
+              <a:shade val="50000"/>
+            </a:schemeClr>
+          </a:lnRef>
+          <a:fillRef idx="1">
+            <a:schemeClr val="accent2"/>
+          </a:fillRef>
+          <a:effectRef idx="0">
+            <a:schemeClr val="accent2"/>
+          </a:effectRef>
+          <a:fontRef idx="minor">
+            <a:schemeClr val="lt1"/>
+          </a:fontRef>
+        </p:style>
+        <p:txBody>
+          <a:bodyPr rtlCol="0" anchor="ctr"/>
+          <a:p>
+            <a:pPr algn="ctr"/>
+            <a:r>
+              <a:rPr lang="en-US" altLang="zh-CN"/>
+              <a:t>NodePort</a:t>
+            </a:r>
+            <a:endParaRPr lang="en-US" altLang="zh-CN"/>
+          </a:p>
+        </p:txBody>
+      </p:sp>
+      <p:sp>
+        <p:nvSpPr>
+          <p:cNvPr id="11" name="圆角矩形 10"/>
+          <p:cNvSpPr/>
+          <p:nvPr/>
+        </p:nvSpPr>
+        <p:spPr>
+          <a:xfrm>
+            <a:off x="4427855" y="1454150"/>
+            <a:ext cx="1599565" cy="508000"/>
+          </a:xfrm>
+          <a:prstGeom prst="roundRect">
+            <a:avLst/>
+          </a:prstGeom>
+        </p:spPr>
+        <p:style>
+          <a:lnRef idx="2">
+            <a:schemeClr val="accent2">
+              <a:shade val="50000"/>
+            </a:schemeClr>
+          </a:lnRef>
+          <a:fillRef idx="1">
+            <a:schemeClr val="accent2"/>
+          </a:fillRef>
+          <a:effectRef idx="0">
+            <a:schemeClr val="accent2"/>
+          </a:effectRef>
+          <a:fontRef idx="minor">
+            <a:schemeClr val="lt1"/>
+          </a:fontRef>
+        </p:style>
+        <p:txBody>
+          <a:bodyPr rtlCol="0" anchor="ctr"/>
+          <a:p>
+            <a:pPr algn="ctr"/>
+            <a:r>
+              <a:rPr lang="en-US" altLang="zh-CN"/>
+              <a:t>LoadBalancer</a:t>
+            </a:r>
+            <a:endParaRPr lang="en-US" altLang="zh-CN"/>
+          </a:p>
+        </p:txBody>
+      </p:sp>
+      <p:sp>
+        <p:nvSpPr>
+          <p:cNvPr id="12" name="圆角矩形 11"/>
+          <p:cNvSpPr/>
+          <p:nvPr/>
+        </p:nvSpPr>
+        <p:spPr>
+          <a:xfrm>
+            <a:off x="7034530" y="1454150"/>
+            <a:ext cx="1599565" cy="508000"/>
+          </a:xfrm>
+          <a:prstGeom prst="roundRect">
+            <a:avLst/>
+          </a:prstGeom>
+        </p:spPr>
+        <p:style>
+          <a:lnRef idx="2">
+            <a:schemeClr val="accent2">
+              <a:shade val="50000"/>
+            </a:schemeClr>
+          </a:lnRef>
+          <a:fillRef idx="1">
+            <a:schemeClr val="accent2"/>
+          </a:fillRef>
+          <a:effectRef idx="0">
+            <a:schemeClr val="accent2"/>
+          </a:effectRef>
+          <a:fontRef idx="minor">
+            <a:schemeClr val="lt1"/>
+          </a:fontRef>
+        </p:style>
+        <p:txBody>
+          <a:bodyPr rtlCol="0" anchor="ctr"/>
+          <a:p>
+            <a:pPr algn="ctr"/>
+            <a:r>
+              <a:rPr lang="en-US" altLang="zh-CN"/>
+              <a:t>ClusterIP</a:t>
+            </a:r>
+            <a:endParaRPr lang="en-US" altLang="zh-CN"/>
+          </a:p>
+        </p:txBody>
+      </p:sp>
+    </p:spTree>
+    <p:custDataLst>
+      <p:tags r:id="rId1"/>
+    </p:custDataLst>
+  </p:cSld>
+  <p:clrMapOvr>
+    <a:masterClrMapping/>
+  </p:clrMapOvr>
+</p:sld>
+</file>
+
+<file path=ppt/slides/slide19.xml><?xml version="1.0" encoding="utf-8"?>
 <p:sld xmlns:a="http://schemas.openxmlformats.org/drawingml/2006/main" xmlns:r="http://schemas.openxmlformats.org/officeDocument/2006/relationships" xmlns:p="http://schemas.openxmlformats.org/presentationml/2006/main">
   <p:cSld>
     <p:spTree>
@@ -17308,429 +19853,653 @@
       <p:grpSpPr/>
       <p:sp>
         <p:nvSpPr>
-          <p:cNvPr id="2" name="文本框 1"/>
-          <p:cNvSpPr txBox="1"/>
-          <p:nvPr/>
-        </p:nvSpPr>
-        <p:spPr>
-          <a:xfrm>
-            <a:off x="681355" y="830580"/>
-            <a:ext cx="10055225" cy="4939030"/>
+          <p:cNvPr id="4" name="矩形 3"/>
+          <p:cNvSpPr/>
+          <p:nvPr/>
+        </p:nvSpPr>
+        <p:spPr>
+          <a:xfrm>
+            <a:off x="2203450" y="1031240"/>
+            <a:ext cx="3325495" cy="4716145"/>
           </a:xfrm>
           <a:prstGeom prst="rect">
             <a:avLst/>
           </a:prstGeom>
-          <a:noFill/>
-        </p:spPr>
-        <p:txBody>
-          <a:bodyPr wrap="square" rtlCol="0">
-            <a:spAutoFit/>
-          </a:bodyPr>
-          <a:p>
-            <a:pPr>
-              <a:lnSpc>
-                <a:spcPct val="150000"/>
-              </a:lnSpc>
-            </a:pPr>
-            <a:r>
-              <a:rPr lang="en-US" altLang="zh-CN" sz="1400" b="1">
-                <a:latin typeface="Times New Roman" panose="02020603050405020304" charset="0"/>
-                <a:ea typeface="楷体" panose="02010609060101010101" charset="-122"/>
-                <a:cs typeface="Times New Roman" panose="02020603050405020304" charset="0"/>
-              </a:rPr>
-              <a:t>API SERVER</a:t>
-            </a:r>
-            <a:r>
-              <a:rPr lang="zh-CN" altLang="en-US" sz="1400" b="1">
-                <a:latin typeface="Times New Roman" panose="02020603050405020304" charset="0"/>
-                <a:ea typeface="楷体" panose="02010609060101010101" charset="-122"/>
-                <a:cs typeface="Times New Roman" panose="02020603050405020304" charset="0"/>
-              </a:rPr>
-              <a:t>：</a:t>
-            </a:r>
-            <a:endParaRPr lang="zh-CN" altLang="en-US" sz="1400" b="1">
-              <a:latin typeface="Times New Roman" panose="02020603050405020304" charset="0"/>
-              <a:ea typeface="楷体" panose="02010609060101010101" charset="-122"/>
-              <a:cs typeface="Times New Roman" panose="02020603050405020304" charset="0"/>
-            </a:endParaRPr>
-          </a:p>
-          <a:p>
-            <a:pPr indent="0">
-              <a:lnSpc>
-                <a:spcPct val="150000"/>
-              </a:lnSpc>
-              <a:buFont typeface="Arial" panose="020B0604020202020204" pitchFamily="34" charset="0"/>
-              <a:buNone/>
-            </a:pPr>
-            <a:r>
-              <a:rPr lang="zh-CN" altLang="en-US" sz="1400">
-                <a:latin typeface="Times New Roman" panose="02020603050405020304" charset="0"/>
-                <a:ea typeface="楷体" panose="02010609060101010101" charset="-122"/>
-                <a:cs typeface="Times New Roman" panose="02020603050405020304" charset="0"/>
-              </a:rPr>
-              <a:t>控制平面核心，使用</a:t>
-            </a:r>
-            <a:r>
-              <a:rPr lang="en-US" altLang="zh-CN" sz="1400">
-                <a:latin typeface="Times New Roman" panose="02020603050405020304" charset="0"/>
-                <a:ea typeface="楷体" panose="02010609060101010101" charset="-122"/>
-                <a:cs typeface="Times New Roman" panose="02020603050405020304" charset="0"/>
-              </a:rPr>
-              <a:t>http API</a:t>
-            </a:r>
-            <a:r>
-              <a:rPr lang="zh-CN" altLang="en-US" sz="1400">
-                <a:latin typeface="Times New Roman" panose="02020603050405020304" charset="0"/>
-                <a:ea typeface="楷体" panose="02010609060101010101" charset="-122"/>
-                <a:cs typeface="Times New Roman" panose="02020603050405020304" charset="0"/>
-              </a:rPr>
-              <a:t>让终端用户、集群组件和扩展组件之间可以互相通信</a:t>
-            </a:r>
-            <a:endParaRPr lang="zh-CN" altLang="en-US" sz="1400">
-              <a:latin typeface="Times New Roman" panose="02020603050405020304" charset="0"/>
-              <a:ea typeface="楷体" panose="02010609060101010101" charset="-122"/>
-              <a:cs typeface="Times New Roman" panose="02020603050405020304" charset="0"/>
-            </a:endParaRPr>
-          </a:p>
-          <a:p>
-            <a:pPr indent="0">
-              <a:lnSpc>
-                <a:spcPct val="150000"/>
-              </a:lnSpc>
-              <a:buFont typeface="Arial" panose="020B0604020202020204" pitchFamily="34" charset="0"/>
-              <a:buNone/>
-            </a:pPr>
-            <a:endParaRPr lang="zh-CN" altLang="en-US" sz="1400">
-              <a:latin typeface="Times New Roman" panose="02020603050405020304" charset="0"/>
-              <a:ea typeface="楷体" panose="02010609060101010101" charset="-122"/>
-              <a:cs typeface="Times New Roman" panose="02020603050405020304" charset="0"/>
-            </a:endParaRPr>
-          </a:p>
-          <a:p>
-            <a:pPr indent="0">
-              <a:lnSpc>
-                <a:spcPct val="150000"/>
-              </a:lnSpc>
-              <a:buFont typeface="Arial" panose="020B0604020202020204" pitchFamily="34" charset="0"/>
-              <a:buNone/>
-            </a:pPr>
-            <a:r>
-              <a:rPr lang="en-US" altLang="zh-CN" sz="1400">
-                <a:latin typeface="Times New Roman" panose="02020603050405020304" charset="0"/>
-                <a:ea typeface="楷体" panose="02010609060101010101" charset="-122"/>
-                <a:cs typeface="Times New Roman" panose="02020603050405020304" charset="0"/>
-              </a:rPr>
-              <a:t>Api Server</a:t>
-            </a:r>
-            <a:r>
-              <a:rPr lang="zh-CN" altLang="en-US" sz="1400">
-                <a:latin typeface="Times New Roman" panose="02020603050405020304" charset="0"/>
-                <a:ea typeface="楷体" panose="02010609060101010101" charset="-122"/>
-                <a:cs typeface="Times New Roman" panose="02020603050405020304" charset="0"/>
-              </a:rPr>
-              <a:t>用以查询和管理</a:t>
-            </a:r>
-            <a:r>
-              <a:rPr lang="en-US" altLang="zh-CN" sz="1400">
-                <a:latin typeface="Times New Roman" panose="02020603050405020304" charset="0"/>
-                <a:ea typeface="楷体" panose="02010609060101010101" charset="-122"/>
-                <a:cs typeface="Times New Roman" panose="02020603050405020304" charset="0"/>
-              </a:rPr>
-              <a:t>Kubernetes</a:t>
-            </a:r>
-            <a:r>
-              <a:rPr lang="zh-CN" altLang="en-US" sz="1400">
-                <a:latin typeface="Times New Roman" panose="02020603050405020304" charset="0"/>
-                <a:ea typeface="楷体" panose="02010609060101010101" charset="-122"/>
-                <a:cs typeface="Times New Roman" panose="02020603050405020304" charset="0"/>
-              </a:rPr>
-              <a:t>中的对象（</a:t>
-            </a:r>
-            <a:r>
-              <a:rPr lang="en-US" altLang="zh-CN" sz="1400">
-                <a:latin typeface="Times New Roman" panose="02020603050405020304" charset="0"/>
-                <a:ea typeface="楷体" panose="02010609060101010101" charset="-122"/>
-                <a:cs typeface="Times New Roman" panose="02020603050405020304" charset="0"/>
-              </a:rPr>
-              <a:t>object</a:t>
-            </a:r>
-            <a:r>
-              <a:rPr lang="zh-CN" altLang="en-US" sz="1400">
-                <a:latin typeface="Times New Roman" panose="02020603050405020304" charset="0"/>
-                <a:ea typeface="楷体" panose="02010609060101010101" charset="-122"/>
-                <a:cs typeface="Times New Roman" panose="02020603050405020304" charset="0"/>
-              </a:rPr>
-              <a:t>）状态</a:t>
-            </a:r>
-            <a:endParaRPr lang="zh-CN" altLang="en-US" sz="1400">
-              <a:latin typeface="Times New Roman" panose="02020603050405020304" charset="0"/>
-              <a:ea typeface="楷体" panose="02010609060101010101" charset="-122"/>
-              <a:cs typeface="Times New Roman" panose="02020603050405020304" charset="0"/>
-            </a:endParaRPr>
-          </a:p>
-          <a:p>
-            <a:pPr indent="0">
-              <a:lnSpc>
-                <a:spcPct val="150000"/>
-              </a:lnSpc>
-              <a:buFont typeface="Arial" panose="020B0604020202020204" pitchFamily="34" charset="0"/>
-              <a:buNone/>
-            </a:pPr>
-            <a:endParaRPr lang="zh-CN" altLang="en-US" sz="1400">
-              <a:latin typeface="Times New Roman" panose="02020603050405020304" charset="0"/>
-              <a:ea typeface="楷体" panose="02010609060101010101" charset="-122"/>
-              <a:cs typeface="Times New Roman" panose="02020603050405020304" charset="0"/>
-            </a:endParaRPr>
-          </a:p>
-          <a:p>
-            <a:pPr indent="0">
-              <a:lnSpc>
-                <a:spcPct val="150000"/>
-              </a:lnSpc>
-              <a:buFont typeface="Arial" panose="020B0604020202020204" pitchFamily="34" charset="0"/>
-              <a:buNone/>
-            </a:pPr>
-            <a:r>
-              <a:rPr lang="en-US" altLang="zh-CN" sz="1400">
-                <a:latin typeface="Times New Roman" panose="02020603050405020304" charset="0"/>
-                <a:ea typeface="楷体" panose="02010609060101010101" charset="-122"/>
-                <a:cs typeface="Times New Roman" panose="02020603050405020304" charset="0"/>
-              </a:rPr>
-              <a:t>Api groups</a:t>
-            </a:r>
-            <a:r>
-              <a:rPr lang="zh-CN" altLang="en-US" sz="1400">
-                <a:latin typeface="Times New Roman" panose="02020603050405020304" charset="0"/>
-                <a:ea typeface="楷体" panose="02010609060101010101" charset="-122"/>
-                <a:cs typeface="Times New Roman" panose="02020603050405020304" charset="0"/>
-              </a:rPr>
-              <a:t>定义了当前组下所能管理资源对象</a:t>
-            </a:r>
-            <a:endParaRPr lang="zh-CN" altLang="en-US" sz="1400">
-              <a:latin typeface="Times New Roman" panose="02020603050405020304" charset="0"/>
-              <a:ea typeface="楷体" panose="02010609060101010101" charset="-122"/>
-              <a:cs typeface="Times New Roman" panose="02020603050405020304" charset="0"/>
-            </a:endParaRPr>
-          </a:p>
-          <a:p>
-            <a:pPr marL="285750" indent="-285750">
-              <a:lnSpc>
-                <a:spcPct val="150000"/>
-              </a:lnSpc>
-              <a:buFont typeface="Arial" panose="020B0604020202020204" pitchFamily="34" charset="0"/>
-              <a:buChar char="•"/>
-            </a:pPr>
-            <a:r>
-              <a:rPr lang="en-US" altLang="zh-CN" sz="1400">
-                <a:latin typeface="Times New Roman" panose="02020603050405020304" charset="0"/>
-                <a:ea typeface="楷体" panose="02010609060101010101" charset="-122"/>
-                <a:cs typeface="Times New Roman" panose="02020603050405020304" charset="0"/>
-              </a:rPr>
-              <a:t>vX		</a:t>
-            </a:r>
-            <a:r>
-              <a:rPr lang="zh-CN" altLang="en-US" sz="1400">
-                <a:latin typeface="Times New Roman" panose="02020603050405020304" charset="0"/>
-                <a:ea typeface="楷体" panose="02010609060101010101" charset="-122"/>
-                <a:cs typeface="Times New Roman" panose="02020603050405020304" charset="0"/>
-              </a:rPr>
-              <a:t>可用，稳定版本</a:t>
-            </a:r>
-            <a:endParaRPr lang="zh-CN" altLang="en-US" sz="1400">
-              <a:latin typeface="Times New Roman" panose="02020603050405020304" charset="0"/>
-              <a:ea typeface="楷体" panose="02010609060101010101" charset="-122"/>
-              <a:cs typeface="Times New Roman" panose="02020603050405020304" charset="0"/>
-            </a:endParaRPr>
-          </a:p>
-          <a:p>
-            <a:pPr marL="285750" indent="-285750">
-              <a:lnSpc>
-                <a:spcPct val="150000"/>
-              </a:lnSpc>
-              <a:buFont typeface="Arial" panose="020B0604020202020204" pitchFamily="34" charset="0"/>
-              <a:buChar char="•"/>
-            </a:pPr>
-            <a:r>
-              <a:rPr lang="en-US" altLang="zh-CN" sz="1400">
-                <a:latin typeface="Times New Roman" panose="02020603050405020304" charset="0"/>
-                <a:ea typeface="楷体" panose="02010609060101010101" charset="-122"/>
-                <a:cs typeface="Times New Roman" panose="02020603050405020304" charset="0"/>
-              </a:rPr>
-              <a:t>v1beta1		</a:t>
-            </a:r>
-            <a:r>
-              <a:rPr lang="zh-CN" altLang="en-US" sz="1400">
-                <a:latin typeface="Times New Roman" panose="02020603050405020304" charset="0"/>
-                <a:ea typeface="楷体" panose="02010609060101010101" charset="-122"/>
-                <a:cs typeface="Times New Roman" panose="02020603050405020304" charset="0"/>
-              </a:rPr>
-              <a:t>预发布版本</a:t>
-            </a:r>
-            <a:endParaRPr lang="zh-CN" altLang="en-US" sz="1400">
-              <a:latin typeface="Times New Roman" panose="02020603050405020304" charset="0"/>
-              <a:ea typeface="楷体" panose="02010609060101010101" charset="-122"/>
-              <a:cs typeface="Times New Roman" panose="02020603050405020304" charset="0"/>
-            </a:endParaRPr>
-          </a:p>
-          <a:p>
-            <a:pPr marL="285750" indent="-285750">
-              <a:lnSpc>
-                <a:spcPct val="150000"/>
-              </a:lnSpc>
-              <a:buFont typeface="Arial" panose="020B0604020202020204" pitchFamily="34" charset="0"/>
-              <a:buChar char="•"/>
-            </a:pPr>
-            <a:r>
-              <a:rPr lang="en-US" altLang="zh-CN" sz="1400">
-                <a:latin typeface="Times New Roman" panose="02020603050405020304" charset="0"/>
-                <a:ea typeface="楷体" panose="02010609060101010101" charset="-122"/>
-                <a:cs typeface="Times New Roman" panose="02020603050405020304" charset="0"/>
-              </a:rPr>
-              <a:t>v1alpha1	</a:t>
-            </a:r>
-            <a:r>
-              <a:rPr lang="zh-CN" altLang="en-US" sz="1400">
-                <a:latin typeface="Times New Roman" panose="02020603050405020304" charset="0"/>
-                <a:ea typeface="楷体" panose="02010609060101010101" charset="-122"/>
-                <a:cs typeface="Times New Roman" panose="02020603050405020304" charset="0"/>
-              </a:rPr>
-              <a:t>实验性版本</a:t>
-            </a:r>
-            <a:endParaRPr lang="zh-CN" altLang="en-US" sz="1400">
-              <a:latin typeface="Times New Roman" panose="02020603050405020304" charset="0"/>
-              <a:ea typeface="楷体" panose="02010609060101010101" charset="-122"/>
-              <a:cs typeface="Times New Roman" panose="02020603050405020304" charset="0"/>
-            </a:endParaRPr>
-          </a:p>
-          <a:p>
-            <a:pPr marL="285750" indent="-285750">
-              <a:lnSpc>
-                <a:spcPct val="150000"/>
-              </a:lnSpc>
-              <a:buFont typeface="Arial" panose="020B0604020202020204" pitchFamily="34" charset="0"/>
-              <a:buChar char="•"/>
-            </a:pPr>
-            <a:endParaRPr lang="zh-CN" altLang="en-US" sz="1400">
-              <a:latin typeface="Times New Roman" panose="02020603050405020304" charset="0"/>
-              <a:ea typeface="楷体" panose="02010609060101010101" charset="-122"/>
-              <a:cs typeface="Times New Roman" panose="02020603050405020304" charset="0"/>
-            </a:endParaRPr>
-          </a:p>
-          <a:p>
-            <a:pPr indent="0">
-              <a:lnSpc>
-                <a:spcPct val="150000"/>
-              </a:lnSpc>
-              <a:buFont typeface="Arial" panose="020B0604020202020204" pitchFamily="34" charset="0"/>
-              <a:buNone/>
-            </a:pPr>
-            <a:r>
-              <a:rPr lang="en-US" altLang="zh-CN" sz="1400">
-                <a:latin typeface="Times New Roman" panose="02020603050405020304" charset="0"/>
-                <a:ea typeface="楷体" panose="02010609060101010101" charset="-122"/>
-                <a:cs typeface="Times New Roman" panose="02020603050405020304" charset="0"/>
-              </a:rPr>
+        </p:spPr>
+        <p:style>
+          <a:lnRef idx="2">
+            <a:schemeClr val="accent1"/>
+          </a:lnRef>
+          <a:fillRef idx="1">
+            <a:schemeClr val="lt1"/>
+          </a:fillRef>
+          <a:effectRef idx="0">
+            <a:schemeClr val="accent1"/>
+          </a:effectRef>
+          <a:fontRef idx="minor">
+            <a:schemeClr val="dk1"/>
+          </a:fontRef>
+        </p:style>
+        <p:txBody>
+          <a:bodyPr rtlCol="0" anchor="ctr"/>
+          <a:p>
+            <a:pPr algn="ctr"/>
+            <a:endParaRPr lang="zh-CN" altLang="en-US"/>
+          </a:p>
+        </p:txBody>
+      </p:sp>
+      <p:sp>
+        <p:nvSpPr>
+          <p:cNvPr id="5" name="矩形 4"/>
+          <p:cNvSpPr/>
+          <p:nvPr/>
+        </p:nvSpPr>
+        <p:spPr>
+          <a:xfrm>
+            <a:off x="2203450" y="5143500"/>
+            <a:ext cx="3316605" cy="584835"/>
+          </a:xfrm>
+          <a:prstGeom prst="rect">
+            <a:avLst/>
+          </a:prstGeom>
+        </p:spPr>
+        <p:style>
+          <a:lnRef idx="2">
+            <a:schemeClr val="accent1">
+              <a:shade val="50000"/>
+            </a:schemeClr>
+          </a:lnRef>
+          <a:fillRef idx="1">
+            <a:schemeClr val="accent1"/>
+          </a:fillRef>
+          <a:effectRef idx="0">
+            <a:schemeClr val="accent1"/>
+          </a:effectRef>
+          <a:fontRef idx="minor">
+            <a:schemeClr val="lt1"/>
+          </a:fontRef>
+        </p:style>
+        <p:txBody>
+          <a:bodyPr rtlCol="0" anchor="ctr"/>
+          <a:p>
+            <a:pPr algn="l"/>
+            <a:r>
+              <a:rPr lang="en-US" altLang="zh-CN"/>
+              <a:t>ens33</a:t>
+            </a:r>
+            <a:endParaRPr lang="en-US" altLang="zh-CN"/>
+          </a:p>
+          <a:p>
+            <a:pPr algn="l"/>
+            <a:r>
+              <a:rPr lang="en-US" altLang="zh-CN"/>
+              <a:t>192.168.92.160(kube-master)</a:t>
+            </a:r>
+            <a:endParaRPr lang="en-US" altLang="zh-CN"/>
+          </a:p>
+        </p:txBody>
+      </p:sp>
+      <p:sp>
+        <p:nvSpPr>
+          <p:cNvPr id="6" name="圆角矩形 5"/>
+          <p:cNvSpPr/>
+          <p:nvPr/>
+        </p:nvSpPr>
+        <p:spPr>
+          <a:xfrm>
+            <a:off x="3176270" y="1896745"/>
+            <a:ext cx="1370965" cy="488950"/>
+          </a:xfrm>
+          <a:prstGeom prst="roundRect">
+            <a:avLst/>
+          </a:prstGeom>
+        </p:spPr>
+        <p:style>
+          <a:lnRef idx="2">
+            <a:schemeClr val="accent2">
+              <a:shade val="50000"/>
+            </a:schemeClr>
+          </a:lnRef>
+          <a:fillRef idx="1">
+            <a:schemeClr val="accent2"/>
+          </a:fillRef>
+          <a:effectRef idx="0">
+            <a:schemeClr val="accent2"/>
+          </a:effectRef>
+          <a:fontRef idx="minor">
+            <a:schemeClr val="lt1"/>
+          </a:fontRef>
+        </p:style>
+        <p:txBody>
+          <a:bodyPr rtlCol="0" anchor="ctr"/>
+          <a:p>
+            <a:pPr algn="ctr"/>
+            <a:r>
+              <a:rPr lang="en-US" altLang="zh-CN"/>
               <a:t>API Server</a:t>
             </a:r>
-            <a:r>
-              <a:rPr lang="zh-CN" altLang="en-US" sz="1400">
-                <a:latin typeface="Times New Roman" panose="02020603050405020304" charset="0"/>
-                <a:ea typeface="楷体" panose="02010609060101010101" charset="-122"/>
-                <a:cs typeface="Times New Roman" panose="02020603050405020304" charset="0"/>
-              </a:rPr>
-              <a:t>健康检查点：</a:t>
-            </a:r>
-            <a:endParaRPr lang="zh-CN" altLang="en-US" sz="1400">
-              <a:latin typeface="Times New Roman" panose="02020603050405020304" charset="0"/>
-              <a:ea typeface="楷体" panose="02010609060101010101" charset="-122"/>
-              <a:cs typeface="Times New Roman" panose="02020603050405020304" charset="0"/>
-            </a:endParaRPr>
-          </a:p>
-          <a:p>
-            <a:pPr indent="0">
-              <a:lnSpc>
-                <a:spcPct val="150000"/>
-              </a:lnSpc>
-              <a:buFont typeface="Arial" panose="020B0604020202020204" pitchFamily="34" charset="0"/>
-              <a:buNone/>
-            </a:pPr>
-            <a:endParaRPr lang="zh-CN" altLang="en-US" sz="1400">
-              <a:latin typeface="Times New Roman" panose="02020603050405020304" charset="0"/>
-              <a:ea typeface="楷体" panose="02010609060101010101" charset="-122"/>
-              <a:cs typeface="Times New Roman" panose="02020603050405020304" charset="0"/>
-            </a:endParaRPr>
-          </a:p>
-          <a:p>
-            <a:pPr indent="0">
-              <a:lnSpc>
-                <a:spcPct val="150000"/>
-              </a:lnSpc>
-              <a:buFont typeface="Arial" panose="020B0604020202020204" pitchFamily="34" charset="0"/>
-              <a:buNone/>
-            </a:pPr>
-            <a:r>
-              <a:rPr lang="zh-CN" altLang="en-US" sz="1400">
-                <a:latin typeface="Times New Roman" panose="02020603050405020304" charset="0"/>
-                <a:ea typeface="楷体" panose="02010609060101010101" charset="-122"/>
-                <a:cs typeface="Times New Roman" panose="02020603050405020304" charset="0"/>
-              </a:rPr>
-              <a:t>curl -k https://localhost:6443/livez?verbose</a:t>
-            </a:r>
-            <a:endParaRPr lang="zh-CN" altLang="en-US" sz="1400">
-              <a:latin typeface="Times New Roman" panose="02020603050405020304" charset="0"/>
-              <a:ea typeface="楷体" panose="02010609060101010101" charset="-122"/>
-              <a:cs typeface="Times New Roman" panose="02020603050405020304" charset="0"/>
-            </a:endParaRPr>
-          </a:p>
-          <a:p>
-            <a:pPr indent="0">
-              <a:lnSpc>
-                <a:spcPct val="150000"/>
-              </a:lnSpc>
-              <a:buFont typeface="Arial" panose="020B0604020202020204" pitchFamily="34" charset="0"/>
-              <a:buNone/>
-            </a:pPr>
-            <a:r>
-              <a:rPr lang="en-US" altLang="zh-CN" sz="1400">
-                <a:latin typeface="Times New Roman" panose="02020603050405020304" charset="0"/>
-                <a:ea typeface="楷体" panose="02010609060101010101" charset="-122"/>
-                <a:cs typeface="Times New Roman" panose="02020603050405020304" charset="0"/>
-              </a:rPr>
-              <a:t>or</a:t>
-            </a:r>
-            <a:endParaRPr lang="en-US" altLang="zh-CN" sz="1400">
-              <a:latin typeface="Times New Roman" panose="02020603050405020304" charset="0"/>
-              <a:ea typeface="楷体" panose="02010609060101010101" charset="-122"/>
-              <a:cs typeface="Times New Roman" panose="02020603050405020304" charset="0"/>
-            </a:endParaRPr>
-          </a:p>
-          <a:p>
-            <a:pPr indent="0">
-              <a:lnSpc>
-                <a:spcPct val="150000"/>
-              </a:lnSpc>
-              <a:buFont typeface="Arial" panose="020B0604020202020204" pitchFamily="34" charset="0"/>
-              <a:buNone/>
-            </a:pPr>
-            <a:r>
-              <a:rPr lang="en-US" altLang="zh-CN" sz="1400">
-                <a:latin typeface="Times New Roman" panose="02020603050405020304" charset="0"/>
-                <a:ea typeface="楷体" panose="02010609060101010101" charset="-122"/>
-                <a:cs typeface="Times New Roman" panose="02020603050405020304" charset="0"/>
-              </a:rPr>
-              <a:t>kubectl get --raw='/readyz?verbose'</a:t>
-            </a:r>
-            <a:endParaRPr lang="en-US" altLang="zh-CN" sz="1400">
-              <a:latin typeface="Times New Roman" panose="02020603050405020304" charset="0"/>
-              <a:ea typeface="楷体" panose="02010609060101010101" charset="-122"/>
-              <a:cs typeface="Times New Roman" panose="02020603050405020304" charset="0"/>
-            </a:endParaRPr>
+            <a:endParaRPr lang="en-US" altLang="zh-CN"/>
+          </a:p>
+        </p:txBody>
+      </p:sp>
+      <p:sp>
+        <p:nvSpPr>
+          <p:cNvPr id="7" name="圆角矩形 6"/>
+          <p:cNvSpPr/>
+          <p:nvPr/>
+        </p:nvSpPr>
+        <p:spPr>
+          <a:xfrm>
+            <a:off x="2330450" y="2480945"/>
+            <a:ext cx="1370965" cy="488950"/>
+          </a:xfrm>
+          <a:prstGeom prst="roundRect">
+            <a:avLst/>
+          </a:prstGeom>
+        </p:spPr>
+        <p:style>
+          <a:lnRef idx="2">
+            <a:schemeClr val="accent2">
+              <a:shade val="50000"/>
+            </a:schemeClr>
+          </a:lnRef>
+          <a:fillRef idx="1">
+            <a:schemeClr val="accent2"/>
+          </a:fillRef>
+          <a:effectRef idx="0">
+            <a:schemeClr val="accent2"/>
+          </a:effectRef>
+          <a:fontRef idx="minor">
+            <a:schemeClr val="lt1"/>
+          </a:fontRef>
+        </p:style>
+        <p:txBody>
+          <a:bodyPr rtlCol="0" anchor="ctr"/>
+          <a:p>
+            <a:pPr algn="ctr"/>
+            <a:r>
+              <a:rPr lang="en-US" altLang="zh-CN"/>
+              <a:t>Scheduler</a:t>
+            </a:r>
+            <a:endParaRPr lang="en-US" altLang="zh-CN"/>
+          </a:p>
+        </p:txBody>
+      </p:sp>
+      <p:sp>
+        <p:nvSpPr>
+          <p:cNvPr id="8" name="圆角矩形 7"/>
+          <p:cNvSpPr/>
+          <p:nvPr/>
+        </p:nvSpPr>
+        <p:spPr>
+          <a:xfrm>
+            <a:off x="4029075" y="2480945"/>
+            <a:ext cx="1370965" cy="488950"/>
+          </a:xfrm>
+          <a:prstGeom prst="roundRect">
+            <a:avLst/>
+          </a:prstGeom>
+        </p:spPr>
+        <p:style>
+          <a:lnRef idx="2">
+            <a:schemeClr val="accent2">
+              <a:shade val="50000"/>
+            </a:schemeClr>
+          </a:lnRef>
+          <a:fillRef idx="1">
+            <a:schemeClr val="accent2"/>
+          </a:fillRef>
+          <a:effectRef idx="0">
+            <a:schemeClr val="accent2"/>
+          </a:effectRef>
+          <a:fontRef idx="minor">
+            <a:schemeClr val="lt1"/>
+          </a:fontRef>
+        </p:style>
+        <p:txBody>
+          <a:bodyPr rtlCol="0" anchor="ctr"/>
+          <a:p>
+            <a:pPr algn="ctr"/>
+            <a:r>
+              <a:rPr lang="en-US" altLang="zh-CN"/>
+              <a:t>Controller</a:t>
+            </a:r>
+            <a:endParaRPr lang="en-US" altLang="zh-CN"/>
+          </a:p>
+          <a:p>
+            <a:pPr algn="ctr"/>
+            <a:r>
+              <a:rPr lang="en-US" altLang="zh-CN"/>
+              <a:t>Manager</a:t>
+            </a:r>
+            <a:endParaRPr lang="en-US" altLang="zh-CN"/>
+          </a:p>
+        </p:txBody>
+      </p:sp>
+      <p:grpSp>
+        <p:nvGrpSpPr>
+          <p:cNvPr id="12" name="组合 11"/>
+          <p:cNvGrpSpPr/>
+          <p:nvPr/>
+        </p:nvGrpSpPr>
+        <p:grpSpPr>
+          <a:xfrm>
+            <a:off x="3409315" y="3167380"/>
+            <a:ext cx="914400" cy="914400"/>
+            <a:chOff x="8086" y="5223"/>
+            <a:chExt cx="1440" cy="1440"/>
+          </a:xfrm>
+        </p:grpSpPr>
+        <p:pic>
+          <p:nvPicPr>
+            <p:cNvPr id="9" name="图片 8" descr="303b333634303538353bb3ddc2d6"/>
+            <p:cNvPicPr>
+              <a:picLocks noChangeAspect="1"/>
+            </p:cNvPicPr>
+            <p:nvPr/>
+          </p:nvPicPr>
+          <p:blipFill>
+            <a:blip r:embed="rId1">
+              <a:extLst>
+                <a:ext uri="{96DAC541-7B7A-43D3-8B79-37D633B846F1}">
+                  <asvg:svgBlip xmlns:asvg="http://schemas.microsoft.com/office/drawing/2016/SVG/main" r:embed="rId2"/>
+                </a:ext>
+              </a:extLst>
+            </a:blip>
+            <a:stretch>
+              <a:fillRect/>
+            </a:stretch>
+          </p:blipFill>
+          <p:spPr>
+            <a:xfrm>
+              <a:off x="8086" y="5223"/>
+              <a:ext cx="1440" cy="1440"/>
+            </a:xfrm>
+            <a:prstGeom prst="rect">
+              <a:avLst/>
+            </a:prstGeom>
+          </p:spPr>
+        </p:pic>
+        <p:sp>
+          <p:nvSpPr>
+            <p:cNvPr id="10" name="文本框 9"/>
+            <p:cNvSpPr txBox="1"/>
+            <p:nvPr/>
+          </p:nvSpPr>
+          <p:spPr>
+            <a:xfrm>
+              <a:off x="8181" y="5653"/>
+              <a:ext cx="1251" cy="580"/>
+            </a:xfrm>
+            <a:prstGeom prst="rect">
+              <a:avLst/>
+            </a:prstGeom>
+            <a:noFill/>
+          </p:spPr>
+          <p:txBody>
+            <a:bodyPr wrap="square" rtlCol="0">
+              <a:spAutoFit/>
+            </a:bodyPr>
+            <a:p>
+              <a:pPr algn="ctr"/>
+              <a:r>
+                <a:rPr lang="en-US" altLang="zh-CN"/>
+                <a:t>etcd</a:t>
+              </a:r>
+              <a:endParaRPr lang="en-US" altLang="zh-CN"/>
+            </a:p>
+          </p:txBody>
+        </p:sp>
+      </p:grpSp>
+      <p:sp>
+        <p:nvSpPr>
+          <p:cNvPr id="11" name="圆角矩形 10"/>
+          <p:cNvSpPr/>
+          <p:nvPr/>
+        </p:nvSpPr>
+        <p:spPr>
+          <a:xfrm>
+            <a:off x="2203450" y="4582795"/>
+            <a:ext cx="3317240" cy="488950"/>
+          </a:xfrm>
+          <a:prstGeom prst="roundRect">
+            <a:avLst/>
+          </a:prstGeom>
+        </p:spPr>
+        <p:style>
+          <a:lnRef idx="2">
+            <a:schemeClr val="accent2">
+              <a:shade val="50000"/>
+            </a:schemeClr>
+          </a:lnRef>
+          <a:fillRef idx="1">
+            <a:schemeClr val="accent2"/>
+          </a:fillRef>
+          <a:effectRef idx="0">
+            <a:schemeClr val="accent2"/>
+          </a:effectRef>
+          <a:fontRef idx="minor">
+            <a:schemeClr val="lt1"/>
+          </a:fontRef>
+        </p:style>
+        <p:txBody>
+          <a:bodyPr rtlCol="0" anchor="ctr"/>
+          <a:p>
+            <a:pPr algn="ctr"/>
+            <a:r>
+              <a:rPr lang="en-US" altLang="zh-CN"/>
+              <a:t>Overlay Network</a:t>
+            </a:r>
+            <a:endParaRPr lang="en-US" altLang="zh-CN"/>
+          </a:p>
+        </p:txBody>
+      </p:sp>
+      <p:sp>
+        <p:nvSpPr>
+          <p:cNvPr id="13" name="矩形 12"/>
+          <p:cNvSpPr/>
+          <p:nvPr/>
+        </p:nvSpPr>
+        <p:spPr>
+          <a:xfrm>
+            <a:off x="6155055" y="1031240"/>
+            <a:ext cx="3325495" cy="4716145"/>
+          </a:xfrm>
+          <a:prstGeom prst="rect">
+            <a:avLst/>
+          </a:prstGeom>
+        </p:spPr>
+        <p:style>
+          <a:lnRef idx="2">
+            <a:schemeClr val="accent1"/>
+          </a:lnRef>
+          <a:fillRef idx="1">
+            <a:schemeClr val="lt1"/>
+          </a:fillRef>
+          <a:effectRef idx="0">
+            <a:schemeClr val="accent1"/>
+          </a:effectRef>
+          <a:fontRef idx="minor">
+            <a:schemeClr val="dk1"/>
+          </a:fontRef>
+        </p:style>
+        <p:txBody>
+          <a:bodyPr rtlCol="0" anchor="ctr"/>
+          <a:p>
+            <a:pPr algn="ctr"/>
+            <a:endParaRPr lang="zh-CN" altLang="en-US"/>
+          </a:p>
+        </p:txBody>
+      </p:sp>
+      <p:sp>
+        <p:nvSpPr>
+          <p:cNvPr id="14" name="矩形 13"/>
+          <p:cNvSpPr/>
+          <p:nvPr/>
+        </p:nvSpPr>
+        <p:spPr>
+          <a:xfrm>
+            <a:off x="6155055" y="5143500"/>
+            <a:ext cx="3316605" cy="584835"/>
+          </a:xfrm>
+          <a:prstGeom prst="rect">
+            <a:avLst/>
+          </a:prstGeom>
+        </p:spPr>
+        <p:style>
+          <a:lnRef idx="2">
+            <a:schemeClr val="accent1">
+              <a:shade val="50000"/>
+            </a:schemeClr>
+          </a:lnRef>
+          <a:fillRef idx="1">
+            <a:schemeClr val="accent1"/>
+          </a:fillRef>
+          <a:effectRef idx="0">
+            <a:schemeClr val="accent1"/>
+          </a:effectRef>
+          <a:fontRef idx="minor">
+            <a:schemeClr val="lt1"/>
+          </a:fontRef>
+        </p:style>
+        <p:txBody>
+          <a:bodyPr rtlCol="0" anchor="ctr"/>
+          <a:p>
+            <a:pPr algn="l"/>
+            <a:r>
+              <a:rPr lang="en-US" altLang="zh-CN"/>
+              <a:t>ens33</a:t>
+            </a:r>
+            <a:endParaRPr lang="en-US" altLang="zh-CN"/>
+          </a:p>
+          <a:p>
+            <a:pPr algn="l"/>
+            <a:r>
+              <a:rPr lang="en-US" altLang="zh-CN"/>
+              <a:t>192.168.92.161(kube-worker)</a:t>
+            </a:r>
+            <a:endParaRPr lang="en-US" altLang="zh-CN"/>
+          </a:p>
+        </p:txBody>
+      </p:sp>
+      <p:sp>
+        <p:nvSpPr>
+          <p:cNvPr id="16" name="圆角矩形 15"/>
+          <p:cNvSpPr/>
+          <p:nvPr/>
+        </p:nvSpPr>
+        <p:spPr>
+          <a:xfrm>
+            <a:off x="6377940" y="1896745"/>
+            <a:ext cx="1370965" cy="488950"/>
+          </a:xfrm>
+          <a:prstGeom prst="roundRect">
+            <a:avLst/>
+          </a:prstGeom>
+        </p:spPr>
+        <p:style>
+          <a:lnRef idx="2">
+            <a:schemeClr val="accent2">
+              <a:shade val="50000"/>
+            </a:schemeClr>
+          </a:lnRef>
+          <a:fillRef idx="1">
+            <a:schemeClr val="accent2"/>
+          </a:fillRef>
+          <a:effectRef idx="0">
+            <a:schemeClr val="accent2"/>
+          </a:effectRef>
+          <a:fontRef idx="minor">
+            <a:schemeClr val="lt1"/>
+          </a:fontRef>
+        </p:style>
+        <p:txBody>
+          <a:bodyPr rtlCol="0" anchor="ctr"/>
+          <a:p>
+            <a:pPr algn="ctr"/>
+            <a:r>
+              <a:rPr lang="en-US" altLang="zh-CN"/>
+              <a:t>kubelet</a:t>
+            </a:r>
+            <a:endParaRPr lang="en-US" altLang="zh-CN"/>
+          </a:p>
+        </p:txBody>
+      </p:sp>
+      <p:sp>
+        <p:nvSpPr>
+          <p:cNvPr id="21" name="圆角矩形 20"/>
+          <p:cNvSpPr/>
+          <p:nvPr/>
+        </p:nvSpPr>
+        <p:spPr>
+          <a:xfrm>
+            <a:off x="6155055" y="4582795"/>
+            <a:ext cx="3317240" cy="488950"/>
+          </a:xfrm>
+          <a:prstGeom prst="roundRect">
+            <a:avLst/>
+          </a:prstGeom>
+        </p:spPr>
+        <p:style>
+          <a:lnRef idx="2">
+            <a:schemeClr val="accent2">
+              <a:shade val="50000"/>
+            </a:schemeClr>
+          </a:lnRef>
+          <a:fillRef idx="1">
+            <a:schemeClr val="accent2"/>
+          </a:fillRef>
+          <a:effectRef idx="0">
+            <a:schemeClr val="accent2"/>
+          </a:effectRef>
+          <a:fontRef idx="minor">
+            <a:schemeClr val="lt1"/>
+          </a:fontRef>
+        </p:style>
+        <p:txBody>
+          <a:bodyPr rtlCol="0" anchor="ctr"/>
+          <a:p>
+            <a:pPr algn="ctr"/>
+            <a:r>
+              <a:rPr lang="en-US" altLang="zh-CN"/>
+              <a:t>Overlay Network</a:t>
+            </a:r>
+            <a:endParaRPr lang="en-US" altLang="zh-CN"/>
+          </a:p>
+        </p:txBody>
+      </p:sp>
+      <p:sp>
+        <p:nvSpPr>
+          <p:cNvPr id="22" name="圆角矩形 21"/>
+          <p:cNvSpPr/>
+          <p:nvPr/>
+        </p:nvSpPr>
+        <p:spPr>
+          <a:xfrm>
+            <a:off x="7940040" y="1896745"/>
+            <a:ext cx="1370965" cy="488950"/>
+          </a:xfrm>
+          <a:prstGeom prst="roundRect">
+            <a:avLst/>
+          </a:prstGeom>
+        </p:spPr>
+        <p:style>
+          <a:lnRef idx="2">
+            <a:schemeClr val="accent2">
+              <a:shade val="50000"/>
+            </a:schemeClr>
+          </a:lnRef>
+          <a:fillRef idx="1">
+            <a:schemeClr val="accent2"/>
+          </a:fillRef>
+          <a:effectRef idx="0">
+            <a:schemeClr val="accent2"/>
+          </a:effectRef>
+          <a:fontRef idx="minor">
+            <a:schemeClr val="lt1"/>
+          </a:fontRef>
+        </p:style>
+        <p:txBody>
+          <a:bodyPr rtlCol="0" anchor="ctr"/>
+          <a:p>
+            <a:pPr algn="ctr"/>
+            <a:r>
+              <a:rPr lang="en-US" altLang="zh-CN"/>
+              <a:t>kube-proxy</a:t>
+            </a:r>
+            <a:endParaRPr lang="en-US" altLang="zh-CN"/>
+          </a:p>
+        </p:txBody>
+      </p:sp>
+      <p:sp>
+        <p:nvSpPr>
+          <p:cNvPr id="23" name="圆角矩形 22"/>
+          <p:cNvSpPr/>
+          <p:nvPr/>
+        </p:nvSpPr>
+        <p:spPr>
+          <a:xfrm>
+            <a:off x="2330450" y="1261110"/>
+            <a:ext cx="1370965" cy="488950"/>
+          </a:xfrm>
+          <a:prstGeom prst="roundRect">
+            <a:avLst/>
+          </a:prstGeom>
+        </p:spPr>
+        <p:style>
+          <a:lnRef idx="2">
+            <a:schemeClr val="accent2">
+              <a:shade val="50000"/>
+            </a:schemeClr>
+          </a:lnRef>
+          <a:fillRef idx="1">
+            <a:schemeClr val="accent2"/>
+          </a:fillRef>
+          <a:effectRef idx="0">
+            <a:schemeClr val="accent2"/>
+          </a:effectRef>
+          <a:fontRef idx="minor">
+            <a:schemeClr val="lt1"/>
+          </a:fontRef>
+        </p:style>
+        <p:txBody>
+          <a:bodyPr rtlCol="0" anchor="ctr"/>
+          <a:p>
+            <a:pPr algn="ctr"/>
+            <a:r>
+              <a:rPr lang="en-US" altLang="zh-CN"/>
+              <a:t>kubelet</a:t>
+            </a:r>
+            <a:endParaRPr lang="en-US" altLang="zh-CN"/>
+          </a:p>
+        </p:txBody>
+      </p:sp>
+      <p:sp>
+        <p:nvSpPr>
+          <p:cNvPr id="24" name="圆角矩形 23"/>
+          <p:cNvSpPr/>
+          <p:nvPr/>
+        </p:nvSpPr>
+        <p:spPr>
+          <a:xfrm>
+            <a:off x="4029075" y="1261110"/>
+            <a:ext cx="1370965" cy="488950"/>
+          </a:xfrm>
+          <a:prstGeom prst="roundRect">
+            <a:avLst/>
+          </a:prstGeom>
+        </p:spPr>
+        <p:style>
+          <a:lnRef idx="2">
+            <a:schemeClr val="accent2">
+              <a:shade val="50000"/>
+            </a:schemeClr>
+          </a:lnRef>
+          <a:fillRef idx="1">
+            <a:schemeClr val="accent2"/>
+          </a:fillRef>
+          <a:effectRef idx="0">
+            <a:schemeClr val="accent2"/>
+          </a:effectRef>
+          <a:fontRef idx="minor">
+            <a:schemeClr val="lt1"/>
+          </a:fontRef>
+        </p:style>
+        <p:txBody>
+          <a:bodyPr rtlCol="0" anchor="ctr"/>
+          <a:p>
+            <a:pPr algn="ctr"/>
+            <a:r>
+              <a:rPr lang="en-US" altLang="zh-CN"/>
+              <a:t>kube-proxy</a:t>
+            </a:r>
+            <a:endParaRPr lang="en-US" altLang="zh-CN"/>
           </a:p>
         </p:txBody>
       </p:sp>
     </p:spTree>
     <p:custDataLst>
-      <p:tags r:id="rId1"/>
+      <p:tags r:id="rId3"/>
     </p:custDataLst>
   </p:cSld>
   <p:clrMapOvr>
@@ -18623,6 +21392,54 @@
 </p:tagLst>
 </file>
 
+<file path=ppt/tags/tag44.xml><?xml version="1.0" encoding="utf-8"?>
+<p:tagLst xmlns:p="http://schemas.openxmlformats.org/presentationml/2006/main">
+  <p:tag name="KSO_WM_BEAUTIFY_FLAG" val="#wm#"/>
+  <p:tag name="KSO_WM_TEMPLATE_CATEGORY" val="diagram"/>
+  <p:tag name="KSO_WM_TEMPLATE_INDEX" val="20214755"/>
+</p:tagLst>
+</file>
+
+<file path=ppt/tags/tag45.xml><?xml version="1.0" encoding="utf-8"?>
+<p:tagLst xmlns:p="http://schemas.openxmlformats.org/presentationml/2006/main">
+  <p:tag name="KSO_WM_BEAUTIFY_FLAG" val="#wm#"/>
+  <p:tag name="KSO_WM_TEMPLATE_CATEGORY" val="diagram"/>
+  <p:tag name="KSO_WM_TEMPLATE_INDEX" val="20214755"/>
+</p:tagLst>
+</file>
+
+<file path=ppt/tags/tag46.xml><?xml version="1.0" encoding="utf-8"?>
+<p:tagLst xmlns:p="http://schemas.openxmlformats.org/presentationml/2006/main">
+  <p:tag name="KSO_WM_BEAUTIFY_FLAG" val="#wm#"/>
+  <p:tag name="KSO_WM_TEMPLATE_CATEGORY" val="diagram"/>
+  <p:tag name="KSO_WM_TEMPLATE_INDEX" val="20214755"/>
+</p:tagLst>
+</file>
+
+<file path=ppt/tags/tag47.xml><?xml version="1.0" encoding="utf-8"?>
+<p:tagLst xmlns:p="http://schemas.openxmlformats.org/presentationml/2006/main">
+  <p:tag name="KSO_WM_BEAUTIFY_FLAG" val="#wm#"/>
+  <p:tag name="KSO_WM_TEMPLATE_CATEGORY" val="diagram"/>
+  <p:tag name="KSO_WM_TEMPLATE_INDEX" val="20214755"/>
+</p:tagLst>
+</file>
+
+<file path=ppt/tags/tag48.xml><?xml version="1.0" encoding="utf-8"?>
+<p:tagLst xmlns:p="http://schemas.openxmlformats.org/presentationml/2006/main">
+  <p:tag name="KSO_WM_BEAUTIFY_FLAG" val="#wm#"/>
+  <p:tag name="KSO_WM_TEMPLATE_CATEGORY" val="diagram"/>
+  <p:tag name="KSO_WM_TEMPLATE_INDEX" val="20214755"/>
+</p:tagLst>
+</file>
+
+<file path=ppt/tags/tag49.xml><?xml version="1.0" encoding="utf-8"?>
+<p:tagLst xmlns:p="http://schemas.openxmlformats.org/presentationml/2006/main">
+  <p:tag name="KSO_WM_BEAUTIFY_FLAG" val="#wm#"/>
+  <p:tag name="KSO_WM_TEMPLATE_CATEGORY" val="diagram"/>
+  <p:tag name="KSO_WM_TEMPLATE_INDEX" val="20214755"/>
+</p:tagLst>
+</file>
+
 <file path=ppt/tags/tag5.xml><?xml version="1.0" encoding="utf-8"?>
 <p:tagLst xmlns:p="http://schemas.openxmlformats.org/presentationml/2006/main">
   <p:tag name="KSO_WM_UNIT_HIGHLIGHT" val="0"/>

--- a/基础/008-鸟瞰kubernetes.pptx
+++ b/基础/008-鸟瞰kubernetes.pptx
@@ -5,28 +5,29 @@
     <p:sldMasterId id="2147483648" r:id="rId1"/>
   </p:sldMasterIdLst>
   <p:notesMasterIdLst>
-    <p:notesMasterId r:id="rId10"/>
+    <p:notesMasterId r:id="rId11"/>
   </p:notesMasterIdLst>
   <p:sldIdLst>
     <p:sldId id="256" r:id="rId3"/>
-    <p:sldId id="257" r:id="rId4"/>
-    <p:sldId id="258" r:id="rId5"/>
-    <p:sldId id="259" r:id="rId6"/>
-    <p:sldId id="261" r:id="rId7"/>
-    <p:sldId id="262" r:id="rId8"/>
-    <p:sldId id="263" r:id="rId9"/>
-    <p:sldId id="264" r:id="rId11"/>
-    <p:sldId id="271" r:id="rId12"/>
-    <p:sldId id="265" r:id="rId13"/>
-    <p:sldId id="266" r:id="rId14"/>
-    <p:sldId id="267" r:id="rId15"/>
-    <p:sldId id="268" r:id="rId16"/>
-    <p:sldId id="270" r:id="rId17"/>
-    <p:sldId id="272" r:id="rId18"/>
-    <p:sldId id="273" r:id="rId19"/>
-    <p:sldId id="274" r:id="rId20"/>
-    <p:sldId id="275" r:id="rId21"/>
-    <p:sldId id="269" r:id="rId22"/>
+    <p:sldId id="282" r:id="rId4"/>
+    <p:sldId id="257" r:id="rId5"/>
+    <p:sldId id="258" r:id="rId6"/>
+    <p:sldId id="259" r:id="rId7"/>
+    <p:sldId id="261" r:id="rId8"/>
+    <p:sldId id="262" r:id="rId9"/>
+    <p:sldId id="263" r:id="rId10"/>
+    <p:sldId id="264" r:id="rId12"/>
+    <p:sldId id="271" r:id="rId13"/>
+    <p:sldId id="265" r:id="rId14"/>
+    <p:sldId id="266" r:id="rId15"/>
+    <p:sldId id="267" r:id="rId16"/>
+    <p:sldId id="268" r:id="rId17"/>
+    <p:sldId id="270" r:id="rId18"/>
+    <p:sldId id="272" r:id="rId19"/>
+    <p:sldId id="273" r:id="rId20"/>
+    <p:sldId id="274" r:id="rId21"/>
+    <p:sldId id="275" r:id="rId22"/>
+    <p:sldId id="269" r:id="rId23"/>
   </p:sldIdLst>
   <p:sldSz cx="12192000" cy="6858000"/>
   <p:notesSz cx="6858000" cy="9144000"/>
@@ -132,6 +133,968 @@
 <p:cmAuthorLst xmlns:a="http://schemas.openxmlformats.org/drawingml/2006/main" xmlns:r="http://schemas.openxmlformats.org/officeDocument/2006/relationships" xmlns:p="http://schemas.openxmlformats.org/presentationml/2006/main">
   <p:cmAuthor id="2" name="作者" initials="A" lastIdx="0" clrIdx="1"/>
 </p:cmAuthorLst>
+</file>
+
+<file path=ppt/charts/chart1.xml><?xml version="1.0" encoding="utf-8"?>
+<c:chartSpace xmlns:c="http://schemas.openxmlformats.org/drawingml/2006/chart" xmlns:a="http://schemas.openxmlformats.org/drawingml/2006/main" xmlns:r="http://schemas.openxmlformats.org/officeDocument/2006/relationships">
+  <c:date1904 val="0"/>
+  <c:lang val="zh-CN"/>
+  <c:roundedCorners val="0"/>
+  <mc:AlternateContent xmlns:mc="http://schemas.openxmlformats.org/markup-compatibility/2006">
+    <mc:Choice xmlns:c14="http://schemas.microsoft.com/office/drawing/2007/8/2/chart" Requires="c14">
+      <c14:style val="102"/>
+    </mc:Choice>
+    <mc:Fallback>
+      <c:style val="2"/>
+    </mc:Fallback>
+  </mc:AlternateContent>
+  <c:clrMapOvr bg1="lt1" tx1="dk1" bg2="lt2" tx2="dk2" accent1="accent1" accent2="accent2" accent3="accent3" accent4="accent4" accent5="accent5" accent6="accent6" hlink="hlink" folHlink="folHlink"/>
+  <c:chart>
+    <c:title>
+      <c:tx>
+        <c:rich>
+          <a:bodyPr rot="0" spcFirstLastPara="0" vertOverflow="ellipsis" vert="horz" wrap="square" anchor="ctr" anchorCtr="1" forceAA="0"/>
+          <a:lstStyle/>
+          <a:p>
+            <a:pPr defTabSz="914400">
+              <a:defRPr lang="zh-CN" sz="1400" b="0" i="0" u="none" strike="noStrike" kern="1200" spc="0" baseline="0">
+                <a:solidFill>
+                  <a:schemeClr val="tx1">
+                    <a:lumMod val="65000"/>
+                    <a:lumOff val="35000"/>
+                  </a:schemeClr>
+                </a:solidFill>
+                <a:latin typeface="微软雅黑" panose="020B0503020204020204" charset="-122"/>
+                <a:ea typeface="微软雅黑" panose="020B0503020204020204" charset="-122"/>
+                <a:cs typeface="微软雅黑" panose="020B0503020204020204" charset="-122"/>
+                <a:sym typeface="微软雅黑" panose="020B0503020204020204" charset="-122"/>
+              </a:defRPr>
+            </a:pPr>
+            <a:r>
+              <a:t>销售额</a:t>
+            </a:r>
+          </a:p>
+        </c:rich>
+      </c:tx>
+      <c:layout/>
+      <c:overlay val="0"/>
+      <c:spPr>
+        <a:noFill/>
+        <a:ln>
+          <a:noFill/>
+        </a:ln>
+        <a:effectLst/>
+      </c:spPr>
+    </c:title>
+    <c:autoTitleDeleted val="0"/>
+    <c:plotArea>
+      <c:layout>
+        <c:manualLayout>
+          <c:layoutTarget val="inner"/>
+          <c:xMode val="edge"/>
+          <c:yMode val="edge"/>
+          <c:x val="0.145022210608832"/>
+          <c:y val="0.188533627342889"/>
+          <c:w val="0.589887640449438"/>
+          <c:h val="0.804851157662624"/>
+        </c:manualLayout>
+      </c:layout>
+      <c:ofPieChart>
+        <c:ofPieType val="bar"/>
+        <c:varyColors val="1"/>
+        <c:ser>
+          <c:idx val="0"/>
+          <c:order val="0"/>
+          <c:tx>
+            <c:strRef>
+              <c:f>Sheet1!$B$1</c:f>
+              <c:strCache>
+                <c:ptCount val="1"/>
+                <c:pt idx="0">
+                  <c:v>容器runtime</c:v>
+                </c:pt>
+              </c:strCache>
+            </c:strRef>
+          </c:tx>
+          <c:spPr>
+            <a:solidFill>
+              <a:srgbClr val="1E2223"/>
+            </a:solidFill>
+            <a:ln w="25400" cap="rnd" cmpd="sng">
+              <a:solidFill>
+                <a:schemeClr val="bg1"/>
+              </a:solidFill>
+              <a:prstDash val="solid"/>
+              <a:round/>
+            </a:ln>
+            <a:effectLst>
+              <a:outerShdw blurRad="63500" sx="102000" sy="102000" algn="ctr" rotWithShape="0">
+                <a:prstClr val="black">
+                  <a:alpha val="40000"/>
+                </a:prstClr>
+              </a:outerShdw>
+            </a:effectLst>
+          </c:spPr>
+          <c:explosion val="0"/>
+          <c:dPt>
+            <c:idx val="0"/>
+            <c:bubble3D val="0"/>
+            <c:spPr>
+              <a:solidFill>
+                <a:srgbClr val="006BA8"/>
+              </a:solidFill>
+              <a:ln w="25400" cap="rnd" cmpd="sng">
+                <a:solidFill>
+                  <a:schemeClr val="bg1"/>
+                </a:solidFill>
+                <a:prstDash val="solid"/>
+                <a:round/>
+              </a:ln>
+              <a:effectLst>
+                <a:outerShdw blurRad="63500" sx="102000" sy="102000" algn="ctr" rotWithShape="0">
+                  <a:prstClr val="black">
+                    <a:alpha val="40000"/>
+                  </a:prstClr>
+                </a:outerShdw>
+              </a:effectLst>
+            </c:spPr>
+          </c:dPt>
+          <c:dPt>
+            <c:idx val="1"/>
+            <c:bubble3D val="0"/>
+            <c:spPr>
+              <a:solidFill>
+                <a:srgbClr val="28CDF1"/>
+              </a:solidFill>
+              <a:ln w="25400" cap="rnd" cmpd="sng">
+                <a:solidFill>
+                  <a:schemeClr val="bg1"/>
+                </a:solidFill>
+                <a:prstDash val="solid"/>
+                <a:round/>
+              </a:ln>
+              <a:effectLst>
+                <a:outerShdw blurRad="63500" sx="102000" sy="102000" algn="ctr" rotWithShape="0">
+                  <a:prstClr val="black">
+                    <a:alpha val="40000"/>
+                  </a:prstClr>
+                </a:outerShdw>
+              </a:effectLst>
+            </c:spPr>
+          </c:dPt>
+          <c:dPt>
+            <c:idx val="2"/>
+            <c:bubble3D val="0"/>
+            <c:spPr>
+              <a:solidFill>
+                <a:srgbClr val="15A0E1"/>
+              </a:solidFill>
+              <a:ln w="25400" cap="rnd" cmpd="sng">
+                <a:solidFill>
+                  <a:schemeClr val="bg1"/>
+                </a:solidFill>
+                <a:prstDash val="solid"/>
+                <a:round/>
+              </a:ln>
+              <a:effectLst>
+                <a:outerShdw blurRad="63500" sx="102000" sy="102000" algn="ctr" rotWithShape="0">
+                  <a:prstClr val="black">
+                    <a:alpha val="40000"/>
+                  </a:prstClr>
+                </a:outerShdw>
+              </a:effectLst>
+            </c:spPr>
+          </c:dPt>
+          <c:dPt>
+            <c:idx val="3"/>
+            <c:bubble3D val="0"/>
+            <c:spPr>
+              <a:solidFill>
+                <a:srgbClr val="E63144"/>
+              </a:solidFill>
+              <a:ln w="25400" cap="rnd" cmpd="sng">
+                <a:solidFill>
+                  <a:schemeClr val="bg1"/>
+                </a:solidFill>
+                <a:prstDash val="solid"/>
+                <a:round/>
+              </a:ln>
+              <a:effectLst>
+                <a:outerShdw blurRad="63500" sx="102000" sy="102000" algn="ctr" rotWithShape="0">
+                  <a:prstClr val="black">
+                    <a:alpha val="40000"/>
+                  </a:prstClr>
+                </a:outerShdw>
+              </a:effectLst>
+            </c:spPr>
+          </c:dPt>
+          <c:dLbls>
+            <c:numFmt formatCode="General" sourceLinked="1"/>
+            <c:spPr>
+              <a:noFill/>
+              <a:ln>
+                <a:noFill/>
+              </a:ln>
+              <a:effectLst/>
+            </c:spPr>
+            <c:txPr>
+              <a:bodyPr rot="0" spcFirstLastPara="0" vertOverflow="ellipsis" vert="horz" wrap="square" lIns="38100" tIns="19050" rIns="38100" bIns="19050" anchor="ctr" anchorCtr="1" forceAA="0"/>
+              <a:lstStyle/>
+              <a:p>
+                <a:pPr>
+                  <a:defRPr lang="zh-CN" sz="900" b="1" i="0" u="none" strike="noStrike" kern="1200" baseline="0">
+                    <a:solidFill>
+                      <a:schemeClr val="bg1"/>
+                    </a:solidFill>
+                    <a:latin typeface="微软雅黑" panose="020B0503020204020204" charset="-122"/>
+                    <a:ea typeface="微软雅黑" panose="020B0503020204020204" charset="-122"/>
+                    <a:cs typeface="微软雅黑" panose="020B0503020204020204" charset="-122"/>
+                    <a:sym typeface="微软雅黑" panose="020B0503020204020204" charset="-122"/>
+                  </a:defRPr>
+                </a:pPr>
+              </a:p>
+            </c:txPr>
+            <c:dLblPos val="ctr"/>
+            <c:showLegendKey val="0"/>
+            <c:showVal val="0"/>
+            <c:showCatName val="0"/>
+            <c:showSerName val="0"/>
+            <c:showPercent val="1"/>
+            <c:showBubbleSize val="0"/>
+            <c:showLeaderLines val="0"/>
+            <c:extLst>
+              <c:ext xmlns:c15="http://schemas.microsoft.com/office/drawing/2012/chart" uri="{CE6537A1-D6FC-4f65-9D91-7224C49458BB}">
+                <c15:layout/>
+                <c15:showLeaderLines val="0"/>
+                <c15:leaderLines>
+                  <c:spPr>
+                    <a:ln w="9525" cap="flat" cmpd="sng" algn="ctr">
+                      <a:solidFill>
+                        <a:schemeClr val="tx1">
+                          <a:lumMod val="35000"/>
+                          <a:lumOff val="65000"/>
+                        </a:schemeClr>
+                      </a:solidFill>
+                      <a:round/>
+                    </a:ln>
+                    <a:effectLst/>
+                  </c:spPr>
+                </c15:leaderLines>
+              </c:ext>
+            </c:extLst>
+          </c:dLbls>
+          <c:cat>
+            <c:strRef>
+              <c:f>Sheet1!$A$2:$A$4</c:f>
+              <c:strCache>
+                <c:ptCount val="3"/>
+                <c:pt idx="0">
+                  <c:v>docker</c:v>
+                </c:pt>
+                <c:pt idx="1">
+                  <c:v>containerd</c:v>
+                </c:pt>
+                <c:pt idx="2">
+                  <c:v>cri-o</c:v>
+                </c:pt>
+              </c:strCache>
+            </c:strRef>
+          </c:cat>
+          <c:val>
+            <c:numRef>
+              <c:f>Sheet1!$B$2:$B$4</c:f>
+              <c:numCache>
+                <c:formatCode>General</c:formatCode>
+                <c:ptCount val="3"/>
+                <c:pt idx="0">
+                  <c:v>79</c:v>
+                </c:pt>
+                <c:pt idx="1">
+                  <c:v>18</c:v>
+                </c:pt>
+                <c:pt idx="2">
+                  <c:v>4</c:v>
+                </c:pt>
+              </c:numCache>
+            </c:numRef>
+          </c:val>
+        </c:ser>
+        <c:dLbls>
+          <c:showLegendKey val="0"/>
+          <c:showVal val="0"/>
+          <c:showCatName val="0"/>
+          <c:showSerName val="0"/>
+          <c:showPercent val="1"/>
+          <c:showBubbleSize val="0"/>
+          <c:showLeaderLines val="0"/>
+        </c:dLbls>
+        <c:gapWidth val="100"/>
+        <c:secondPieSize val="75"/>
+        <c:serLines>
+          <c:spPr>
+            <a:ln w="9525" cap="flat" cmpd="sng" algn="ctr">
+              <a:solidFill>
+                <a:schemeClr val="tx1">
+                  <a:lumMod val="35000"/>
+                  <a:lumOff val="65000"/>
+                </a:schemeClr>
+              </a:solidFill>
+              <a:round/>
+            </a:ln>
+            <a:effectLst/>
+          </c:spPr>
+        </c:serLines>
+      </c:ofPieChart>
+      <c:spPr>
+        <a:noFill/>
+        <a:ln>
+          <a:noFill/>
+        </a:ln>
+        <a:effectLst/>
+      </c:spPr>
+    </c:plotArea>
+    <c:legend>
+      <c:legendPos val="r"/>
+      <c:layout>
+        <c:manualLayout>
+          <c:xMode val="edge"/>
+          <c:yMode val="edge"/>
+          <c:x val="0.86594811757043"/>
+          <c:y val="0.394965838751964"/>
+          <c:w val="0.10275701037838"/>
+          <c:h val="0.367775047964649"/>
+        </c:manualLayout>
+      </c:layout>
+      <c:overlay val="0"/>
+      <c:spPr>
+        <a:noFill/>
+        <a:ln>
+          <a:noFill/>
+        </a:ln>
+        <a:effectLst/>
+      </c:spPr>
+      <c:txPr>
+        <a:bodyPr rot="0" spcFirstLastPara="0" vertOverflow="ellipsis" vert="horz" wrap="square" anchor="ctr" anchorCtr="1" forceAA="0"/>
+        <a:lstStyle/>
+        <a:p>
+          <a:pPr>
+            <a:defRPr lang="zh-CN" sz="900" b="0" i="0" u="none" strike="noStrike" kern="1200" baseline="0">
+              <a:solidFill>
+                <a:schemeClr val="tx1">
+                  <a:lumMod val="65000"/>
+                  <a:lumOff val="35000"/>
+                </a:schemeClr>
+              </a:solidFill>
+              <a:latin typeface="微软雅黑" panose="020B0503020204020204" charset="-122"/>
+              <a:ea typeface="微软雅黑" panose="020B0503020204020204" charset="-122"/>
+              <a:cs typeface="微软雅黑" panose="020B0503020204020204" charset="-122"/>
+              <a:sym typeface="微软雅黑" panose="020B0503020204020204" charset="-122"/>
+            </a:defRPr>
+          </a:pPr>
+        </a:p>
+      </c:txPr>
+    </c:legend>
+    <c:plotVisOnly val="1"/>
+    <c:dispBlanksAs val="gap"/>
+    <c:showDLblsOverMax val="0"/>
+  </c:chart>
+  <c:spPr>
+    <a:solidFill>
+      <a:sysClr val="window" lastClr="FFFFFF"/>
+    </a:solidFill>
+    <a:ln w="9525" cap="flat" cmpd="sng" algn="ctr">
+      <a:solidFill>
+        <a:schemeClr val="bg1">
+          <a:lumMod val="65000"/>
+        </a:schemeClr>
+      </a:solidFill>
+      <a:round/>
+    </a:ln>
+    <a:effectLst/>
+  </c:spPr>
+  <c:txPr>
+    <a:bodyPr/>
+    <a:lstStyle/>
+    <a:p>
+      <a:pPr>
+        <a:defRPr lang="zh-CN">
+          <a:solidFill>
+            <a:schemeClr val="tx1">
+              <a:lumMod val="65000"/>
+              <a:lumOff val="35000"/>
+            </a:schemeClr>
+          </a:solidFill>
+          <a:latin typeface="微软雅黑" panose="020B0503020204020204" charset="-122"/>
+          <a:ea typeface="微软雅黑" panose="020B0503020204020204" charset="-122"/>
+          <a:cs typeface="微软雅黑" panose="020B0503020204020204" charset="-122"/>
+          <a:sym typeface="微软雅黑" panose="020B0503020204020204" charset="-122"/>
+        </a:defRPr>
+      </a:pPr>
+    </a:p>
+  </c:txPr>
+  <c:externalData r:id="rId1">
+    <c:autoUpdate val="0"/>
+  </c:externalData>
+</c:chartSpace>
+</file>
+
+<file path=ppt/charts/colors1.xml><?xml version="1.0" encoding="utf-8"?>
+<cs:colorStyle xmlns:cs="http://schemas.microsoft.com/office/drawing/2012/chartStyle" xmlns:a="http://schemas.openxmlformats.org/drawingml/2006/main" meth="cycle" id="10">
+  <a:schemeClr val="accent1"/>
+  <a:schemeClr val="accent2"/>
+  <a:schemeClr val="accent3"/>
+  <a:schemeClr val="accent4"/>
+  <a:schemeClr val="accent5"/>
+  <a:schemeClr val="accent6"/>
+  <cs:variation/>
+  <cs:variation>
+    <a:lumMod val="60000"/>
+  </cs:variation>
+  <cs:variation>
+    <a:lumMod val="80000"/>
+    <a:lumOff val="20000"/>
+  </cs:variation>
+  <cs:variation>
+    <a:lumMod val="80000"/>
+  </cs:variation>
+  <cs:variation>
+    <a:lumMod val="60000"/>
+    <a:lumOff val="40000"/>
+  </cs:variation>
+  <cs:variation>
+    <a:lumMod val="50000"/>
+  </cs:variation>
+  <cs:variation>
+    <a:lumMod val="70000"/>
+    <a:lumOff val="30000"/>
+  </cs:variation>
+  <cs:variation>
+    <a:lumMod val="70000"/>
+  </cs:variation>
+  <cs:variation>
+    <a:lumMod val="50000"/>
+    <a:lumOff val="50000"/>
+  </cs:variation>
+</cs:colorStyle>
+</file>
+
+<file path=ppt/charts/style1.xml><?xml version="1.0" encoding="utf-8"?>
+<cs:chartStyle xmlns:cs="http://schemas.microsoft.com/office/drawing/2012/chartStyle" xmlns:a="http://schemas.openxmlformats.org/drawingml/2006/main" id="251">
+  <cs:axisTitle>
+    <cs:lnRef idx="0"/>
+    <cs:fillRef idx="0"/>
+    <cs:effectRef idx="0"/>
+    <cs:fontRef idx="minor">
+      <a:schemeClr val="tx1">
+        <a:lumMod val="65000"/>
+        <a:lumOff val="35000"/>
+      </a:schemeClr>
+    </cs:fontRef>
+    <cs:defRPr sz="1000" kern="1200"/>
+  </cs:axisTitle>
+  <cs:categoryAxis>
+    <cs:lnRef idx="0"/>
+    <cs:fillRef idx="0"/>
+    <cs:effectRef idx="0"/>
+    <cs:fontRef idx="minor">
+      <a:schemeClr val="tx1">
+        <a:lumMod val="65000"/>
+        <a:lumOff val="35000"/>
+      </a:schemeClr>
+    </cs:fontRef>
+    <cs:spPr>
+      <a:ln w="9525" cap="flat" cmpd="sng" algn="ctr">
+        <a:solidFill>
+          <a:schemeClr val="tx1">
+            <a:lumMod val="15000"/>
+            <a:lumOff val="85000"/>
+          </a:schemeClr>
+        </a:solidFill>
+        <a:round/>
+      </a:ln>
+    </cs:spPr>
+    <cs:defRPr sz="900" kern="1200"/>
+  </cs:categoryAxis>
+  <cs:chartArea mods="allowNoFillOverride allowNoLineOverride">
+    <cs:lnRef idx="0"/>
+    <cs:fillRef idx="0"/>
+    <cs:effectRef idx="0"/>
+    <cs:fontRef idx="minor">
+      <a:schemeClr val="tx1"/>
+    </cs:fontRef>
+    <cs:spPr>
+      <a:solidFill>
+        <a:schemeClr val="bg1"/>
+      </a:solidFill>
+      <a:ln w="9525" cap="flat" cmpd="sng" algn="ctr">
+        <a:solidFill>
+          <a:schemeClr val="tx1">
+            <a:lumMod val="15000"/>
+            <a:lumOff val="85000"/>
+          </a:schemeClr>
+        </a:solidFill>
+        <a:round/>
+      </a:ln>
+    </cs:spPr>
+    <cs:defRPr sz="900" kern="1200"/>
+  </cs:chartArea>
+  <cs:dataLabel>
+    <cs:lnRef idx="0"/>
+    <cs:fillRef idx="0"/>
+    <cs:effectRef idx="0"/>
+    <cs:fontRef idx="minor">
+      <a:schemeClr val="tx1">
+        <a:lumMod val="75000"/>
+        <a:lumOff val="25000"/>
+      </a:schemeClr>
+    </cs:fontRef>
+    <cs:defRPr sz="900" kern="1200"/>
+  </cs:dataLabel>
+  <cs:dataLabelCallout>
+    <cs:lnRef idx="0"/>
+    <cs:fillRef idx="0"/>
+    <cs:effectRef idx="0"/>
+    <cs:fontRef idx="minor">
+      <a:schemeClr val="dk1">
+        <a:lumMod val="65000"/>
+        <a:lumOff val="35000"/>
+      </a:schemeClr>
+    </cs:fontRef>
+    <cs:spPr>
+      <a:solidFill>
+        <a:schemeClr val="lt1"/>
+      </a:solidFill>
+      <a:ln>
+        <a:solidFill>
+          <a:schemeClr val="dk1">
+            <a:lumMod val="25000"/>
+            <a:lumOff val="75000"/>
+          </a:schemeClr>
+        </a:solidFill>
+      </a:ln>
+    </cs:spPr>
+    <cs:defRPr sz="900" kern="1200"/>
+    <cs:bodyPr rot="0" spcFirstLastPara="1" vertOverflow="clip" horzOverflow="clip" vert="horz" wrap="square" lIns="36576" tIns="18288" rIns="36576" bIns="18288" anchor="ctr" anchorCtr="1">
+      <a:spAutoFit/>
+    </cs:bodyPr>
+  </cs:dataLabelCallout>
+  <cs:dataPoint>
+    <cs:lnRef idx="0"/>
+    <cs:fillRef idx="1">
+      <cs:styleClr val="auto"/>
+    </cs:fillRef>
+    <cs:effectRef idx="0"/>
+    <cs:fontRef idx="minor">
+      <a:schemeClr val="tx1"/>
+    </cs:fontRef>
+    <cs:spPr>
+      <a:ln w="19050">
+        <a:solidFill>
+          <a:schemeClr val="lt1"/>
+        </a:solidFill>
+      </a:ln>
+    </cs:spPr>
+  </cs:dataPoint>
+  <cs:dataPoint3D>
+    <cs:lnRef idx="0"/>
+    <cs:fillRef idx="1">
+      <cs:styleClr val="auto"/>
+    </cs:fillRef>
+    <cs:effectRef idx="0"/>
+    <cs:fontRef idx="minor">
+      <a:schemeClr val="tx1"/>
+    </cs:fontRef>
+    <cs:spPr>
+      <a:ln w="25400">
+        <a:solidFill>
+          <a:schemeClr val="lt1"/>
+        </a:solidFill>
+      </a:ln>
+    </cs:spPr>
+  </cs:dataPoint3D>
+  <cs:dataPointLine>
+    <cs:lnRef idx="0">
+      <cs:styleClr val="auto"/>
+    </cs:lnRef>
+    <cs:fillRef idx="0"/>
+    <cs:effectRef idx="0"/>
+    <cs:fontRef idx="minor">
+      <a:schemeClr val="tx1"/>
+    </cs:fontRef>
+    <cs:spPr>
+      <a:ln w="28575" cap="rnd">
+        <a:solidFill>
+          <a:schemeClr val="phClr"/>
+        </a:solidFill>
+        <a:round/>
+      </a:ln>
+    </cs:spPr>
+  </cs:dataPointLine>
+  <cs:dataPointMarker>
+    <cs:lnRef idx="0">
+      <cs:styleClr val="auto"/>
+    </cs:lnRef>
+    <cs:fillRef idx="1">
+      <cs:styleClr val="auto"/>
+    </cs:fillRef>
+    <cs:effectRef idx="0"/>
+    <cs:fontRef idx="minor">
+      <a:schemeClr val="tx1"/>
+    </cs:fontRef>
+    <cs:spPr>
+      <a:ln w="9525">
+        <a:solidFill>
+          <a:schemeClr val="phClr"/>
+        </a:solidFill>
+      </a:ln>
+    </cs:spPr>
+  </cs:dataPointMarker>
+  <cs:dataPointMarkerLayout symbol="circle" size="5"/>
+  <cs:dataPointWireframe>
+    <cs:lnRef idx="0">
+      <cs:styleClr val="auto"/>
+    </cs:lnRef>
+    <cs:fillRef idx="0"/>
+    <cs:effectRef idx="0"/>
+    <cs:fontRef idx="minor">
+      <a:schemeClr val="tx1"/>
+    </cs:fontRef>
+    <cs:spPr>
+      <a:ln w="9525" cap="rnd">
+        <a:solidFill>
+          <a:schemeClr val="phClr"/>
+        </a:solidFill>
+        <a:round/>
+      </a:ln>
+    </cs:spPr>
+  </cs:dataPointWireframe>
+  <cs:dataTable>
+    <cs:lnRef idx="0"/>
+    <cs:fillRef idx="0"/>
+    <cs:effectRef idx="0"/>
+    <cs:fontRef idx="minor">
+      <a:schemeClr val="tx1">
+        <a:lumMod val="65000"/>
+        <a:lumOff val="35000"/>
+      </a:schemeClr>
+    </cs:fontRef>
+    <cs:spPr>
+      <a:noFill/>
+      <a:ln w="9525" cap="flat" cmpd="sng" algn="ctr">
+        <a:solidFill>
+          <a:schemeClr val="tx1">
+            <a:lumMod val="15000"/>
+            <a:lumOff val="85000"/>
+          </a:schemeClr>
+        </a:solidFill>
+        <a:round/>
+      </a:ln>
+    </cs:spPr>
+    <cs:defRPr sz="900" kern="1200"/>
+  </cs:dataTable>
+  <cs:downBar>
+    <cs:lnRef idx="0"/>
+    <cs:fillRef idx="0"/>
+    <cs:effectRef idx="0"/>
+    <cs:fontRef idx="minor">
+      <a:schemeClr val="tx1"/>
+    </cs:fontRef>
+    <cs:spPr>
+      <a:solidFill>
+        <a:schemeClr val="dk1">
+          <a:lumMod val="75000"/>
+          <a:lumOff val="25000"/>
+        </a:schemeClr>
+      </a:solidFill>
+      <a:ln w="9525" cap="flat" cmpd="sng" algn="ctr">
+        <a:solidFill>
+          <a:schemeClr val="tx1">
+            <a:lumMod val="65000"/>
+            <a:lumOff val="35000"/>
+          </a:schemeClr>
+        </a:solidFill>
+        <a:round/>
+      </a:ln>
+    </cs:spPr>
+  </cs:downBar>
+  <cs:dropLine>
+    <cs:lnRef idx="0"/>
+    <cs:fillRef idx="0"/>
+    <cs:effectRef idx="0"/>
+    <cs:fontRef idx="minor">
+      <a:schemeClr val="tx1"/>
+    </cs:fontRef>
+    <cs:spPr>
+      <a:ln w="9525" cap="flat" cmpd="sng" algn="ctr">
+        <a:solidFill>
+          <a:schemeClr val="tx1">
+            <a:lumMod val="35000"/>
+            <a:lumOff val="65000"/>
+          </a:schemeClr>
+        </a:solidFill>
+        <a:round/>
+      </a:ln>
+    </cs:spPr>
+  </cs:dropLine>
+  <cs:errorBar>
+    <cs:lnRef idx="0"/>
+    <cs:fillRef idx="0"/>
+    <cs:effectRef idx="0"/>
+    <cs:fontRef idx="minor">
+      <a:schemeClr val="tx1"/>
+    </cs:fontRef>
+    <cs:spPr>
+      <a:ln w="9525" cap="flat" cmpd="sng" algn="ctr">
+        <a:solidFill>
+          <a:schemeClr val="tx1">
+            <a:lumMod val="65000"/>
+            <a:lumOff val="35000"/>
+          </a:schemeClr>
+        </a:solidFill>
+        <a:round/>
+      </a:ln>
+    </cs:spPr>
+  </cs:errorBar>
+  <cs:floor>
+    <cs:lnRef idx="0"/>
+    <cs:fillRef idx="0"/>
+    <cs:effectRef idx="0"/>
+    <cs:fontRef idx="minor">
+      <a:schemeClr val="tx1"/>
+    </cs:fontRef>
+    <cs:spPr>
+      <a:noFill/>
+      <a:ln>
+        <a:noFill/>
+      </a:ln>
+    </cs:spPr>
+  </cs:floor>
+  <cs:gridlineMajor>
+    <cs:lnRef idx="0"/>
+    <cs:fillRef idx="0"/>
+    <cs:effectRef idx="0"/>
+    <cs:fontRef idx="minor">
+      <a:schemeClr val="tx1"/>
+    </cs:fontRef>
+    <cs:spPr>
+      <a:ln w="9525" cap="flat" cmpd="sng" algn="ctr">
+        <a:solidFill>
+          <a:schemeClr val="tx1">
+            <a:lumMod val="15000"/>
+            <a:lumOff val="85000"/>
+          </a:schemeClr>
+        </a:solidFill>
+        <a:round/>
+      </a:ln>
+    </cs:spPr>
+  </cs:gridlineMajor>
+  <cs:gridlineMinor>
+    <cs:lnRef idx="0"/>
+    <cs:fillRef idx="0"/>
+    <cs:effectRef idx="0"/>
+    <cs:fontRef idx="minor">
+      <a:schemeClr val="tx1"/>
+    </cs:fontRef>
+    <cs:spPr>
+      <a:ln w="9525" cap="flat" cmpd="sng" algn="ctr">
+        <a:solidFill>
+          <a:schemeClr val="tx1">
+            <a:lumMod val="5000"/>
+            <a:lumOff val="95000"/>
+          </a:schemeClr>
+        </a:solidFill>
+        <a:round/>
+      </a:ln>
+    </cs:spPr>
+  </cs:gridlineMinor>
+  <cs:hiLoLine>
+    <cs:lnRef idx="0"/>
+    <cs:fillRef idx="0"/>
+    <cs:effectRef idx="0"/>
+    <cs:fontRef idx="minor">
+      <a:schemeClr val="tx1"/>
+    </cs:fontRef>
+    <cs:spPr>
+      <a:ln w="9525" cap="flat" cmpd="sng" algn="ctr">
+        <a:solidFill>
+          <a:schemeClr val="tx1">
+            <a:lumMod val="50000"/>
+            <a:lumOff val="50000"/>
+          </a:schemeClr>
+        </a:solidFill>
+        <a:round/>
+      </a:ln>
+    </cs:spPr>
+  </cs:hiLoLine>
+  <cs:leaderLine>
+    <cs:lnRef idx="0"/>
+    <cs:fillRef idx="0"/>
+    <cs:effectRef idx="0"/>
+    <cs:fontRef idx="minor">
+      <a:schemeClr val="tx1"/>
+    </cs:fontRef>
+    <cs:spPr>
+      <a:ln w="9525" cap="flat" cmpd="sng" algn="ctr">
+        <a:solidFill>
+          <a:schemeClr val="tx1">
+            <a:lumMod val="35000"/>
+            <a:lumOff val="65000"/>
+          </a:schemeClr>
+        </a:solidFill>
+        <a:round/>
+      </a:ln>
+    </cs:spPr>
+  </cs:leaderLine>
+  <cs:legend>
+    <cs:lnRef idx="0"/>
+    <cs:fillRef idx="0"/>
+    <cs:effectRef idx="0"/>
+    <cs:fontRef idx="minor">
+      <a:schemeClr val="tx1">
+        <a:lumMod val="65000"/>
+        <a:lumOff val="35000"/>
+      </a:schemeClr>
+    </cs:fontRef>
+    <cs:defRPr sz="900" kern="1200"/>
+  </cs:legend>
+  <cs:plotArea mods="allowNoFillOverride allowNoLineOverride">
+    <cs:lnRef idx="0"/>
+    <cs:fillRef idx="0"/>
+    <cs:effectRef idx="0"/>
+    <cs:fontRef idx="minor">
+      <a:schemeClr val="tx1"/>
+    </cs:fontRef>
+  </cs:plotArea>
+  <cs:plotArea3D mods="allowNoFillOverride allowNoLineOverride">
+    <cs:lnRef idx="0"/>
+    <cs:fillRef idx="0"/>
+    <cs:effectRef idx="0"/>
+    <cs:fontRef idx="minor">
+      <a:schemeClr val="tx1"/>
+    </cs:fontRef>
+  </cs:plotArea3D>
+  <cs:seriesAxis>
+    <cs:lnRef idx="0"/>
+    <cs:fillRef idx="0"/>
+    <cs:effectRef idx="0"/>
+    <cs:fontRef idx="minor">
+      <a:schemeClr val="tx1">
+        <a:lumMod val="65000"/>
+        <a:lumOff val="35000"/>
+      </a:schemeClr>
+    </cs:fontRef>
+    <cs:defRPr sz="900" kern="1200"/>
+  </cs:seriesAxis>
+  <cs:seriesLine>
+    <cs:lnRef idx="0"/>
+    <cs:fillRef idx="0"/>
+    <cs:effectRef idx="0"/>
+    <cs:fontRef idx="minor">
+      <a:schemeClr val="tx1"/>
+    </cs:fontRef>
+    <cs:spPr>
+      <a:ln w="9525" cap="flat" cmpd="sng" algn="ctr">
+        <a:solidFill>
+          <a:schemeClr val="tx1">
+            <a:lumMod val="35000"/>
+            <a:lumOff val="65000"/>
+          </a:schemeClr>
+        </a:solidFill>
+        <a:round/>
+      </a:ln>
+    </cs:spPr>
+  </cs:seriesLine>
+  <cs:title>
+    <cs:lnRef idx="0"/>
+    <cs:fillRef idx="0"/>
+    <cs:effectRef idx="0"/>
+    <cs:fontRef idx="minor">
+      <a:schemeClr val="tx1">
+        <a:lumMod val="65000"/>
+        <a:lumOff val="35000"/>
+      </a:schemeClr>
+    </cs:fontRef>
+    <cs:defRPr sz="1400" b="0" kern="1200" spc="0" baseline="0"/>
+  </cs:title>
+  <cs:trendline>
+    <cs:lnRef idx="0">
+      <cs:styleClr val="auto"/>
+    </cs:lnRef>
+    <cs:fillRef idx="0"/>
+    <cs:effectRef idx="0"/>
+    <cs:fontRef idx="minor">
+      <a:schemeClr val="tx1"/>
+    </cs:fontRef>
+    <cs:spPr>
+      <a:ln w="19050" cap="rnd">
+        <a:solidFill>
+          <a:schemeClr val="phClr"/>
+        </a:solidFill>
+        <a:prstDash val="sysDot"/>
+      </a:ln>
+    </cs:spPr>
+  </cs:trendline>
+  <cs:trendlineLabel>
+    <cs:lnRef idx="0"/>
+    <cs:fillRef idx="0"/>
+    <cs:effectRef idx="0"/>
+    <cs:fontRef idx="minor">
+      <a:schemeClr val="tx1">
+        <a:lumMod val="65000"/>
+        <a:lumOff val="35000"/>
+      </a:schemeClr>
+    </cs:fontRef>
+    <cs:defRPr sz="900" kern="1200"/>
+  </cs:trendlineLabel>
+  <cs:upBar>
+    <cs:lnRef idx="0"/>
+    <cs:fillRef idx="0"/>
+    <cs:effectRef idx="0"/>
+    <cs:fontRef idx="minor">
+      <a:schemeClr val="tx1"/>
+    </cs:fontRef>
+    <cs:spPr>
+      <a:solidFill>
+        <a:schemeClr val="lt1"/>
+      </a:solidFill>
+      <a:ln w="9525" cap="flat" cmpd="sng" algn="ctr">
+        <a:solidFill>
+          <a:schemeClr val="tx1">
+            <a:lumMod val="65000"/>
+            <a:lumOff val="35000"/>
+          </a:schemeClr>
+        </a:solidFill>
+        <a:round/>
+      </a:ln>
+    </cs:spPr>
+  </cs:upBar>
+  <cs:valueAxis>
+    <cs:lnRef idx="0"/>
+    <cs:fillRef idx="0"/>
+    <cs:effectRef idx="0"/>
+    <cs:fontRef idx="minor">
+      <a:schemeClr val="tx1">
+        <a:lumMod val="65000"/>
+        <a:lumOff val="35000"/>
+      </a:schemeClr>
+    </cs:fontRef>
+    <cs:defRPr sz="900" kern="1200"/>
+  </cs:valueAxis>
+  <cs:wall>
+    <cs:lnRef idx="0"/>
+    <cs:fillRef idx="0"/>
+    <cs:effectRef idx="0"/>
+    <cs:fontRef idx="minor">
+      <a:schemeClr val="tx1"/>
+    </cs:fontRef>
+    <cs:spPr>
+      <a:noFill/>
+      <a:ln>
+        <a:noFill/>
+      </a:ln>
+    </cs:spPr>
+  </cs:wall>
+</cs:chartStyle>
 </file>
 
 <file path=ppt/notesMasters/notesMaster1.xml><?xml version="1.0" encoding="utf-8"?>
@@ -8290,429 +9253,653 @@
       <p:grpSpPr/>
       <p:sp>
         <p:nvSpPr>
-          <p:cNvPr id="2" name="文本框 1"/>
-          <p:cNvSpPr txBox="1"/>
+          <p:cNvPr id="4" name="矩形 3"/>
+          <p:cNvSpPr/>
           <p:nvPr/>
         </p:nvSpPr>
         <p:spPr>
           <a:xfrm>
-            <a:off x="681355" y="830580"/>
-            <a:ext cx="10055225" cy="4939030"/>
+            <a:off x="2203450" y="1031240"/>
+            <a:ext cx="3325495" cy="4716145"/>
           </a:xfrm>
           <a:prstGeom prst="rect">
             <a:avLst/>
           </a:prstGeom>
-          <a:noFill/>
-        </p:spPr>
-        <p:txBody>
-          <a:bodyPr wrap="square" rtlCol="0">
-            <a:spAutoFit/>
-          </a:bodyPr>
-          <a:p>
-            <a:pPr>
-              <a:lnSpc>
-                <a:spcPct val="150000"/>
-              </a:lnSpc>
-            </a:pPr>
-            <a:r>
-              <a:rPr lang="en-US" altLang="zh-CN" sz="1400" b="1">
-                <a:latin typeface="Times New Roman" panose="02020603050405020304" charset="0"/>
-                <a:ea typeface="楷体" panose="02010609060101010101" charset="-122"/>
-                <a:cs typeface="Times New Roman" panose="02020603050405020304" charset="0"/>
-              </a:rPr>
-              <a:t>API SERVER</a:t>
-            </a:r>
-            <a:r>
-              <a:rPr lang="zh-CN" altLang="en-US" sz="1400" b="1">
-                <a:latin typeface="Times New Roman" panose="02020603050405020304" charset="0"/>
-                <a:ea typeface="楷体" panose="02010609060101010101" charset="-122"/>
-                <a:cs typeface="Times New Roman" panose="02020603050405020304" charset="0"/>
-              </a:rPr>
-              <a:t>：</a:t>
-            </a:r>
-            <a:endParaRPr lang="zh-CN" altLang="en-US" sz="1400" b="1">
-              <a:latin typeface="Times New Roman" panose="02020603050405020304" charset="0"/>
-              <a:ea typeface="楷体" panose="02010609060101010101" charset="-122"/>
-              <a:cs typeface="Times New Roman" panose="02020603050405020304" charset="0"/>
-            </a:endParaRPr>
-          </a:p>
-          <a:p>
-            <a:pPr indent="0">
-              <a:lnSpc>
-                <a:spcPct val="150000"/>
-              </a:lnSpc>
-              <a:buFont typeface="Arial" panose="020B0604020202020204" pitchFamily="34" charset="0"/>
-              <a:buNone/>
-            </a:pPr>
-            <a:r>
-              <a:rPr lang="zh-CN" altLang="en-US" sz="1400">
-                <a:latin typeface="Times New Roman" panose="02020603050405020304" charset="0"/>
-                <a:ea typeface="楷体" panose="02010609060101010101" charset="-122"/>
-                <a:cs typeface="Times New Roman" panose="02020603050405020304" charset="0"/>
-              </a:rPr>
-              <a:t>控制平面核心，使用</a:t>
-            </a:r>
-            <a:r>
-              <a:rPr lang="en-US" altLang="zh-CN" sz="1400">
-                <a:latin typeface="Times New Roman" panose="02020603050405020304" charset="0"/>
-                <a:ea typeface="楷体" panose="02010609060101010101" charset="-122"/>
-                <a:cs typeface="Times New Roman" panose="02020603050405020304" charset="0"/>
-              </a:rPr>
-              <a:t>http API</a:t>
-            </a:r>
-            <a:r>
-              <a:rPr lang="zh-CN" altLang="en-US" sz="1400">
-                <a:latin typeface="Times New Roman" panose="02020603050405020304" charset="0"/>
-                <a:ea typeface="楷体" panose="02010609060101010101" charset="-122"/>
-                <a:cs typeface="Times New Roman" panose="02020603050405020304" charset="0"/>
-              </a:rPr>
-              <a:t>让终端用户、集群组件和扩展组件之间可以互相通信</a:t>
-            </a:r>
-            <a:endParaRPr lang="zh-CN" altLang="en-US" sz="1400">
-              <a:latin typeface="Times New Roman" panose="02020603050405020304" charset="0"/>
-              <a:ea typeface="楷体" panose="02010609060101010101" charset="-122"/>
-              <a:cs typeface="Times New Roman" panose="02020603050405020304" charset="0"/>
-            </a:endParaRPr>
-          </a:p>
-          <a:p>
-            <a:pPr indent="0">
-              <a:lnSpc>
-                <a:spcPct val="150000"/>
-              </a:lnSpc>
-              <a:buFont typeface="Arial" panose="020B0604020202020204" pitchFamily="34" charset="0"/>
-              <a:buNone/>
-            </a:pPr>
-            <a:endParaRPr lang="zh-CN" altLang="en-US" sz="1400">
-              <a:latin typeface="Times New Roman" panose="02020603050405020304" charset="0"/>
-              <a:ea typeface="楷体" panose="02010609060101010101" charset="-122"/>
-              <a:cs typeface="Times New Roman" panose="02020603050405020304" charset="0"/>
-            </a:endParaRPr>
-          </a:p>
-          <a:p>
-            <a:pPr indent="0">
-              <a:lnSpc>
-                <a:spcPct val="150000"/>
-              </a:lnSpc>
-              <a:buFont typeface="Arial" panose="020B0604020202020204" pitchFamily="34" charset="0"/>
-              <a:buNone/>
-            </a:pPr>
-            <a:r>
-              <a:rPr lang="en-US" altLang="zh-CN" sz="1400">
-                <a:latin typeface="Times New Roman" panose="02020603050405020304" charset="0"/>
-                <a:ea typeface="楷体" panose="02010609060101010101" charset="-122"/>
-                <a:cs typeface="Times New Roman" panose="02020603050405020304" charset="0"/>
-              </a:rPr>
-              <a:t>Api Server</a:t>
-            </a:r>
-            <a:r>
-              <a:rPr lang="zh-CN" altLang="en-US" sz="1400">
-                <a:latin typeface="Times New Roman" panose="02020603050405020304" charset="0"/>
-                <a:ea typeface="楷体" panose="02010609060101010101" charset="-122"/>
-                <a:cs typeface="Times New Roman" panose="02020603050405020304" charset="0"/>
-              </a:rPr>
-              <a:t>用以查询和管理</a:t>
-            </a:r>
-            <a:r>
-              <a:rPr lang="en-US" altLang="zh-CN" sz="1400">
-                <a:latin typeface="Times New Roman" panose="02020603050405020304" charset="0"/>
-                <a:ea typeface="楷体" panose="02010609060101010101" charset="-122"/>
-                <a:cs typeface="Times New Roman" panose="02020603050405020304" charset="0"/>
-              </a:rPr>
-              <a:t>Kubernetes</a:t>
-            </a:r>
-            <a:r>
-              <a:rPr lang="zh-CN" altLang="en-US" sz="1400">
-                <a:latin typeface="Times New Roman" panose="02020603050405020304" charset="0"/>
-                <a:ea typeface="楷体" panose="02010609060101010101" charset="-122"/>
-                <a:cs typeface="Times New Roman" panose="02020603050405020304" charset="0"/>
-              </a:rPr>
-              <a:t>中的对象（</a:t>
-            </a:r>
-            <a:r>
-              <a:rPr lang="en-US" altLang="zh-CN" sz="1400">
-                <a:latin typeface="Times New Roman" panose="02020603050405020304" charset="0"/>
-                <a:ea typeface="楷体" panose="02010609060101010101" charset="-122"/>
-                <a:cs typeface="Times New Roman" panose="02020603050405020304" charset="0"/>
-              </a:rPr>
-              <a:t>object</a:t>
-            </a:r>
-            <a:r>
-              <a:rPr lang="zh-CN" altLang="en-US" sz="1400">
-                <a:latin typeface="Times New Roman" panose="02020603050405020304" charset="0"/>
-                <a:ea typeface="楷体" panose="02010609060101010101" charset="-122"/>
-                <a:cs typeface="Times New Roman" panose="02020603050405020304" charset="0"/>
-              </a:rPr>
-              <a:t>）状态</a:t>
-            </a:r>
-            <a:endParaRPr lang="zh-CN" altLang="en-US" sz="1400">
-              <a:latin typeface="Times New Roman" panose="02020603050405020304" charset="0"/>
-              <a:ea typeface="楷体" panose="02010609060101010101" charset="-122"/>
-              <a:cs typeface="Times New Roman" panose="02020603050405020304" charset="0"/>
-            </a:endParaRPr>
-          </a:p>
-          <a:p>
-            <a:pPr indent="0">
-              <a:lnSpc>
-                <a:spcPct val="150000"/>
-              </a:lnSpc>
-              <a:buFont typeface="Arial" panose="020B0604020202020204" pitchFamily="34" charset="0"/>
-              <a:buNone/>
-            </a:pPr>
-            <a:endParaRPr lang="zh-CN" altLang="en-US" sz="1400">
-              <a:latin typeface="Times New Roman" panose="02020603050405020304" charset="0"/>
-              <a:ea typeface="楷体" panose="02010609060101010101" charset="-122"/>
-              <a:cs typeface="Times New Roman" panose="02020603050405020304" charset="0"/>
-            </a:endParaRPr>
-          </a:p>
-          <a:p>
-            <a:pPr indent="0">
-              <a:lnSpc>
-                <a:spcPct val="150000"/>
-              </a:lnSpc>
-              <a:buFont typeface="Arial" panose="020B0604020202020204" pitchFamily="34" charset="0"/>
-              <a:buNone/>
-            </a:pPr>
-            <a:r>
-              <a:rPr lang="en-US" altLang="zh-CN" sz="1400">
-                <a:latin typeface="Times New Roman" panose="02020603050405020304" charset="0"/>
-                <a:ea typeface="楷体" panose="02010609060101010101" charset="-122"/>
-                <a:cs typeface="Times New Roman" panose="02020603050405020304" charset="0"/>
-              </a:rPr>
-              <a:t>Api groups</a:t>
-            </a:r>
-            <a:r>
-              <a:rPr lang="zh-CN" altLang="en-US" sz="1400">
-                <a:latin typeface="Times New Roman" panose="02020603050405020304" charset="0"/>
-                <a:ea typeface="楷体" panose="02010609060101010101" charset="-122"/>
-                <a:cs typeface="Times New Roman" panose="02020603050405020304" charset="0"/>
-              </a:rPr>
-              <a:t>定义了当前组下所能管理资源对象</a:t>
-            </a:r>
-            <a:endParaRPr lang="zh-CN" altLang="en-US" sz="1400">
-              <a:latin typeface="Times New Roman" panose="02020603050405020304" charset="0"/>
-              <a:ea typeface="楷体" panose="02010609060101010101" charset="-122"/>
-              <a:cs typeface="Times New Roman" panose="02020603050405020304" charset="0"/>
-            </a:endParaRPr>
-          </a:p>
-          <a:p>
-            <a:pPr marL="285750" indent="-285750">
-              <a:lnSpc>
-                <a:spcPct val="150000"/>
-              </a:lnSpc>
-              <a:buFont typeface="Arial" panose="020B0604020202020204" pitchFamily="34" charset="0"/>
-              <a:buChar char="•"/>
-            </a:pPr>
-            <a:r>
-              <a:rPr lang="en-US" altLang="zh-CN" sz="1400">
-                <a:latin typeface="Times New Roman" panose="02020603050405020304" charset="0"/>
-                <a:ea typeface="楷体" panose="02010609060101010101" charset="-122"/>
-                <a:cs typeface="Times New Roman" panose="02020603050405020304" charset="0"/>
-              </a:rPr>
-              <a:t>vX		</a:t>
-            </a:r>
-            <a:r>
-              <a:rPr lang="zh-CN" altLang="en-US" sz="1400">
-                <a:latin typeface="Times New Roman" panose="02020603050405020304" charset="0"/>
-                <a:ea typeface="楷体" panose="02010609060101010101" charset="-122"/>
-                <a:cs typeface="Times New Roman" panose="02020603050405020304" charset="0"/>
-              </a:rPr>
-              <a:t>可用，稳定版本</a:t>
-            </a:r>
-            <a:endParaRPr lang="zh-CN" altLang="en-US" sz="1400">
-              <a:latin typeface="Times New Roman" panose="02020603050405020304" charset="0"/>
-              <a:ea typeface="楷体" panose="02010609060101010101" charset="-122"/>
-              <a:cs typeface="Times New Roman" panose="02020603050405020304" charset="0"/>
-            </a:endParaRPr>
-          </a:p>
-          <a:p>
-            <a:pPr marL="285750" indent="-285750">
-              <a:lnSpc>
-                <a:spcPct val="150000"/>
-              </a:lnSpc>
-              <a:buFont typeface="Arial" panose="020B0604020202020204" pitchFamily="34" charset="0"/>
-              <a:buChar char="•"/>
-            </a:pPr>
-            <a:r>
-              <a:rPr lang="en-US" altLang="zh-CN" sz="1400">
-                <a:latin typeface="Times New Roman" panose="02020603050405020304" charset="0"/>
-                <a:ea typeface="楷体" panose="02010609060101010101" charset="-122"/>
-                <a:cs typeface="Times New Roman" panose="02020603050405020304" charset="0"/>
-              </a:rPr>
-              <a:t>v1beta1		</a:t>
-            </a:r>
-            <a:r>
-              <a:rPr lang="zh-CN" altLang="en-US" sz="1400">
-                <a:latin typeface="Times New Roman" panose="02020603050405020304" charset="0"/>
-                <a:ea typeface="楷体" panose="02010609060101010101" charset="-122"/>
-                <a:cs typeface="Times New Roman" panose="02020603050405020304" charset="0"/>
-              </a:rPr>
-              <a:t>预发布版本</a:t>
-            </a:r>
-            <a:endParaRPr lang="zh-CN" altLang="en-US" sz="1400">
-              <a:latin typeface="Times New Roman" panose="02020603050405020304" charset="0"/>
-              <a:ea typeface="楷体" panose="02010609060101010101" charset="-122"/>
-              <a:cs typeface="Times New Roman" panose="02020603050405020304" charset="0"/>
-            </a:endParaRPr>
-          </a:p>
-          <a:p>
-            <a:pPr marL="285750" indent="-285750">
-              <a:lnSpc>
-                <a:spcPct val="150000"/>
-              </a:lnSpc>
-              <a:buFont typeface="Arial" panose="020B0604020202020204" pitchFamily="34" charset="0"/>
-              <a:buChar char="•"/>
-            </a:pPr>
-            <a:r>
-              <a:rPr lang="en-US" altLang="zh-CN" sz="1400">
-                <a:latin typeface="Times New Roman" panose="02020603050405020304" charset="0"/>
-                <a:ea typeface="楷体" panose="02010609060101010101" charset="-122"/>
-                <a:cs typeface="Times New Roman" panose="02020603050405020304" charset="0"/>
-              </a:rPr>
-              <a:t>v1alpha1	</a:t>
-            </a:r>
-            <a:r>
-              <a:rPr lang="zh-CN" altLang="en-US" sz="1400">
-                <a:latin typeface="Times New Roman" panose="02020603050405020304" charset="0"/>
-                <a:ea typeface="楷体" panose="02010609060101010101" charset="-122"/>
-                <a:cs typeface="Times New Roman" panose="02020603050405020304" charset="0"/>
-              </a:rPr>
-              <a:t>实验性版本</a:t>
-            </a:r>
-            <a:endParaRPr lang="zh-CN" altLang="en-US" sz="1400">
-              <a:latin typeface="Times New Roman" panose="02020603050405020304" charset="0"/>
-              <a:ea typeface="楷体" panose="02010609060101010101" charset="-122"/>
-              <a:cs typeface="Times New Roman" panose="02020603050405020304" charset="0"/>
-            </a:endParaRPr>
-          </a:p>
-          <a:p>
-            <a:pPr marL="285750" indent="-285750">
-              <a:lnSpc>
-                <a:spcPct val="150000"/>
-              </a:lnSpc>
-              <a:buFont typeface="Arial" panose="020B0604020202020204" pitchFamily="34" charset="0"/>
-              <a:buChar char="•"/>
-            </a:pPr>
-            <a:endParaRPr lang="zh-CN" altLang="en-US" sz="1400">
-              <a:latin typeface="Times New Roman" panose="02020603050405020304" charset="0"/>
-              <a:ea typeface="楷体" panose="02010609060101010101" charset="-122"/>
-              <a:cs typeface="Times New Roman" panose="02020603050405020304" charset="0"/>
-            </a:endParaRPr>
-          </a:p>
-          <a:p>
-            <a:pPr indent="0">
-              <a:lnSpc>
-                <a:spcPct val="150000"/>
-              </a:lnSpc>
-              <a:buFont typeface="Arial" panose="020B0604020202020204" pitchFamily="34" charset="0"/>
-              <a:buNone/>
-            </a:pPr>
-            <a:r>
-              <a:rPr lang="en-US" altLang="zh-CN" sz="1400">
-                <a:latin typeface="Times New Roman" panose="02020603050405020304" charset="0"/>
-                <a:ea typeface="楷体" panose="02010609060101010101" charset="-122"/>
-                <a:cs typeface="Times New Roman" panose="02020603050405020304" charset="0"/>
-              </a:rPr>
+        </p:spPr>
+        <p:style>
+          <a:lnRef idx="2">
+            <a:schemeClr val="accent1"/>
+          </a:lnRef>
+          <a:fillRef idx="1">
+            <a:schemeClr val="lt1"/>
+          </a:fillRef>
+          <a:effectRef idx="0">
+            <a:schemeClr val="accent1"/>
+          </a:effectRef>
+          <a:fontRef idx="minor">
+            <a:schemeClr val="dk1"/>
+          </a:fontRef>
+        </p:style>
+        <p:txBody>
+          <a:bodyPr rtlCol="0" anchor="ctr"/>
+          <a:p>
+            <a:pPr algn="ctr"/>
+            <a:endParaRPr lang="zh-CN" altLang="en-US"/>
+          </a:p>
+        </p:txBody>
+      </p:sp>
+      <p:sp>
+        <p:nvSpPr>
+          <p:cNvPr id="5" name="矩形 4"/>
+          <p:cNvSpPr/>
+          <p:nvPr/>
+        </p:nvSpPr>
+        <p:spPr>
+          <a:xfrm>
+            <a:off x="2203450" y="5143500"/>
+            <a:ext cx="3316605" cy="584835"/>
+          </a:xfrm>
+          <a:prstGeom prst="rect">
+            <a:avLst/>
+          </a:prstGeom>
+        </p:spPr>
+        <p:style>
+          <a:lnRef idx="2">
+            <a:schemeClr val="accent1">
+              <a:shade val="50000"/>
+            </a:schemeClr>
+          </a:lnRef>
+          <a:fillRef idx="1">
+            <a:schemeClr val="accent1"/>
+          </a:fillRef>
+          <a:effectRef idx="0">
+            <a:schemeClr val="accent1"/>
+          </a:effectRef>
+          <a:fontRef idx="minor">
+            <a:schemeClr val="lt1"/>
+          </a:fontRef>
+        </p:style>
+        <p:txBody>
+          <a:bodyPr rtlCol="0" anchor="ctr"/>
+          <a:p>
+            <a:pPr algn="l"/>
+            <a:r>
+              <a:rPr lang="en-US" altLang="zh-CN"/>
+              <a:t>ens33</a:t>
+            </a:r>
+            <a:endParaRPr lang="en-US" altLang="zh-CN"/>
+          </a:p>
+          <a:p>
+            <a:pPr algn="l"/>
+            <a:r>
+              <a:rPr lang="en-US" altLang="zh-CN"/>
+              <a:t>192.168.92.160(kube-master)</a:t>
+            </a:r>
+            <a:endParaRPr lang="en-US" altLang="zh-CN"/>
+          </a:p>
+        </p:txBody>
+      </p:sp>
+      <p:sp>
+        <p:nvSpPr>
+          <p:cNvPr id="6" name="圆角矩形 5"/>
+          <p:cNvSpPr/>
+          <p:nvPr/>
+        </p:nvSpPr>
+        <p:spPr>
+          <a:xfrm>
+            <a:off x="3176270" y="1896745"/>
+            <a:ext cx="1370965" cy="488950"/>
+          </a:xfrm>
+          <a:prstGeom prst="roundRect">
+            <a:avLst/>
+          </a:prstGeom>
+        </p:spPr>
+        <p:style>
+          <a:lnRef idx="2">
+            <a:schemeClr val="accent2">
+              <a:shade val="50000"/>
+            </a:schemeClr>
+          </a:lnRef>
+          <a:fillRef idx="1">
+            <a:schemeClr val="accent2"/>
+          </a:fillRef>
+          <a:effectRef idx="0">
+            <a:schemeClr val="accent2"/>
+          </a:effectRef>
+          <a:fontRef idx="minor">
+            <a:schemeClr val="lt1"/>
+          </a:fontRef>
+        </p:style>
+        <p:txBody>
+          <a:bodyPr rtlCol="0" anchor="ctr"/>
+          <a:p>
+            <a:pPr algn="ctr"/>
+            <a:r>
+              <a:rPr lang="en-US" altLang="zh-CN"/>
               <a:t>API Server</a:t>
             </a:r>
-            <a:r>
-              <a:rPr lang="zh-CN" altLang="en-US" sz="1400">
-                <a:latin typeface="Times New Roman" panose="02020603050405020304" charset="0"/>
-                <a:ea typeface="楷体" panose="02010609060101010101" charset="-122"/>
-                <a:cs typeface="Times New Roman" panose="02020603050405020304" charset="0"/>
-              </a:rPr>
-              <a:t>健康检查点：</a:t>
-            </a:r>
-            <a:endParaRPr lang="zh-CN" altLang="en-US" sz="1400">
-              <a:latin typeface="Times New Roman" panose="02020603050405020304" charset="0"/>
-              <a:ea typeface="楷体" panose="02010609060101010101" charset="-122"/>
-              <a:cs typeface="Times New Roman" panose="02020603050405020304" charset="0"/>
-            </a:endParaRPr>
-          </a:p>
-          <a:p>
-            <a:pPr indent="0">
-              <a:lnSpc>
-                <a:spcPct val="150000"/>
-              </a:lnSpc>
-              <a:buFont typeface="Arial" panose="020B0604020202020204" pitchFamily="34" charset="0"/>
-              <a:buNone/>
-            </a:pPr>
-            <a:endParaRPr lang="zh-CN" altLang="en-US" sz="1400">
-              <a:latin typeface="Times New Roman" panose="02020603050405020304" charset="0"/>
-              <a:ea typeface="楷体" panose="02010609060101010101" charset="-122"/>
-              <a:cs typeface="Times New Roman" panose="02020603050405020304" charset="0"/>
-            </a:endParaRPr>
-          </a:p>
-          <a:p>
-            <a:pPr indent="0">
-              <a:lnSpc>
-                <a:spcPct val="150000"/>
-              </a:lnSpc>
-              <a:buFont typeface="Arial" panose="020B0604020202020204" pitchFamily="34" charset="0"/>
-              <a:buNone/>
-            </a:pPr>
-            <a:r>
-              <a:rPr lang="zh-CN" altLang="en-US" sz="1400">
-                <a:latin typeface="Times New Roman" panose="02020603050405020304" charset="0"/>
-                <a:ea typeface="楷体" panose="02010609060101010101" charset="-122"/>
-                <a:cs typeface="Times New Roman" panose="02020603050405020304" charset="0"/>
-              </a:rPr>
-              <a:t>curl -k https://localhost:6443/livez?verbose</a:t>
-            </a:r>
-            <a:endParaRPr lang="zh-CN" altLang="en-US" sz="1400">
-              <a:latin typeface="Times New Roman" panose="02020603050405020304" charset="0"/>
-              <a:ea typeface="楷体" panose="02010609060101010101" charset="-122"/>
-              <a:cs typeface="Times New Roman" panose="02020603050405020304" charset="0"/>
-            </a:endParaRPr>
-          </a:p>
-          <a:p>
-            <a:pPr indent="0">
-              <a:lnSpc>
-                <a:spcPct val="150000"/>
-              </a:lnSpc>
-              <a:buFont typeface="Arial" panose="020B0604020202020204" pitchFamily="34" charset="0"/>
-              <a:buNone/>
-            </a:pPr>
-            <a:r>
-              <a:rPr lang="en-US" altLang="zh-CN" sz="1400">
-                <a:latin typeface="Times New Roman" panose="02020603050405020304" charset="0"/>
-                <a:ea typeface="楷体" panose="02010609060101010101" charset="-122"/>
-                <a:cs typeface="Times New Roman" panose="02020603050405020304" charset="0"/>
-              </a:rPr>
-              <a:t>or</a:t>
-            </a:r>
-            <a:endParaRPr lang="en-US" altLang="zh-CN" sz="1400">
-              <a:latin typeface="Times New Roman" panose="02020603050405020304" charset="0"/>
-              <a:ea typeface="楷体" panose="02010609060101010101" charset="-122"/>
-              <a:cs typeface="Times New Roman" panose="02020603050405020304" charset="0"/>
-            </a:endParaRPr>
-          </a:p>
-          <a:p>
-            <a:pPr indent="0">
-              <a:lnSpc>
-                <a:spcPct val="150000"/>
-              </a:lnSpc>
-              <a:buFont typeface="Arial" panose="020B0604020202020204" pitchFamily="34" charset="0"/>
-              <a:buNone/>
-            </a:pPr>
-            <a:r>
-              <a:rPr lang="en-US" altLang="zh-CN" sz="1400">
-                <a:latin typeface="Times New Roman" panose="02020603050405020304" charset="0"/>
-                <a:ea typeface="楷体" panose="02010609060101010101" charset="-122"/>
-                <a:cs typeface="Times New Roman" panose="02020603050405020304" charset="0"/>
-              </a:rPr>
-              <a:t>kubectl get --raw='/readyz?verbose'</a:t>
-            </a:r>
-            <a:endParaRPr lang="en-US" altLang="zh-CN" sz="1400">
-              <a:latin typeface="Times New Roman" panose="02020603050405020304" charset="0"/>
-              <a:ea typeface="楷体" panose="02010609060101010101" charset="-122"/>
-              <a:cs typeface="Times New Roman" panose="02020603050405020304" charset="0"/>
-            </a:endParaRPr>
+            <a:endParaRPr lang="en-US" altLang="zh-CN"/>
+          </a:p>
+        </p:txBody>
+      </p:sp>
+      <p:sp>
+        <p:nvSpPr>
+          <p:cNvPr id="7" name="圆角矩形 6"/>
+          <p:cNvSpPr/>
+          <p:nvPr/>
+        </p:nvSpPr>
+        <p:spPr>
+          <a:xfrm>
+            <a:off x="2330450" y="2480945"/>
+            <a:ext cx="1370965" cy="488950"/>
+          </a:xfrm>
+          <a:prstGeom prst="roundRect">
+            <a:avLst/>
+          </a:prstGeom>
+        </p:spPr>
+        <p:style>
+          <a:lnRef idx="2">
+            <a:schemeClr val="accent2">
+              <a:shade val="50000"/>
+            </a:schemeClr>
+          </a:lnRef>
+          <a:fillRef idx="1">
+            <a:schemeClr val="accent2"/>
+          </a:fillRef>
+          <a:effectRef idx="0">
+            <a:schemeClr val="accent2"/>
+          </a:effectRef>
+          <a:fontRef idx="minor">
+            <a:schemeClr val="lt1"/>
+          </a:fontRef>
+        </p:style>
+        <p:txBody>
+          <a:bodyPr rtlCol="0" anchor="ctr"/>
+          <a:p>
+            <a:pPr algn="ctr"/>
+            <a:r>
+              <a:rPr lang="en-US" altLang="zh-CN"/>
+              <a:t>Scheduler</a:t>
+            </a:r>
+            <a:endParaRPr lang="en-US" altLang="zh-CN"/>
+          </a:p>
+        </p:txBody>
+      </p:sp>
+      <p:sp>
+        <p:nvSpPr>
+          <p:cNvPr id="8" name="圆角矩形 7"/>
+          <p:cNvSpPr/>
+          <p:nvPr/>
+        </p:nvSpPr>
+        <p:spPr>
+          <a:xfrm>
+            <a:off x="4029075" y="2480945"/>
+            <a:ext cx="1370965" cy="488950"/>
+          </a:xfrm>
+          <a:prstGeom prst="roundRect">
+            <a:avLst/>
+          </a:prstGeom>
+        </p:spPr>
+        <p:style>
+          <a:lnRef idx="2">
+            <a:schemeClr val="accent2">
+              <a:shade val="50000"/>
+            </a:schemeClr>
+          </a:lnRef>
+          <a:fillRef idx="1">
+            <a:schemeClr val="accent2"/>
+          </a:fillRef>
+          <a:effectRef idx="0">
+            <a:schemeClr val="accent2"/>
+          </a:effectRef>
+          <a:fontRef idx="minor">
+            <a:schemeClr val="lt1"/>
+          </a:fontRef>
+        </p:style>
+        <p:txBody>
+          <a:bodyPr rtlCol="0" anchor="ctr"/>
+          <a:p>
+            <a:pPr algn="ctr"/>
+            <a:r>
+              <a:rPr lang="en-US" altLang="zh-CN"/>
+              <a:t>Controller</a:t>
+            </a:r>
+            <a:endParaRPr lang="en-US" altLang="zh-CN"/>
+          </a:p>
+          <a:p>
+            <a:pPr algn="ctr"/>
+            <a:r>
+              <a:rPr lang="en-US" altLang="zh-CN"/>
+              <a:t>Manager</a:t>
+            </a:r>
+            <a:endParaRPr lang="en-US" altLang="zh-CN"/>
+          </a:p>
+        </p:txBody>
+      </p:sp>
+      <p:grpSp>
+        <p:nvGrpSpPr>
+          <p:cNvPr id="12" name="组合 11"/>
+          <p:cNvGrpSpPr/>
+          <p:nvPr/>
+        </p:nvGrpSpPr>
+        <p:grpSpPr>
+          <a:xfrm>
+            <a:off x="3409315" y="3167380"/>
+            <a:ext cx="914400" cy="914400"/>
+            <a:chOff x="8086" y="5223"/>
+            <a:chExt cx="1440" cy="1440"/>
+          </a:xfrm>
+        </p:grpSpPr>
+        <p:pic>
+          <p:nvPicPr>
+            <p:cNvPr id="9" name="图片 8" descr="303b333634303538353bb3ddc2d6"/>
+            <p:cNvPicPr>
+              <a:picLocks noChangeAspect="1"/>
+            </p:cNvPicPr>
+            <p:nvPr/>
+          </p:nvPicPr>
+          <p:blipFill>
+            <a:blip r:embed="rId1">
+              <a:extLst>
+                <a:ext uri="{96DAC541-7B7A-43D3-8B79-37D633B846F1}">
+                  <asvg:svgBlip xmlns:asvg="http://schemas.microsoft.com/office/drawing/2016/SVG/main" r:embed="rId2"/>
+                </a:ext>
+              </a:extLst>
+            </a:blip>
+            <a:stretch>
+              <a:fillRect/>
+            </a:stretch>
+          </p:blipFill>
+          <p:spPr>
+            <a:xfrm>
+              <a:off x="8086" y="5223"/>
+              <a:ext cx="1440" cy="1440"/>
+            </a:xfrm>
+            <a:prstGeom prst="rect">
+              <a:avLst/>
+            </a:prstGeom>
+          </p:spPr>
+        </p:pic>
+        <p:sp>
+          <p:nvSpPr>
+            <p:cNvPr id="10" name="文本框 9"/>
+            <p:cNvSpPr txBox="1"/>
+            <p:nvPr/>
+          </p:nvSpPr>
+          <p:spPr>
+            <a:xfrm>
+              <a:off x="8181" y="5653"/>
+              <a:ext cx="1251" cy="580"/>
+            </a:xfrm>
+            <a:prstGeom prst="rect">
+              <a:avLst/>
+            </a:prstGeom>
+            <a:noFill/>
+          </p:spPr>
+          <p:txBody>
+            <a:bodyPr wrap="square" rtlCol="0">
+              <a:spAutoFit/>
+            </a:bodyPr>
+            <a:p>
+              <a:pPr algn="ctr"/>
+              <a:r>
+                <a:rPr lang="en-US" altLang="zh-CN"/>
+                <a:t>etcd</a:t>
+              </a:r>
+              <a:endParaRPr lang="en-US" altLang="zh-CN"/>
+            </a:p>
+          </p:txBody>
+        </p:sp>
+      </p:grpSp>
+      <p:sp>
+        <p:nvSpPr>
+          <p:cNvPr id="11" name="圆角矩形 10"/>
+          <p:cNvSpPr/>
+          <p:nvPr/>
+        </p:nvSpPr>
+        <p:spPr>
+          <a:xfrm>
+            <a:off x="2203450" y="4582795"/>
+            <a:ext cx="3317240" cy="488950"/>
+          </a:xfrm>
+          <a:prstGeom prst="roundRect">
+            <a:avLst/>
+          </a:prstGeom>
+        </p:spPr>
+        <p:style>
+          <a:lnRef idx="2">
+            <a:schemeClr val="accent2">
+              <a:shade val="50000"/>
+            </a:schemeClr>
+          </a:lnRef>
+          <a:fillRef idx="1">
+            <a:schemeClr val="accent2"/>
+          </a:fillRef>
+          <a:effectRef idx="0">
+            <a:schemeClr val="accent2"/>
+          </a:effectRef>
+          <a:fontRef idx="minor">
+            <a:schemeClr val="lt1"/>
+          </a:fontRef>
+        </p:style>
+        <p:txBody>
+          <a:bodyPr rtlCol="0" anchor="ctr"/>
+          <a:p>
+            <a:pPr algn="ctr"/>
+            <a:r>
+              <a:rPr lang="en-US" altLang="zh-CN"/>
+              <a:t>Overlay Network</a:t>
+            </a:r>
+            <a:endParaRPr lang="en-US" altLang="zh-CN"/>
+          </a:p>
+        </p:txBody>
+      </p:sp>
+      <p:sp>
+        <p:nvSpPr>
+          <p:cNvPr id="13" name="矩形 12"/>
+          <p:cNvSpPr/>
+          <p:nvPr/>
+        </p:nvSpPr>
+        <p:spPr>
+          <a:xfrm>
+            <a:off x="6155055" y="1031240"/>
+            <a:ext cx="3325495" cy="4716145"/>
+          </a:xfrm>
+          <a:prstGeom prst="rect">
+            <a:avLst/>
+          </a:prstGeom>
+        </p:spPr>
+        <p:style>
+          <a:lnRef idx="2">
+            <a:schemeClr val="accent1"/>
+          </a:lnRef>
+          <a:fillRef idx="1">
+            <a:schemeClr val="lt1"/>
+          </a:fillRef>
+          <a:effectRef idx="0">
+            <a:schemeClr val="accent1"/>
+          </a:effectRef>
+          <a:fontRef idx="minor">
+            <a:schemeClr val="dk1"/>
+          </a:fontRef>
+        </p:style>
+        <p:txBody>
+          <a:bodyPr rtlCol="0" anchor="ctr"/>
+          <a:p>
+            <a:pPr algn="ctr"/>
+            <a:endParaRPr lang="zh-CN" altLang="en-US"/>
+          </a:p>
+        </p:txBody>
+      </p:sp>
+      <p:sp>
+        <p:nvSpPr>
+          <p:cNvPr id="14" name="矩形 13"/>
+          <p:cNvSpPr/>
+          <p:nvPr/>
+        </p:nvSpPr>
+        <p:spPr>
+          <a:xfrm>
+            <a:off x="6155055" y="5143500"/>
+            <a:ext cx="3316605" cy="584835"/>
+          </a:xfrm>
+          <a:prstGeom prst="rect">
+            <a:avLst/>
+          </a:prstGeom>
+        </p:spPr>
+        <p:style>
+          <a:lnRef idx="2">
+            <a:schemeClr val="accent1">
+              <a:shade val="50000"/>
+            </a:schemeClr>
+          </a:lnRef>
+          <a:fillRef idx="1">
+            <a:schemeClr val="accent1"/>
+          </a:fillRef>
+          <a:effectRef idx="0">
+            <a:schemeClr val="accent1"/>
+          </a:effectRef>
+          <a:fontRef idx="minor">
+            <a:schemeClr val="lt1"/>
+          </a:fontRef>
+        </p:style>
+        <p:txBody>
+          <a:bodyPr rtlCol="0" anchor="ctr"/>
+          <a:p>
+            <a:pPr algn="l"/>
+            <a:r>
+              <a:rPr lang="en-US" altLang="zh-CN"/>
+              <a:t>ens33</a:t>
+            </a:r>
+            <a:endParaRPr lang="en-US" altLang="zh-CN"/>
+          </a:p>
+          <a:p>
+            <a:pPr algn="l"/>
+            <a:r>
+              <a:rPr lang="en-US" altLang="zh-CN"/>
+              <a:t>192.168.92.161(kube-worker)</a:t>
+            </a:r>
+            <a:endParaRPr lang="en-US" altLang="zh-CN"/>
+          </a:p>
+        </p:txBody>
+      </p:sp>
+      <p:sp>
+        <p:nvSpPr>
+          <p:cNvPr id="16" name="圆角矩形 15"/>
+          <p:cNvSpPr/>
+          <p:nvPr/>
+        </p:nvSpPr>
+        <p:spPr>
+          <a:xfrm>
+            <a:off x="6377940" y="1896745"/>
+            <a:ext cx="1370965" cy="488950"/>
+          </a:xfrm>
+          <a:prstGeom prst="roundRect">
+            <a:avLst/>
+          </a:prstGeom>
+        </p:spPr>
+        <p:style>
+          <a:lnRef idx="2">
+            <a:schemeClr val="accent2">
+              <a:shade val="50000"/>
+            </a:schemeClr>
+          </a:lnRef>
+          <a:fillRef idx="1">
+            <a:schemeClr val="accent2"/>
+          </a:fillRef>
+          <a:effectRef idx="0">
+            <a:schemeClr val="accent2"/>
+          </a:effectRef>
+          <a:fontRef idx="minor">
+            <a:schemeClr val="lt1"/>
+          </a:fontRef>
+        </p:style>
+        <p:txBody>
+          <a:bodyPr rtlCol="0" anchor="ctr"/>
+          <a:p>
+            <a:pPr algn="ctr"/>
+            <a:r>
+              <a:rPr lang="en-US" altLang="zh-CN"/>
+              <a:t>kubelet</a:t>
+            </a:r>
+            <a:endParaRPr lang="en-US" altLang="zh-CN"/>
+          </a:p>
+        </p:txBody>
+      </p:sp>
+      <p:sp>
+        <p:nvSpPr>
+          <p:cNvPr id="21" name="圆角矩形 20"/>
+          <p:cNvSpPr/>
+          <p:nvPr/>
+        </p:nvSpPr>
+        <p:spPr>
+          <a:xfrm>
+            <a:off x="6155055" y="4582795"/>
+            <a:ext cx="3317240" cy="488950"/>
+          </a:xfrm>
+          <a:prstGeom prst="roundRect">
+            <a:avLst/>
+          </a:prstGeom>
+        </p:spPr>
+        <p:style>
+          <a:lnRef idx="2">
+            <a:schemeClr val="accent2">
+              <a:shade val="50000"/>
+            </a:schemeClr>
+          </a:lnRef>
+          <a:fillRef idx="1">
+            <a:schemeClr val="accent2"/>
+          </a:fillRef>
+          <a:effectRef idx="0">
+            <a:schemeClr val="accent2"/>
+          </a:effectRef>
+          <a:fontRef idx="minor">
+            <a:schemeClr val="lt1"/>
+          </a:fontRef>
+        </p:style>
+        <p:txBody>
+          <a:bodyPr rtlCol="0" anchor="ctr"/>
+          <a:p>
+            <a:pPr algn="ctr"/>
+            <a:r>
+              <a:rPr lang="en-US" altLang="zh-CN"/>
+              <a:t>Overlay Network</a:t>
+            </a:r>
+            <a:endParaRPr lang="en-US" altLang="zh-CN"/>
+          </a:p>
+        </p:txBody>
+      </p:sp>
+      <p:sp>
+        <p:nvSpPr>
+          <p:cNvPr id="22" name="圆角矩形 21"/>
+          <p:cNvSpPr/>
+          <p:nvPr/>
+        </p:nvSpPr>
+        <p:spPr>
+          <a:xfrm>
+            <a:off x="7940040" y="1896745"/>
+            <a:ext cx="1370965" cy="488950"/>
+          </a:xfrm>
+          <a:prstGeom prst="roundRect">
+            <a:avLst/>
+          </a:prstGeom>
+        </p:spPr>
+        <p:style>
+          <a:lnRef idx="2">
+            <a:schemeClr val="accent2">
+              <a:shade val="50000"/>
+            </a:schemeClr>
+          </a:lnRef>
+          <a:fillRef idx="1">
+            <a:schemeClr val="accent2"/>
+          </a:fillRef>
+          <a:effectRef idx="0">
+            <a:schemeClr val="accent2"/>
+          </a:effectRef>
+          <a:fontRef idx="minor">
+            <a:schemeClr val="lt1"/>
+          </a:fontRef>
+        </p:style>
+        <p:txBody>
+          <a:bodyPr rtlCol="0" anchor="ctr"/>
+          <a:p>
+            <a:pPr algn="ctr"/>
+            <a:r>
+              <a:rPr lang="en-US" altLang="zh-CN"/>
+              <a:t>kube-proxy</a:t>
+            </a:r>
+            <a:endParaRPr lang="en-US" altLang="zh-CN"/>
+          </a:p>
+        </p:txBody>
+      </p:sp>
+      <p:sp>
+        <p:nvSpPr>
+          <p:cNvPr id="23" name="圆角矩形 22"/>
+          <p:cNvSpPr/>
+          <p:nvPr/>
+        </p:nvSpPr>
+        <p:spPr>
+          <a:xfrm>
+            <a:off x="2330450" y="1261110"/>
+            <a:ext cx="1370965" cy="488950"/>
+          </a:xfrm>
+          <a:prstGeom prst="roundRect">
+            <a:avLst/>
+          </a:prstGeom>
+        </p:spPr>
+        <p:style>
+          <a:lnRef idx="2">
+            <a:schemeClr val="accent2">
+              <a:shade val="50000"/>
+            </a:schemeClr>
+          </a:lnRef>
+          <a:fillRef idx="1">
+            <a:schemeClr val="accent2"/>
+          </a:fillRef>
+          <a:effectRef idx="0">
+            <a:schemeClr val="accent2"/>
+          </a:effectRef>
+          <a:fontRef idx="minor">
+            <a:schemeClr val="lt1"/>
+          </a:fontRef>
+        </p:style>
+        <p:txBody>
+          <a:bodyPr rtlCol="0" anchor="ctr"/>
+          <a:p>
+            <a:pPr algn="ctr"/>
+            <a:r>
+              <a:rPr lang="en-US" altLang="zh-CN"/>
+              <a:t>kubelet</a:t>
+            </a:r>
+            <a:endParaRPr lang="en-US" altLang="zh-CN"/>
+          </a:p>
+        </p:txBody>
+      </p:sp>
+      <p:sp>
+        <p:nvSpPr>
+          <p:cNvPr id="24" name="圆角矩形 23"/>
+          <p:cNvSpPr/>
+          <p:nvPr/>
+        </p:nvSpPr>
+        <p:spPr>
+          <a:xfrm>
+            <a:off x="4029075" y="1261110"/>
+            <a:ext cx="1370965" cy="488950"/>
+          </a:xfrm>
+          <a:prstGeom prst="roundRect">
+            <a:avLst/>
+          </a:prstGeom>
+        </p:spPr>
+        <p:style>
+          <a:lnRef idx="2">
+            <a:schemeClr val="accent2">
+              <a:shade val="50000"/>
+            </a:schemeClr>
+          </a:lnRef>
+          <a:fillRef idx="1">
+            <a:schemeClr val="accent2"/>
+          </a:fillRef>
+          <a:effectRef idx="0">
+            <a:schemeClr val="accent2"/>
+          </a:effectRef>
+          <a:fontRef idx="minor">
+            <a:schemeClr val="lt1"/>
+          </a:fontRef>
+        </p:style>
+        <p:txBody>
+          <a:bodyPr rtlCol="0" anchor="ctr"/>
+          <a:p>
+            <a:pPr algn="ctr"/>
+            <a:r>
+              <a:rPr lang="en-US" altLang="zh-CN"/>
+              <a:t>kube-proxy</a:t>
+            </a:r>
+            <a:endParaRPr lang="en-US" altLang="zh-CN"/>
           </a:p>
         </p:txBody>
       </p:sp>
     </p:spTree>
     <p:custDataLst>
-      <p:tags r:id="rId1"/>
+      <p:tags r:id="rId3"/>
     </p:custDataLst>
   </p:cSld>
   <p:clrMapOvr>
@@ -8733,133 +9920,14 @@
       <p:grpSpPr/>
       <p:sp>
         <p:nvSpPr>
-          <p:cNvPr id="2" name="圆角矩形 1"/>
-          <p:cNvSpPr/>
-          <p:nvPr/>
-        </p:nvSpPr>
-        <p:spPr>
-          <a:xfrm>
-            <a:off x="1507490" y="1365250"/>
-            <a:ext cx="2622550" cy="3963670"/>
-          </a:xfrm>
-          <a:prstGeom prst="roundRect">
-            <a:avLst/>
-          </a:prstGeom>
-        </p:spPr>
-        <p:style>
-          <a:lnRef idx="2">
-            <a:schemeClr val="dk1"/>
-          </a:lnRef>
-          <a:fillRef idx="1">
-            <a:schemeClr val="lt1"/>
-          </a:fillRef>
-          <a:effectRef idx="0">
-            <a:schemeClr val="dk1"/>
-          </a:effectRef>
-          <a:fontRef idx="minor">
-            <a:schemeClr val="dk1"/>
-          </a:fontRef>
-        </p:style>
-        <p:txBody>
-          <a:bodyPr rtlCol="0" anchor="ctr"/>
-          <a:p>
-            <a:pPr algn="ctr"/>
-            <a:endParaRPr lang="zh-CN" altLang="en-US"/>
-          </a:p>
-        </p:txBody>
-      </p:sp>
-      <p:sp>
-        <p:nvSpPr>
-          <p:cNvPr id="3" name="圆角矩形 2"/>
-          <p:cNvSpPr/>
-          <p:nvPr/>
-        </p:nvSpPr>
-        <p:spPr>
-          <a:xfrm>
-            <a:off x="1804035" y="1849120"/>
-            <a:ext cx="2029460" cy="1332230"/>
-          </a:xfrm>
-          <a:prstGeom prst="roundRect">
-            <a:avLst/>
-          </a:prstGeom>
-        </p:spPr>
-        <p:style>
-          <a:lnRef idx="2">
-            <a:schemeClr val="dk1"/>
-          </a:lnRef>
-          <a:fillRef idx="1">
-            <a:schemeClr val="lt1"/>
-          </a:fillRef>
-          <a:effectRef idx="0">
-            <a:schemeClr val="dk1"/>
-          </a:effectRef>
-          <a:fontRef idx="minor">
-            <a:schemeClr val="dk1"/>
-          </a:fontRef>
-        </p:style>
-        <p:txBody>
-          <a:bodyPr rtlCol="0" anchor="ctr"/>
-          <a:p>
-            <a:pPr algn="ctr"/>
-            <a:r>
-              <a:rPr lang="en-US" altLang="zh-CN"/>
-              <a:t>spec</a:t>
-            </a:r>
-            <a:endParaRPr lang="en-US" altLang="zh-CN"/>
-          </a:p>
-        </p:txBody>
-      </p:sp>
-      <p:sp>
-        <p:nvSpPr>
-          <p:cNvPr id="4" name="圆角矩形 3"/>
-          <p:cNvSpPr/>
-          <p:nvPr/>
-        </p:nvSpPr>
-        <p:spPr>
-          <a:xfrm>
-            <a:off x="1804035" y="3597275"/>
-            <a:ext cx="2029460" cy="1332230"/>
-          </a:xfrm>
-          <a:prstGeom prst="roundRect">
-            <a:avLst/>
-          </a:prstGeom>
-        </p:spPr>
-        <p:style>
-          <a:lnRef idx="2">
-            <a:schemeClr val="dk1"/>
-          </a:lnRef>
-          <a:fillRef idx="1">
-            <a:schemeClr val="lt1"/>
-          </a:fillRef>
-          <a:effectRef idx="0">
-            <a:schemeClr val="dk1"/>
-          </a:effectRef>
-          <a:fontRef idx="minor">
-            <a:schemeClr val="dk1"/>
-          </a:fontRef>
-        </p:style>
-        <p:txBody>
-          <a:bodyPr rtlCol="0" anchor="ctr"/>
-          <a:p>
-            <a:pPr algn="ctr"/>
-            <a:r>
-              <a:rPr lang="en-US" altLang="zh-CN"/>
-              <a:t>status</a:t>
-            </a:r>
-            <a:endParaRPr lang="en-US" altLang="zh-CN"/>
-          </a:p>
-        </p:txBody>
-      </p:sp>
-      <p:sp>
-        <p:nvSpPr>
-          <p:cNvPr id="5" name="文本框 4"/>
+          <p:cNvPr id="2" name="文本框 1"/>
           <p:cNvSpPr txBox="1"/>
           <p:nvPr/>
         </p:nvSpPr>
         <p:spPr>
           <a:xfrm>
-            <a:off x="1704975" y="1365250"/>
-            <a:ext cx="765175" cy="368300"/>
+            <a:off x="681355" y="830580"/>
+            <a:ext cx="10055225" cy="4939030"/>
           </a:xfrm>
           <a:prstGeom prst="rect">
             <a:avLst/>
@@ -8867,206 +9935,408 @@
           <a:noFill/>
         </p:spPr>
         <p:txBody>
-          <a:bodyPr wrap="none" rtlCol="0">
+          <a:bodyPr wrap="square" rtlCol="0">
             <a:spAutoFit/>
           </a:bodyPr>
           <a:p>
-            <a:r>
-              <a:rPr lang="en-US" altLang="zh-CN"/>
-              <a:t>object</a:t>
-            </a:r>
-            <a:endParaRPr lang="en-US" altLang="zh-CN"/>
-          </a:p>
-        </p:txBody>
-      </p:sp>
-      <p:sp>
-        <p:nvSpPr>
-          <p:cNvPr id="6" name="文本框 5"/>
-          <p:cNvSpPr txBox="1"/>
-          <p:nvPr/>
-        </p:nvSpPr>
-        <p:spPr>
-          <a:xfrm>
-            <a:off x="5713730" y="1365250"/>
-            <a:ext cx="3508375" cy="3163570"/>
-          </a:xfrm>
-          <a:prstGeom prst="rect">
-            <a:avLst/>
-          </a:prstGeom>
-          <a:noFill/>
-        </p:spPr>
-        <p:txBody>
-          <a:bodyPr wrap="none" rtlCol="0">
-            <a:spAutoFit/>
-          </a:bodyPr>
-          <a:p>
-            <a:r>
-              <a:rPr lang="en-US" altLang="zh-CN"/>
-              <a:t>object</a:t>
-            </a:r>
-            <a:r>
-              <a:rPr lang="zh-CN" altLang="en-US"/>
-              <a:t>的集合，表示了集群的状态</a:t>
-            </a:r>
-            <a:endParaRPr lang="zh-CN" altLang="en-US"/>
-          </a:p>
-          <a:p>
             <a:pPr>
               <a:lnSpc>
-                <a:spcPct val="130000"/>
+                <a:spcPct val="150000"/>
               </a:lnSpc>
             </a:pPr>
-            <a:endParaRPr lang="zh-CN" altLang="en-US" sz="1400"/>
+            <a:r>
+              <a:rPr lang="en-US" altLang="zh-CN" sz="1400" b="1">
+                <a:latin typeface="Times New Roman" panose="02020603050405020304" charset="0"/>
+                <a:ea typeface="楷体" panose="02010609060101010101" charset="-122"/>
+                <a:cs typeface="Times New Roman" panose="02020603050405020304" charset="0"/>
+              </a:rPr>
+              <a:t>API SERVER</a:t>
+            </a:r>
+            <a:r>
+              <a:rPr lang="zh-CN" altLang="en-US" sz="1400" b="1">
+                <a:latin typeface="Times New Roman" panose="02020603050405020304" charset="0"/>
+                <a:ea typeface="楷体" panose="02010609060101010101" charset="-122"/>
+                <a:cs typeface="Times New Roman" panose="02020603050405020304" charset="0"/>
+              </a:rPr>
+              <a:t>：</a:t>
+            </a:r>
+            <a:endParaRPr lang="zh-CN" altLang="en-US" sz="1400" b="1">
+              <a:latin typeface="Times New Roman" panose="02020603050405020304" charset="0"/>
+              <a:ea typeface="楷体" panose="02010609060101010101" charset="-122"/>
+              <a:cs typeface="Times New Roman" panose="02020603050405020304" charset="0"/>
+            </a:endParaRPr>
+          </a:p>
+          <a:p>
+            <a:pPr indent="0">
+              <a:lnSpc>
+                <a:spcPct val="150000"/>
+              </a:lnSpc>
+              <a:buFont typeface="Arial" panose="020B0604020202020204" pitchFamily="34" charset="0"/>
+              <a:buNone/>
+            </a:pPr>
+            <a:r>
+              <a:rPr lang="zh-CN" altLang="en-US" sz="1400">
+                <a:latin typeface="Times New Roman" panose="02020603050405020304" charset="0"/>
+                <a:ea typeface="楷体" panose="02010609060101010101" charset="-122"/>
+                <a:cs typeface="Times New Roman" panose="02020603050405020304" charset="0"/>
+              </a:rPr>
+              <a:t>控制平面核心，使用</a:t>
+            </a:r>
+            <a:r>
+              <a:rPr lang="en-US" altLang="zh-CN" sz="1400">
+                <a:latin typeface="Times New Roman" panose="02020603050405020304" charset="0"/>
+                <a:ea typeface="楷体" panose="02010609060101010101" charset="-122"/>
+                <a:cs typeface="Times New Roman" panose="02020603050405020304" charset="0"/>
+              </a:rPr>
+              <a:t>http API</a:t>
+            </a:r>
+            <a:r>
+              <a:rPr lang="zh-CN" altLang="en-US" sz="1400">
+                <a:latin typeface="Times New Roman" panose="02020603050405020304" charset="0"/>
+                <a:ea typeface="楷体" panose="02010609060101010101" charset="-122"/>
+                <a:cs typeface="Times New Roman" panose="02020603050405020304" charset="0"/>
+              </a:rPr>
+              <a:t>让终端用户、集群组件和扩展组件之间可以互相通信</a:t>
+            </a:r>
+            <a:endParaRPr lang="zh-CN" altLang="en-US" sz="1400">
+              <a:latin typeface="Times New Roman" panose="02020603050405020304" charset="0"/>
+              <a:ea typeface="楷体" panose="02010609060101010101" charset="-122"/>
+              <a:cs typeface="Times New Roman" panose="02020603050405020304" charset="0"/>
+            </a:endParaRPr>
+          </a:p>
+          <a:p>
+            <a:pPr indent="0">
+              <a:lnSpc>
+                <a:spcPct val="150000"/>
+              </a:lnSpc>
+              <a:buFont typeface="Arial" panose="020B0604020202020204" pitchFamily="34" charset="0"/>
+              <a:buNone/>
+            </a:pPr>
+            <a:endParaRPr lang="zh-CN" altLang="en-US" sz="1400">
+              <a:latin typeface="Times New Roman" panose="02020603050405020304" charset="0"/>
+              <a:ea typeface="楷体" panose="02010609060101010101" charset="-122"/>
+              <a:cs typeface="Times New Roman" panose="02020603050405020304" charset="0"/>
+            </a:endParaRPr>
+          </a:p>
+          <a:p>
+            <a:pPr indent="0">
+              <a:lnSpc>
+                <a:spcPct val="150000"/>
+              </a:lnSpc>
+              <a:buFont typeface="Arial" panose="020B0604020202020204" pitchFamily="34" charset="0"/>
+              <a:buNone/>
+            </a:pPr>
+            <a:r>
+              <a:rPr lang="en-US" altLang="zh-CN" sz="1400">
+                <a:latin typeface="Times New Roman" panose="02020603050405020304" charset="0"/>
+                <a:ea typeface="楷体" panose="02010609060101010101" charset="-122"/>
+                <a:cs typeface="Times New Roman" panose="02020603050405020304" charset="0"/>
+              </a:rPr>
+              <a:t>Api Server</a:t>
+            </a:r>
+            <a:r>
+              <a:rPr lang="zh-CN" altLang="en-US" sz="1400">
+                <a:latin typeface="Times New Roman" panose="02020603050405020304" charset="0"/>
+                <a:ea typeface="楷体" panose="02010609060101010101" charset="-122"/>
+                <a:cs typeface="Times New Roman" panose="02020603050405020304" charset="0"/>
+              </a:rPr>
+              <a:t>用以查询和管理</a:t>
+            </a:r>
+            <a:r>
+              <a:rPr lang="en-US" altLang="zh-CN" sz="1400">
+                <a:latin typeface="Times New Roman" panose="02020603050405020304" charset="0"/>
+                <a:ea typeface="楷体" panose="02010609060101010101" charset="-122"/>
+                <a:cs typeface="Times New Roman" panose="02020603050405020304" charset="0"/>
+              </a:rPr>
+              <a:t>Kubernetes</a:t>
+            </a:r>
+            <a:r>
+              <a:rPr lang="zh-CN" altLang="en-US" sz="1400">
+                <a:latin typeface="Times New Roman" panose="02020603050405020304" charset="0"/>
+                <a:ea typeface="楷体" panose="02010609060101010101" charset="-122"/>
+                <a:cs typeface="Times New Roman" panose="02020603050405020304" charset="0"/>
+              </a:rPr>
+              <a:t>中的对象（</a:t>
+            </a:r>
+            <a:r>
+              <a:rPr lang="en-US" altLang="zh-CN" sz="1400">
+                <a:latin typeface="Times New Roman" panose="02020603050405020304" charset="0"/>
+                <a:ea typeface="楷体" panose="02010609060101010101" charset="-122"/>
+                <a:cs typeface="Times New Roman" panose="02020603050405020304" charset="0"/>
+              </a:rPr>
+              <a:t>object</a:t>
+            </a:r>
+            <a:r>
+              <a:rPr lang="zh-CN" altLang="en-US" sz="1400">
+                <a:latin typeface="Times New Roman" panose="02020603050405020304" charset="0"/>
+                <a:ea typeface="楷体" panose="02010609060101010101" charset="-122"/>
+                <a:cs typeface="Times New Roman" panose="02020603050405020304" charset="0"/>
+              </a:rPr>
+              <a:t>）状态</a:t>
+            </a:r>
+            <a:endParaRPr lang="zh-CN" altLang="en-US" sz="1400">
+              <a:latin typeface="Times New Roman" panose="02020603050405020304" charset="0"/>
+              <a:ea typeface="楷体" panose="02010609060101010101" charset="-122"/>
+              <a:cs typeface="Times New Roman" panose="02020603050405020304" charset="0"/>
+            </a:endParaRPr>
+          </a:p>
+          <a:p>
+            <a:pPr indent="0">
+              <a:lnSpc>
+                <a:spcPct val="150000"/>
+              </a:lnSpc>
+              <a:buFont typeface="Arial" panose="020B0604020202020204" pitchFamily="34" charset="0"/>
+              <a:buNone/>
+            </a:pPr>
+            <a:endParaRPr lang="zh-CN" altLang="en-US" sz="1400">
+              <a:latin typeface="Times New Roman" panose="02020603050405020304" charset="0"/>
+              <a:ea typeface="楷体" panose="02010609060101010101" charset="-122"/>
+              <a:cs typeface="Times New Roman" panose="02020603050405020304" charset="0"/>
+            </a:endParaRPr>
+          </a:p>
+          <a:p>
+            <a:pPr indent="0">
+              <a:lnSpc>
+                <a:spcPct val="150000"/>
+              </a:lnSpc>
+              <a:buFont typeface="Arial" panose="020B0604020202020204" pitchFamily="34" charset="0"/>
+              <a:buNone/>
+            </a:pPr>
+            <a:r>
+              <a:rPr lang="en-US" altLang="zh-CN" sz="1400">
+                <a:latin typeface="Times New Roman" panose="02020603050405020304" charset="0"/>
+                <a:ea typeface="楷体" panose="02010609060101010101" charset="-122"/>
+                <a:cs typeface="Times New Roman" panose="02020603050405020304" charset="0"/>
+              </a:rPr>
+              <a:t>Api groups</a:t>
+            </a:r>
+            <a:r>
+              <a:rPr lang="zh-CN" altLang="en-US" sz="1400">
+                <a:latin typeface="Times New Roman" panose="02020603050405020304" charset="0"/>
+                <a:ea typeface="楷体" panose="02010609060101010101" charset="-122"/>
+                <a:cs typeface="Times New Roman" panose="02020603050405020304" charset="0"/>
+              </a:rPr>
+              <a:t>定义了当前组下所能管理资源对象</a:t>
+            </a:r>
+            <a:endParaRPr lang="zh-CN" altLang="en-US" sz="1400">
+              <a:latin typeface="Times New Roman" panose="02020603050405020304" charset="0"/>
+              <a:ea typeface="楷体" panose="02010609060101010101" charset="-122"/>
+              <a:cs typeface="Times New Roman" panose="02020603050405020304" charset="0"/>
+            </a:endParaRPr>
           </a:p>
           <a:p>
             <a:pPr marL="285750" indent="-285750">
               <a:lnSpc>
-                <a:spcPct val="130000"/>
+                <a:spcPct val="150000"/>
               </a:lnSpc>
               <a:buFont typeface="Arial" panose="020B0604020202020204" pitchFamily="34" charset="0"/>
               <a:buChar char="•"/>
             </a:pPr>
             <a:r>
-              <a:rPr lang="zh-CN" altLang="en-US" sz="1400"/>
-              <a:t>容器运行的应用</a:t>
-            </a:r>
-            <a:endParaRPr lang="zh-CN" altLang="en-US" sz="1400"/>
+              <a:rPr lang="en-US" altLang="zh-CN" sz="1400">
+                <a:latin typeface="Times New Roman" panose="02020603050405020304" charset="0"/>
+                <a:ea typeface="楷体" panose="02010609060101010101" charset="-122"/>
+                <a:cs typeface="Times New Roman" panose="02020603050405020304" charset="0"/>
+              </a:rPr>
+              <a:t>vX		</a:t>
+            </a:r>
+            <a:r>
+              <a:rPr lang="zh-CN" altLang="en-US" sz="1400">
+                <a:latin typeface="Times New Roman" panose="02020603050405020304" charset="0"/>
+                <a:ea typeface="楷体" panose="02010609060101010101" charset="-122"/>
+                <a:cs typeface="Times New Roman" panose="02020603050405020304" charset="0"/>
+              </a:rPr>
+              <a:t>可用，稳定版本</a:t>
+            </a:r>
+            <a:endParaRPr lang="zh-CN" altLang="en-US" sz="1400">
+              <a:latin typeface="Times New Roman" panose="02020603050405020304" charset="0"/>
+              <a:ea typeface="楷体" panose="02010609060101010101" charset="-122"/>
+              <a:cs typeface="Times New Roman" panose="02020603050405020304" charset="0"/>
+            </a:endParaRPr>
           </a:p>
           <a:p>
             <a:pPr marL="285750" indent="-285750">
               <a:lnSpc>
-                <a:spcPct val="130000"/>
+                <a:spcPct val="150000"/>
               </a:lnSpc>
               <a:buFont typeface="Arial" panose="020B0604020202020204" pitchFamily="34" charset="0"/>
               <a:buChar char="•"/>
             </a:pPr>
             <a:r>
-              <a:rPr lang="zh-CN" altLang="en-US" sz="1400"/>
-              <a:t>应用可用的资源</a:t>
-            </a:r>
-            <a:endParaRPr lang="zh-CN" altLang="en-US" sz="1400"/>
+              <a:rPr lang="en-US" altLang="zh-CN" sz="1400">
+                <a:latin typeface="Times New Roman" panose="02020603050405020304" charset="0"/>
+                <a:ea typeface="楷体" panose="02010609060101010101" charset="-122"/>
+                <a:cs typeface="Times New Roman" panose="02020603050405020304" charset="0"/>
+              </a:rPr>
+              <a:t>v1beta1		</a:t>
+            </a:r>
+            <a:r>
+              <a:rPr lang="zh-CN" altLang="en-US" sz="1400">
+                <a:latin typeface="Times New Roman" panose="02020603050405020304" charset="0"/>
+                <a:ea typeface="楷体" panose="02010609060101010101" charset="-122"/>
+                <a:cs typeface="Times New Roman" panose="02020603050405020304" charset="0"/>
+              </a:rPr>
+              <a:t>预发布版本</a:t>
+            </a:r>
+            <a:endParaRPr lang="zh-CN" altLang="en-US" sz="1400">
+              <a:latin typeface="Times New Roman" panose="02020603050405020304" charset="0"/>
+              <a:ea typeface="楷体" panose="02010609060101010101" charset="-122"/>
+              <a:cs typeface="Times New Roman" panose="02020603050405020304" charset="0"/>
+            </a:endParaRPr>
           </a:p>
           <a:p>
             <a:pPr marL="285750" indent="-285750">
               <a:lnSpc>
-                <a:spcPct val="130000"/>
+                <a:spcPct val="150000"/>
               </a:lnSpc>
               <a:buFont typeface="Arial" panose="020B0604020202020204" pitchFamily="34" charset="0"/>
               <a:buChar char="•"/>
             </a:pPr>
             <a:r>
-              <a:rPr lang="zh-CN" altLang="en-US" sz="1400"/>
-              <a:t>应用运行的行为、策略</a:t>
-            </a:r>
-            <a:endParaRPr lang="zh-CN" altLang="en-US" sz="1400"/>
+              <a:rPr lang="en-US" altLang="zh-CN" sz="1400">
+                <a:latin typeface="Times New Roman" panose="02020603050405020304" charset="0"/>
+                <a:ea typeface="楷体" panose="02010609060101010101" charset="-122"/>
+                <a:cs typeface="Times New Roman" panose="02020603050405020304" charset="0"/>
+              </a:rPr>
+              <a:t>v1alpha1	</a:t>
+            </a:r>
+            <a:r>
+              <a:rPr lang="zh-CN" altLang="en-US" sz="1400">
+                <a:latin typeface="Times New Roman" panose="02020603050405020304" charset="0"/>
+                <a:ea typeface="楷体" panose="02010609060101010101" charset="-122"/>
+                <a:cs typeface="Times New Roman" panose="02020603050405020304" charset="0"/>
+              </a:rPr>
+              <a:t>实验性版本</a:t>
+            </a:r>
+            <a:endParaRPr lang="zh-CN" altLang="en-US" sz="1400">
+              <a:latin typeface="Times New Roman" panose="02020603050405020304" charset="0"/>
+              <a:ea typeface="楷体" panose="02010609060101010101" charset="-122"/>
+              <a:cs typeface="Times New Roman" panose="02020603050405020304" charset="0"/>
+            </a:endParaRPr>
           </a:p>
           <a:p>
             <a:pPr marL="285750" indent="-285750">
               <a:lnSpc>
-                <a:spcPct val="130000"/>
+                <a:spcPct val="150000"/>
               </a:lnSpc>
               <a:buFont typeface="Arial" panose="020B0604020202020204" pitchFamily="34" charset="0"/>
               <a:buChar char="•"/>
             </a:pPr>
-            <a:endParaRPr lang="zh-CN" altLang="en-US" sz="1400"/>
-          </a:p>
-          <a:p>
-            <a:pPr marL="285750" indent="-285750">
-              <a:lnSpc>
-                <a:spcPct val="130000"/>
-              </a:lnSpc>
-              <a:buFont typeface="Arial" panose="020B0604020202020204" pitchFamily="34" charset="0"/>
-              <a:buChar char="•"/>
-            </a:pPr>
-            <a:endParaRPr lang="zh-CN" altLang="en-US" sz="1400"/>
+            <a:endParaRPr lang="zh-CN" altLang="en-US" sz="1400">
+              <a:latin typeface="Times New Roman" panose="02020603050405020304" charset="0"/>
+              <a:ea typeface="楷体" panose="02010609060101010101" charset="-122"/>
+              <a:cs typeface="Times New Roman" panose="02020603050405020304" charset="0"/>
+            </a:endParaRPr>
           </a:p>
           <a:p>
             <a:pPr indent="0">
               <a:lnSpc>
-                <a:spcPct val="130000"/>
+                <a:spcPct val="150000"/>
               </a:lnSpc>
               <a:buFont typeface="Arial" panose="020B0604020202020204" pitchFamily="34" charset="0"/>
               <a:buNone/>
             </a:pPr>
             <a:r>
-              <a:rPr lang="en-US" altLang="zh-CN" sz="1400"/>
-              <a:t>spec</a:t>
-            </a:r>
-            <a:r>
-              <a:rPr lang="zh-CN" altLang="en-US" sz="1400"/>
-              <a:t>：定义了用户对</a:t>
-            </a:r>
-            <a:r>
-              <a:rPr lang="en-US" altLang="zh-CN" sz="1400"/>
-              <a:t>object</a:t>
-            </a:r>
-            <a:r>
-              <a:rPr lang="zh-CN" altLang="en-US" sz="1400"/>
-              <a:t>的期望状态</a:t>
-            </a:r>
-            <a:endParaRPr lang="zh-CN" altLang="en-US" sz="1400"/>
+              <a:rPr lang="en-US" altLang="zh-CN" sz="1400">
+                <a:latin typeface="Times New Roman" panose="02020603050405020304" charset="0"/>
+                <a:ea typeface="楷体" panose="02010609060101010101" charset="-122"/>
+                <a:cs typeface="Times New Roman" panose="02020603050405020304" charset="0"/>
+              </a:rPr>
+              <a:t>API Server</a:t>
+            </a:r>
+            <a:r>
+              <a:rPr lang="zh-CN" altLang="en-US" sz="1400">
+                <a:latin typeface="Times New Roman" panose="02020603050405020304" charset="0"/>
+                <a:ea typeface="楷体" panose="02010609060101010101" charset="-122"/>
+                <a:cs typeface="Times New Roman" panose="02020603050405020304" charset="0"/>
+              </a:rPr>
+              <a:t>健康检查点：</a:t>
+            </a:r>
+            <a:endParaRPr lang="zh-CN" altLang="en-US" sz="1400">
+              <a:latin typeface="Times New Roman" panose="02020603050405020304" charset="0"/>
+              <a:ea typeface="楷体" panose="02010609060101010101" charset="-122"/>
+              <a:cs typeface="Times New Roman" panose="02020603050405020304" charset="0"/>
+            </a:endParaRPr>
           </a:p>
           <a:p>
             <a:pPr indent="0">
               <a:lnSpc>
-                <a:spcPct val="130000"/>
+                <a:spcPct val="150000"/>
               </a:lnSpc>
               <a:buFont typeface="Arial" panose="020B0604020202020204" pitchFamily="34" charset="0"/>
               <a:buNone/>
             </a:pPr>
-            <a:r>
-              <a:rPr lang="en-US" altLang="zh-CN" sz="1400"/>
-              <a:t>status</a:t>
-            </a:r>
-            <a:r>
-              <a:rPr lang="zh-CN" altLang="en-US" sz="1400"/>
-              <a:t>：描述了</a:t>
-            </a:r>
-            <a:r>
-              <a:rPr lang="en-US" altLang="zh-CN" sz="1400"/>
-              <a:t>object</a:t>
-            </a:r>
-            <a:r>
-              <a:rPr lang="zh-CN" altLang="en-US" sz="1400"/>
-              <a:t>的当前状态</a:t>
-            </a:r>
-            <a:endParaRPr lang="zh-CN" altLang="en-US" sz="1400"/>
+            <a:endParaRPr lang="zh-CN" altLang="en-US" sz="1400">
+              <a:latin typeface="Times New Roman" panose="02020603050405020304" charset="0"/>
+              <a:ea typeface="楷体" panose="02010609060101010101" charset="-122"/>
+              <a:cs typeface="Times New Roman" panose="02020603050405020304" charset="0"/>
+            </a:endParaRPr>
           </a:p>
           <a:p>
             <a:pPr indent="0">
               <a:lnSpc>
-                <a:spcPct val="130000"/>
+                <a:spcPct val="150000"/>
               </a:lnSpc>
               <a:buFont typeface="Arial" panose="020B0604020202020204" pitchFamily="34" charset="0"/>
               <a:buNone/>
             </a:pPr>
-            <a:endParaRPr lang="zh-CN" altLang="en-US" sz="1400"/>
+            <a:r>
+              <a:rPr lang="zh-CN" altLang="en-US" sz="1400">
+                <a:latin typeface="Times New Roman" panose="02020603050405020304" charset="0"/>
+                <a:ea typeface="楷体" panose="02010609060101010101" charset="-122"/>
+                <a:cs typeface="Times New Roman" panose="02020603050405020304" charset="0"/>
+              </a:rPr>
+              <a:t>curl -k https://localhost:6443/livez?verbose</a:t>
+            </a:r>
+            <a:endParaRPr lang="zh-CN" altLang="en-US" sz="1400">
+              <a:latin typeface="Times New Roman" panose="02020603050405020304" charset="0"/>
+              <a:ea typeface="楷体" panose="02010609060101010101" charset="-122"/>
+              <a:cs typeface="Times New Roman" panose="02020603050405020304" charset="0"/>
+            </a:endParaRPr>
           </a:p>
           <a:p>
             <a:pPr indent="0">
               <a:lnSpc>
-                <a:spcPct val="130000"/>
+                <a:spcPct val="150000"/>
               </a:lnSpc>
               <a:buFont typeface="Arial" panose="020B0604020202020204" pitchFamily="34" charset="0"/>
               <a:buNone/>
             </a:pPr>
             <a:r>
-              <a:rPr lang="zh-CN" altLang="en-US" sz="1400"/>
-              <a:t>多数情况卡使用</a:t>
-            </a:r>
-            <a:r>
-              <a:rPr lang="en-US" altLang="zh-CN" sz="1400"/>
-              <a:t>.yaml</a:t>
-            </a:r>
-            <a:r>
-              <a:rPr lang="zh-CN" altLang="en-US" sz="1400"/>
-              <a:t>文件描述一个</a:t>
-            </a:r>
-            <a:r>
-              <a:rPr lang="en-US" altLang="zh-CN" sz="1400"/>
-              <a:t>object</a:t>
-            </a:r>
-            <a:endParaRPr lang="en-US" altLang="zh-CN" sz="1400"/>
+              <a:rPr lang="en-US" altLang="zh-CN" sz="1400">
+                <a:latin typeface="Times New Roman" panose="02020603050405020304" charset="0"/>
+                <a:ea typeface="楷体" panose="02010609060101010101" charset="-122"/>
+                <a:cs typeface="Times New Roman" panose="02020603050405020304" charset="0"/>
+              </a:rPr>
+              <a:t>or</a:t>
+            </a:r>
+            <a:endParaRPr lang="en-US" altLang="zh-CN" sz="1400">
+              <a:latin typeface="Times New Roman" panose="02020603050405020304" charset="0"/>
+              <a:ea typeface="楷体" panose="02010609060101010101" charset="-122"/>
+              <a:cs typeface="Times New Roman" panose="02020603050405020304" charset="0"/>
+            </a:endParaRPr>
+          </a:p>
+          <a:p>
+            <a:pPr indent="0">
+              <a:lnSpc>
+                <a:spcPct val="150000"/>
+              </a:lnSpc>
+              <a:buFont typeface="Arial" panose="020B0604020202020204" pitchFamily="34" charset="0"/>
+              <a:buNone/>
+            </a:pPr>
+            <a:r>
+              <a:rPr lang="en-US" altLang="zh-CN" sz="1400">
+                <a:latin typeface="Times New Roman" panose="02020603050405020304" charset="0"/>
+                <a:ea typeface="楷体" panose="02010609060101010101" charset="-122"/>
+                <a:cs typeface="Times New Roman" panose="02020603050405020304" charset="0"/>
+              </a:rPr>
+              <a:t>kubectl get --raw='/readyz?verbose'</a:t>
+            </a:r>
+            <a:endParaRPr lang="en-US" altLang="zh-CN" sz="1400">
+              <a:latin typeface="Times New Roman" panose="02020603050405020304" charset="0"/>
+              <a:ea typeface="楷体" panose="02010609060101010101" charset="-122"/>
+              <a:cs typeface="Times New Roman" panose="02020603050405020304" charset="0"/>
+            </a:endParaRPr>
           </a:p>
         </p:txBody>
       </p:sp>
@@ -9093,14 +10363,133 @@
       <p:grpSpPr/>
       <p:sp>
         <p:nvSpPr>
-          <p:cNvPr id="2" name="文本框 1"/>
+          <p:cNvPr id="2" name="圆角矩形 1"/>
+          <p:cNvSpPr/>
+          <p:nvPr/>
+        </p:nvSpPr>
+        <p:spPr>
+          <a:xfrm>
+            <a:off x="1507490" y="1365250"/>
+            <a:ext cx="2622550" cy="3963670"/>
+          </a:xfrm>
+          <a:prstGeom prst="roundRect">
+            <a:avLst/>
+          </a:prstGeom>
+        </p:spPr>
+        <p:style>
+          <a:lnRef idx="2">
+            <a:schemeClr val="dk1"/>
+          </a:lnRef>
+          <a:fillRef idx="1">
+            <a:schemeClr val="lt1"/>
+          </a:fillRef>
+          <a:effectRef idx="0">
+            <a:schemeClr val="dk1"/>
+          </a:effectRef>
+          <a:fontRef idx="minor">
+            <a:schemeClr val="dk1"/>
+          </a:fontRef>
+        </p:style>
+        <p:txBody>
+          <a:bodyPr rtlCol="0" anchor="ctr"/>
+          <a:p>
+            <a:pPr algn="ctr"/>
+            <a:endParaRPr lang="zh-CN" altLang="en-US"/>
+          </a:p>
+        </p:txBody>
+      </p:sp>
+      <p:sp>
+        <p:nvSpPr>
+          <p:cNvPr id="3" name="圆角矩形 2"/>
+          <p:cNvSpPr/>
+          <p:nvPr/>
+        </p:nvSpPr>
+        <p:spPr>
+          <a:xfrm>
+            <a:off x="1804035" y="1849120"/>
+            <a:ext cx="2029460" cy="1332230"/>
+          </a:xfrm>
+          <a:prstGeom prst="roundRect">
+            <a:avLst/>
+          </a:prstGeom>
+        </p:spPr>
+        <p:style>
+          <a:lnRef idx="2">
+            <a:schemeClr val="dk1"/>
+          </a:lnRef>
+          <a:fillRef idx="1">
+            <a:schemeClr val="lt1"/>
+          </a:fillRef>
+          <a:effectRef idx="0">
+            <a:schemeClr val="dk1"/>
+          </a:effectRef>
+          <a:fontRef idx="minor">
+            <a:schemeClr val="dk1"/>
+          </a:fontRef>
+        </p:style>
+        <p:txBody>
+          <a:bodyPr rtlCol="0" anchor="ctr"/>
+          <a:p>
+            <a:pPr algn="ctr"/>
+            <a:r>
+              <a:rPr lang="en-US" altLang="zh-CN"/>
+              <a:t>spec</a:t>
+            </a:r>
+            <a:endParaRPr lang="en-US" altLang="zh-CN"/>
+          </a:p>
+        </p:txBody>
+      </p:sp>
+      <p:sp>
+        <p:nvSpPr>
+          <p:cNvPr id="4" name="圆角矩形 3"/>
+          <p:cNvSpPr/>
+          <p:nvPr/>
+        </p:nvSpPr>
+        <p:spPr>
+          <a:xfrm>
+            <a:off x="1804035" y="3597275"/>
+            <a:ext cx="2029460" cy="1332230"/>
+          </a:xfrm>
+          <a:prstGeom prst="roundRect">
+            <a:avLst/>
+          </a:prstGeom>
+        </p:spPr>
+        <p:style>
+          <a:lnRef idx="2">
+            <a:schemeClr val="dk1"/>
+          </a:lnRef>
+          <a:fillRef idx="1">
+            <a:schemeClr val="lt1"/>
+          </a:fillRef>
+          <a:effectRef idx="0">
+            <a:schemeClr val="dk1"/>
+          </a:effectRef>
+          <a:fontRef idx="minor">
+            <a:schemeClr val="dk1"/>
+          </a:fontRef>
+        </p:style>
+        <p:txBody>
+          <a:bodyPr rtlCol="0" anchor="ctr"/>
+          <a:p>
+            <a:pPr algn="ctr"/>
+            <a:r>
+              <a:rPr lang="en-US" altLang="zh-CN"/>
+              <a:t>status</a:t>
+            </a:r>
+            <a:endParaRPr lang="en-US" altLang="zh-CN"/>
+          </a:p>
+        </p:txBody>
+      </p:sp>
+      <p:sp>
+        <p:nvSpPr>
+          <p:cNvPr id="5" name="文本框 4"/>
           <p:cNvSpPr txBox="1"/>
           <p:nvPr/>
         </p:nvSpPr>
         <p:spPr>
           <a:xfrm>
-            <a:off x="311785" y="890270"/>
-            <a:ext cx="5184140" cy="5077460"/>
+            <a:off x="1704975" y="1365250"/>
+            <a:ext cx="765175" cy="368300"/>
           </a:xfrm>
           <a:prstGeom prst="rect">
             <a:avLst/>
@@ -9108,147 +10497,28 @@
           <a:noFill/>
         </p:spPr>
         <p:txBody>
-          <a:bodyPr wrap="square" rtlCol="0" anchor="t">
+          <a:bodyPr wrap="none" rtlCol="0">
             <a:spAutoFit/>
           </a:bodyPr>
           <a:p>
             <a:r>
-              <a:rPr lang="zh-CN" altLang="en-US"/>
-              <a:t>apiVersion: apps/v1 kind: Deployment</a:t>
-            </a:r>
-            <a:endParaRPr lang="zh-CN" altLang="en-US"/>
-          </a:p>
-          <a:p>
-            <a:r>
-              <a:rPr lang="zh-CN" altLang="en-US"/>
-              <a:t>metadata:</a:t>
-            </a:r>
-            <a:endParaRPr lang="zh-CN" altLang="en-US"/>
-          </a:p>
-          <a:p>
-            <a:r>
-              <a:rPr lang="zh-CN" altLang="en-US"/>
-              <a:t>  name: nginx-deployment</a:t>
-            </a:r>
-            <a:endParaRPr lang="zh-CN" altLang="en-US"/>
-          </a:p>
-          <a:p>
-            <a:r>
-              <a:rPr lang="zh-CN" altLang="en-US"/>
-              <a:t>spec:</a:t>
-            </a:r>
-            <a:endParaRPr lang="zh-CN" altLang="en-US"/>
-          </a:p>
-          <a:p>
-            <a:r>
-              <a:rPr lang="zh-CN" altLang="en-US"/>
-              <a:t>  selector:</a:t>
-            </a:r>
-            <a:endParaRPr lang="zh-CN" altLang="en-US"/>
-          </a:p>
-          <a:p>
-            <a:r>
-              <a:rPr lang="zh-CN" altLang="en-US"/>
-              <a:t>    matchLabels:</a:t>
-            </a:r>
-            <a:endParaRPr lang="zh-CN" altLang="en-US"/>
-          </a:p>
-          <a:p>
-            <a:r>
-              <a:rPr lang="zh-CN" altLang="en-US"/>
-              <a:t>      app: nginx</a:t>
-            </a:r>
-            <a:endParaRPr lang="zh-CN" altLang="en-US"/>
-          </a:p>
-          <a:p>
-            <a:r>
-              <a:rPr lang="zh-CN" altLang="en-US"/>
-              <a:t>  replicas: 2 </a:t>
-            </a:r>
-            <a:endParaRPr lang="zh-CN" altLang="en-US"/>
-          </a:p>
-          <a:p>
-            <a:r>
-              <a:rPr lang="zh-CN" altLang="en-US"/>
-              <a:t>  template:</a:t>
-            </a:r>
-            <a:endParaRPr lang="zh-CN" altLang="en-US"/>
-          </a:p>
-          <a:p>
-            <a:r>
-              <a:rPr lang="zh-CN" altLang="en-US"/>
-              <a:t>    metadata:</a:t>
-            </a:r>
-            <a:endParaRPr lang="zh-CN" altLang="en-US"/>
-          </a:p>
-          <a:p>
-            <a:r>
-              <a:rPr lang="zh-CN" altLang="en-US"/>
-              <a:t>      labels:</a:t>
-            </a:r>
-            <a:endParaRPr lang="zh-CN" altLang="en-US"/>
-          </a:p>
-          <a:p>
-            <a:r>
-              <a:rPr lang="zh-CN" altLang="en-US"/>
-              <a:t>        app: nginx</a:t>
-            </a:r>
-            <a:endParaRPr lang="zh-CN" altLang="en-US"/>
-          </a:p>
-          <a:p>
-            <a:r>
-              <a:rPr lang="zh-CN" altLang="en-US"/>
-              <a:t>    spec:</a:t>
-            </a:r>
-            <a:endParaRPr lang="zh-CN" altLang="en-US"/>
-          </a:p>
-          <a:p>
-            <a:r>
-              <a:rPr lang="zh-CN" altLang="en-US"/>
-              <a:t>      containers:</a:t>
-            </a:r>
-            <a:endParaRPr lang="zh-CN" altLang="en-US"/>
-          </a:p>
-          <a:p>
-            <a:r>
-              <a:rPr lang="zh-CN" altLang="en-US"/>
-              <a:t>      - name: nginx</a:t>
-            </a:r>
-            <a:endParaRPr lang="zh-CN" altLang="en-US"/>
-          </a:p>
-          <a:p>
-            <a:r>
-              <a:rPr lang="zh-CN" altLang="en-US"/>
-              <a:t>        image: nginx:1.14.2</a:t>
-            </a:r>
-            <a:endParaRPr lang="zh-CN" altLang="en-US"/>
-          </a:p>
-          <a:p>
-            <a:r>
-              <a:rPr lang="zh-CN" altLang="en-US"/>
-              <a:t>        ports:</a:t>
-            </a:r>
-            <a:endParaRPr lang="zh-CN" altLang="en-US"/>
-          </a:p>
-          <a:p>
-            <a:r>
-              <a:rPr lang="zh-CN" altLang="en-US"/>
-              <a:t>        - containerPort: 80</a:t>
-            </a:r>
-            <a:endParaRPr lang="zh-CN" altLang="en-US"/>
-          </a:p>
-        </p:txBody>
-      </p:sp>
-      <p:sp>
-        <p:nvSpPr>
-          <p:cNvPr id="3" name="文本框 2"/>
+              <a:rPr lang="en-US" altLang="zh-CN"/>
+              <a:t>object</a:t>
+            </a:r>
+            <a:endParaRPr lang="en-US" altLang="zh-CN"/>
+          </a:p>
+        </p:txBody>
+      </p:sp>
+      <p:sp>
+        <p:nvSpPr>
+          <p:cNvPr id="6" name="文本框 5"/>
           <p:cNvSpPr txBox="1"/>
           <p:nvPr/>
         </p:nvSpPr>
         <p:spPr>
           <a:xfrm>
-            <a:off x="6077585" y="890270"/>
-            <a:ext cx="2656205" cy="1706880"/>
+            <a:off x="5713730" y="1365250"/>
+            <a:ext cx="3508375" cy="3163570"/>
           </a:xfrm>
           <a:prstGeom prst="rect">
             <a:avLst/>
@@ -9256,116 +10526,177 @@
           <a:noFill/>
         </p:spPr>
         <p:txBody>
-          <a:bodyPr wrap="square" rtlCol="0">
+          <a:bodyPr wrap="none" rtlCol="0">
             <a:spAutoFit/>
           </a:bodyPr>
           <a:p>
+            <a:r>
+              <a:rPr lang="en-US" altLang="zh-CN"/>
+              <a:t>object</a:t>
+            </a:r>
+            <a:r>
+              <a:rPr lang="zh-CN" altLang="en-US"/>
+              <a:t>的集合，表示了集群的状态</a:t>
+            </a:r>
+            <a:endParaRPr lang="zh-CN" altLang="en-US"/>
+          </a:p>
+          <a:p>
             <a:pPr>
               <a:lnSpc>
-                <a:spcPct val="150000"/>
+                <a:spcPct val="130000"/>
               </a:lnSpc>
             </a:pPr>
-            <a:r>
-              <a:rPr lang="zh-CN" altLang="en-US" sz="1400">
-                <a:latin typeface="Times New Roman" panose="02020603050405020304" charset="0"/>
-                <a:ea typeface="楷体" panose="02010609060101010101" charset="-122"/>
-                <a:cs typeface="Times New Roman" panose="02020603050405020304" charset="0"/>
-              </a:rPr>
-              <a:t>资源对象必要域：</a:t>
-            </a:r>
-            <a:endParaRPr lang="zh-CN" altLang="en-US" sz="1400">
-              <a:latin typeface="Times New Roman" panose="02020603050405020304" charset="0"/>
-              <a:ea typeface="楷体" panose="02010609060101010101" charset="-122"/>
-              <a:cs typeface="Times New Roman" panose="02020603050405020304" charset="0"/>
-            </a:endParaRPr>
+            <a:endParaRPr lang="zh-CN" altLang="en-US" sz="1400"/>
           </a:p>
           <a:p>
             <a:pPr marL="285750" indent="-285750">
               <a:lnSpc>
-                <a:spcPct val="150000"/>
+                <a:spcPct val="130000"/>
               </a:lnSpc>
               <a:buFont typeface="Arial" panose="020B0604020202020204" pitchFamily="34" charset="0"/>
               <a:buChar char="•"/>
             </a:pPr>
             <a:r>
-              <a:rPr lang="en-US" altLang="zh-CN" sz="1400">
-                <a:latin typeface="Times New Roman" panose="02020603050405020304" charset="0"/>
-                <a:ea typeface="楷体" panose="02010609060101010101" charset="-122"/>
-                <a:cs typeface="Times New Roman" panose="02020603050405020304" charset="0"/>
-              </a:rPr>
-              <a:t>apiVersion</a:t>
-            </a:r>
-            <a:endParaRPr lang="en-US" altLang="zh-CN" sz="1400">
-              <a:latin typeface="Times New Roman" panose="02020603050405020304" charset="0"/>
-              <a:ea typeface="楷体" panose="02010609060101010101" charset="-122"/>
-              <a:cs typeface="Times New Roman" panose="02020603050405020304" charset="0"/>
-            </a:endParaRPr>
+              <a:rPr lang="zh-CN" altLang="en-US" sz="1400"/>
+              <a:t>容器运行的应用</a:t>
+            </a:r>
+            <a:endParaRPr lang="zh-CN" altLang="en-US" sz="1400"/>
           </a:p>
           <a:p>
             <a:pPr marL="285750" indent="-285750">
               <a:lnSpc>
-                <a:spcPct val="150000"/>
+                <a:spcPct val="130000"/>
               </a:lnSpc>
               <a:buFont typeface="Arial" panose="020B0604020202020204" pitchFamily="34" charset="0"/>
               <a:buChar char="•"/>
             </a:pPr>
             <a:r>
-              <a:rPr lang="en-US" altLang="zh-CN" sz="1400">
-                <a:latin typeface="Times New Roman" panose="02020603050405020304" charset="0"/>
-                <a:ea typeface="楷体" panose="02010609060101010101" charset="-122"/>
-                <a:cs typeface="Times New Roman" panose="02020603050405020304" charset="0"/>
-              </a:rPr>
-              <a:t>kind</a:t>
-            </a:r>
-            <a:endParaRPr lang="en-US" altLang="zh-CN" sz="1400">
-              <a:latin typeface="Times New Roman" panose="02020603050405020304" charset="0"/>
-              <a:ea typeface="楷体" panose="02010609060101010101" charset="-122"/>
-              <a:cs typeface="Times New Roman" panose="02020603050405020304" charset="0"/>
-            </a:endParaRPr>
+              <a:rPr lang="zh-CN" altLang="en-US" sz="1400"/>
+              <a:t>应用可用的资源</a:t>
+            </a:r>
+            <a:endParaRPr lang="zh-CN" altLang="en-US" sz="1400"/>
           </a:p>
           <a:p>
             <a:pPr marL="285750" indent="-285750">
               <a:lnSpc>
-                <a:spcPct val="150000"/>
+                <a:spcPct val="130000"/>
               </a:lnSpc>
               <a:buFont typeface="Arial" panose="020B0604020202020204" pitchFamily="34" charset="0"/>
               <a:buChar char="•"/>
             </a:pPr>
             <a:r>
-              <a:rPr lang="en-US" altLang="zh-CN" sz="1400">
-                <a:latin typeface="Times New Roman" panose="02020603050405020304" charset="0"/>
-                <a:ea typeface="楷体" panose="02010609060101010101" charset="-122"/>
-                <a:cs typeface="Times New Roman" panose="02020603050405020304" charset="0"/>
-              </a:rPr>
-              <a:t>metadata</a:t>
-            </a:r>
-            <a:endParaRPr lang="en-US" altLang="zh-CN" sz="1400">
-              <a:latin typeface="Times New Roman" panose="02020603050405020304" charset="0"/>
-              <a:ea typeface="楷体" panose="02010609060101010101" charset="-122"/>
-              <a:cs typeface="Times New Roman" panose="02020603050405020304" charset="0"/>
-            </a:endParaRPr>
+              <a:rPr lang="zh-CN" altLang="en-US" sz="1400"/>
+              <a:t>应用运行的行为、策略</a:t>
+            </a:r>
+            <a:endParaRPr lang="zh-CN" altLang="en-US" sz="1400"/>
           </a:p>
           <a:p>
             <a:pPr marL="285750" indent="-285750">
               <a:lnSpc>
-                <a:spcPct val="150000"/>
+                <a:spcPct val="130000"/>
               </a:lnSpc>
               <a:buFont typeface="Arial" panose="020B0604020202020204" pitchFamily="34" charset="0"/>
               <a:buChar char="•"/>
             </a:pPr>
-            <a:r>
-              <a:rPr lang="en-US" altLang="zh-CN" sz="1400">
-                <a:latin typeface="Times New Roman" panose="02020603050405020304" charset="0"/>
-                <a:ea typeface="楷体" panose="02010609060101010101" charset="-122"/>
-                <a:cs typeface="Times New Roman" panose="02020603050405020304" charset="0"/>
-              </a:rPr>
+            <a:endParaRPr lang="zh-CN" altLang="en-US" sz="1400"/>
+          </a:p>
+          <a:p>
+            <a:pPr marL="285750" indent="-285750">
+              <a:lnSpc>
+                <a:spcPct val="130000"/>
+              </a:lnSpc>
+              <a:buFont typeface="Arial" panose="020B0604020202020204" pitchFamily="34" charset="0"/>
+              <a:buChar char="•"/>
+            </a:pPr>
+            <a:endParaRPr lang="zh-CN" altLang="en-US" sz="1400"/>
+          </a:p>
+          <a:p>
+            <a:pPr indent="0">
+              <a:lnSpc>
+                <a:spcPct val="130000"/>
+              </a:lnSpc>
+              <a:buFont typeface="Arial" panose="020B0604020202020204" pitchFamily="34" charset="0"/>
+              <a:buNone/>
+            </a:pPr>
+            <a:r>
+              <a:rPr lang="en-US" altLang="zh-CN" sz="1400"/>
               <a:t>spec</a:t>
             </a:r>
-            <a:endParaRPr lang="en-US" altLang="zh-CN" sz="1400">
-              <a:latin typeface="Times New Roman" panose="02020603050405020304" charset="0"/>
-              <a:ea typeface="楷体" panose="02010609060101010101" charset="-122"/>
-              <a:cs typeface="Times New Roman" panose="02020603050405020304" charset="0"/>
-            </a:endParaRPr>
+            <a:r>
+              <a:rPr lang="zh-CN" altLang="en-US" sz="1400"/>
+              <a:t>：定义了用户对</a:t>
+            </a:r>
+            <a:r>
+              <a:rPr lang="en-US" altLang="zh-CN" sz="1400"/>
+              <a:t>object</a:t>
+            </a:r>
+            <a:r>
+              <a:rPr lang="zh-CN" altLang="en-US" sz="1400"/>
+              <a:t>的期望状态</a:t>
+            </a:r>
+            <a:endParaRPr lang="zh-CN" altLang="en-US" sz="1400"/>
+          </a:p>
+          <a:p>
+            <a:pPr indent="0">
+              <a:lnSpc>
+                <a:spcPct val="130000"/>
+              </a:lnSpc>
+              <a:buFont typeface="Arial" panose="020B0604020202020204" pitchFamily="34" charset="0"/>
+              <a:buNone/>
+            </a:pPr>
+            <a:r>
+              <a:rPr lang="en-US" altLang="zh-CN" sz="1400"/>
+              <a:t>status</a:t>
+            </a:r>
+            <a:r>
+              <a:rPr lang="zh-CN" altLang="en-US" sz="1400"/>
+              <a:t>：描述了</a:t>
+            </a:r>
+            <a:r>
+              <a:rPr lang="en-US" altLang="zh-CN" sz="1400"/>
+              <a:t>object</a:t>
+            </a:r>
+            <a:r>
+              <a:rPr lang="zh-CN" altLang="en-US" sz="1400"/>
+              <a:t>的当前状态</a:t>
+            </a:r>
+            <a:endParaRPr lang="zh-CN" altLang="en-US" sz="1400"/>
+          </a:p>
+          <a:p>
+            <a:pPr indent="0">
+              <a:lnSpc>
+                <a:spcPct val="130000"/>
+              </a:lnSpc>
+              <a:buFont typeface="Arial" panose="020B0604020202020204" pitchFamily="34" charset="0"/>
+              <a:buNone/>
+            </a:pPr>
+            <a:endParaRPr lang="zh-CN" altLang="en-US" sz="1400"/>
+          </a:p>
+          <a:p>
+            <a:pPr indent="0">
+              <a:lnSpc>
+                <a:spcPct val="130000"/>
+              </a:lnSpc>
+              <a:buFont typeface="Arial" panose="020B0604020202020204" pitchFamily="34" charset="0"/>
+              <a:buNone/>
+            </a:pPr>
+            <a:r>
+              <a:rPr lang="zh-CN" altLang="en-US" sz="1400"/>
+              <a:t>多数情况卡使用</a:t>
+            </a:r>
+            <a:r>
+              <a:rPr lang="en-US" altLang="zh-CN" sz="1400"/>
+              <a:t>.yaml</a:t>
+            </a:r>
+            <a:r>
+              <a:rPr lang="zh-CN" altLang="en-US" sz="1400"/>
+              <a:t>文件描述一个</a:t>
+            </a:r>
+            <a:r>
+              <a:rPr lang="en-US" altLang="zh-CN" sz="1400"/>
+              <a:t>object</a:t>
+            </a:r>
+            <a:endParaRPr lang="en-US" altLang="zh-CN" sz="1400"/>
           </a:p>
         </p:txBody>
       </p:sp>
@@ -9392,14 +10723,169 @@
       <p:grpSpPr/>
       <p:sp>
         <p:nvSpPr>
+          <p:cNvPr id="2" name="文本框 1"/>
+          <p:cNvSpPr txBox="1"/>
+          <p:nvPr/>
+        </p:nvSpPr>
+        <p:spPr>
+          <a:xfrm>
+            <a:off x="810260" y="890270"/>
+            <a:ext cx="3611880" cy="5354320"/>
+          </a:xfrm>
+          <a:prstGeom prst="rect">
+            <a:avLst/>
+          </a:prstGeom>
+          <a:noFill/>
+        </p:spPr>
+        <p:txBody>
+          <a:bodyPr wrap="square" rtlCol="0" anchor="t">
+            <a:spAutoFit/>
+          </a:bodyPr>
+          <a:p>
+            <a:r>
+              <a:rPr lang="zh-CN" altLang="en-US"/>
+              <a:t>apiVersion: apps/v1 </a:t>
+            </a:r>
+            <a:endParaRPr lang="zh-CN" altLang="en-US"/>
+          </a:p>
+          <a:p>
+            <a:r>
+              <a:rPr lang="zh-CN" altLang="en-US"/>
+              <a:t>kind: Deployment</a:t>
+            </a:r>
+            <a:endParaRPr lang="zh-CN" altLang="en-US"/>
+          </a:p>
+          <a:p>
+            <a:r>
+              <a:rPr lang="zh-CN" altLang="en-US"/>
+              <a:t>metadata:</a:t>
+            </a:r>
+            <a:endParaRPr lang="zh-CN" altLang="en-US"/>
+          </a:p>
+          <a:p>
+            <a:r>
+              <a:rPr lang="zh-CN" altLang="en-US"/>
+              <a:t>  name: nginx-deployment</a:t>
+            </a:r>
+            <a:endParaRPr lang="zh-CN" altLang="en-US"/>
+          </a:p>
+          <a:p>
+            <a:r>
+              <a:rPr lang="zh-CN" altLang="en-US"/>
+              <a:t>spec:</a:t>
+            </a:r>
+            <a:endParaRPr lang="zh-CN" altLang="en-US"/>
+          </a:p>
+          <a:p>
+            <a:r>
+              <a:rPr lang="zh-CN" altLang="en-US"/>
+              <a:t>  selector:</a:t>
+            </a:r>
+            <a:endParaRPr lang="zh-CN" altLang="en-US"/>
+          </a:p>
+          <a:p>
+            <a:r>
+              <a:rPr lang="zh-CN" altLang="en-US"/>
+              <a:t>    matchLabels:</a:t>
+            </a:r>
+            <a:endParaRPr lang="zh-CN" altLang="en-US"/>
+          </a:p>
+          <a:p>
+            <a:r>
+              <a:rPr lang="zh-CN" altLang="en-US"/>
+              <a:t>      app: nginx</a:t>
+            </a:r>
+            <a:endParaRPr lang="zh-CN" altLang="en-US"/>
+          </a:p>
+          <a:p>
+            <a:r>
+              <a:rPr lang="zh-CN" altLang="en-US"/>
+              <a:t>  replicas: 2 </a:t>
+            </a:r>
+            <a:endParaRPr lang="zh-CN" altLang="en-US"/>
+          </a:p>
+          <a:p>
+            <a:r>
+              <a:rPr lang="zh-CN" altLang="en-US"/>
+              <a:t>  template:</a:t>
+            </a:r>
+            <a:endParaRPr lang="zh-CN" altLang="en-US"/>
+          </a:p>
+          <a:p>
+            <a:r>
+              <a:rPr lang="zh-CN" altLang="en-US"/>
+              <a:t>    metadata:</a:t>
+            </a:r>
+            <a:endParaRPr lang="zh-CN" altLang="en-US"/>
+          </a:p>
+          <a:p>
+            <a:r>
+              <a:rPr lang="zh-CN" altLang="en-US"/>
+              <a:t>      labels:</a:t>
+            </a:r>
+            <a:endParaRPr lang="zh-CN" altLang="en-US"/>
+          </a:p>
+          <a:p>
+            <a:r>
+              <a:rPr lang="zh-CN" altLang="en-US"/>
+              <a:t>        app: nginx</a:t>
+            </a:r>
+            <a:endParaRPr lang="zh-CN" altLang="en-US"/>
+          </a:p>
+          <a:p>
+            <a:r>
+              <a:rPr lang="zh-CN" altLang="en-US"/>
+              <a:t>    spec:</a:t>
+            </a:r>
+            <a:endParaRPr lang="zh-CN" altLang="en-US"/>
+          </a:p>
+          <a:p>
+            <a:r>
+              <a:rPr lang="zh-CN" altLang="en-US"/>
+              <a:t>      containers:</a:t>
+            </a:r>
+            <a:endParaRPr lang="zh-CN" altLang="en-US"/>
+          </a:p>
+          <a:p>
+            <a:r>
+              <a:rPr lang="zh-CN" altLang="en-US"/>
+              <a:t>      - name: nginx</a:t>
+            </a:r>
+            <a:endParaRPr lang="zh-CN" altLang="en-US"/>
+          </a:p>
+          <a:p>
+            <a:r>
+              <a:rPr lang="zh-CN" altLang="en-US"/>
+              <a:t>        image: nginx:1.14.2</a:t>
+            </a:r>
+            <a:endParaRPr lang="zh-CN" altLang="en-US"/>
+          </a:p>
+          <a:p>
+            <a:r>
+              <a:rPr lang="zh-CN" altLang="en-US"/>
+              <a:t>        ports:</a:t>
+            </a:r>
+            <a:endParaRPr lang="zh-CN" altLang="en-US"/>
+          </a:p>
+          <a:p>
+            <a:r>
+              <a:rPr lang="zh-CN" altLang="en-US"/>
+              <a:t>        - containerPort: 80</a:t>
+            </a:r>
+            <a:endParaRPr lang="zh-CN" altLang="en-US"/>
+          </a:p>
+        </p:txBody>
+      </p:sp>
+      <p:sp>
+        <p:nvSpPr>
           <p:cNvPr id="3" name="文本框 2"/>
           <p:cNvSpPr txBox="1"/>
           <p:nvPr/>
         </p:nvSpPr>
         <p:spPr>
           <a:xfrm>
-            <a:off x="508635" y="1282700"/>
-            <a:ext cx="6231255" cy="4292600"/>
+            <a:off x="6077585" y="890270"/>
+            <a:ext cx="2656205" cy="1706880"/>
           </a:xfrm>
           <a:prstGeom prst="rect">
             <a:avLst/>
@@ -9417,34 +10903,26 @@
               </a:lnSpc>
             </a:pPr>
             <a:r>
-              <a:rPr lang="en-US" altLang="zh-CN" sz="1400" b="1">
+              <a:rPr lang="zh-CN" altLang="en-US" sz="1400">
                 <a:latin typeface="Times New Roman" panose="02020603050405020304" charset="0"/>
                 <a:ea typeface="楷体" panose="02010609060101010101" charset="-122"/>
                 <a:cs typeface="Times New Roman" panose="02020603050405020304" charset="0"/>
               </a:rPr>
-              <a:t>PODS</a:t>
-            </a:r>
-            <a:r>
-              <a:rPr lang="zh-CN" altLang="en-US" sz="1400" b="1">
-                <a:latin typeface="Times New Roman" panose="02020603050405020304" charset="0"/>
-                <a:ea typeface="楷体" panose="02010609060101010101" charset="-122"/>
-                <a:cs typeface="Times New Roman" panose="02020603050405020304" charset="0"/>
-              </a:rPr>
-              <a:t>：</a:t>
-            </a:r>
-            <a:endParaRPr lang="zh-CN" altLang="en-US" sz="1400" b="1">
+              <a:t>资源对象必要域：</a:t>
+            </a:r>
+            <a:endParaRPr lang="zh-CN" altLang="en-US" sz="1400">
               <a:latin typeface="Times New Roman" panose="02020603050405020304" charset="0"/>
               <a:ea typeface="楷体" panose="02010609060101010101" charset="-122"/>
               <a:cs typeface="Times New Roman" panose="02020603050405020304" charset="0"/>
             </a:endParaRPr>
           </a:p>
           <a:p>
-            <a:pPr indent="0">
+            <a:pPr marL="285750" indent="-285750">
               <a:lnSpc>
                 <a:spcPct val="150000"/>
               </a:lnSpc>
               <a:buFont typeface="Arial" panose="020B0604020202020204" pitchFamily="34" charset="0"/>
-              <a:buNone/>
+              <a:buChar char="•"/>
             </a:pPr>
             <a:r>
               <a:rPr lang="en-US" altLang="zh-CN" sz="1400">
@@ -9452,207 +10930,73 @@
                 <a:ea typeface="楷体" panose="02010609060101010101" charset="-122"/>
                 <a:cs typeface="Times New Roman" panose="02020603050405020304" charset="0"/>
               </a:rPr>
-              <a:t>pods</a:t>
-            </a:r>
-            <a:r>
-              <a:rPr lang="zh-CN" altLang="en-US" sz="1400">
-                <a:latin typeface="Times New Roman" panose="02020603050405020304" charset="0"/>
-                <a:ea typeface="楷体" panose="02010609060101010101" charset="-122"/>
-                <a:cs typeface="Times New Roman" panose="02020603050405020304" charset="0"/>
-              </a:rPr>
-              <a:t>是可以创建管理的最小的可部署单元，</a:t>
-            </a:r>
+              <a:t>apiVersion</a:t>
+            </a:r>
+            <a:endParaRPr lang="en-US" altLang="zh-CN" sz="1400">
+              <a:latin typeface="Times New Roman" panose="02020603050405020304" charset="0"/>
+              <a:ea typeface="楷体" panose="02010609060101010101" charset="-122"/>
+              <a:cs typeface="Times New Roman" panose="02020603050405020304" charset="0"/>
+            </a:endParaRPr>
+          </a:p>
+          <a:p>
+            <a:pPr marL="285750" indent="-285750">
+              <a:lnSpc>
+                <a:spcPct val="150000"/>
+              </a:lnSpc>
+              <a:buFont typeface="Arial" panose="020B0604020202020204" pitchFamily="34" charset="0"/>
+              <a:buChar char="•"/>
+            </a:pPr>
             <a:r>
               <a:rPr lang="en-US" altLang="zh-CN" sz="1400">
                 <a:latin typeface="Times New Roman" panose="02020603050405020304" charset="0"/>
                 <a:ea typeface="楷体" panose="02010609060101010101" charset="-122"/>
                 <a:cs typeface="Times New Roman" panose="02020603050405020304" charset="0"/>
               </a:rPr>
-              <a:t>Pod</a:t>
-            </a:r>
-            <a:r>
-              <a:rPr lang="zh-CN" altLang="en-US" sz="1400">
-                <a:latin typeface="Times New Roman" panose="02020603050405020304" charset="0"/>
-                <a:ea typeface="楷体" panose="02010609060101010101" charset="-122"/>
-                <a:cs typeface="Times New Roman" panose="02020603050405020304" charset="0"/>
-              </a:rPr>
-              <a:t>是一个或多个</a:t>
-            </a:r>
+              <a:t>kind</a:t>
+            </a:r>
+            <a:endParaRPr lang="en-US" altLang="zh-CN" sz="1400">
+              <a:latin typeface="Times New Roman" panose="02020603050405020304" charset="0"/>
+              <a:ea typeface="楷体" panose="02010609060101010101" charset="-122"/>
+              <a:cs typeface="Times New Roman" panose="02020603050405020304" charset="0"/>
+            </a:endParaRPr>
+          </a:p>
+          <a:p>
+            <a:pPr marL="285750" indent="-285750">
+              <a:lnSpc>
+                <a:spcPct val="150000"/>
+              </a:lnSpc>
+              <a:buFont typeface="Arial" panose="020B0604020202020204" pitchFamily="34" charset="0"/>
+              <a:buChar char="•"/>
+            </a:pPr>
             <a:r>
               <a:rPr lang="en-US" altLang="zh-CN" sz="1400">
                 <a:latin typeface="Times New Roman" panose="02020603050405020304" charset="0"/>
                 <a:ea typeface="楷体" panose="02010609060101010101" charset="-122"/>
                 <a:cs typeface="Times New Roman" panose="02020603050405020304" charset="0"/>
               </a:rPr>
-              <a:t>container</a:t>
-            </a:r>
-            <a:r>
-              <a:rPr lang="zh-CN" altLang="en-US" sz="1400">
-                <a:latin typeface="Times New Roman" panose="02020603050405020304" charset="0"/>
-                <a:ea typeface="楷体" panose="02010609060101010101" charset="-122"/>
-                <a:cs typeface="Times New Roman" panose="02020603050405020304" charset="0"/>
-              </a:rPr>
-              <a:t>的组合，共享</a:t>
-            </a:r>
+              <a:t>metadata</a:t>
+            </a:r>
+            <a:endParaRPr lang="en-US" altLang="zh-CN" sz="1400">
+              <a:latin typeface="Times New Roman" panose="02020603050405020304" charset="0"/>
+              <a:ea typeface="楷体" panose="02010609060101010101" charset="-122"/>
+              <a:cs typeface="Times New Roman" panose="02020603050405020304" charset="0"/>
+            </a:endParaRPr>
+          </a:p>
+          <a:p>
+            <a:pPr marL="285750" indent="-285750">
+              <a:lnSpc>
+                <a:spcPct val="150000"/>
+              </a:lnSpc>
+              <a:buFont typeface="Arial" panose="020B0604020202020204" pitchFamily="34" charset="0"/>
+              <a:buChar char="•"/>
+            </a:pPr>
             <a:r>
               <a:rPr lang="en-US" altLang="zh-CN" sz="1400">
                 <a:latin typeface="Times New Roman" panose="02020603050405020304" charset="0"/>
                 <a:ea typeface="楷体" panose="02010609060101010101" charset="-122"/>
                 <a:cs typeface="Times New Roman" panose="02020603050405020304" charset="0"/>
               </a:rPr>
-              <a:t>storage/network</a:t>
-            </a:r>
-            <a:r>
-              <a:rPr lang="zh-CN" altLang="en-US" sz="1400">
-                <a:latin typeface="Times New Roman" panose="02020603050405020304" charset="0"/>
-                <a:ea typeface="楷体" panose="02010609060101010101" charset="-122"/>
-                <a:cs typeface="Times New Roman" panose="02020603050405020304" charset="0"/>
-              </a:rPr>
-              <a:t>，指定</a:t>
-            </a:r>
-            <a:r>
-              <a:rPr lang="en-US" altLang="zh-CN" sz="1400">
-                <a:latin typeface="Times New Roman" panose="02020603050405020304" charset="0"/>
-                <a:ea typeface="楷体" panose="02010609060101010101" charset="-122"/>
-                <a:cs typeface="Times New Roman" panose="02020603050405020304" charset="0"/>
-              </a:rPr>
-              <a:t>container</a:t>
-            </a:r>
-            <a:r>
-              <a:rPr lang="zh-CN" altLang="en-US" sz="1400">
-                <a:latin typeface="Times New Roman" panose="02020603050405020304" charset="0"/>
-                <a:ea typeface="楷体" panose="02010609060101010101" charset="-122"/>
-                <a:cs typeface="Times New Roman" panose="02020603050405020304" charset="0"/>
-              </a:rPr>
-              <a:t>如何运行。</a:t>
-            </a:r>
-            <a:endParaRPr lang="zh-CN" altLang="en-US" sz="1400">
-              <a:latin typeface="Times New Roman" panose="02020603050405020304" charset="0"/>
-              <a:ea typeface="楷体" panose="02010609060101010101" charset="-122"/>
-              <a:cs typeface="Times New Roman" panose="02020603050405020304" charset="0"/>
-            </a:endParaRPr>
-          </a:p>
-          <a:p>
-            <a:pPr indent="0">
-              <a:lnSpc>
-                <a:spcPct val="150000"/>
-              </a:lnSpc>
-              <a:buFont typeface="Arial" panose="020B0604020202020204" pitchFamily="34" charset="0"/>
-              <a:buNone/>
-            </a:pPr>
-            <a:endParaRPr lang="zh-CN" altLang="en-US" sz="1400">
-              <a:latin typeface="Times New Roman" panose="02020603050405020304" charset="0"/>
-              <a:ea typeface="楷体" panose="02010609060101010101" charset="-122"/>
-              <a:cs typeface="Times New Roman" panose="02020603050405020304" charset="0"/>
-            </a:endParaRPr>
-          </a:p>
-          <a:p>
-            <a:pPr indent="0">
-              <a:lnSpc>
-                <a:spcPct val="150000"/>
-              </a:lnSpc>
-              <a:buFont typeface="Arial" panose="020B0604020202020204" pitchFamily="34" charset="0"/>
-              <a:buNone/>
-            </a:pPr>
-            <a:r>
-              <a:rPr lang="zh-CN" altLang="en-US" sz="1400" b="1">
-                <a:latin typeface="Times New Roman" panose="02020603050405020304" charset="0"/>
-                <a:ea typeface="楷体" panose="02010609060101010101" charset="-122"/>
-                <a:cs typeface="Times New Roman" panose="02020603050405020304" charset="0"/>
-              </a:rPr>
-              <a:t>使用</a:t>
-            </a:r>
-            <a:r>
-              <a:rPr lang="en-US" altLang="zh-CN" sz="1400" b="1">
-                <a:latin typeface="Times New Roman" panose="02020603050405020304" charset="0"/>
-                <a:ea typeface="楷体" panose="02010609060101010101" charset="-122"/>
-                <a:cs typeface="Times New Roman" panose="02020603050405020304" charset="0"/>
-              </a:rPr>
-              <a:t>Pods</a:t>
-            </a:r>
-            <a:r>
-              <a:rPr lang="zh-CN" altLang="en-US" sz="1400" b="1">
-                <a:latin typeface="Times New Roman" panose="02020603050405020304" charset="0"/>
-                <a:ea typeface="楷体" panose="02010609060101010101" charset="-122"/>
-                <a:cs typeface="Times New Roman" panose="02020603050405020304" charset="0"/>
-              </a:rPr>
-              <a:t>：</a:t>
-            </a:r>
-            <a:endParaRPr lang="zh-CN" altLang="en-US" sz="1400" b="1">
-              <a:latin typeface="Times New Roman" panose="02020603050405020304" charset="0"/>
-              <a:ea typeface="楷体" panose="02010609060101010101" charset="-122"/>
-              <a:cs typeface="Times New Roman" panose="02020603050405020304" charset="0"/>
-            </a:endParaRPr>
-          </a:p>
-          <a:p>
-            <a:pPr indent="0">
-              <a:lnSpc>
-                <a:spcPct val="150000"/>
-              </a:lnSpc>
-              <a:buFont typeface="Arial" panose="020B0604020202020204" pitchFamily="34" charset="0"/>
-              <a:buNone/>
-            </a:pPr>
-            <a:r>
-              <a:rPr lang="zh-CN" altLang="en-US" sz="1400">
-                <a:latin typeface="Times New Roman" panose="02020603050405020304" charset="0"/>
-                <a:ea typeface="楷体" panose="02010609060101010101" charset="-122"/>
-                <a:cs typeface="Times New Roman" panose="02020603050405020304" charset="0"/>
-              </a:rPr>
-              <a:t>一般情况下不会直接定义</a:t>
-            </a:r>
-            <a:r>
-              <a:rPr lang="en-US" altLang="zh-CN" sz="1400">
-                <a:latin typeface="Times New Roman" panose="02020603050405020304" charset="0"/>
-                <a:ea typeface="楷体" panose="02010609060101010101" charset="-122"/>
-                <a:cs typeface="Times New Roman" panose="02020603050405020304" charset="0"/>
-              </a:rPr>
-              <a:t>Pods</a:t>
-            </a:r>
-            <a:r>
-              <a:rPr lang="zh-CN" altLang="en-US" sz="1400">
-                <a:latin typeface="Times New Roman" panose="02020603050405020304" charset="0"/>
-                <a:ea typeface="楷体" panose="02010609060101010101" charset="-122"/>
-                <a:cs typeface="Times New Roman" panose="02020603050405020304" charset="0"/>
-              </a:rPr>
-              <a:t>，而是通过工作负载对象来管理</a:t>
-            </a:r>
-            <a:r>
-              <a:rPr lang="en-US" altLang="zh-CN" sz="1400">
-                <a:latin typeface="Times New Roman" panose="02020603050405020304" charset="0"/>
-                <a:ea typeface="楷体" panose="02010609060101010101" charset="-122"/>
-                <a:cs typeface="Times New Roman" panose="02020603050405020304" charset="0"/>
-              </a:rPr>
-              <a:t>Pods</a:t>
-            </a:r>
-            <a:r>
-              <a:rPr lang="zh-CN" altLang="en-US" sz="1400">
-                <a:latin typeface="Times New Roman" panose="02020603050405020304" charset="0"/>
-                <a:ea typeface="楷体" panose="02010609060101010101" charset="-122"/>
-                <a:cs typeface="Times New Roman" panose="02020603050405020304" charset="0"/>
-              </a:rPr>
-              <a:t>：</a:t>
-            </a:r>
-            <a:endParaRPr lang="zh-CN" altLang="en-US" sz="1400">
-              <a:latin typeface="Times New Roman" panose="02020603050405020304" charset="0"/>
-              <a:ea typeface="楷体" panose="02010609060101010101" charset="-122"/>
-              <a:cs typeface="Times New Roman" panose="02020603050405020304" charset="0"/>
-            </a:endParaRPr>
-          </a:p>
-          <a:p>
-            <a:pPr marL="285750" indent="-285750">
-              <a:lnSpc>
-                <a:spcPct val="150000"/>
-              </a:lnSpc>
-              <a:buFont typeface="Wingdings" panose="05000000000000000000" charset="0"/>
-              <a:buChar char="l"/>
-            </a:pPr>
-            <a:r>
-              <a:rPr lang="en-US" altLang="zh-CN" sz="1400">
-                <a:latin typeface="Times New Roman" panose="02020603050405020304" charset="0"/>
-                <a:ea typeface="楷体" panose="02010609060101010101" charset="-122"/>
-                <a:cs typeface="Times New Roman" panose="02020603050405020304" charset="0"/>
-              </a:rPr>
-              <a:t>Pods that run a single container</a:t>
+              <a:t>spec</a:t>
             </a:r>
             <a:endParaRPr lang="en-US" altLang="zh-CN" sz="1400">
               <a:latin typeface="Times New Roman" panose="02020603050405020304" charset="0"/>
@@ -9660,171 +11004,11 @@
               <a:cs typeface="Times New Roman" panose="02020603050405020304" charset="0"/>
             </a:endParaRPr>
           </a:p>
-          <a:p>
-            <a:pPr marL="285750" indent="-285750">
-              <a:lnSpc>
-                <a:spcPct val="150000"/>
-              </a:lnSpc>
-              <a:buFont typeface="Wingdings" panose="05000000000000000000" charset="0"/>
-              <a:buChar char="l"/>
-            </a:pPr>
-            <a:r>
-              <a:rPr lang="en-US" altLang="zh-CN" sz="1400">
-                <a:latin typeface="Times New Roman" panose="02020603050405020304" charset="0"/>
-                <a:ea typeface="楷体" panose="02010609060101010101" charset="-122"/>
-                <a:cs typeface="Times New Roman" panose="02020603050405020304" charset="0"/>
-              </a:rPr>
-              <a:t>Pods that run multiple containers that need to work together</a:t>
-            </a:r>
-            <a:endParaRPr lang="en-US" altLang="zh-CN" sz="1400">
-              <a:latin typeface="Times New Roman" panose="02020603050405020304" charset="0"/>
-              <a:ea typeface="楷体" panose="02010609060101010101" charset="-122"/>
-              <a:cs typeface="Times New Roman" panose="02020603050405020304" charset="0"/>
-            </a:endParaRPr>
-          </a:p>
-          <a:p>
-            <a:pPr marL="285750" indent="-285750">
-              <a:lnSpc>
-                <a:spcPct val="150000"/>
-              </a:lnSpc>
-              <a:buFont typeface="Wingdings" panose="05000000000000000000" charset="0"/>
-              <a:buChar char="l"/>
-            </a:pPr>
-            <a:endParaRPr lang="en-US" altLang="zh-CN" sz="1400">
-              <a:latin typeface="Times New Roman" panose="02020603050405020304" charset="0"/>
-              <a:ea typeface="楷体" panose="02010609060101010101" charset="-122"/>
-              <a:cs typeface="Times New Roman" panose="02020603050405020304" charset="0"/>
-            </a:endParaRPr>
-          </a:p>
-          <a:p>
-            <a:pPr indent="0">
-              <a:lnSpc>
-                <a:spcPct val="150000"/>
-              </a:lnSpc>
-              <a:buFont typeface="Wingdings" panose="05000000000000000000" charset="0"/>
-              <a:buNone/>
-            </a:pPr>
-            <a:r>
-              <a:rPr lang="zh-CN" altLang="en-US" sz="1400">
-                <a:latin typeface="Times New Roman" panose="02020603050405020304" charset="0"/>
-                <a:ea typeface="楷体" panose="02010609060101010101" charset="-122"/>
-                <a:cs typeface="Times New Roman" panose="02020603050405020304" charset="0"/>
-              </a:rPr>
-              <a:t>当应用需要横向扩展应用程序，应该使用多个副本（</a:t>
-            </a:r>
-            <a:r>
-              <a:rPr lang="en-US" altLang="zh-CN" sz="1400">
-                <a:latin typeface="Times New Roman" panose="02020603050405020304" charset="0"/>
-                <a:ea typeface="楷体" panose="02010609060101010101" charset="-122"/>
-                <a:cs typeface="Times New Roman" panose="02020603050405020304" charset="0"/>
-              </a:rPr>
-              <a:t>replication</a:t>
-            </a:r>
-            <a:r>
-              <a:rPr lang="zh-CN" altLang="en-US" sz="1400">
-                <a:latin typeface="Times New Roman" panose="02020603050405020304" charset="0"/>
-                <a:ea typeface="楷体" panose="02010609060101010101" charset="-122"/>
-                <a:cs typeface="Times New Roman" panose="02020603050405020304" charset="0"/>
-              </a:rPr>
-              <a:t>），通常使用一种工作负载来创建和管理一组</a:t>
-            </a:r>
-            <a:r>
-              <a:rPr lang="en-US" altLang="zh-CN" sz="1400">
-                <a:latin typeface="Times New Roman" panose="02020603050405020304" charset="0"/>
-                <a:ea typeface="楷体" panose="02010609060101010101" charset="-122"/>
-                <a:cs typeface="Times New Roman" panose="02020603050405020304" charset="0"/>
-              </a:rPr>
-              <a:t>Pod</a:t>
-            </a:r>
-            <a:r>
-              <a:rPr lang="zh-CN" altLang="en-US" sz="1400">
-                <a:latin typeface="Times New Roman" panose="02020603050405020304" charset="0"/>
-                <a:ea typeface="楷体" panose="02010609060101010101" charset="-122"/>
-                <a:cs typeface="Times New Roman" panose="02020603050405020304" charset="0"/>
-              </a:rPr>
-              <a:t>副本</a:t>
-            </a:r>
-            <a:endParaRPr lang="zh-CN" altLang="en-US" sz="1400">
-              <a:latin typeface="Times New Roman" panose="02020603050405020304" charset="0"/>
-              <a:ea typeface="楷体" panose="02010609060101010101" charset="-122"/>
-              <a:cs typeface="Times New Roman" panose="02020603050405020304" charset="0"/>
-            </a:endParaRPr>
-          </a:p>
-          <a:p>
-            <a:pPr indent="0">
-              <a:lnSpc>
-                <a:spcPct val="150000"/>
-              </a:lnSpc>
-              <a:buFont typeface="Wingdings" panose="05000000000000000000" charset="0"/>
-              <a:buNone/>
-            </a:pPr>
-            <a:r>
-              <a:rPr lang="en-US" altLang="zh-CN" sz="1400">
-                <a:latin typeface="Times New Roman" panose="02020603050405020304" charset="0"/>
-                <a:ea typeface="楷体" panose="02010609060101010101" charset="-122"/>
-                <a:cs typeface="Times New Roman" panose="02020603050405020304" charset="0"/>
-              </a:rPr>
-              <a:t>Pod</a:t>
-            </a:r>
-            <a:r>
-              <a:rPr lang="zh-CN" altLang="en-US" sz="1400">
-                <a:latin typeface="Times New Roman" panose="02020603050405020304" charset="0"/>
-                <a:ea typeface="楷体" panose="02010609060101010101" charset="-122"/>
-                <a:cs typeface="Times New Roman" panose="02020603050405020304" charset="0"/>
-              </a:rPr>
-              <a:t>中的容器被同步调动，拥有相同的生命周期，本地通信，可通过</a:t>
-            </a:r>
-            <a:r>
-              <a:rPr lang="en-US" altLang="zh-CN" sz="1400">
-                <a:latin typeface="Times New Roman" panose="02020603050405020304" charset="0"/>
-                <a:ea typeface="楷体" panose="02010609060101010101" charset="-122"/>
-                <a:cs typeface="Times New Roman" panose="02020603050405020304" charset="0"/>
-              </a:rPr>
-              <a:t>volme</a:t>
-            </a:r>
-            <a:r>
-              <a:rPr lang="zh-CN" altLang="en-US" sz="1400">
-                <a:latin typeface="Times New Roman" panose="02020603050405020304" charset="0"/>
-                <a:ea typeface="楷体" panose="02010609060101010101" charset="-122"/>
-                <a:cs typeface="Times New Roman" panose="02020603050405020304" charset="0"/>
-              </a:rPr>
-              <a:t>进行资源共享</a:t>
-            </a:r>
-            <a:endParaRPr lang="zh-CN" altLang="en-US" sz="1400">
-              <a:latin typeface="Times New Roman" panose="02020603050405020304" charset="0"/>
-              <a:ea typeface="楷体" panose="02010609060101010101" charset="-122"/>
-              <a:cs typeface="Times New Roman" panose="02020603050405020304" charset="0"/>
-            </a:endParaRPr>
-          </a:p>
-        </p:txBody>
-      </p:sp>
-      <p:pic>
-        <p:nvPicPr>
-          <p:cNvPr id="4" name="图片 3"/>
-          <p:cNvPicPr>
-            <a:picLocks noChangeAspect="1"/>
-          </p:cNvPicPr>
-          <p:nvPr/>
-        </p:nvPicPr>
-        <p:blipFill>
-          <a:blip r:embed="rId1"/>
-          <a:stretch>
-            <a:fillRect/>
-          </a:stretch>
-        </p:blipFill>
-        <p:spPr>
-          <a:xfrm>
-            <a:off x="7530465" y="1443355"/>
-            <a:ext cx="3724275" cy="3971925"/>
-          </a:xfrm>
-          <a:prstGeom prst="rect">
-            <a:avLst/>
-          </a:prstGeom>
-        </p:spPr>
-      </p:pic>
+        </p:txBody>
+      </p:sp>
     </p:spTree>
     <p:custDataLst>
-      <p:tags r:id="rId2"/>
+      <p:tags r:id="rId1"/>
     </p:custDataLst>
   </p:cSld>
   <p:clrMapOvr>
@@ -9852,6 +11036,459 @@
         <p:spPr>
           <a:xfrm>
             <a:off x="508635" y="1282700"/>
+            <a:ext cx="6231255" cy="4292600"/>
+          </a:xfrm>
+          <a:prstGeom prst="rect">
+            <a:avLst/>
+          </a:prstGeom>
+          <a:noFill/>
+        </p:spPr>
+        <p:txBody>
+          <a:bodyPr wrap="square" rtlCol="0">
+            <a:spAutoFit/>
+          </a:bodyPr>
+          <a:p>
+            <a:pPr>
+              <a:lnSpc>
+                <a:spcPct val="150000"/>
+              </a:lnSpc>
+            </a:pPr>
+            <a:r>
+              <a:rPr lang="en-US" altLang="zh-CN" sz="1400" b="1">
+                <a:latin typeface="Times New Roman" panose="02020603050405020304" charset="0"/>
+                <a:ea typeface="楷体" panose="02010609060101010101" charset="-122"/>
+                <a:cs typeface="Times New Roman" panose="02020603050405020304" charset="0"/>
+              </a:rPr>
+              <a:t>PODS</a:t>
+            </a:r>
+            <a:r>
+              <a:rPr lang="zh-CN" altLang="en-US" sz="1400" b="1">
+                <a:latin typeface="Times New Roman" panose="02020603050405020304" charset="0"/>
+                <a:ea typeface="楷体" panose="02010609060101010101" charset="-122"/>
+                <a:cs typeface="Times New Roman" panose="02020603050405020304" charset="0"/>
+              </a:rPr>
+              <a:t>：</a:t>
+            </a:r>
+            <a:endParaRPr lang="zh-CN" altLang="en-US" sz="1400" b="1">
+              <a:latin typeface="Times New Roman" panose="02020603050405020304" charset="0"/>
+              <a:ea typeface="楷体" panose="02010609060101010101" charset="-122"/>
+              <a:cs typeface="Times New Roman" panose="02020603050405020304" charset="0"/>
+            </a:endParaRPr>
+          </a:p>
+          <a:p>
+            <a:pPr indent="0">
+              <a:lnSpc>
+                <a:spcPct val="150000"/>
+              </a:lnSpc>
+              <a:buFont typeface="Arial" panose="020B0604020202020204" pitchFamily="34" charset="0"/>
+              <a:buNone/>
+            </a:pPr>
+            <a:r>
+              <a:rPr lang="en-US" altLang="zh-CN" sz="1400">
+                <a:latin typeface="Times New Roman" panose="02020603050405020304" charset="0"/>
+                <a:ea typeface="楷体" panose="02010609060101010101" charset="-122"/>
+                <a:cs typeface="Times New Roman" panose="02020603050405020304" charset="0"/>
+              </a:rPr>
+              <a:t>pods</a:t>
+            </a:r>
+            <a:r>
+              <a:rPr lang="zh-CN" altLang="en-US" sz="1400">
+                <a:latin typeface="Times New Roman" panose="02020603050405020304" charset="0"/>
+                <a:ea typeface="楷体" panose="02010609060101010101" charset="-122"/>
+                <a:cs typeface="Times New Roman" panose="02020603050405020304" charset="0"/>
+              </a:rPr>
+              <a:t>是可以创建管理的最小的可部署单元，</a:t>
+            </a:r>
+            <a:r>
+              <a:rPr lang="en-US" altLang="zh-CN" sz="1400">
+                <a:latin typeface="Times New Roman" panose="02020603050405020304" charset="0"/>
+                <a:ea typeface="楷体" panose="02010609060101010101" charset="-122"/>
+                <a:cs typeface="Times New Roman" panose="02020603050405020304" charset="0"/>
+              </a:rPr>
+              <a:t>Pod</a:t>
+            </a:r>
+            <a:r>
+              <a:rPr lang="zh-CN" altLang="en-US" sz="1400">
+                <a:latin typeface="Times New Roman" panose="02020603050405020304" charset="0"/>
+                <a:ea typeface="楷体" panose="02010609060101010101" charset="-122"/>
+                <a:cs typeface="Times New Roman" panose="02020603050405020304" charset="0"/>
+              </a:rPr>
+              <a:t>是一个或多个</a:t>
+            </a:r>
+            <a:r>
+              <a:rPr lang="en-US" altLang="zh-CN" sz="1400">
+                <a:latin typeface="Times New Roman" panose="02020603050405020304" charset="0"/>
+                <a:ea typeface="楷体" panose="02010609060101010101" charset="-122"/>
+                <a:cs typeface="Times New Roman" panose="02020603050405020304" charset="0"/>
+              </a:rPr>
+              <a:t>container</a:t>
+            </a:r>
+            <a:r>
+              <a:rPr lang="zh-CN" altLang="en-US" sz="1400">
+                <a:latin typeface="Times New Roman" panose="02020603050405020304" charset="0"/>
+                <a:ea typeface="楷体" panose="02010609060101010101" charset="-122"/>
+                <a:cs typeface="Times New Roman" panose="02020603050405020304" charset="0"/>
+              </a:rPr>
+              <a:t>的组合，共享</a:t>
+            </a:r>
+            <a:r>
+              <a:rPr lang="en-US" altLang="zh-CN" sz="1400">
+                <a:latin typeface="Times New Roman" panose="02020603050405020304" charset="0"/>
+                <a:ea typeface="楷体" panose="02010609060101010101" charset="-122"/>
+                <a:cs typeface="Times New Roman" panose="02020603050405020304" charset="0"/>
+              </a:rPr>
+              <a:t>storage/network</a:t>
+            </a:r>
+            <a:r>
+              <a:rPr lang="zh-CN" altLang="en-US" sz="1400">
+                <a:latin typeface="Times New Roman" panose="02020603050405020304" charset="0"/>
+                <a:ea typeface="楷体" panose="02010609060101010101" charset="-122"/>
+                <a:cs typeface="Times New Roman" panose="02020603050405020304" charset="0"/>
+              </a:rPr>
+              <a:t>，指定</a:t>
+            </a:r>
+            <a:r>
+              <a:rPr lang="en-US" altLang="zh-CN" sz="1400">
+                <a:latin typeface="Times New Roman" panose="02020603050405020304" charset="0"/>
+                <a:ea typeface="楷体" panose="02010609060101010101" charset="-122"/>
+                <a:cs typeface="Times New Roman" panose="02020603050405020304" charset="0"/>
+              </a:rPr>
+              <a:t>container</a:t>
+            </a:r>
+            <a:r>
+              <a:rPr lang="zh-CN" altLang="en-US" sz="1400">
+                <a:latin typeface="Times New Roman" panose="02020603050405020304" charset="0"/>
+                <a:ea typeface="楷体" panose="02010609060101010101" charset="-122"/>
+                <a:cs typeface="Times New Roman" panose="02020603050405020304" charset="0"/>
+              </a:rPr>
+              <a:t>如何运行。</a:t>
+            </a:r>
+            <a:endParaRPr lang="zh-CN" altLang="en-US" sz="1400">
+              <a:latin typeface="Times New Roman" panose="02020603050405020304" charset="0"/>
+              <a:ea typeface="楷体" panose="02010609060101010101" charset="-122"/>
+              <a:cs typeface="Times New Roman" panose="02020603050405020304" charset="0"/>
+            </a:endParaRPr>
+          </a:p>
+          <a:p>
+            <a:pPr indent="0">
+              <a:lnSpc>
+                <a:spcPct val="150000"/>
+              </a:lnSpc>
+              <a:buFont typeface="Arial" panose="020B0604020202020204" pitchFamily="34" charset="0"/>
+              <a:buNone/>
+            </a:pPr>
+            <a:endParaRPr lang="zh-CN" altLang="en-US" sz="1400">
+              <a:latin typeface="Times New Roman" panose="02020603050405020304" charset="0"/>
+              <a:ea typeface="楷体" panose="02010609060101010101" charset="-122"/>
+              <a:cs typeface="Times New Roman" panose="02020603050405020304" charset="0"/>
+            </a:endParaRPr>
+          </a:p>
+          <a:p>
+            <a:pPr indent="0">
+              <a:lnSpc>
+                <a:spcPct val="150000"/>
+              </a:lnSpc>
+              <a:buFont typeface="Arial" panose="020B0604020202020204" pitchFamily="34" charset="0"/>
+              <a:buNone/>
+            </a:pPr>
+            <a:r>
+              <a:rPr lang="zh-CN" altLang="en-US" sz="1400" b="1">
+                <a:latin typeface="Times New Roman" panose="02020603050405020304" charset="0"/>
+                <a:ea typeface="楷体" panose="02010609060101010101" charset="-122"/>
+                <a:cs typeface="Times New Roman" panose="02020603050405020304" charset="0"/>
+              </a:rPr>
+              <a:t>使用</a:t>
+            </a:r>
+            <a:r>
+              <a:rPr lang="en-US" altLang="zh-CN" sz="1400" b="1">
+                <a:latin typeface="Times New Roman" panose="02020603050405020304" charset="0"/>
+                <a:ea typeface="楷体" panose="02010609060101010101" charset="-122"/>
+                <a:cs typeface="Times New Roman" panose="02020603050405020304" charset="0"/>
+              </a:rPr>
+              <a:t>Pods</a:t>
+            </a:r>
+            <a:r>
+              <a:rPr lang="zh-CN" altLang="en-US" sz="1400" b="1">
+                <a:latin typeface="Times New Roman" panose="02020603050405020304" charset="0"/>
+                <a:ea typeface="楷体" panose="02010609060101010101" charset="-122"/>
+                <a:cs typeface="Times New Roman" panose="02020603050405020304" charset="0"/>
+              </a:rPr>
+              <a:t>：</a:t>
+            </a:r>
+            <a:endParaRPr lang="zh-CN" altLang="en-US" sz="1400" b="1">
+              <a:latin typeface="Times New Roman" panose="02020603050405020304" charset="0"/>
+              <a:ea typeface="楷体" panose="02010609060101010101" charset="-122"/>
+              <a:cs typeface="Times New Roman" panose="02020603050405020304" charset="0"/>
+            </a:endParaRPr>
+          </a:p>
+          <a:p>
+            <a:pPr indent="0">
+              <a:lnSpc>
+                <a:spcPct val="150000"/>
+              </a:lnSpc>
+              <a:buFont typeface="Arial" panose="020B0604020202020204" pitchFamily="34" charset="0"/>
+              <a:buNone/>
+            </a:pPr>
+            <a:r>
+              <a:rPr lang="zh-CN" altLang="en-US" sz="1400">
+                <a:latin typeface="Times New Roman" panose="02020603050405020304" charset="0"/>
+                <a:ea typeface="楷体" panose="02010609060101010101" charset="-122"/>
+                <a:cs typeface="Times New Roman" panose="02020603050405020304" charset="0"/>
+              </a:rPr>
+              <a:t>一般情况下不会直接定义</a:t>
+            </a:r>
+            <a:r>
+              <a:rPr lang="en-US" altLang="zh-CN" sz="1400">
+                <a:latin typeface="Times New Roman" panose="02020603050405020304" charset="0"/>
+                <a:ea typeface="楷体" panose="02010609060101010101" charset="-122"/>
+                <a:cs typeface="Times New Roman" panose="02020603050405020304" charset="0"/>
+              </a:rPr>
+              <a:t>Pods</a:t>
+            </a:r>
+            <a:r>
+              <a:rPr lang="zh-CN" altLang="en-US" sz="1400">
+                <a:latin typeface="Times New Roman" panose="02020603050405020304" charset="0"/>
+                <a:ea typeface="楷体" panose="02010609060101010101" charset="-122"/>
+                <a:cs typeface="Times New Roman" panose="02020603050405020304" charset="0"/>
+              </a:rPr>
+              <a:t>，而是通过工作负载对象来管理</a:t>
+            </a:r>
+            <a:r>
+              <a:rPr lang="en-US" altLang="zh-CN" sz="1400">
+                <a:latin typeface="Times New Roman" panose="02020603050405020304" charset="0"/>
+                <a:ea typeface="楷体" panose="02010609060101010101" charset="-122"/>
+                <a:cs typeface="Times New Roman" panose="02020603050405020304" charset="0"/>
+              </a:rPr>
+              <a:t>Pods</a:t>
+            </a:r>
+            <a:r>
+              <a:rPr lang="zh-CN" altLang="en-US" sz="1400">
+                <a:latin typeface="Times New Roman" panose="02020603050405020304" charset="0"/>
+                <a:ea typeface="楷体" panose="02010609060101010101" charset="-122"/>
+                <a:cs typeface="Times New Roman" panose="02020603050405020304" charset="0"/>
+              </a:rPr>
+              <a:t>：</a:t>
+            </a:r>
+            <a:endParaRPr lang="zh-CN" altLang="en-US" sz="1400">
+              <a:latin typeface="Times New Roman" panose="02020603050405020304" charset="0"/>
+              <a:ea typeface="楷体" panose="02010609060101010101" charset="-122"/>
+              <a:cs typeface="Times New Roman" panose="02020603050405020304" charset="0"/>
+            </a:endParaRPr>
+          </a:p>
+          <a:p>
+            <a:pPr marL="285750" indent="-285750">
+              <a:lnSpc>
+                <a:spcPct val="150000"/>
+              </a:lnSpc>
+              <a:buFont typeface="Wingdings" panose="05000000000000000000" charset="0"/>
+              <a:buChar char="l"/>
+            </a:pPr>
+            <a:r>
+              <a:rPr lang="en-US" altLang="zh-CN" sz="1400">
+                <a:latin typeface="Times New Roman" panose="02020603050405020304" charset="0"/>
+                <a:ea typeface="楷体" panose="02010609060101010101" charset="-122"/>
+                <a:cs typeface="Times New Roman" panose="02020603050405020304" charset="0"/>
+              </a:rPr>
+              <a:t>Pods that run a single container</a:t>
+            </a:r>
+            <a:endParaRPr lang="en-US" altLang="zh-CN" sz="1400">
+              <a:latin typeface="Times New Roman" panose="02020603050405020304" charset="0"/>
+              <a:ea typeface="楷体" panose="02010609060101010101" charset="-122"/>
+              <a:cs typeface="Times New Roman" panose="02020603050405020304" charset="0"/>
+            </a:endParaRPr>
+          </a:p>
+          <a:p>
+            <a:pPr marL="285750" indent="-285750">
+              <a:lnSpc>
+                <a:spcPct val="150000"/>
+              </a:lnSpc>
+              <a:buFont typeface="Wingdings" panose="05000000000000000000" charset="0"/>
+              <a:buChar char="l"/>
+            </a:pPr>
+            <a:r>
+              <a:rPr lang="en-US" altLang="zh-CN" sz="1400">
+                <a:latin typeface="Times New Roman" panose="02020603050405020304" charset="0"/>
+                <a:ea typeface="楷体" panose="02010609060101010101" charset="-122"/>
+                <a:cs typeface="Times New Roman" panose="02020603050405020304" charset="0"/>
+              </a:rPr>
+              <a:t>Pods that run multiple containers that need to work together</a:t>
+            </a:r>
+            <a:endParaRPr lang="en-US" altLang="zh-CN" sz="1400">
+              <a:latin typeface="Times New Roman" panose="02020603050405020304" charset="0"/>
+              <a:ea typeface="楷体" panose="02010609060101010101" charset="-122"/>
+              <a:cs typeface="Times New Roman" panose="02020603050405020304" charset="0"/>
+            </a:endParaRPr>
+          </a:p>
+          <a:p>
+            <a:pPr marL="285750" indent="-285750">
+              <a:lnSpc>
+                <a:spcPct val="150000"/>
+              </a:lnSpc>
+              <a:buFont typeface="Wingdings" panose="05000000000000000000" charset="0"/>
+              <a:buChar char="l"/>
+            </a:pPr>
+            <a:endParaRPr lang="en-US" altLang="zh-CN" sz="1400">
+              <a:latin typeface="Times New Roman" panose="02020603050405020304" charset="0"/>
+              <a:ea typeface="楷体" panose="02010609060101010101" charset="-122"/>
+              <a:cs typeface="Times New Roman" panose="02020603050405020304" charset="0"/>
+            </a:endParaRPr>
+          </a:p>
+          <a:p>
+            <a:pPr indent="0">
+              <a:lnSpc>
+                <a:spcPct val="150000"/>
+              </a:lnSpc>
+              <a:buFont typeface="Wingdings" panose="05000000000000000000" charset="0"/>
+              <a:buNone/>
+            </a:pPr>
+            <a:r>
+              <a:rPr lang="zh-CN" altLang="en-US" sz="1400">
+                <a:latin typeface="Times New Roman" panose="02020603050405020304" charset="0"/>
+                <a:ea typeface="楷体" panose="02010609060101010101" charset="-122"/>
+                <a:cs typeface="Times New Roman" panose="02020603050405020304" charset="0"/>
+              </a:rPr>
+              <a:t>当应用需要横向扩展应用程序，应该使用多个副本（</a:t>
+            </a:r>
+            <a:r>
+              <a:rPr lang="en-US" altLang="zh-CN" sz="1400">
+                <a:latin typeface="Times New Roman" panose="02020603050405020304" charset="0"/>
+                <a:ea typeface="楷体" panose="02010609060101010101" charset="-122"/>
+                <a:cs typeface="Times New Roman" panose="02020603050405020304" charset="0"/>
+              </a:rPr>
+              <a:t>replication</a:t>
+            </a:r>
+            <a:r>
+              <a:rPr lang="zh-CN" altLang="en-US" sz="1400">
+                <a:latin typeface="Times New Roman" panose="02020603050405020304" charset="0"/>
+                <a:ea typeface="楷体" panose="02010609060101010101" charset="-122"/>
+                <a:cs typeface="Times New Roman" panose="02020603050405020304" charset="0"/>
+              </a:rPr>
+              <a:t>），通常使用一种工作负载来创建和管理一组</a:t>
+            </a:r>
+            <a:r>
+              <a:rPr lang="en-US" altLang="zh-CN" sz="1400">
+                <a:latin typeface="Times New Roman" panose="02020603050405020304" charset="0"/>
+                <a:ea typeface="楷体" panose="02010609060101010101" charset="-122"/>
+                <a:cs typeface="Times New Roman" panose="02020603050405020304" charset="0"/>
+              </a:rPr>
+              <a:t>Pod</a:t>
+            </a:r>
+            <a:r>
+              <a:rPr lang="zh-CN" altLang="en-US" sz="1400">
+                <a:latin typeface="Times New Roman" panose="02020603050405020304" charset="0"/>
+                <a:ea typeface="楷体" panose="02010609060101010101" charset="-122"/>
+                <a:cs typeface="Times New Roman" panose="02020603050405020304" charset="0"/>
+              </a:rPr>
+              <a:t>副本</a:t>
+            </a:r>
+            <a:endParaRPr lang="zh-CN" altLang="en-US" sz="1400">
+              <a:latin typeface="Times New Roman" panose="02020603050405020304" charset="0"/>
+              <a:ea typeface="楷体" panose="02010609060101010101" charset="-122"/>
+              <a:cs typeface="Times New Roman" panose="02020603050405020304" charset="0"/>
+            </a:endParaRPr>
+          </a:p>
+          <a:p>
+            <a:pPr indent="0">
+              <a:lnSpc>
+                <a:spcPct val="150000"/>
+              </a:lnSpc>
+              <a:buFont typeface="Wingdings" panose="05000000000000000000" charset="0"/>
+              <a:buNone/>
+            </a:pPr>
+            <a:r>
+              <a:rPr lang="en-US" altLang="zh-CN" sz="1400">
+                <a:latin typeface="Times New Roman" panose="02020603050405020304" charset="0"/>
+                <a:ea typeface="楷体" panose="02010609060101010101" charset="-122"/>
+                <a:cs typeface="Times New Roman" panose="02020603050405020304" charset="0"/>
+              </a:rPr>
+              <a:t>Pod</a:t>
+            </a:r>
+            <a:r>
+              <a:rPr lang="zh-CN" altLang="en-US" sz="1400">
+                <a:latin typeface="Times New Roman" panose="02020603050405020304" charset="0"/>
+                <a:ea typeface="楷体" panose="02010609060101010101" charset="-122"/>
+                <a:cs typeface="Times New Roman" panose="02020603050405020304" charset="0"/>
+              </a:rPr>
+              <a:t>中的容器被同步调动，拥有相同的生命周期，本地通信，可通过</a:t>
+            </a:r>
+            <a:r>
+              <a:rPr lang="en-US" altLang="zh-CN" sz="1400">
+                <a:latin typeface="Times New Roman" panose="02020603050405020304" charset="0"/>
+                <a:ea typeface="楷体" panose="02010609060101010101" charset="-122"/>
+                <a:cs typeface="Times New Roman" panose="02020603050405020304" charset="0"/>
+              </a:rPr>
+              <a:t>volme</a:t>
+            </a:r>
+            <a:r>
+              <a:rPr lang="zh-CN" altLang="en-US" sz="1400">
+                <a:latin typeface="Times New Roman" panose="02020603050405020304" charset="0"/>
+                <a:ea typeface="楷体" panose="02010609060101010101" charset="-122"/>
+                <a:cs typeface="Times New Roman" panose="02020603050405020304" charset="0"/>
+              </a:rPr>
+              <a:t>进行资源共享</a:t>
+            </a:r>
+            <a:endParaRPr lang="zh-CN" altLang="en-US" sz="1400">
+              <a:latin typeface="Times New Roman" panose="02020603050405020304" charset="0"/>
+              <a:ea typeface="楷体" panose="02010609060101010101" charset="-122"/>
+              <a:cs typeface="Times New Roman" panose="02020603050405020304" charset="0"/>
+            </a:endParaRPr>
+          </a:p>
+        </p:txBody>
+      </p:sp>
+      <p:pic>
+        <p:nvPicPr>
+          <p:cNvPr id="4" name="图片 3"/>
+          <p:cNvPicPr>
+            <a:picLocks noChangeAspect="1"/>
+          </p:cNvPicPr>
+          <p:nvPr/>
+        </p:nvPicPr>
+        <p:blipFill>
+          <a:blip r:embed="rId1"/>
+          <a:stretch>
+            <a:fillRect/>
+          </a:stretch>
+        </p:blipFill>
+        <p:spPr>
+          <a:xfrm>
+            <a:off x="7530465" y="1443355"/>
+            <a:ext cx="3724275" cy="3971925"/>
+          </a:xfrm>
+          <a:prstGeom prst="rect">
+            <a:avLst/>
+          </a:prstGeom>
+        </p:spPr>
+      </p:pic>
+    </p:spTree>
+    <p:custDataLst>
+      <p:tags r:id="rId2"/>
+    </p:custDataLst>
+  </p:cSld>
+  <p:clrMapOvr>
+    <a:masterClrMapping/>
+  </p:clrMapOvr>
+</p:sld>
+</file>
+
+<file path=ppt/slides/slide15.xml><?xml version="1.0" encoding="utf-8"?>
+<p:sld xmlns:a="http://schemas.openxmlformats.org/drawingml/2006/main" xmlns:r="http://schemas.openxmlformats.org/officeDocument/2006/relationships" xmlns:p="http://schemas.openxmlformats.org/presentationml/2006/main">
+  <p:cSld>
+    <p:spTree>
+      <p:nvGrpSpPr>
+        <p:cNvPr id="1" name=""/>
+        <p:cNvGrpSpPr/>
+        <p:nvPr/>
+      </p:nvGrpSpPr>
+      <p:grpSpPr/>
+      <p:sp>
+        <p:nvSpPr>
+          <p:cNvPr id="3" name="文本框 2"/>
+          <p:cNvSpPr txBox="1"/>
+          <p:nvPr/>
+        </p:nvSpPr>
+        <p:spPr>
+          <a:xfrm>
+            <a:off x="508635" y="1282700"/>
             <a:ext cx="10908665" cy="3646170"/>
           </a:xfrm>
           <a:prstGeom prst="rect">
@@ -10112,7 +11749,7 @@
 </p:sld>
 </file>
 
-<file path=ppt/slides/slide15.xml><?xml version="1.0" encoding="utf-8"?>
+<file path=ppt/slides/slide16.xml><?xml version="1.0" encoding="utf-8"?>
 <p:sld xmlns:a="http://schemas.openxmlformats.org/drawingml/2006/main" xmlns:r="http://schemas.openxmlformats.org/officeDocument/2006/relationships" xmlns:p="http://schemas.openxmlformats.org/presentationml/2006/main">
   <p:cSld>
     <p:spTree>
@@ -10780,7 +12417,7 @@
 </p:sld>
 </file>
 
-<file path=ppt/slides/slide16.xml><?xml version="1.0" encoding="utf-8"?>
+<file path=ppt/slides/slide17.xml><?xml version="1.0" encoding="utf-8"?>
 <p:sld xmlns:a="http://schemas.openxmlformats.org/drawingml/2006/main" xmlns:r="http://schemas.openxmlformats.org/officeDocument/2006/relationships" xmlns:p="http://schemas.openxmlformats.org/presentationml/2006/main">
   <p:cSld>
     <p:spTree>
@@ -11399,7 +13036,7 @@
 </p:sld>
 </file>
 
-<file path=ppt/slides/slide17.xml><?xml version="1.0" encoding="utf-8"?>
+<file path=ppt/slides/slide18.xml><?xml version="1.0" encoding="utf-8"?>
 <p:sld xmlns:a="http://schemas.openxmlformats.org/drawingml/2006/main" xmlns:r="http://schemas.openxmlformats.org/officeDocument/2006/relationships" xmlns:p="http://schemas.openxmlformats.org/presentationml/2006/main">
   <p:cSld>
     <p:spTree>
@@ -11506,7 +13143,7 @@
 </p:sld>
 </file>
 
-<file path=ppt/slides/slide18.xml><?xml version="1.0" encoding="utf-8"?>
+<file path=ppt/slides/slide19.xml><?xml version="1.0" encoding="utf-8"?>
 <p:sld xmlns:a="http://schemas.openxmlformats.org/drawingml/2006/main" xmlns:r="http://schemas.openxmlformats.org/officeDocument/2006/relationships" xmlns:p="http://schemas.openxmlformats.org/presentationml/2006/main">
   <p:cSld>
     <p:spTree>
@@ -11653,7 +13290,7 @@
         </p:nvSpPr>
         <p:spPr>
           <a:xfrm>
-            <a:off x="6200775" y="3803650"/>
+            <a:off x="6142990" y="3803650"/>
             <a:ext cx="833755" cy="748030"/>
           </a:xfrm>
           <a:prstGeom prst="hexagon">
@@ -11768,7 +13405,7 @@
         </p:nvSpPr>
         <p:spPr>
           <a:xfrm>
-            <a:off x="3477895" y="5288915"/>
+            <a:off x="3477895" y="5346065"/>
             <a:ext cx="6861810" cy="368300"/>
           </a:xfrm>
           <a:prstGeom prst="rect">
@@ -11929,7 +13566,41 @@
 </p:sld>
 </file>
 
-<file path=ppt/slides/slide19.xml><?xml version="1.0" encoding="utf-8"?>
+<file path=ppt/slides/slide2.xml><?xml version="1.0" encoding="utf-8"?>
+<p:sld xmlns:a="http://schemas.openxmlformats.org/drawingml/2006/main" xmlns:r="http://schemas.openxmlformats.org/officeDocument/2006/relationships" xmlns:p="http://schemas.openxmlformats.org/presentationml/2006/main">
+  <p:cSld>
+    <p:spTree>
+      <p:nvGrpSpPr>
+        <p:cNvPr id="1" name=""/>
+        <p:cNvGrpSpPr/>
+        <p:nvPr/>
+      </p:nvGrpSpPr>
+      <p:grpSpPr/>
+      <p:graphicFrame>
+        <p:nvGraphicFramePr>
+          <p:cNvPr id="2" name="图表 1"/>
+          <p:cNvGraphicFramePr/>
+          <p:nvPr/>
+        </p:nvGraphicFramePr>
+        <p:xfrm>
+          <a:off x="2154555" y="692785"/>
+          <a:ext cx="8601710" cy="5538470"/>
+        </p:xfrm>
+        <a:graphic>
+          <a:graphicData uri="http://schemas.openxmlformats.org/drawingml/2006/chart">
+            <c:chart xmlns:c="http://schemas.openxmlformats.org/drawingml/2006/chart" xmlns:r="http://schemas.openxmlformats.org/officeDocument/2006/relationships" r:id="rId1"/>
+          </a:graphicData>
+        </a:graphic>
+      </p:graphicFrame>
+    </p:spTree>
+  </p:cSld>
+  <p:clrMapOvr>
+    <a:masterClrMapping/>
+  </p:clrMapOvr>
+</p:sld>
+</file>
+
+<file path=ppt/slides/slide20.xml><?xml version="1.0" encoding="utf-8"?>
 <p:sld xmlns:a="http://schemas.openxmlformats.org/drawingml/2006/main" xmlns:r="http://schemas.openxmlformats.org/officeDocument/2006/relationships" xmlns:p="http://schemas.openxmlformats.org/presentationml/2006/main">
   <p:cSld>
     <p:spTree>
@@ -13014,7 +14685,7 @@
 </p:sld>
 </file>
 
-<file path=ppt/slides/slide2.xml><?xml version="1.0" encoding="utf-8"?>
+<file path=ppt/slides/slide3.xml><?xml version="1.0" encoding="utf-8"?>
 <p:sld xmlns:a="http://schemas.openxmlformats.org/drawingml/2006/main" xmlns:r="http://schemas.openxmlformats.org/officeDocument/2006/relationships" xmlns:p="http://schemas.openxmlformats.org/presentationml/2006/main">
   <p:cSld>
     <p:spTree>
@@ -15442,7 +17113,7 @@
 </p:sld>
 </file>
 
-<file path=ppt/slides/slide3.xml><?xml version="1.0" encoding="utf-8"?>
+<file path=ppt/slides/slide4.xml><?xml version="1.0" encoding="utf-8"?>
 <p:sld xmlns:a="http://schemas.openxmlformats.org/drawingml/2006/main" xmlns:r="http://schemas.openxmlformats.org/officeDocument/2006/relationships" xmlns:p="http://schemas.openxmlformats.org/presentationml/2006/main">
   <p:cSld>
     <p:spTree>
@@ -16477,7 +18148,7 @@
 </p:sld>
 </file>
 
-<file path=ppt/slides/slide4.xml><?xml version="1.0" encoding="utf-8"?>
+<file path=ppt/slides/slide5.xml><?xml version="1.0" encoding="utf-8"?>
 <p:sld xmlns:a="http://schemas.openxmlformats.org/drawingml/2006/main" xmlns:r="http://schemas.openxmlformats.org/officeDocument/2006/relationships" xmlns:p="http://schemas.openxmlformats.org/presentationml/2006/main">
   <p:cSld>
     <p:spTree>
@@ -17716,7 +19387,7 @@
 </p:sld>
 </file>
 
-<file path=ppt/slides/slide5.xml><?xml version="1.0" encoding="utf-8"?>
+<file path=ppt/slides/slide6.xml><?xml version="1.0" encoding="utf-8"?>
 <p:sld xmlns:a="http://schemas.openxmlformats.org/drawingml/2006/main" xmlns:r="http://schemas.openxmlformats.org/officeDocument/2006/relationships" xmlns:p="http://schemas.openxmlformats.org/presentationml/2006/main">
   <p:cSld>
     <p:spTree>
@@ -18460,7 +20131,7 @@
 </p:sld>
 </file>
 
-<file path=ppt/slides/slide6.xml><?xml version="1.0" encoding="utf-8"?>
+<file path=ppt/slides/slide7.xml><?xml version="1.0" encoding="utf-8"?>
 <p:sld xmlns:a="http://schemas.openxmlformats.org/drawingml/2006/main" xmlns:r="http://schemas.openxmlformats.org/officeDocument/2006/relationships" xmlns:p="http://schemas.openxmlformats.org/presentationml/2006/main">
   <p:cSld>
     <p:spTree>
@@ -19118,7 +20789,7 @@
 </p:sld>
 </file>
 
-<file path=ppt/slides/slide7.xml><?xml version="1.0" encoding="utf-8"?>
+<file path=ppt/slides/slide8.xml><?xml version="1.0" encoding="utf-8"?>
 <p:sld xmlns:a="http://schemas.openxmlformats.org/drawingml/2006/main" xmlns:r="http://schemas.openxmlformats.org/officeDocument/2006/relationships" xmlns:p="http://schemas.openxmlformats.org/presentationml/2006/main">
   <p:cSld>
     <p:spTree>
@@ -19163,7 +20834,7 @@
 </p:sld>
 </file>
 
-<file path=ppt/slides/slide8.xml><?xml version="1.0" encoding="utf-8"?>
+<file path=ppt/slides/slide9.xml><?xml version="1.0" encoding="utf-8"?>
 <p:sld xmlns:a="http://schemas.openxmlformats.org/drawingml/2006/main" xmlns:r="http://schemas.openxmlformats.org/officeDocument/2006/relationships" xmlns:p="http://schemas.openxmlformats.org/presentationml/2006/main">
   <p:cSld>
     <p:spTree>
@@ -19833,673 +21504,6 @@
     </p:spTree>
     <p:custDataLst>
       <p:tags r:id="rId1"/>
-    </p:custDataLst>
-  </p:cSld>
-  <p:clrMapOvr>
-    <a:masterClrMapping/>
-  </p:clrMapOvr>
-</p:sld>
-</file>
-
-<file path=ppt/slides/slide9.xml><?xml version="1.0" encoding="utf-8"?>
-<p:sld xmlns:a="http://schemas.openxmlformats.org/drawingml/2006/main" xmlns:r="http://schemas.openxmlformats.org/officeDocument/2006/relationships" xmlns:p="http://schemas.openxmlformats.org/presentationml/2006/main">
-  <p:cSld>
-    <p:spTree>
-      <p:nvGrpSpPr>
-        <p:cNvPr id="1" name=""/>
-        <p:cNvGrpSpPr/>
-        <p:nvPr/>
-      </p:nvGrpSpPr>
-      <p:grpSpPr/>
-      <p:sp>
-        <p:nvSpPr>
-          <p:cNvPr id="4" name="矩形 3"/>
-          <p:cNvSpPr/>
-          <p:nvPr/>
-        </p:nvSpPr>
-        <p:spPr>
-          <a:xfrm>
-            <a:off x="2203450" y="1031240"/>
-            <a:ext cx="3325495" cy="4716145"/>
-          </a:xfrm>
-          <a:prstGeom prst="rect">
-            <a:avLst/>
-          </a:prstGeom>
-        </p:spPr>
-        <p:style>
-          <a:lnRef idx="2">
-            <a:schemeClr val="accent1"/>
-          </a:lnRef>
-          <a:fillRef idx="1">
-            <a:schemeClr val="lt1"/>
-          </a:fillRef>
-          <a:effectRef idx="0">
-            <a:schemeClr val="accent1"/>
-          </a:effectRef>
-          <a:fontRef idx="minor">
-            <a:schemeClr val="dk1"/>
-          </a:fontRef>
-        </p:style>
-        <p:txBody>
-          <a:bodyPr rtlCol="0" anchor="ctr"/>
-          <a:p>
-            <a:pPr algn="ctr"/>
-            <a:endParaRPr lang="zh-CN" altLang="en-US"/>
-          </a:p>
-        </p:txBody>
-      </p:sp>
-      <p:sp>
-        <p:nvSpPr>
-          <p:cNvPr id="5" name="矩形 4"/>
-          <p:cNvSpPr/>
-          <p:nvPr/>
-        </p:nvSpPr>
-        <p:spPr>
-          <a:xfrm>
-            <a:off x="2203450" y="5143500"/>
-            <a:ext cx="3316605" cy="584835"/>
-          </a:xfrm>
-          <a:prstGeom prst="rect">
-            <a:avLst/>
-          </a:prstGeom>
-        </p:spPr>
-        <p:style>
-          <a:lnRef idx="2">
-            <a:schemeClr val="accent1">
-              <a:shade val="50000"/>
-            </a:schemeClr>
-          </a:lnRef>
-          <a:fillRef idx="1">
-            <a:schemeClr val="accent1"/>
-          </a:fillRef>
-          <a:effectRef idx="0">
-            <a:schemeClr val="accent1"/>
-          </a:effectRef>
-          <a:fontRef idx="minor">
-            <a:schemeClr val="lt1"/>
-          </a:fontRef>
-        </p:style>
-        <p:txBody>
-          <a:bodyPr rtlCol="0" anchor="ctr"/>
-          <a:p>
-            <a:pPr algn="l"/>
-            <a:r>
-              <a:rPr lang="en-US" altLang="zh-CN"/>
-              <a:t>ens33</a:t>
-            </a:r>
-            <a:endParaRPr lang="en-US" altLang="zh-CN"/>
-          </a:p>
-          <a:p>
-            <a:pPr algn="l"/>
-            <a:r>
-              <a:rPr lang="en-US" altLang="zh-CN"/>
-              <a:t>192.168.92.160(kube-master)</a:t>
-            </a:r>
-            <a:endParaRPr lang="en-US" altLang="zh-CN"/>
-          </a:p>
-        </p:txBody>
-      </p:sp>
-      <p:sp>
-        <p:nvSpPr>
-          <p:cNvPr id="6" name="圆角矩形 5"/>
-          <p:cNvSpPr/>
-          <p:nvPr/>
-        </p:nvSpPr>
-        <p:spPr>
-          <a:xfrm>
-            <a:off x="3176270" y="1896745"/>
-            <a:ext cx="1370965" cy="488950"/>
-          </a:xfrm>
-          <a:prstGeom prst="roundRect">
-            <a:avLst/>
-          </a:prstGeom>
-        </p:spPr>
-        <p:style>
-          <a:lnRef idx="2">
-            <a:schemeClr val="accent2">
-              <a:shade val="50000"/>
-            </a:schemeClr>
-          </a:lnRef>
-          <a:fillRef idx="1">
-            <a:schemeClr val="accent2"/>
-          </a:fillRef>
-          <a:effectRef idx="0">
-            <a:schemeClr val="accent2"/>
-          </a:effectRef>
-          <a:fontRef idx="minor">
-            <a:schemeClr val="lt1"/>
-          </a:fontRef>
-        </p:style>
-        <p:txBody>
-          <a:bodyPr rtlCol="0" anchor="ctr"/>
-          <a:p>
-            <a:pPr algn="ctr"/>
-            <a:r>
-              <a:rPr lang="en-US" altLang="zh-CN"/>
-              <a:t>API Server</a:t>
-            </a:r>
-            <a:endParaRPr lang="en-US" altLang="zh-CN"/>
-          </a:p>
-        </p:txBody>
-      </p:sp>
-      <p:sp>
-        <p:nvSpPr>
-          <p:cNvPr id="7" name="圆角矩形 6"/>
-          <p:cNvSpPr/>
-          <p:nvPr/>
-        </p:nvSpPr>
-        <p:spPr>
-          <a:xfrm>
-            <a:off x="2330450" y="2480945"/>
-            <a:ext cx="1370965" cy="488950"/>
-          </a:xfrm>
-          <a:prstGeom prst="roundRect">
-            <a:avLst/>
-          </a:prstGeom>
-        </p:spPr>
-        <p:style>
-          <a:lnRef idx="2">
-            <a:schemeClr val="accent2">
-              <a:shade val="50000"/>
-            </a:schemeClr>
-          </a:lnRef>
-          <a:fillRef idx="1">
-            <a:schemeClr val="accent2"/>
-          </a:fillRef>
-          <a:effectRef idx="0">
-            <a:schemeClr val="accent2"/>
-          </a:effectRef>
-          <a:fontRef idx="minor">
-            <a:schemeClr val="lt1"/>
-          </a:fontRef>
-        </p:style>
-        <p:txBody>
-          <a:bodyPr rtlCol="0" anchor="ctr"/>
-          <a:p>
-            <a:pPr algn="ctr"/>
-            <a:r>
-              <a:rPr lang="en-US" altLang="zh-CN"/>
-              <a:t>Scheduler</a:t>
-            </a:r>
-            <a:endParaRPr lang="en-US" altLang="zh-CN"/>
-          </a:p>
-        </p:txBody>
-      </p:sp>
-      <p:sp>
-        <p:nvSpPr>
-          <p:cNvPr id="8" name="圆角矩形 7"/>
-          <p:cNvSpPr/>
-          <p:nvPr/>
-        </p:nvSpPr>
-        <p:spPr>
-          <a:xfrm>
-            <a:off x="4029075" y="2480945"/>
-            <a:ext cx="1370965" cy="488950"/>
-          </a:xfrm>
-          <a:prstGeom prst="roundRect">
-            <a:avLst/>
-          </a:prstGeom>
-        </p:spPr>
-        <p:style>
-          <a:lnRef idx="2">
-            <a:schemeClr val="accent2">
-              <a:shade val="50000"/>
-            </a:schemeClr>
-          </a:lnRef>
-          <a:fillRef idx="1">
-            <a:schemeClr val="accent2"/>
-          </a:fillRef>
-          <a:effectRef idx="0">
-            <a:schemeClr val="accent2"/>
-          </a:effectRef>
-          <a:fontRef idx="minor">
-            <a:schemeClr val="lt1"/>
-          </a:fontRef>
-        </p:style>
-        <p:txBody>
-          <a:bodyPr rtlCol="0" anchor="ctr"/>
-          <a:p>
-            <a:pPr algn="ctr"/>
-            <a:r>
-              <a:rPr lang="en-US" altLang="zh-CN"/>
-              <a:t>Controller</a:t>
-            </a:r>
-            <a:endParaRPr lang="en-US" altLang="zh-CN"/>
-          </a:p>
-          <a:p>
-            <a:pPr algn="ctr"/>
-            <a:r>
-              <a:rPr lang="en-US" altLang="zh-CN"/>
-              <a:t>Manager</a:t>
-            </a:r>
-            <a:endParaRPr lang="en-US" altLang="zh-CN"/>
-          </a:p>
-        </p:txBody>
-      </p:sp>
-      <p:grpSp>
-        <p:nvGrpSpPr>
-          <p:cNvPr id="12" name="组合 11"/>
-          <p:cNvGrpSpPr/>
-          <p:nvPr/>
-        </p:nvGrpSpPr>
-        <p:grpSpPr>
-          <a:xfrm>
-            <a:off x="3409315" y="3167380"/>
-            <a:ext cx="914400" cy="914400"/>
-            <a:chOff x="8086" y="5223"/>
-            <a:chExt cx="1440" cy="1440"/>
-          </a:xfrm>
-        </p:grpSpPr>
-        <p:pic>
-          <p:nvPicPr>
-            <p:cNvPr id="9" name="图片 8" descr="303b333634303538353bb3ddc2d6"/>
-            <p:cNvPicPr>
-              <a:picLocks noChangeAspect="1"/>
-            </p:cNvPicPr>
-            <p:nvPr/>
-          </p:nvPicPr>
-          <p:blipFill>
-            <a:blip r:embed="rId1">
-              <a:extLst>
-                <a:ext uri="{96DAC541-7B7A-43D3-8B79-37D633B846F1}">
-                  <asvg:svgBlip xmlns:asvg="http://schemas.microsoft.com/office/drawing/2016/SVG/main" r:embed="rId2"/>
-                </a:ext>
-              </a:extLst>
-            </a:blip>
-            <a:stretch>
-              <a:fillRect/>
-            </a:stretch>
-          </p:blipFill>
-          <p:spPr>
-            <a:xfrm>
-              <a:off x="8086" y="5223"/>
-              <a:ext cx="1440" cy="1440"/>
-            </a:xfrm>
-            <a:prstGeom prst="rect">
-              <a:avLst/>
-            </a:prstGeom>
-          </p:spPr>
-        </p:pic>
-        <p:sp>
-          <p:nvSpPr>
-            <p:cNvPr id="10" name="文本框 9"/>
-            <p:cNvSpPr txBox="1"/>
-            <p:nvPr/>
-          </p:nvSpPr>
-          <p:spPr>
-            <a:xfrm>
-              <a:off x="8181" y="5653"/>
-              <a:ext cx="1251" cy="580"/>
-            </a:xfrm>
-            <a:prstGeom prst="rect">
-              <a:avLst/>
-            </a:prstGeom>
-            <a:noFill/>
-          </p:spPr>
-          <p:txBody>
-            <a:bodyPr wrap="square" rtlCol="0">
-              <a:spAutoFit/>
-            </a:bodyPr>
-            <a:p>
-              <a:pPr algn="ctr"/>
-              <a:r>
-                <a:rPr lang="en-US" altLang="zh-CN"/>
-                <a:t>etcd</a:t>
-              </a:r>
-              <a:endParaRPr lang="en-US" altLang="zh-CN"/>
-            </a:p>
-          </p:txBody>
-        </p:sp>
-      </p:grpSp>
-      <p:sp>
-        <p:nvSpPr>
-          <p:cNvPr id="11" name="圆角矩形 10"/>
-          <p:cNvSpPr/>
-          <p:nvPr/>
-        </p:nvSpPr>
-        <p:spPr>
-          <a:xfrm>
-            <a:off x="2203450" y="4582795"/>
-            <a:ext cx="3317240" cy="488950"/>
-          </a:xfrm>
-          <a:prstGeom prst="roundRect">
-            <a:avLst/>
-          </a:prstGeom>
-        </p:spPr>
-        <p:style>
-          <a:lnRef idx="2">
-            <a:schemeClr val="accent2">
-              <a:shade val="50000"/>
-            </a:schemeClr>
-          </a:lnRef>
-          <a:fillRef idx="1">
-            <a:schemeClr val="accent2"/>
-          </a:fillRef>
-          <a:effectRef idx="0">
-            <a:schemeClr val="accent2"/>
-          </a:effectRef>
-          <a:fontRef idx="minor">
-            <a:schemeClr val="lt1"/>
-          </a:fontRef>
-        </p:style>
-        <p:txBody>
-          <a:bodyPr rtlCol="0" anchor="ctr"/>
-          <a:p>
-            <a:pPr algn="ctr"/>
-            <a:r>
-              <a:rPr lang="en-US" altLang="zh-CN"/>
-              <a:t>Overlay Network</a:t>
-            </a:r>
-            <a:endParaRPr lang="en-US" altLang="zh-CN"/>
-          </a:p>
-        </p:txBody>
-      </p:sp>
-      <p:sp>
-        <p:nvSpPr>
-          <p:cNvPr id="13" name="矩形 12"/>
-          <p:cNvSpPr/>
-          <p:nvPr/>
-        </p:nvSpPr>
-        <p:spPr>
-          <a:xfrm>
-            <a:off x="6155055" y="1031240"/>
-            <a:ext cx="3325495" cy="4716145"/>
-          </a:xfrm>
-          <a:prstGeom prst="rect">
-            <a:avLst/>
-          </a:prstGeom>
-        </p:spPr>
-        <p:style>
-          <a:lnRef idx="2">
-            <a:schemeClr val="accent1"/>
-          </a:lnRef>
-          <a:fillRef idx="1">
-            <a:schemeClr val="lt1"/>
-          </a:fillRef>
-          <a:effectRef idx="0">
-            <a:schemeClr val="accent1"/>
-          </a:effectRef>
-          <a:fontRef idx="minor">
-            <a:schemeClr val="dk1"/>
-          </a:fontRef>
-        </p:style>
-        <p:txBody>
-          <a:bodyPr rtlCol="0" anchor="ctr"/>
-          <a:p>
-            <a:pPr algn="ctr"/>
-            <a:endParaRPr lang="zh-CN" altLang="en-US"/>
-          </a:p>
-        </p:txBody>
-      </p:sp>
-      <p:sp>
-        <p:nvSpPr>
-          <p:cNvPr id="14" name="矩形 13"/>
-          <p:cNvSpPr/>
-          <p:nvPr/>
-        </p:nvSpPr>
-        <p:spPr>
-          <a:xfrm>
-            <a:off x="6155055" y="5143500"/>
-            <a:ext cx="3316605" cy="584835"/>
-          </a:xfrm>
-          <a:prstGeom prst="rect">
-            <a:avLst/>
-          </a:prstGeom>
-        </p:spPr>
-        <p:style>
-          <a:lnRef idx="2">
-            <a:schemeClr val="accent1">
-              <a:shade val="50000"/>
-            </a:schemeClr>
-          </a:lnRef>
-          <a:fillRef idx="1">
-            <a:schemeClr val="accent1"/>
-          </a:fillRef>
-          <a:effectRef idx="0">
-            <a:schemeClr val="accent1"/>
-          </a:effectRef>
-          <a:fontRef idx="minor">
-            <a:schemeClr val="lt1"/>
-          </a:fontRef>
-        </p:style>
-        <p:txBody>
-          <a:bodyPr rtlCol="0" anchor="ctr"/>
-          <a:p>
-            <a:pPr algn="l"/>
-            <a:r>
-              <a:rPr lang="en-US" altLang="zh-CN"/>
-              <a:t>ens33</a:t>
-            </a:r>
-            <a:endParaRPr lang="en-US" altLang="zh-CN"/>
-          </a:p>
-          <a:p>
-            <a:pPr algn="l"/>
-            <a:r>
-              <a:rPr lang="en-US" altLang="zh-CN"/>
-              <a:t>192.168.92.161(kube-worker)</a:t>
-            </a:r>
-            <a:endParaRPr lang="en-US" altLang="zh-CN"/>
-          </a:p>
-        </p:txBody>
-      </p:sp>
-      <p:sp>
-        <p:nvSpPr>
-          <p:cNvPr id="16" name="圆角矩形 15"/>
-          <p:cNvSpPr/>
-          <p:nvPr/>
-        </p:nvSpPr>
-        <p:spPr>
-          <a:xfrm>
-            <a:off x="6377940" y="1896745"/>
-            <a:ext cx="1370965" cy="488950"/>
-          </a:xfrm>
-          <a:prstGeom prst="roundRect">
-            <a:avLst/>
-          </a:prstGeom>
-        </p:spPr>
-        <p:style>
-          <a:lnRef idx="2">
-            <a:schemeClr val="accent2">
-              <a:shade val="50000"/>
-            </a:schemeClr>
-          </a:lnRef>
-          <a:fillRef idx="1">
-            <a:schemeClr val="accent2"/>
-          </a:fillRef>
-          <a:effectRef idx="0">
-            <a:schemeClr val="accent2"/>
-          </a:effectRef>
-          <a:fontRef idx="minor">
-            <a:schemeClr val="lt1"/>
-          </a:fontRef>
-        </p:style>
-        <p:txBody>
-          <a:bodyPr rtlCol="0" anchor="ctr"/>
-          <a:p>
-            <a:pPr algn="ctr"/>
-            <a:r>
-              <a:rPr lang="en-US" altLang="zh-CN"/>
-              <a:t>kubelet</a:t>
-            </a:r>
-            <a:endParaRPr lang="en-US" altLang="zh-CN"/>
-          </a:p>
-        </p:txBody>
-      </p:sp>
-      <p:sp>
-        <p:nvSpPr>
-          <p:cNvPr id="21" name="圆角矩形 20"/>
-          <p:cNvSpPr/>
-          <p:nvPr/>
-        </p:nvSpPr>
-        <p:spPr>
-          <a:xfrm>
-            <a:off x="6155055" y="4582795"/>
-            <a:ext cx="3317240" cy="488950"/>
-          </a:xfrm>
-          <a:prstGeom prst="roundRect">
-            <a:avLst/>
-          </a:prstGeom>
-        </p:spPr>
-        <p:style>
-          <a:lnRef idx="2">
-            <a:schemeClr val="accent2">
-              <a:shade val="50000"/>
-            </a:schemeClr>
-          </a:lnRef>
-          <a:fillRef idx="1">
-            <a:schemeClr val="accent2"/>
-          </a:fillRef>
-          <a:effectRef idx="0">
-            <a:schemeClr val="accent2"/>
-          </a:effectRef>
-          <a:fontRef idx="minor">
-            <a:schemeClr val="lt1"/>
-          </a:fontRef>
-        </p:style>
-        <p:txBody>
-          <a:bodyPr rtlCol="0" anchor="ctr"/>
-          <a:p>
-            <a:pPr algn="ctr"/>
-            <a:r>
-              <a:rPr lang="en-US" altLang="zh-CN"/>
-              <a:t>Overlay Network</a:t>
-            </a:r>
-            <a:endParaRPr lang="en-US" altLang="zh-CN"/>
-          </a:p>
-        </p:txBody>
-      </p:sp>
-      <p:sp>
-        <p:nvSpPr>
-          <p:cNvPr id="22" name="圆角矩形 21"/>
-          <p:cNvSpPr/>
-          <p:nvPr/>
-        </p:nvSpPr>
-        <p:spPr>
-          <a:xfrm>
-            <a:off x="7940040" y="1896745"/>
-            <a:ext cx="1370965" cy="488950"/>
-          </a:xfrm>
-          <a:prstGeom prst="roundRect">
-            <a:avLst/>
-          </a:prstGeom>
-        </p:spPr>
-        <p:style>
-          <a:lnRef idx="2">
-            <a:schemeClr val="accent2">
-              <a:shade val="50000"/>
-            </a:schemeClr>
-          </a:lnRef>
-          <a:fillRef idx="1">
-            <a:schemeClr val="accent2"/>
-          </a:fillRef>
-          <a:effectRef idx="0">
-            <a:schemeClr val="accent2"/>
-          </a:effectRef>
-          <a:fontRef idx="minor">
-            <a:schemeClr val="lt1"/>
-          </a:fontRef>
-        </p:style>
-        <p:txBody>
-          <a:bodyPr rtlCol="0" anchor="ctr"/>
-          <a:p>
-            <a:pPr algn="ctr"/>
-            <a:r>
-              <a:rPr lang="en-US" altLang="zh-CN"/>
-              <a:t>kube-proxy</a:t>
-            </a:r>
-            <a:endParaRPr lang="en-US" altLang="zh-CN"/>
-          </a:p>
-        </p:txBody>
-      </p:sp>
-      <p:sp>
-        <p:nvSpPr>
-          <p:cNvPr id="23" name="圆角矩形 22"/>
-          <p:cNvSpPr/>
-          <p:nvPr/>
-        </p:nvSpPr>
-        <p:spPr>
-          <a:xfrm>
-            <a:off x="2330450" y="1261110"/>
-            <a:ext cx="1370965" cy="488950"/>
-          </a:xfrm>
-          <a:prstGeom prst="roundRect">
-            <a:avLst/>
-          </a:prstGeom>
-        </p:spPr>
-        <p:style>
-          <a:lnRef idx="2">
-            <a:schemeClr val="accent2">
-              <a:shade val="50000"/>
-            </a:schemeClr>
-          </a:lnRef>
-          <a:fillRef idx="1">
-            <a:schemeClr val="accent2"/>
-          </a:fillRef>
-          <a:effectRef idx="0">
-            <a:schemeClr val="accent2"/>
-          </a:effectRef>
-          <a:fontRef idx="minor">
-            <a:schemeClr val="lt1"/>
-          </a:fontRef>
-        </p:style>
-        <p:txBody>
-          <a:bodyPr rtlCol="0" anchor="ctr"/>
-          <a:p>
-            <a:pPr algn="ctr"/>
-            <a:r>
-              <a:rPr lang="en-US" altLang="zh-CN"/>
-              <a:t>kubelet</a:t>
-            </a:r>
-            <a:endParaRPr lang="en-US" altLang="zh-CN"/>
-          </a:p>
-        </p:txBody>
-      </p:sp>
-      <p:sp>
-        <p:nvSpPr>
-          <p:cNvPr id="24" name="圆角矩形 23"/>
-          <p:cNvSpPr/>
-          <p:nvPr/>
-        </p:nvSpPr>
-        <p:spPr>
-          <a:xfrm>
-            <a:off x="4029075" y="1261110"/>
-            <a:ext cx="1370965" cy="488950"/>
-          </a:xfrm>
-          <a:prstGeom prst="roundRect">
-            <a:avLst/>
-          </a:prstGeom>
-        </p:spPr>
-        <p:style>
-          <a:lnRef idx="2">
-            <a:schemeClr val="accent2">
-              <a:shade val="50000"/>
-            </a:schemeClr>
-          </a:lnRef>
-          <a:fillRef idx="1">
-            <a:schemeClr val="accent2"/>
-          </a:fillRef>
-          <a:effectRef idx="0">
-            <a:schemeClr val="accent2"/>
-          </a:effectRef>
-          <a:fontRef idx="minor">
-            <a:schemeClr val="lt1"/>
-          </a:fontRef>
-        </p:style>
-        <p:txBody>
-          <a:bodyPr rtlCol="0" anchor="ctr"/>
-          <a:p>
-            <a:pPr algn="ctr"/>
-            <a:r>
-              <a:rPr lang="en-US" altLang="zh-CN"/>
-              <a:t>kube-proxy</a:t>
-            </a:r>
-            <a:endParaRPr lang="en-US" altLang="zh-CN"/>
-          </a:p>
-        </p:txBody>
-      </p:sp>
-    </p:spTree>
-    <p:custDataLst>
-      <p:tags r:id="rId3"/>
     </p:custDataLst>
   </p:cSld>
   <p:clrMapOvr>
@@ -22066,4 +23070,256 @@
     </a:ext>
   </a:extLst>
 </a:theme>
+</file>
+
+<file path=ppt/theme/themeOverride1.xml><?xml version="1.0" encoding="utf-8"?>
+<a:themeOverride xmlns:a="http://schemas.openxmlformats.org/drawingml/2006/main">
+  <a:clrScheme name="Office">
+    <a:dk1>
+      <a:sysClr val="windowText" lastClr="000000"/>
+    </a:dk1>
+    <a:lt1>
+      <a:sysClr val="window" lastClr="FFFFFF"/>
+    </a:lt1>
+    <a:dk2>
+      <a:srgbClr val="44546A"/>
+    </a:dk2>
+    <a:lt2>
+      <a:srgbClr val="E7E6E6"/>
+    </a:lt2>
+    <a:accent1>
+      <a:srgbClr val="5B9BD5"/>
+    </a:accent1>
+    <a:accent2>
+      <a:srgbClr val="ED7D31"/>
+    </a:accent2>
+    <a:accent3>
+      <a:srgbClr val="A5A5A5"/>
+    </a:accent3>
+    <a:accent4>
+      <a:srgbClr val="FFC000"/>
+    </a:accent4>
+    <a:accent5>
+      <a:srgbClr val="4472C4"/>
+    </a:accent5>
+    <a:accent6>
+      <a:srgbClr val="70AD47"/>
+    </a:accent6>
+    <a:hlink>
+      <a:srgbClr val="0563C1"/>
+    </a:hlink>
+    <a:folHlink>
+      <a:srgbClr val="954F72"/>
+    </a:folHlink>
+  </a:clrScheme>
+  <a:fontScheme name="Office">
+    <a:majorFont>
+      <a:latin typeface="Calibri Light"/>
+      <a:ea typeface=""/>
+      <a:cs typeface=""/>
+      <a:font script="Jpan" typeface="ＭＳ Ｐゴシック"/>
+      <a:font script="Hang" typeface="맑은 고딕"/>
+      <a:font script="Hans" typeface="宋体"/>
+      <a:font script="Hant" typeface="新細明體"/>
+      <a:font script="Arab" typeface="Times New Roman"/>
+      <a:font script="Hebr" typeface="Times New Roman"/>
+      <a:font script="Thai" typeface="Tahoma"/>
+      <a:font script="Ethi" typeface="Nyala"/>
+      <a:font script="Beng" typeface="Vrinda"/>
+      <a:font script="Gujr" typeface="Shruti"/>
+      <a:font script="Khmr" typeface="MoolBoran"/>
+      <a:font script="Knda" typeface="Tunga"/>
+      <a:font script="Guru" typeface="Raavi"/>
+      <a:font script="Cans" typeface="Euphemia"/>
+      <a:font script="Cher" typeface="Plantagenet Cherokee"/>
+      <a:font script="Yiii" typeface="Microsoft Yi Baiti"/>
+      <a:font script="Tibt" typeface="Microsoft Himalaya"/>
+      <a:font script="Thaa" typeface="MV Boli"/>
+      <a:font script="Deva" typeface="Mangal"/>
+      <a:font script="Telu" typeface="Gautami"/>
+      <a:font script="Taml" typeface="Latha"/>
+      <a:font script="Syrc" typeface="Estrangelo Edessa"/>
+      <a:font script="Orya" typeface="Kalinga"/>
+      <a:font script="Mlym" typeface="Kartika"/>
+      <a:font script="Laoo" typeface="DokChampa"/>
+      <a:font script="Sinh" typeface="Iskoola Pota"/>
+      <a:font script="Mong" typeface="Mongolian Baiti"/>
+      <a:font script="Viet" typeface="Times New Roman"/>
+      <a:font script="Uigh" typeface="Microsoft Uighur"/>
+      <a:font script="Geor" typeface="Sylfaen"/>
+    </a:majorFont>
+    <a:minorFont>
+      <a:latin typeface="Calibri"/>
+      <a:ea typeface=""/>
+      <a:cs typeface=""/>
+      <a:font script="Jpan" typeface="ＭＳ Ｐゴシック"/>
+      <a:font script="Hang" typeface="맑은 고딕"/>
+      <a:font script="Hans" typeface="宋体"/>
+      <a:font script="Hant" typeface="新細明體"/>
+      <a:font script="Arab" typeface="Arial"/>
+      <a:font script="Hebr" typeface="Arial"/>
+      <a:font script="Thai" typeface="Tahoma"/>
+      <a:font script="Ethi" typeface="Nyala"/>
+      <a:font script="Beng" typeface="Vrinda"/>
+      <a:font script="Gujr" typeface="Shruti"/>
+      <a:font script="Khmr" typeface="DaunPenh"/>
+      <a:font script="Knda" typeface="Tunga"/>
+      <a:font script="Guru" typeface="Raavi"/>
+      <a:font script="Cans" typeface="Euphemia"/>
+      <a:font script="Cher" typeface="Plantagenet Cherokee"/>
+      <a:font script="Yiii" typeface="Microsoft Yi Baiti"/>
+      <a:font script="Tibt" typeface="Microsoft Himalaya"/>
+      <a:font script="Thaa" typeface="MV Boli"/>
+      <a:font script="Deva" typeface="Mangal"/>
+      <a:font script="Telu" typeface="Gautami"/>
+      <a:font script="Taml" typeface="Latha"/>
+      <a:font script="Syrc" typeface="Estrangelo Edessa"/>
+      <a:font script="Orya" typeface="Kalinga"/>
+      <a:font script="Mlym" typeface="Kartika"/>
+      <a:font script="Laoo" typeface="DokChampa"/>
+      <a:font script="Sinh" typeface="Iskoola Pota"/>
+      <a:font script="Mong" typeface="Mongolian Baiti"/>
+      <a:font script="Viet" typeface="Arial"/>
+      <a:font script="Uigh" typeface="Microsoft Uighur"/>
+      <a:font script="Geor" typeface="Sylfaen"/>
+    </a:minorFont>
+  </a:fontScheme>
+  <a:fmtScheme name="Office">
+    <a:fillStyleLst>
+      <a:solidFill>
+        <a:schemeClr val="phClr"/>
+      </a:solidFill>
+      <a:gradFill rotWithShape="1">
+        <a:gsLst>
+          <a:gs pos="0">
+            <a:schemeClr val="phClr">
+              <a:lumMod val="110000"/>
+              <a:satMod val="105000"/>
+              <a:tint val="67000"/>
+            </a:schemeClr>
+          </a:gs>
+          <a:gs pos="50000">
+            <a:schemeClr val="phClr">
+              <a:lumMod val="105000"/>
+              <a:satMod val="103000"/>
+              <a:tint val="73000"/>
+            </a:schemeClr>
+          </a:gs>
+          <a:gs pos="100000">
+            <a:schemeClr val="phClr">
+              <a:lumMod val="105000"/>
+              <a:satMod val="109000"/>
+              <a:tint val="81000"/>
+            </a:schemeClr>
+          </a:gs>
+        </a:gsLst>
+        <a:lin ang="5400000" scaled="0"/>
+      </a:gradFill>
+      <a:gradFill rotWithShape="1">
+        <a:gsLst>
+          <a:gs pos="0">
+            <a:schemeClr val="phClr">
+              <a:satMod val="103000"/>
+              <a:lumMod val="102000"/>
+              <a:tint val="94000"/>
+            </a:schemeClr>
+          </a:gs>
+          <a:gs pos="50000">
+            <a:schemeClr val="phClr">
+              <a:satMod val="110000"/>
+              <a:lumMod val="100000"/>
+              <a:shade val="100000"/>
+            </a:schemeClr>
+          </a:gs>
+          <a:gs pos="100000">
+            <a:schemeClr val="phClr">
+              <a:lumMod val="99000"/>
+              <a:satMod val="120000"/>
+              <a:shade val="78000"/>
+            </a:schemeClr>
+          </a:gs>
+        </a:gsLst>
+        <a:lin ang="5400000" scaled="0"/>
+      </a:gradFill>
+    </a:fillStyleLst>
+    <a:lnStyleLst>
+      <a:ln w="6350" cap="flat" cmpd="sng" algn="ctr">
+        <a:solidFill>
+          <a:schemeClr val="phClr"/>
+        </a:solidFill>
+        <a:prstDash val="solid"/>
+        <a:miter lim="800000"/>
+      </a:ln>
+      <a:ln w="12700" cap="flat" cmpd="sng" algn="ctr">
+        <a:solidFill>
+          <a:schemeClr val="phClr"/>
+        </a:solidFill>
+        <a:prstDash val="solid"/>
+        <a:miter lim="800000"/>
+      </a:ln>
+      <a:ln w="19050" cap="flat" cmpd="sng" algn="ctr">
+        <a:solidFill>
+          <a:schemeClr val="phClr"/>
+        </a:solidFill>
+        <a:prstDash val="solid"/>
+        <a:miter lim="800000"/>
+      </a:ln>
+    </a:lnStyleLst>
+    <a:effectStyleLst>
+      <a:effectStyle>
+        <a:effectLst/>
+      </a:effectStyle>
+      <a:effectStyle>
+        <a:effectLst/>
+      </a:effectStyle>
+      <a:effectStyle>
+        <a:effectLst>
+          <a:outerShdw blurRad="57150" dist="19050" dir="5400000" algn="ctr" rotWithShape="0">
+            <a:srgbClr val="000000">
+              <a:alpha val="63000"/>
+            </a:srgbClr>
+          </a:outerShdw>
+        </a:effectLst>
+      </a:effectStyle>
+    </a:effectStyleLst>
+    <a:bgFillStyleLst>
+      <a:solidFill>
+        <a:schemeClr val="phClr"/>
+      </a:solidFill>
+      <a:solidFill>
+        <a:schemeClr val="phClr">
+          <a:tint val="95000"/>
+          <a:satMod val="170000"/>
+        </a:schemeClr>
+      </a:solidFill>
+      <a:gradFill rotWithShape="1">
+        <a:gsLst>
+          <a:gs pos="0">
+            <a:schemeClr val="phClr">
+              <a:tint val="93000"/>
+              <a:satMod val="150000"/>
+              <a:shade val="98000"/>
+              <a:lumMod val="102000"/>
+            </a:schemeClr>
+          </a:gs>
+          <a:gs pos="50000">
+            <a:schemeClr val="phClr">
+              <a:tint val="98000"/>
+              <a:satMod val="130000"/>
+              <a:shade val="90000"/>
+              <a:lumMod val="103000"/>
+            </a:schemeClr>
+          </a:gs>
+          <a:gs pos="100000">
+            <a:schemeClr val="phClr">
+              <a:shade val="63000"/>
+              <a:satMod val="120000"/>
+            </a:schemeClr>
+          </a:gs>
+        </a:gsLst>
+        <a:lin ang="5400000" scaled="0"/>
+      </a:gradFill>
+    </a:bgFillStyleLst>
+  </a:fmtScheme>
+</a:themeOverride>
 </file>